--- a/Viz.pptx
+++ b/Viz.pptx
@@ -5,13 +5,14 @@
     <p:sldMasterId id="2147483648" r:id="rId1"/>
   </p:sldMasterIdLst>
   <p:notesMasterIdLst>
-    <p:notesMasterId r:id="rId6"/>
+    <p:notesMasterId r:id="rId7"/>
   </p:notesMasterIdLst>
   <p:sldIdLst>
     <p:sldId id="256" r:id="rId2"/>
     <p:sldId id="257" r:id="rId3"/>
     <p:sldId id="258" r:id="rId4"/>
     <p:sldId id="259" r:id="rId5"/>
+    <p:sldId id="260" r:id="rId6"/>
   </p:sldIdLst>
   <p:sldSz cx="12192000" cy="6858000"/>
   <p:notesSz cx="6858000" cy="9144000"/>
@@ -121,7 +122,7 @@
 <file path=ppt/revisionInfo.xml><?xml version="1.0" encoding="utf-8"?>
 <p1510:revInfo xmlns:a="http://schemas.openxmlformats.org/drawingml/2006/main" xmlns:r="http://schemas.openxmlformats.org/officeDocument/2006/relationships" xmlns:p1510="http://schemas.microsoft.com/office/powerpoint/2015/10/main">
   <p1510:revLst>
-    <p1510:client id="{DC55FABE-5E4A-49A4-80C7-7195C027F1C1}" v="49" dt="2026-01-30T16:06:43.699"/>
+    <p1510:client id="{5F315C37-A57A-4B13-A8EF-FA31EC78C459}" v="11" dt="2026-01-31T21:57:31.939"/>
   </p1510:revLst>
 </p1510:revInfo>
 </file>
@@ -129,9 +130,169 @@
 <file path=ppt/changesInfos/changesInfo1.xml><?xml version="1.0" encoding="utf-8"?>
 <pc:chgInfo xmlns:a="http://schemas.openxmlformats.org/drawingml/2006/main" xmlns:r="http://schemas.openxmlformats.org/officeDocument/2006/relationships" xmlns:ac="http://schemas.microsoft.com/office/drawing/2013/main/command" xmlns:pc="http://schemas.microsoft.com/office/powerpoint/2013/main/command">
   <pc:docChgLst>
+    <pc:chgData name="Or Forshmit" userId="7c842d5c4cf4431e" providerId="LiveId" clId="{E409A72B-5ED7-4D73-9396-E605A8B45686}"/>
+    <pc:docChg chg="undo custSel addSld modSld">
+      <pc:chgData name="Or Forshmit" userId="7c842d5c4cf4431e" providerId="LiveId" clId="{E409A72B-5ED7-4D73-9396-E605A8B45686}" dt="2026-01-31T21:57:38.280" v="126" actId="14100"/>
+      <pc:docMkLst>
+        <pc:docMk/>
+      </pc:docMkLst>
+      <pc:sldChg chg="addSp delSp modSp new mod modNotesTx">
+        <pc:chgData name="Or Forshmit" userId="7c842d5c4cf4431e" providerId="LiveId" clId="{E409A72B-5ED7-4D73-9396-E605A8B45686}" dt="2026-01-31T21:57:38.280" v="126" actId="14100"/>
+        <pc:sldMkLst>
+          <pc:docMk/>
+          <pc:sldMk cId="1068988793" sldId="260"/>
+        </pc:sldMkLst>
+        <pc:spChg chg="del">
+          <ac:chgData name="Or Forshmit" userId="7c842d5c4cf4431e" providerId="LiveId" clId="{E409A72B-5ED7-4D73-9396-E605A8B45686}" dt="2026-01-31T21:51:47.930" v="28" actId="478"/>
+          <ac:spMkLst>
+            <pc:docMk/>
+            <pc:sldMk cId="1068988793" sldId="260"/>
+            <ac:spMk id="2" creationId="{E24E1EE2-3589-24AA-F20A-24E13FCDEE18}"/>
+          </ac:spMkLst>
+        </pc:spChg>
+        <pc:spChg chg="del">
+          <ac:chgData name="Or Forshmit" userId="7c842d5c4cf4431e" providerId="LiveId" clId="{E409A72B-5ED7-4D73-9396-E605A8B45686}" dt="2026-01-31T21:51:46.450" v="27" actId="478"/>
+          <ac:spMkLst>
+            <pc:docMk/>
+            <pc:sldMk cId="1068988793" sldId="260"/>
+            <ac:spMk id="3" creationId="{FC361BAC-1C47-71EC-C593-EB52F31A3E6B}"/>
+          </ac:spMkLst>
+        </pc:spChg>
+        <pc:spChg chg="add del">
+          <ac:chgData name="Or Forshmit" userId="7c842d5c4cf4431e" providerId="LiveId" clId="{E409A72B-5ED7-4D73-9396-E605A8B45686}" dt="2026-01-31T21:51:54.227" v="30" actId="22"/>
+          <ac:spMkLst>
+            <pc:docMk/>
+            <pc:sldMk cId="1068988793" sldId="260"/>
+            <ac:spMk id="5" creationId="{83ACB9A2-3131-6615-E48C-998BF8EBDC59}"/>
+          </ac:spMkLst>
+        </pc:spChg>
+        <pc:spChg chg="add del">
+          <ac:chgData name="Or Forshmit" userId="7c842d5c4cf4431e" providerId="LiveId" clId="{E409A72B-5ED7-4D73-9396-E605A8B45686}" dt="2026-01-31T21:52:50.265" v="35" actId="478"/>
+          <ac:spMkLst>
+            <pc:docMk/>
+            <pc:sldMk cId="1068988793" sldId="260"/>
+            <ac:spMk id="10" creationId="{8132D86D-38F8-04F0-E1F7-F1B77E99125F}"/>
+          </ac:spMkLst>
+        </pc:spChg>
+        <pc:spChg chg="add">
+          <ac:chgData name="Or Forshmit" userId="7c842d5c4cf4431e" providerId="LiveId" clId="{E409A72B-5ED7-4D73-9396-E605A8B45686}" dt="2026-01-31T21:53:08.555" v="36" actId="11529"/>
+          <ac:spMkLst>
+            <pc:docMk/>
+            <pc:sldMk cId="1068988793" sldId="260"/>
+            <ac:spMk id="11" creationId="{D75FD242-60A3-ABD7-C781-57F7FD4DEAA0}"/>
+          </ac:spMkLst>
+        </pc:spChg>
+        <pc:spChg chg="add mod">
+          <ac:chgData name="Or Forshmit" userId="7c842d5c4cf4431e" providerId="LiveId" clId="{E409A72B-5ED7-4D73-9396-E605A8B45686}" dt="2026-01-31T21:53:54.712" v="46" actId="208"/>
+          <ac:spMkLst>
+            <pc:docMk/>
+            <pc:sldMk cId="1068988793" sldId="260"/>
+            <ac:spMk id="12" creationId="{700E1494-AA88-80F6-C717-A84171B33D7B}"/>
+          </ac:spMkLst>
+        </pc:spChg>
+        <pc:spChg chg="add del mod">
+          <ac:chgData name="Or Forshmit" userId="7c842d5c4cf4431e" providerId="LiveId" clId="{E409A72B-5ED7-4D73-9396-E605A8B45686}" dt="2026-01-31T21:55:22.274" v="73" actId="478"/>
+          <ac:spMkLst>
+            <pc:docMk/>
+            <pc:sldMk cId="1068988793" sldId="260"/>
+            <ac:spMk id="13" creationId="{8C4AF863-7CCA-7E08-40BF-B5A1A673A3EB}"/>
+          </ac:spMkLst>
+        </pc:spChg>
+        <pc:spChg chg="add mod">
+          <ac:chgData name="Or Forshmit" userId="7c842d5c4cf4431e" providerId="LiveId" clId="{E409A72B-5ED7-4D73-9396-E605A8B45686}" dt="2026-01-31T21:54:24.862" v="55"/>
+          <ac:spMkLst>
+            <pc:docMk/>
+            <pc:sldMk cId="1068988793" sldId="260"/>
+            <ac:spMk id="14" creationId="{46DA66D7-BE07-56D9-E6F9-41DE04FEA553}"/>
+          </ac:spMkLst>
+        </pc:spChg>
+        <pc:spChg chg="add del mod">
+          <ac:chgData name="Or Forshmit" userId="7c842d5c4cf4431e" providerId="LiveId" clId="{E409A72B-5ED7-4D73-9396-E605A8B45686}" dt="2026-01-31T21:55:22.622" v="74" actId="478"/>
+          <ac:spMkLst>
+            <pc:docMk/>
+            <pc:sldMk cId="1068988793" sldId="260"/>
+            <ac:spMk id="15" creationId="{44BF8855-DAC5-E784-F6ED-75BDD807CD80}"/>
+          </ac:spMkLst>
+        </pc:spChg>
+        <pc:spChg chg="add mod">
+          <ac:chgData name="Or Forshmit" userId="7c842d5c4cf4431e" providerId="LiveId" clId="{E409A72B-5ED7-4D73-9396-E605A8B45686}" dt="2026-01-31T21:55:28.388" v="76"/>
+          <ac:spMkLst>
+            <pc:docMk/>
+            <pc:sldMk cId="1068988793" sldId="260"/>
+            <ac:spMk id="16" creationId="{F2C1C075-AF49-0653-1955-7606558A6055}"/>
+          </ac:spMkLst>
+        </pc:spChg>
+        <pc:spChg chg="add mod">
+          <ac:chgData name="Or Forshmit" userId="7c842d5c4cf4431e" providerId="LiveId" clId="{E409A72B-5ED7-4D73-9396-E605A8B45686}" dt="2026-01-31T21:56:16.714" v="104" actId="1037"/>
+          <ac:spMkLst>
+            <pc:docMk/>
+            <pc:sldMk cId="1068988793" sldId="260"/>
+            <ac:spMk id="17" creationId="{2CD65E07-AF44-10DA-6376-CBB35493F80D}"/>
+          </ac:spMkLst>
+        </pc:spChg>
+        <pc:spChg chg="add mod">
+          <ac:chgData name="Or Forshmit" userId="7c842d5c4cf4431e" providerId="LiveId" clId="{E409A72B-5ED7-4D73-9396-E605A8B45686}" dt="2026-01-31T21:56:57.034" v="115" actId="1076"/>
+          <ac:spMkLst>
+            <pc:docMk/>
+            <pc:sldMk cId="1068988793" sldId="260"/>
+            <ac:spMk id="18" creationId="{D721D6C3-2CB5-57D0-1600-D6A26867B519}"/>
+          </ac:spMkLst>
+        </pc:spChg>
+        <pc:cxnChg chg="add mod">
+          <ac:chgData name="Or Forshmit" userId="7c842d5c4cf4431e" providerId="LiveId" clId="{E409A72B-5ED7-4D73-9396-E605A8B45686}" dt="2026-01-31T21:52:07.942" v="32" actId="14100"/>
+          <ac:cxnSpMkLst>
+            <pc:docMk/>
+            <pc:sldMk cId="1068988793" sldId="260"/>
+            <ac:cxnSpMk id="6" creationId="{4DBEF1C2-C173-2332-AF9F-564B6B9BC786}"/>
+          </ac:cxnSpMkLst>
+        </pc:cxnChg>
+        <pc:cxnChg chg="add mod">
+          <ac:chgData name="Or Forshmit" userId="7c842d5c4cf4431e" providerId="LiveId" clId="{E409A72B-5ED7-4D73-9396-E605A8B45686}" dt="2026-01-31T21:52:18.367" v="33" actId="14100"/>
+          <ac:cxnSpMkLst>
+            <pc:docMk/>
+            <pc:sldMk cId="1068988793" sldId="260"/>
+            <ac:cxnSpMk id="7" creationId="{0BA6685B-49EC-6A97-D139-5ADD339B3D6E}"/>
+          </ac:cxnSpMkLst>
+        </pc:cxnChg>
+        <pc:cxnChg chg="add mod">
+          <ac:chgData name="Or Forshmit" userId="7c842d5c4cf4431e" providerId="LiveId" clId="{E409A72B-5ED7-4D73-9396-E605A8B45686}" dt="2026-01-31T21:57:17.116" v="117" actId="208"/>
+          <ac:cxnSpMkLst>
+            <pc:docMk/>
+            <pc:sldMk cId="1068988793" sldId="260"/>
+            <ac:cxnSpMk id="20" creationId="{EEC929AF-C75B-2C61-7CD4-4B9222C64880}"/>
+          </ac:cxnSpMkLst>
+        </pc:cxnChg>
+        <pc:cxnChg chg="add mod">
+          <ac:chgData name="Or Forshmit" userId="7c842d5c4cf4431e" providerId="LiveId" clId="{E409A72B-5ED7-4D73-9396-E605A8B45686}" dt="2026-01-31T21:57:24.723" v="120" actId="14100"/>
+          <ac:cxnSpMkLst>
+            <pc:docMk/>
+            <pc:sldMk cId="1068988793" sldId="260"/>
+            <ac:cxnSpMk id="21" creationId="{53A51444-C65D-36EB-A13B-2BF7C1978D28}"/>
+          </ac:cxnSpMkLst>
+        </pc:cxnChg>
+        <pc:cxnChg chg="add mod">
+          <ac:chgData name="Or Forshmit" userId="7c842d5c4cf4431e" providerId="LiveId" clId="{E409A72B-5ED7-4D73-9396-E605A8B45686}" dt="2026-01-31T21:57:30.792" v="123" actId="14100"/>
+          <ac:cxnSpMkLst>
+            <pc:docMk/>
+            <pc:sldMk cId="1068988793" sldId="260"/>
+            <ac:cxnSpMk id="24" creationId="{AEDF9C30-9FA7-3C24-B69C-12C0829A6CF6}"/>
+          </ac:cxnSpMkLst>
+        </pc:cxnChg>
+        <pc:cxnChg chg="add mod">
+          <ac:chgData name="Or Forshmit" userId="7c842d5c4cf4431e" providerId="LiveId" clId="{E409A72B-5ED7-4D73-9396-E605A8B45686}" dt="2026-01-31T21:57:38.280" v="126" actId="14100"/>
+          <ac:cxnSpMkLst>
+            <pc:docMk/>
+            <pc:sldMk cId="1068988793" sldId="260"/>
+            <ac:cxnSpMk id="27" creationId="{5F632C4C-55A9-EB56-55AC-AF11608DE7FE}"/>
+          </ac:cxnSpMkLst>
+        </pc:cxnChg>
+      </pc:sldChg>
+    </pc:docChg>
+  </pc:docChgLst>
+  <pc:docChgLst>
     <pc:chgData name="Or Forshmit" userId="7c842d5c4cf4431e" providerId="LiveId" clId="{3E18CC7B-CFC1-4E27-A1BD-24931C36162E}"/>
     <pc:docChg chg="undo custSel addSld modSld">
-      <pc:chgData name="Or Forshmit" userId="7c842d5c4cf4431e" providerId="LiveId" clId="{3E18CC7B-CFC1-4E27-A1BD-24931C36162E}" dt="2026-01-30T16:09:18.989" v="554" actId="1038"/>
+      <pc:chgData name="Or Forshmit" userId="7c842d5c4cf4431e" providerId="LiveId" clId="{3E18CC7B-CFC1-4E27-A1BD-24931C36162E}" dt="2026-01-31T22:04:45.036" v="581" actId="14100"/>
       <pc:docMkLst>
         <pc:docMk/>
       </pc:docMkLst>
@@ -451,52 +612,12 @@
             <ac:spMk id="13" creationId="{B9B7028E-F81B-3A9A-2E43-1B6EF687BE3A}"/>
           </ac:spMkLst>
         </pc:spChg>
-        <pc:spChg chg="del">
-          <ac:chgData name="Or Forshmit" userId="7c842d5c4cf4431e" providerId="LiveId" clId="{3E18CC7B-CFC1-4E27-A1BD-24931C36162E}" dt="2026-01-29T09:58:14.583" v="270" actId="478"/>
-          <ac:spMkLst>
-            <pc:docMk/>
-            <pc:sldMk cId="2258803986" sldId="258"/>
-            <ac:spMk id="14" creationId="{286C9988-5F25-7143-686F-F8BD1D0456D0}"/>
-          </ac:spMkLst>
-        </pc:spChg>
         <pc:spChg chg="add mod">
           <ac:chgData name="Or Forshmit" userId="7c842d5c4cf4431e" providerId="LiveId" clId="{3E18CC7B-CFC1-4E27-A1BD-24931C36162E}" dt="2026-01-29T10:17:18.079" v="327" actId="1076"/>
           <ac:spMkLst>
             <pc:docMk/>
             <pc:sldMk cId="2258803986" sldId="258"/>
             <ac:spMk id="14" creationId="{F960C091-DE29-617B-748C-BC2BAC7C0A21}"/>
-          </ac:spMkLst>
-        </pc:spChg>
-        <pc:spChg chg="add del mod">
-          <ac:chgData name="Or Forshmit" userId="7c842d5c4cf4431e" providerId="LiveId" clId="{3E18CC7B-CFC1-4E27-A1BD-24931C36162E}" dt="2026-01-29T10:11:59.537" v="313" actId="478"/>
-          <ac:spMkLst>
-            <pc:docMk/>
-            <pc:sldMk cId="2258803986" sldId="258"/>
-            <ac:spMk id="15" creationId="{92B38E89-670C-5E89-2710-0D854DB62BCD}"/>
-          </ac:spMkLst>
-        </pc:spChg>
-        <pc:spChg chg="add del mod">
-          <ac:chgData name="Or Forshmit" userId="7c842d5c4cf4431e" providerId="LiveId" clId="{3E18CC7B-CFC1-4E27-A1BD-24931C36162E}" dt="2026-01-29T10:11:56.473" v="311" actId="478"/>
-          <ac:spMkLst>
-            <pc:docMk/>
-            <pc:sldMk cId="2258803986" sldId="258"/>
-            <ac:spMk id="16" creationId="{87B21A3C-C0E3-E75B-750F-18F9FE5083B5}"/>
-          </ac:spMkLst>
-        </pc:spChg>
-        <pc:spChg chg="del">
-          <ac:chgData name="Or Forshmit" userId="7c842d5c4cf4431e" providerId="LiveId" clId="{3E18CC7B-CFC1-4E27-A1BD-24931C36162E}" dt="2026-01-29T09:58:14.583" v="270" actId="478"/>
-          <ac:spMkLst>
-            <pc:docMk/>
-            <pc:sldMk cId="2258803986" sldId="258"/>
-            <ac:spMk id="17" creationId="{9AFCC0E7-79B3-780A-5C9A-80F03FFD0188}"/>
-          </ac:spMkLst>
-        </pc:spChg>
-        <pc:spChg chg="add del mod">
-          <ac:chgData name="Or Forshmit" userId="7c842d5c4cf4431e" providerId="LiveId" clId="{3E18CC7B-CFC1-4E27-A1BD-24931C36162E}" dt="2026-01-29T10:11:58.073" v="312" actId="478"/>
-          <ac:spMkLst>
-            <pc:docMk/>
-            <pc:sldMk cId="2258803986" sldId="258"/>
-            <ac:spMk id="17" creationId="{EF572E3D-CA48-8B8F-6C10-F92201B583AC}"/>
           </ac:spMkLst>
         </pc:spChg>
         <pc:spChg chg="add mod">
@@ -523,44 +644,12 @@
             <ac:spMk id="20" creationId="{81FA3E40-8463-EF9E-64F9-971B6EA562C6}"/>
           </ac:spMkLst>
         </pc:spChg>
-        <pc:spChg chg="del">
-          <ac:chgData name="Or Forshmit" userId="7c842d5c4cf4431e" providerId="LiveId" clId="{3E18CC7B-CFC1-4E27-A1BD-24931C36162E}" dt="2026-01-29T09:58:12.458" v="269" actId="478"/>
-          <ac:spMkLst>
-            <pc:docMk/>
-            <pc:sldMk cId="2258803986" sldId="258"/>
-            <ac:spMk id="30" creationId="{82092573-BE66-D4DB-91C6-4E7185785739}"/>
-          </ac:spMkLst>
-        </pc:spChg>
-        <pc:spChg chg="del">
-          <ac:chgData name="Or Forshmit" userId="7c842d5c4cf4431e" providerId="LiveId" clId="{3E18CC7B-CFC1-4E27-A1BD-24931C36162E}" dt="2026-01-29T09:58:12.458" v="269" actId="478"/>
-          <ac:spMkLst>
-            <pc:docMk/>
-            <pc:sldMk cId="2258803986" sldId="258"/>
-            <ac:spMk id="33" creationId="{CC56E2EE-34BC-5E58-2FA9-D1C20EA1C046}"/>
-          </ac:spMkLst>
-        </pc:spChg>
-        <pc:spChg chg="del">
-          <ac:chgData name="Or Forshmit" userId="7c842d5c4cf4431e" providerId="LiveId" clId="{3E18CC7B-CFC1-4E27-A1BD-24931C36162E}" dt="2026-01-29T09:58:12.458" v="269" actId="478"/>
-          <ac:spMkLst>
-            <pc:docMk/>
-            <pc:sldMk cId="2258803986" sldId="258"/>
-            <ac:spMk id="34" creationId="{DB1F5C8D-1370-2F3E-5C65-7BD7822B67CD}"/>
-          </ac:spMkLst>
-        </pc:spChg>
         <pc:cxnChg chg="add mod">
           <ac:chgData name="Or Forshmit" userId="7c842d5c4cf4431e" providerId="LiveId" clId="{3E18CC7B-CFC1-4E27-A1BD-24931C36162E}" dt="2026-01-29T10:11:50.370" v="309" actId="1076"/>
           <ac:cxnSpMkLst>
             <pc:docMk/>
             <pc:sldMk cId="2258803986" sldId="258"/>
             <ac:cxnSpMk id="10" creationId="{70D744C5-AA3E-C934-53A8-26F2A89B7B4D}"/>
-          </ac:cxnSpMkLst>
-        </pc:cxnChg>
-        <pc:cxnChg chg="del">
-          <ac:chgData name="Or Forshmit" userId="7c842d5c4cf4431e" providerId="LiveId" clId="{3E18CC7B-CFC1-4E27-A1BD-24931C36162E}" dt="2026-01-29T09:58:44.229" v="291" actId="478"/>
-          <ac:cxnSpMkLst>
-            <pc:docMk/>
-            <pc:sldMk cId="2258803986" sldId="258"/>
-            <ac:cxnSpMk id="10" creationId="{F749B518-E60D-5038-E816-A71CC054A2A7}"/>
           </ac:cxnSpMkLst>
         </pc:cxnChg>
         <pc:cxnChg chg="add mod">
@@ -569,118 +658,6 @@
             <pc:docMk/>
             <pc:sldMk cId="2258803986" sldId="258"/>
             <ac:cxnSpMk id="11" creationId="{512D2B9A-A46B-2D6A-5CBB-56235B5B95E3}"/>
-          </ac:cxnSpMkLst>
-        </pc:cxnChg>
-        <pc:cxnChg chg="del">
-          <ac:chgData name="Or Forshmit" userId="7c842d5c4cf4431e" providerId="LiveId" clId="{3E18CC7B-CFC1-4E27-A1BD-24931C36162E}" dt="2026-01-29T09:58:44.229" v="291" actId="478"/>
-          <ac:cxnSpMkLst>
-            <pc:docMk/>
-            <pc:sldMk cId="2258803986" sldId="258"/>
-            <ac:cxnSpMk id="11" creationId="{5C919DDE-216E-13C7-7CEC-BC6CC9EF56D5}"/>
-          </ac:cxnSpMkLst>
-        </pc:cxnChg>
-        <pc:cxnChg chg="del">
-          <ac:chgData name="Or Forshmit" userId="7c842d5c4cf4431e" providerId="LiveId" clId="{3E18CC7B-CFC1-4E27-A1BD-24931C36162E}" dt="2026-01-29T09:58:14.583" v="270" actId="478"/>
-          <ac:cxnSpMkLst>
-            <pc:docMk/>
-            <pc:sldMk cId="2258803986" sldId="258"/>
-            <ac:cxnSpMk id="12" creationId="{91868F6D-CA1E-5E20-8E19-D962E6C383FE}"/>
-          </ac:cxnSpMkLst>
-        </pc:cxnChg>
-        <pc:cxnChg chg="del">
-          <ac:chgData name="Or Forshmit" userId="7c842d5c4cf4431e" providerId="LiveId" clId="{3E18CC7B-CFC1-4E27-A1BD-24931C36162E}" dt="2026-01-29T09:58:14.583" v="270" actId="478"/>
-          <ac:cxnSpMkLst>
-            <pc:docMk/>
-            <pc:sldMk cId="2258803986" sldId="258"/>
-            <ac:cxnSpMk id="13" creationId="{F02F9B62-9B25-D117-26C5-C007F5F8B9FC}"/>
-          </ac:cxnSpMkLst>
-        </pc:cxnChg>
-        <pc:cxnChg chg="del">
-          <ac:chgData name="Or Forshmit" userId="7c842d5c4cf4431e" providerId="LiveId" clId="{3E18CC7B-CFC1-4E27-A1BD-24931C36162E}" dt="2026-01-29T09:58:14.583" v="270" actId="478"/>
-          <ac:cxnSpMkLst>
-            <pc:docMk/>
-            <pc:sldMk cId="2258803986" sldId="258"/>
-            <ac:cxnSpMk id="15" creationId="{2AD57104-E072-E398-6563-10E74A2B38A3}"/>
-          </ac:cxnSpMkLst>
-        </pc:cxnChg>
-        <pc:cxnChg chg="del">
-          <ac:chgData name="Or Forshmit" userId="7c842d5c4cf4431e" providerId="LiveId" clId="{3E18CC7B-CFC1-4E27-A1BD-24931C36162E}" dt="2026-01-29T09:58:14.583" v="270" actId="478"/>
-          <ac:cxnSpMkLst>
-            <pc:docMk/>
-            <pc:sldMk cId="2258803986" sldId="258"/>
-            <ac:cxnSpMk id="16" creationId="{AF5BB46E-ECC8-70B6-7BFC-0203E08E8A8D}"/>
-          </ac:cxnSpMkLst>
-        </pc:cxnChg>
-        <pc:cxnChg chg="del">
-          <ac:chgData name="Or Forshmit" userId="7c842d5c4cf4431e" providerId="LiveId" clId="{3E18CC7B-CFC1-4E27-A1BD-24931C36162E}" dt="2026-01-29T09:58:14.583" v="270" actId="478"/>
-          <ac:cxnSpMkLst>
-            <pc:docMk/>
-            <pc:sldMk cId="2258803986" sldId="258"/>
-            <ac:cxnSpMk id="18" creationId="{A6BCCAAD-20ED-EC4D-40B5-CE77C19912BF}"/>
-          </ac:cxnSpMkLst>
-        </pc:cxnChg>
-        <pc:cxnChg chg="del">
-          <ac:chgData name="Or Forshmit" userId="7c842d5c4cf4431e" providerId="LiveId" clId="{3E18CC7B-CFC1-4E27-A1BD-24931C36162E}" dt="2026-01-29T09:58:14.583" v="270" actId="478"/>
-          <ac:cxnSpMkLst>
-            <pc:docMk/>
-            <pc:sldMk cId="2258803986" sldId="258"/>
-            <ac:cxnSpMk id="23" creationId="{2F3BB4A1-C76E-9F16-A22D-1E06611C3865}"/>
-          </ac:cxnSpMkLst>
-        </pc:cxnChg>
-        <pc:cxnChg chg="del">
-          <ac:chgData name="Or Forshmit" userId="7c842d5c4cf4431e" providerId="LiveId" clId="{3E18CC7B-CFC1-4E27-A1BD-24931C36162E}" dt="2026-01-29T09:58:12.458" v="269" actId="478"/>
-          <ac:cxnSpMkLst>
-            <pc:docMk/>
-            <pc:sldMk cId="2258803986" sldId="258"/>
-            <ac:cxnSpMk id="28" creationId="{02DACEFD-B0D6-3326-6E3B-C03C7C8C51FA}"/>
-          </ac:cxnSpMkLst>
-        </pc:cxnChg>
-        <pc:cxnChg chg="del">
-          <ac:chgData name="Or Forshmit" userId="7c842d5c4cf4431e" providerId="LiveId" clId="{3E18CC7B-CFC1-4E27-A1BD-24931C36162E}" dt="2026-01-29T09:58:12.458" v="269" actId="478"/>
-          <ac:cxnSpMkLst>
-            <pc:docMk/>
-            <pc:sldMk cId="2258803986" sldId="258"/>
-            <ac:cxnSpMk id="29" creationId="{BD8A9420-0D13-C500-19B4-51CAE7B51472}"/>
-          </ac:cxnSpMkLst>
-        </pc:cxnChg>
-        <pc:cxnChg chg="del">
-          <ac:chgData name="Or Forshmit" userId="7c842d5c4cf4431e" providerId="LiveId" clId="{3E18CC7B-CFC1-4E27-A1BD-24931C36162E}" dt="2026-01-29T09:58:12.458" v="269" actId="478"/>
-          <ac:cxnSpMkLst>
-            <pc:docMk/>
-            <pc:sldMk cId="2258803986" sldId="258"/>
-            <ac:cxnSpMk id="31" creationId="{652D9DF3-A9E4-E9BF-DCED-71E703B52D01}"/>
-          </ac:cxnSpMkLst>
-        </pc:cxnChg>
-        <pc:cxnChg chg="del">
-          <ac:chgData name="Or Forshmit" userId="7c842d5c4cf4431e" providerId="LiveId" clId="{3E18CC7B-CFC1-4E27-A1BD-24931C36162E}" dt="2026-01-29T09:58:12.458" v="269" actId="478"/>
-          <ac:cxnSpMkLst>
-            <pc:docMk/>
-            <pc:sldMk cId="2258803986" sldId="258"/>
-            <ac:cxnSpMk id="32" creationId="{915700FC-ECDB-BE3E-6A83-B0A4C9F731AE}"/>
-          </ac:cxnSpMkLst>
-        </pc:cxnChg>
-        <pc:cxnChg chg="del">
-          <ac:chgData name="Or Forshmit" userId="7c842d5c4cf4431e" providerId="LiveId" clId="{3E18CC7B-CFC1-4E27-A1BD-24931C36162E}" dt="2026-01-29T09:58:12.458" v="269" actId="478"/>
-          <ac:cxnSpMkLst>
-            <pc:docMk/>
-            <pc:sldMk cId="2258803986" sldId="258"/>
-            <ac:cxnSpMk id="41" creationId="{05246B3D-CA24-D074-BF23-B12D331ACC1A}"/>
-          </ac:cxnSpMkLst>
-        </pc:cxnChg>
-        <pc:cxnChg chg="del">
-          <ac:chgData name="Or Forshmit" userId="7c842d5c4cf4431e" providerId="LiveId" clId="{3E18CC7B-CFC1-4E27-A1BD-24931C36162E}" dt="2026-01-29T09:58:12.458" v="269" actId="478"/>
-          <ac:cxnSpMkLst>
-            <pc:docMk/>
-            <pc:sldMk cId="2258803986" sldId="258"/>
-            <ac:cxnSpMk id="55" creationId="{9BC00AD5-D0CC-5EAA-C72D-03EC95276EF0}"/>
-          </ac:cxnSpMkLst>
-        </pc:cxnChg>
-        <pc:cxnChg chg="del">
-          <ac:chgData name="Or Forshmit" userId="7c842d5c4cf4431e" providerId="LiveId" clId="{3E18CC7B-CFC1-4E27-A1BD-24931C36162E}" dt="2026-01-29T09:58:12.458" v="269" actId="478"/>
-          <ac:cxnSpMkLst>
-            <pc:docMk/>
-            <pc:sldMk cId="2258803986" sldId="258"/>
-            <ac:cxnSpMk id="61" creationId="{EA0CAEDF-7F09-2C00-FC45-505F2F13A6EC}"/>
           </ac:cxnSpMkLst>
         </pc:cxnChg>
       </pc:sldChg>
@@ -880,6 +857,93 @@
             <pc:docMk/>
             <pc:sldMk cId="2855367001" sldId="259"/>
             <ac:cxnSpMk id="28" creationId="{1E24F959-3375-6A4D-9F5F-565EF652A9C3}"/>
+          </ac:cxnSpMkLst>
+        </pc:cxnChg>
+      </pc:sldChg>
+      <pc:sldChg chg="delSp modSp mod">
+        <pc:chgData name="Or Forshmit" userId="7c842d5c4cf4431e" providerId="LiveId" clId="{3E18CC7B-CFC1-4E27-A1BD-24931C36162E}" dt="2026-01-31T22:04:45.036" v="581" actId="14100"/>
+        <pc:sldMkLst>
+          <pc:docMk/>
+          <pc:sldMk cId="1068988793" sldId="260"/>
+        </pc:sldMkLst>
+        <pc:spChg chg="mod">
+          <ac:chgData name="Or Forshmit" userId="7c842d5c4cf4431e" providerId="LiveId" clId="{3E18CC7B-CFC1-4E27-A1BD-24931C36162E}" dt="2026-01-31T22:03:31.586" v="561" actId="14100"/>
+          <ac:spMkLst>
+            <pc:docMk/>
+            <pc:sldMk cId="1068988793" sldId="260"/>
+            <ac:spMk id="11" creationId="{D75FD242-60A3-ABD7-C781-57F7FD4DEAA0}"/>
+          </ac:spMkLst>
+        </pc:spChg>
+        <pc:spChg chg="mod">
+          <ac:chgData name="Or Forshmit" userId="7c842d5c4cf4431e" providerId="LiveId" clId="{3E18CC7B-CFC1-4E27-A1BD-24931C36162E}" dt="2026-01-31T22:03:41.268" v="563" actId="1076"/>
+          <ac:spMkLst>
+            <pc:docMk/>
+            <pc:sldMk cId="1068988793" sldId="260"/>
+            <ac:spMk id="12" creationId="{700E1494-AA88-80F6-C717-A84171B33D7B}"/>
+          </ac:spMkLst>
+        </pc:spChg>
+        <pc:spChg chg="del mod">
+          <ac:chgData name="Or Forshmit" userId="7c842d5c4cf4431e" providerId="LiveId" clId="{3E18CC7B-CFC1-4E27-A1BD-24931C36162E}" dt="2026-01-31T22:04:03.595" v="571" actId="478"/>
+          <ac:spMkLst>
+            <pc:docMk/>
+            <pc:sldMk cId="1068988793" sldId="260"/>
+            <ac:spMk id="13" creationId="{8C4AF863-7CCA-7E08-40BF-B5A1A673A3EB}"/>
+          </ac:spMkLst>
+        </pc:spChg>
+        <pc:spChg chg="del mod">
+          <ac:chgData name="Or Forshmit" userId="7c842d5c4cf4431e" providerId="LiveId" clId="{3E18CC7B-CFC1-4E27-A1BD-24931C36162E}" dt="2026-01-31T22:04:00.961" v="569" actId="478"/>
+          <ac:spMkLst>
+            <pc:docMk/>
+            <pc:sldMk cId="1068988793" sldId="260"/>
+            <ac:spMk id="15" creationId="{44BF8855-DAC5-E784-F6ED-75BDD807CD80}"/>
+          </ac:spMkLst>
+        </pc:spChg>
+        <pc:spChg chg="del mod">
+          <ac:chgData name="Or Forshmit" userId="7c842d5c4cf4431e" providerId="LiveId" clId="{3E18CC7B-CFC1-4E27-A1BD-24931C36162E}" dt="2026-01-31T22:04:02.950" v="570" actId="478"/>
+          <ac:spMkLst>
+            <pc:docMk/>
+            <pc:sldMk cId="1068988793" sldId="260"/>
+            <ac:spMk id="17" creationId="{2CD65E07-AF44-10DA-6376-CBB35493F80D}"/>
+          </ac:spMkLst>
+        </pc:spChg>
+        <pc:spChg chg="del mod">
+          <ac:chgData name="Or Forshmit" userId="7c842d5c4cf4431e" providerId="LiveId" clId="{3E18CC7B-CFC1-4E27-A1BD-24931C36162E}" dt="2026-01-31T22:04:04.714" v="572" actId="478"/>
+          <ac:spMkLst>
+            <pc:docMk/>
+            <pc:sldMk cId="1068988793" sldId="260"/>
+            <ac:spMk id="18" creationId="{D721D6C3-2CB5-57D0-1600-D6A26867B519}"/>
+          </ac:spMkLst>
+        </pc:spChg>
+        <pc:cxnChg chg="mod">
+          <ac:chgData name="Or Forshmit" userId="7c842d5c4cf4431e" providerId="LiveId" clId="{3E18CC7B-CFC1-4E27-A1BD-24931C36162E}" dt="2026-01-31T22:04:45.036" v="581" actId="14100"/>
+          <ac:cxnSpMkLst>
+            <pc:docMk/>
+            <pc:sldMk cId="1068988793" sldId="260"/>
+            <ac:cxnSpMk id="20" creationId="{EEC929AF-C75B-2C61-7CD4-4B9222C64880}"/>
+          </ac:cxnSpMkLst>
+        </pc:cxnChg>
+        <pc:cxnChg chg="mod">
+          <ac:chgData name="Or Forshmit" userId="7c842d5c4cf4431e" providerId="LiveId" clId="{3E18CC7B-CFC1-4E27-A1BD-24931C36162E}" dt="2026-01-31T22:04:17.401" v="575" actId="14100"/>
+          <ac:cxnSpMkLst>
+            <pc:docMk/>
+            <pc:sldMk cId="1068988793" sldId="260"/>
+            <ac:cxnSpMk id="21" creationId="{53A51444-C65D-36EB-A13B-2BF7C1978D28}"/>
+          </ac:cxnSpMkLst>
+        </pc:cxnChg>
+        <pc:cxnChg chg="mod">
+          <ac:chgData name="Or Forshmit" userId="7c842d5c4cf4431e" providerId="LiveId" clId="{3E18CC7B-CFC1-4E27-A1BD-24931C36162E}" dt="2026-01-31T22:04:29.648" v="578" actId="14100"/>
+          <ac:cxnSpMkLst>
+            <pc:docMk/>
+            <pc:sldMk cId="1068988793" sldId="260"/>
+            <ac:cxnSpMk id="24" creationId="{AEDF9C30-9FA7-3C24-B69C-12C0829A6CF6}"/>
+          </ac:cxnSpMkLst>
+        </pc:cxnChg>
+        <pc:cxnChg chg="mod">
+          <ac:chgData name="Or Forshmit" userId="7c842d5c4cf4431e" providerId="LiveId" clId="{3E18CC7B-CFC1-4E27-A1BD-24931C36162E}" dt="2026-01-31T22:04:37.036" v="580" actId="14100"/>
+          <ac:cxnSpMkLst>
+            <pc:docMk/>
+            <pc:sldMk cId="1068988793" sldId="260"/>
+            <ac:cxnSpMk id="27" creationId="{5F632C4C-55A9-EB56-55AC-AF11608DE7FE}"/>
           </ac:cxnSpMkLst>
         </pc:cxnChg>
       </pc:sldChg>
@@ -970,7 +1034,7 @@
           <a:p>
             <a:fld id="{45E6FCBF-32B6-47D0-9AE4-AC041F07E2DD}" type="datetimeFigureOut">
               <a:rPr lang="en-GB" smtClean="0"/>
-              <a:t>30/01/2026</a:t>
+              <a:t>31/01/2026</a:t>
             </a:fld>
             <a:endParaRPr lang="en-GB"/>
           </a:p>
@@ -1638,6 +1702,94 @@
 </p:notes>
 </file>
 
+<file path=ppt/notesSlides/notesSlide5.xml><?xml version="1.0" encoding="utf-8"?>
+<p:notes xmlns:a="http://schemas.openxmlformats.org/drawingml/2006/main" xmlns:r="http://schemas.openxmlformats.org/officeDocument/2006/relationships" xmlns:p="http://schemas.openxmlformats.org/presentationml/2006/main">
+  <p:cSld>
+    <p:spTree>
+      <p:nvGrpSpPr>
+        <p:cNvPr id="1" name=""/>
+        <p:cNvGrpSpPr/>
+        <p:nvPr/>
+      </p:nvGrpSpPr>
+      <p:grpSpPr>
+        <a:xfrm>
+          <a:off x="0" y="0"/>
+          <a:ext cx="0" cy="0"/>
+          <a:chOff x="0" y="0"/>
+          <a:chExt cx="0" cy="0"/>
+        </a:xfrm>
+      </p:grpSpPr>
+      <p:sp>
+        <p:nvSpPr>
+          <p:cNvPr id="2" name="Slide Image Placeholder 1"/>
+          <p:cNvSpPr>
+            <a:spLocks noGrp="1" noRot="1" noChangeAspect="1"/>
+          </p:cNvSpPr>
+          <p:nvPr>
+            <p:ph type="sldImg"/>
+          </p:nvPr>
+        </p:nvSpPr>
+        <p:spPr/>
+      </p:sp>
+      <p:sp>
+        <p:nvSpPr>
+          <p:cNvPr id="3" name="Notes Placeholder 2"/>
+          <p:cNvSpPr>
+            <a:spLocks noGrp="1"/>
+          </p:cNvSpPr>
+          <p:nvPr>
+            <p:ph type="body" idx="1"/>
+          </p:nvPr>
+        </p:nvSpPr>
+        <p:spPr/>
+        <p:txBody>
+          <a:bodyPr/>
+          <a:lstStyle/>
+          <a:p>
+            <a:r>
+              <a:rPr lang="he-IL" dirty="0"/>
+              <a:t>הרצאה 7 – שקף 25 – 01:32</a:t>
+            </a:r>
+            <a:endParaRPr lang="en-IL" dirty="0"/>
+          </a:p>
+        </p:txBody>
+      </p:sp>
+      <p:sp>
+        <p:nvSpPr>
+          <p:cNvPr id="4" name="Slide Number Placeholder 3"/>
+          <p:cNvSpPr>
+            <a:spLocks noGrp="1"/>
+          </p:cNvSpPr>
+          <p:nvPr>
+            <p:ph type="sldNum" sz="quarter" idx="5"/>
+          </p:nvPr>
+        </p:nvSpPr>
+        <p:spPr/>
+        <p:txBody>
+          <a:bodyPr/>
+          <a:lstStyle/>
+          <a:p>
+            <a:fld id="{DD82491D-C4AE-4DEA-AA61-27B830F6AD43}" type="slidenum">
+              <a:rPr lang="en-GB" smtClean="0"/>
+              <a:t>5</a:t>
+            </a:fld>
+            <a:endParaRPr lang="en-GB"/>
+          </a:p>
+        </p:txBody>
+      </p:sp>
+    </p:spTree>
+    <p:extLst>
+      <p:ext uri="{BB962C8B-B14F-4D97-AF65-F5344CB8AC3E}">
+        <p14:creationId xmlns:p14="http://schemas.microsoft.com/office/powerpoint/2010/main" val="2108794380"/>
+      </p:ext>
+    </p:extLst>
+  </p:cSld>
+  <p:clrMapOvr>
+    <a:masterClrMapping/>
+  </p:clrMapOvr>
+</p:notes>
+</file>
+
 <file path=ppt/slideLayouts/slideLayout1.xml><?xml version="1.0" encoding="utf-8"?>
 <p:sldLayout xmlns:a="http://schemas.openxmlformats.org/drawingml/2006/main" xmlns:r="http://schemas.openxmlformats.org/officeDocument/2006/relationships" xmlns:p="http://schemas.openxmlformats.org/presentationml/2006/main" type="title" preserve="1">
   <p:cSld name="Title Slide">
@@ -1787,7 +1939,7 @@
           <a:p>
             <a:fld id="{94F658A5-19D4-4454-889E-14DA804222B5}" type="datetimeFigureOut">
               <a:rPr lang="en-GB" smtClean="0"/>
-              <a:t>30/01/2026</a:t>
+              <a:t>31/01/2026</a:t>
             </a:fld>
             <a:endParaRPr lang="en-GB"/>
           </a:p>
@@ -1987,7 +2139,7 @@
           <a:p>
             <a:fld id="{94F658A5-19D4-4454-889E-14DA804222B5}" type="datetimeFigureOut">
               <a:rPr lang="en-GB" smtClean="0"/>
-              <a:t>30/01/2026</a:t>
+              <a:t>31/01/2026</a:t>
             </a:fld>
             <a:endParaRPr lang="en-GB"/>
           </a:p>
@@ -2197,7 +2349,7 @@
           <a:p>
             <a:fld id="{94F658A5-19D4-4454-889E-14DA804222B5}" type="datetimeFigureOut">
               <a:rPr lang="en-GB" smtClean="0"/>
-              <a:t>30/01/2026</a:t>
+              <a:t>31/01/2026</a:t>
             </a:fld>
             <a:endParaRPr lang="en-GB"/>
           </a:p>
@@ -2397,7 +2549,7 @@
           <a:p>
             <a:fld id="{94F658A5-19D4-4454-889E-14DA804222B5}" type="datetimeFigureOut">
               <a:rPr lang="en-GB" smtClean="0"/>
-              <a:t>30/01/2026</a:t>
+              <a:t>31/01/2026</a:t>
             </a:fld>
             <a:endParaRPr lang="en-GB"/>
           </a:p>
@@ -2673,7 +2825,7 @@
           <a:p>
             <a:fld id="{94F658A5-19D4-4454-889E-14DA804222B5}" type="datetimeFigureOut">
               <a:rPr lang="en-GB" smtClean="0"/>
-              <a:t>30/01/2026</a:t>
+              <a:t>31/01/2026</a:t>
             </a:fld>
             <a:endParaRPr lang="en-GB"/>
           </a:p>
@@ -2941,7 +3093,7 @@
           <a:p>
             <a:fld id="{94F658A5-19D4-4454-889E-14DA804222B5}" type="datetimeFigureOut">
               <a:rPr lang="en-GB" smtClean="0"/>
-              <a:t>30/01/2026</a:t>
+              <a:t>31/01/2026</a:t>
             </a:fld>
             <a:endParaRPr lang="en-GB"/>
           </a:p>
@@ -3356,7 +3508,7 @@
           <a:p>
             <a:fld id="{94F658A5-19D4-4454-889E-14DA804222B5}" type="datetimeFigureOut">
               <a:rPr lang="en-GB" smtClean="0"/>
-              <a:t>30/01/2026</a:t>
+              <a:t>31/01/2026</a:t>
             </a:fld>
             <a:endParaRPr lang="en-GB"/>
           </a:p>
@@ -3498,7 +3650,7 @@
           <a:p>
             <a:fld id="{94F658A5-19D4-4454-889E-14DA804222B5}" type="datetimeFigureOut">
               <a:rPr lang="en-GB" smtClean="0"/>
-              <a:t>30/01/2026</a:t>
+              <a:t>31/01/2026</a:t>
             </a:fld>
             <a:endParaRPr lang="en-GB"/>
           </a:p>
@@ -3611,7 +3763,7 @@
           <a:p>
             <a:fld id="{94F658A5-19D4-4454-889E-14DA804222B5}" type="datetimeFigureOut">
               <a:rPr lang="en-GB" smtClean="0"/>
-              <a:t>30/01/2026</a:t>
+              <a:t>31/01/2026</a:t>
             </a:fld>
             <a:endParaRPr lang="en-GB"/>
           </a:p>
@@ -3924,7 +4076,7 @@
           <a:p>
             <a:fld id="{94F658A5-19D4-4454-889E-14DA804222B5}" type="datetimeFigureOut">
               <a:rPr lang="en-GB" smtClean="0"/>
-              <a:t>30/01/2026</a:t>
+              <a:t>31/01/2026</a:t>
             </a:fld>
             <a:endParaRPr lang="en-GB"/>
           </a:p>
@@ -4213,7 +4365,7 @@
           <a:p>
             <a:fld id="{94F658A5-19D4-4454-889E-14DA804222B5}" type="datetimeFigureOut">
               <a:rPr lang="en-GB" smtClean="0"/>
-              <a:t>30/01/2026</a:t>
+              <a:t>31/01/2026</a:t>
             </a:fld>
             <a:endParaRPr lang="en-GB"/>
           </a:p>
@@ -4456,7 +4608,7 @@
           <a:p>
             <a:fld id="{94F658A5-19D4-4454-889E-14DA804222B5}" type="datetimeFigureOut">
               <a:rPr lang="en-GB" smtClean="0"/>
-              <a:t>30/01/2026</a:t>
+              <a:t>31/01/2026</a:t>
             </a:fld>
             <a:endParaRPr lang="en-GB"/>
           </a:p>
@@ -7467,6 +7619,434 @@
     <p:extLst>
       <p:ext uri="{BB962C8B-B14F-4D97-AF65-F5344CB8AC3E}">
         <p14:creationId xmlns:p14="http://schemas.microsoft.com/office/powerpoint/2010/main" val="2855367001"/>
+      </p:ext>
+    </p:extLst>
+  </p:cSld>
+  <p:clrMapOvr>
+    <a:masterClrMapping/>
+  </p:clrMapOvr>
+</p:sld>
+</file>
+
+<file path=ppt/slides/slide5.xml><?xml version="1.0" encoding="utf-8"?>
+<p:sld xmlns:a="http://schemas.openxmlformats.org/drawingml/2006/main" xmlns:r="http://schemas.openxmlformats.org/officeDocument/2006/relationships" xmlns:p="http://schemas.openxmlformats.org/presentationml/2006/main">
+  <p:cSld>
+    <p:spTree>
+      <p:nvGrpSpPr>
+        <p:cNvPr id="1" name=""/>
+        <p:cNvGrpSpPr/>
+        <p:nvPr/>
+      </p:nvGrpSpPr>
+      <p:grpSpPr>
+        <a:xfrm>
+          <a:off x="0" y="0"/>
+          <a:ext cx="0" cy="0"/>
+          <a:chOff x="0" y="0"/>
+          <a:chExt cx="0" cy="0"/>
+        </a:xfrm>
+      </p:grpSpPr>
+      <p:cxnSp>
+        <p:nvCxnSpPr>
+          <p:cNvPr id="6" name="Straight Arrow Connector 5">
+            <a:extLst>
+              <a:ext uri="{FF2B5EF4-FFF2-40B4-BE49-F238E27FC236}">
+                <a16:creationId xmlns:a16="http://schemas.microsoft.com/office/drawing/2014/main" id="{4DBEF1C2-C173-2332-AF9F-564B6B9BC786}"/>
+              </a:ext>
+            </a:extLst>
+          </p:cNvPr>
+          <p:cNvCxnSpPr>
+            <a:cxnSpLocks/>
+          </p:cNvCxnSpPr>
+          <p:nvPr/>
+        </p:nvCxnSpPr>
+        <p:spPr>
+          <a:xfrm flipV="1">
+            <a:off x="2100943" y="500743"/>
+            <a:ext cx="0" cy="2133600"/>
+          </a:xfrm>
+          <a:prstGeom prst="straightConnector1">
+            <a:avLst/>
+          </a:prstGeom>
+          <a:ln w="38100">
+            <a:tailEnd type="triangle"/>
+          </a:ln>
+        </p:spPr>
+        <p:style>
+          <a:lnRef idx="2">
+            <a:schemeClr val="dk1"/>
+          </a:lnRef>
+          <a:fillRef idx="0">
+            <a:schemeClr val="dk1"/>
+          </a:fillRef>
+          <a:effectRef idx="1">
+            <a:schemeClr val="dk1"/>
+          </a:effectRef>
+          <a:fontRef idx="minor">
+            <a:schemeClr val="tx1"/>
+          </a:fontRef>
+        </p:style>
+      </p:cxnSp>
+      <p:cxnSp>
+        <p:nvCxnSpPr>
+          <p:cNvPr id="7" name="Straight Arrow Connector 6">
+            <a:extLst>
+              <a:ext uri="{FF2B5EF4-FFF2-40B4-BE49-F238E27FC236}">
+                <a16:creationId xmlns:a16="http://schemas.microsoft.com/office/drawing/2014/main" id="{0BA6685B-49EC-6A97-D139-5ADD339B3D6E}"/>
+              </a:ext>
+            </a:extLst>
+          </p:cNvPr>
+          <p:cNvCxnSpPr>
+            <a:cxnSpLocks/>
+          </p:cNvCxnSpPr>
+          <p:nvPr/>
+        </p:nvCxnSpPr>
+        <p:spPr>
+          <a:xfrm>
+            <a:off x="2100943" y="2634343"/>
+            <a:ext cx="2971800" cy="0"/>
+          </a:xfrm>
+          <a:prstGeom prst="straightConnector1">
+            <a:avLst/>
+          </a:prstGeom>
+          <a:ln w="38100">
+            <a:tailEnd type="triangle"/>
+          </a:ln>
+        </p:spPr>
+        <p:style>
+          <a:lnRef idx="2">
+            <a:schemeClr val="dk1"/>
+          </a:lnRef>
+          <a:fillRef idx="0">
+            <a:schemeClr val="dk1"/>
+          </a:fillRef>
+          <a:effectRef idx="1">
+            <a:schemeClr val="dk1"/>
+          </a:effectRef>
+          <a:fontRef idx="minor">
+            <a:schemeClr val="tx1"/>
+          </a:fontRef>
+        </p:style>
+      </p:cxnSp>
+      <p:sp>
+        <p:nvSpPr>
+          <p:cNvPr id="11" name="Free-form: Shape 10">
+            <a:extLst>
+              <a:ext uri="{FF2B5EF4-FFF2-40B4-BE49-F238E27FC236}">
+                <a16:creationId xmlns:a16="http://schemas.microsoft.com/office/drawing/2014/main" id="{D75FD242-60A3-ABD7-C781-57F7FD4DEAA0}"/>
+              </a:ext>
+            </a:extLst>
+          </p:cNvPr>
+          <p:cNvSpPr/>
+          <p:nvPr/>
+        </p:nvSpPr>
+        <p:spPr>
+          <a:xfrm>
+            <a:off x="2432956" y="816428"/>
+            <a:ext cx="2103473" cy="1764207"/>
+          </a:xfrm>
+          <a:custGeom>
+            <a:avLst/>
+            <a:gdLst>
+              <a:gd name="csX0" fmla="*/ 0 w 1687286"/>
+              <a:gd name="csY0" fmla="*/ 0 h 1524042"/>
+              <a:gd name="csX1" fmla="*/ 783772 w 1687286"/>
+              <a:gd name="csY1" fmla="*/ 1524000 h 1524042"/>
+              <a:gd name="csX2" fmla="*/ 1687286 w 1687286"/>
+              <a:gd name="csY2" fmla="*/ 54428 h 1524042"/>
+            </a:gdLst>
+            <a:ahLst/>
+            <a:cxnLst>
+              <a:cxn ang="0">
+                <a:pos x="csX0" y="csY0"/>
+              </a:cxn>
+              <a:cxn ang="0">
+                <a:pos x="csX1" y="csY1"/>
+              </a:cxn>
+              <a:cxn ang="0">
+                <a:pos x="csX2" y="csY2"/>
+              </a:cxn>
+            </a:cxnLst>
+            <a:rect l="l" t="t" r="r" b="b"/>
+            <a:pathLst>
+              <a:path w="1687286" h="1524042">
+                <a:moveTo>
+                  <a:pt x="0" y="0"/>
+                </a:moveTo>
+                <a:cubicBezTo>
+                  <a:pt x="251279" y="757464"/>
+                  <a:pt x="502558" y="1514929"/>
+                  <a:pt x="783772" y="1524000"/>
+                </a:cubicBezTo>
+                <a:cubicBezTo>
+                  <a:pt x="1064986" y="1533071"/>
+                  <a:pt x="1370693" y="81642"/>
+                  <a:pt x="1687286" y="54428"/>
+                </a:cubicBezTo>
+              </a:path>
+            </a:pathLst>
+          </a:custGeom>
+          <a:noFill/>
+        </p:spPr>
+        <p:style>
+          <a:lnRef idx="2">
+            <a:schemeClr val="accent1">
+              <a:shade val="15000"/>
+            </a:schemeClr>
+          </a:lnRef>
+          <a:fillRef idx="1">
+            <a:schemeClr val="accent1"/>
+          </a:fillRef>
+          <a:effectRef idx="0">
+            <a:schemeClr val="accent1"/>
+          </a:effectRef>
+          <a:fontRef idx="minor">
+            <a:schemeClr val="lt1"/>
+          </a:fontRef>
+        </p:style>
+        <p:txBody>
+          <a:bodyPr rtlCol="0" anchor="ctr"/>
+          <a:lstStyle/>
+          <a:p>
+            <a:pPr algn="ctr"/>
+            <a:endParaRPr lang="en-IL"/>
+          </a:p>
+        </p:txBody>
+      </p:sp>
+      <p:sp>
+        <p:nvSpPr>
+          <p:cNvPr id="12" name="Oval 11">
+            <a:extLst>
+              <a:ext uri="{FF2B5EF4-FFF2-40B4-BE49-F238E27FC236}">
+                <a16:creationId xmlns:a16="http://schemas.microsoft.com/office/drawing/2014/main" id="{700E1494-AA88-80F6-C717-A84171B33D7B}"/>
+              </a:ext>
+            </a:extLst>
+          </p:cNvPr>
+          <p:cNvSpPr/>
+          <p:nvPr/>
+        </p:nvSpPr>
+        <p:spPr>
+          <a:xfrm>
+            <a:off x="3803469" y="1970099"/>
+            <a:ext cx="62412" cy="66063"/>
+          </a:xfrm>
+          <a:prstGeom prst="ellipse">
+            <a:avLst/>
+          </a:prstGeom>
+          <a:solidFill>
+            <a:schemeClr val="accent4"/>
+          </a:solidFill>
+          <a:ln>
+            <a:solidFill>
+              <a:schemeClr val="accent4"/>
+            </a:solidFill>
+          </a:ln>
+        </p:spPr>
+        <p:style>
+          <a:lnRef idx="2">
+            <a:schemeClr val="accent1">
+              <a:shade val="15000"/>
+            </a:schemeClr>
+          </a:lnRef>
+          <a:fillRef idx="1">
+            <a:schemeClr val="accent1"/>
+          </a:fillRef>
+          <a:effectRef idx="0">
+            <a:schemeClr val="accent1"/>
+          </a:effectRef>
+          <a:fontRef idx="minor">
+            <a:schemeClr val="lt1"/>
+          </a:fontRef>
+        </p:style>
+        <p:txBody>
+          <a:bodyPr rtlCol="0" anchor="ctr"/>
+          <a:lstStyle/>
+          <a:p>
+            <a:pPr algn="ctr"/>
+            <a:endParaRPr lang="en-IL"/>
+          </a:p>
+        </p:txBody>
+      </p:sp>
+      <p:cxnSp>
+        <p:nvCxnSpPr>
+          <p:cNvPr id="20" name="Straight Arrow Connector 19">
+            <a:extLst>
+              <a:ext uri="{FF2B5EF4-FFF2-40B4-BE49-F238E27FC236}">
+                <a16:creationId xmlns:a16="http://schemas.microsoft.com/office/drawing/2014/main" id="{EEC929AF-C75B-2C61-7CD4-4B9222C64880}"/>
+              </a:ext>
+            </a:extLst>
+          </p:cNvPr>
+          <p:cNvCxnSpPr>
+            <a:cxnSpLocks/>
+            <a:stCxn id="12" idx="2"/>
+          </p:cNvCxnSpPr>
+          <p:nvPr/>
+        </p:nvCxnSpPr>
+        <p:spPr>
+          <a:xfrm flipH="1" flipV="1">
+            <a:off x="2776651" y="1718695"/>
+            <a:ext cx="1026818" cy="284436"/>
+          </a:xfrm>
+          <a:prstGeom prst="straightConnector1">
+            <a:avLst/>
+          </a:prstGeom>
+          <a:ln>
+            <a:solidFill>
+              <a:srgbClr val="C00000"/>
+            </a:solidFill>
+            <a:tailEnd type="triangle"/>
+          </a:ln>
+        </p:spPr>
+        <p:style>
+          <a:lnRef idx="2">
+            <a:schemeClr val="accent1"/>
+          </a:lnRef>
+          <a:fillRef idx="0">
+            <a:schemeClr val="accent1"/>
+          </a:fillRef>
+          <a:effectRef idx="1">
+            <a:schemeClr val="accent1"/>
+          </a:effectRef>
+          <a:fontRef idx="minor">
+            <a:schemeClr val="tx1"/>
+          </a:fontRef>
+        </p:style>
+      </p:cxnSp>
+      <p:cxnSp>
+        <p:nvCxnSpPr>
+          <p:cNvPr id="21" name="Straight Arrow Connector 20">
+            <a:extLst>
+              <a:ext uri="{FF2B5EF4-FFF2-40B4-BE49-F238E27FC236}">
+                <a16:creationId xmlns:a16="http://schemas.microsoft.com/office/drawing/2014/main" id="{53A51444-C65D-36EB-A13B-2BF7C1978D28}"/>
+              </a:ext>
+            </a:extLst>
+          </p:cNvPr>
+          <p:cNvCxnSpPr>
+            <a:cxnSpLocks/>
+          </p:cNvCxnSpPr>
+          <p:nvPr/>
+        </p:nvCxnSpPr>
+        <p:spPr>
+          <a:xfrm flipV="1">
+            <a:off x="2776651" y="1440865"/>
+            <a:ext cx="1312749" cy="275877"/>
+          </a:xfrm>
+          <a:prstGeom prst="straightConnector1">
+            <a:avLst/>
+          </a:prstGeom>
+          <a:ln>
+            <a:solidFill>
+              <a:srgbClr val="C00000"/>
+            </a:solidFill>
+            <a:tailEnd type="triangle"/>
+          </a:ln>
+        </p:spPr>
+        <p:style>
+          <a:lnRef idx="2">
+            <a:schemeClr val="accent1"/>
+          </a:lnRef>
+          <a:fillRef idx="0">
+            <a:schemeClr val="accent1"/>
+          </a:fillRef>
+          <a:effectRef idx="1">
+            <a:schemeClr val="accent1"/>
+          </a:effectRef>
+          <a:fontRef idx="minor">
+            <a:schemeClr val="tx1"/>
+          </a:fontRef>
+        </p:style>
+      </p:cxnSp>
+      <p:cxnSp>
+        <p:nvCxnSpPr>
+          <p:cNvPr id="24" name="Straight Arrow Connector 23">
+            <a:extLst>
+              <a:ext uri="{FF2B5EF4-FFF2-40B4-BE49-F238E27FC236}">
+                <a16:creationId xmlns:a16="http://schemas.microsoft.com/office/drawing/2014/main" id="{AEDF9C30-9FA7-3C24-B69C-12C0829A6CF6}"/>
+              </a:ext>
+            </a:extLst>
+          </p:cNvPr>
+          <p:cNvCxnSpPr>
+            <a:cxnSpLocks/>
+          </p:cNvCxnSpPr>
+          <p:nvPr/>
+        </p:nvCxnSpPr>
+        <p:spPr>
+          <a:xfrm flipH="1" flipV="1">
+            <a:off x="2540000" y="1108159"/>
+            <a:ext cx="1508760" cy="330753"/>
+          </a:xfrm>
+          <a:prstGeom prst="straightConnector1">
+            <a:avLst/>
+          </a:prstGeom>
+          <a:ln>
+            <a:solidFill>
+              <a:srgbClr val="C00000"/>
+            </a:solidFill>
+            <a:tailEnd type="triangle"/>
+          </a:ln>
+        </p:spPr>
+        <p:style>
+          <a:lnRef idx="2">
+            <a:schemeClr val="accent1"/>
+          </a:lnRef>
+          <a:fillRef idx="0">
+            <a:schemeClr val="accent1"/>
+          </a:fillRef>
+          <a:effectRef idx="1">
+            <a:schemeClr val="accent1"/>
+          </a:effectRef>
+          <a:fontRef idx="minor">
+            <a:schemeClr val="tx1"/>
+          </a:fontRef>
+        </p:style>
+      </p:cxnSp>
+      <p:cxnSp>
+        <p:nvCxnSpPr>
+          <p:cNvPr id="27" name="Straight Arrow Connector 26">
+            <a:extLst>
+              <a:ext uri="{FF2B5EF4-FFF2-40B4-BE49-F238E27FC236}">
+                <a16:creationId xmlns:a16="http://schemas.microsoft.com/office/drawing/2014/main" id="{5F632C4C-55A9-EB56-55AC-AF11608DE7FE}"/>
+              </a:ext>
+            </a:extLst>
+          </p:cNvPr>
+          <p:cNvCxnSpPr>
+            <a:cxnSpLocks/>
+          </p:cNvCxnSpPr>
+          <p:nvPr/>
+        </p:nvCxnSpPr>
+        <p:spPr>
+          <a:xfrm flipV="1">
+            <a:off x="2540000" y="576972"/>
+            <a:ext cx="690880" cy="529234"/>
+          </a:xfrm>
+          <a:prstGeom prst="straightConnector1">
+            <a:avLst/>
+          </a:prstGeom>
+          <a:ln>
+            <a:solidFill>
+              <a:srgbClr val="C00000"/>
+            </a:solidFill>
+            <a:tailEnd type="triangle"/>
+          </a:ln>
+        </p:spPr>
+        <p:style>
+          <a:lnRef idx="2">
+            <a:schemeClr val="accent1"/>
+          </a:lnRef>
+          <a:fillRef idx="0">
+            <a:schemeClr val="accent1"/>
+          </a:fillRef>
+          <a:effectRef idx="1">
+            <a:schemeClr val="accent1"/>
+          </a:effectRef>
+          <a:fontRef idx="minor">
+            <a:schemeClr val="tx1"/>
+          </a:fontRef>
+        </p:style>
+      </p:cxnSp>
+    </p:spTree>
+    <p:extLst>
+      <p:ext uri="{BB962C8B-B14F-4D97-AF65-F5344CB8AC3E}">
+        <p14:creationId xmlns:p14="http://schemas.microsoft.com/office/powerpoint/2010/main" val="1068988793"/>
       </p:ext>
     </p:extLst>
   </p:cSld>

--- a/Viz.pptx
+++ b/Viz.pptx
@@ -5,7 +5,7 @@
     <p:sldMasterId id="2147483648" r:id="rId1"/>
   </p:sldMasterIdLst>
   <p:notesMasterIdLst>
-    <p:notesMasterId r:id="rId7"/>
+    <p:notesMasterId r:id="rId8"/>
   </p:notesMasterIdLst>
   <p:sldIdLst>
     <p:sldId id="256" r:id="rId2"/>
@@ -13,6 +13,7 @@
     <p:sldId id="258" r:id="rId4"/>
     <p:sldId id="259" r:id="rId5"/>
     <p:sldId id="260" r:id="rId6"/>
+    <p:sldId id="261" r:id="rId7"/>
   </p:sldIdLst>
   <p:sldSz cx="12192000" cy="6858000"/>
   <p:notesSz cx="6858000" cy="9144000"/>
@@ -123,6 +124,7 @@
 <p1510:revInfo xmlns:a="http://schemas.openxmlformats.org/drawingml/2006/main" xmlns:r="http://schemas.openxmlformats.org/officeDocument/2006/relationships" xmlns:p1510="http://schemas.microsoft.com/office/powerpoint/2015/10/main">
   <p1510:revLst>
     <p1510:client id="{5F315C37-A57A-4B13-A8EF-FA31EC78C459}" v="11" dt="2026-01-31T21:57:31.939"/>
+    <p1510:client id="{DC55FABE-5E4A-49A4-80C7-7195C027F1C1}" v="32" dt="2026-02-01T08:39:21.043"/>
   </p1510:revLst>
 </p1510:revInfo>
 </file>
@@ -292,7 +294,7 @@
   <pc:docChgLst>
     <pc:chgData name="Or Forshmit" userId="7c842d5c4cf4431e" providerId="LiveId" clId="{3E18CC7B-CFC1-4E27-A1BD-24931C36162E}"/>
     <pc:docChg chg="undo custSel addSld modSld">
-      <pc:chgData name="Or Forshmit" userId="7c842d5c4cf4431e" providerId="LiveId" clId="{3E18CC7B-CFC1-4E27-A1BD-24931C36162E}" dt="2026-01-31T22:04:45.036" v="581" actId="14100"/>
+      <pc:chgData name="Or Forshmit" userId="7c842d5c4cf4431e" providerId="LiveId" clId="{3E18CC7B-CFC1-4E27-A1BD-24931C36162E}" dt="2026-02-01T08:39:31.945" v="781" actId="1076"/>
       <pc:docMkLst>
         <pc:docMk/>
       </pc:docMkLst>
@@ -667,102 +669,6 @@
           <pc:docMk/>
           <pc:sldMk cId="2855367001" sldId="259"/>
         </pc:sldMkLst>
-        <pc:spChg chg="del">
-          <ac:chgData name="Or Forshmit" userId="7c842d5c4cf4431e" providerId="LiveId" clId="{3E18CC7B-CFC1-4E27-A1BD-24931C36162E}" dt="2026-01-30T16:04:35.382" v="355" actId="478"/>
-          <ac:spMkLst>
-            <pc:docMk/>
-            <pc:sldMk cId="2855367001" sldId="259"/>
-            <ac:spMk id="2" creationId="{39D59231-971E-B95F-4D3C-B8EABFF52340}"/>
-          </ac:spMkLst>
-        </pc:spChg>
-        <pc:spChg chg="del">
-          <ac:chgData name="Or Forshmit" userId="7c842d5c4cf4431e" providerId="LiveId" clId="{3E18CC7B-CFC1-4E27-A1BD-24931C36162E}" dt="2026-01-30T16:04:35.382" v="355" actId="478"/>
-          <ac:spMkLst>
-            <pc:docMk/>
-            <pc:sldMk cId="2855367001" sldId="259"/>
-            <ac:spMk id="3" creationId="{AD408BC3-27EA-711D-07A7-21229032017D}"/>
-          </ac:spMkLst>
-        </pc:spChg>
-        <pc:spChg chg="del">
-          <ac:chgData name="Or Forshmit" userId="7c842d5c4cf4431e" providerId="LiveId" clId="{3E18CC7B-CFC1-4E27-A1BD-24931C36162E}" dt="2026-01-30T16:04:35.382" v="355" actId="478"/>
-          <ac:spMkLst>
-            <pc:docMk/>
-            <pc:sldMk cId="2855367001" sldId="259"/>
-            <ac:spMk id="4" creationId="{03480C0B-B77B-22FA-B0C4-31B2BD7B6303}"/>
-          </ac:spMkLst>
-        </pc:spChg>
-        <pc:spChg chg="del">
-          <ac:chgData name="Or Forshmit" userId="7c842d5c4cf4431e" providerId="LiveId" clId="{3E18CC7B-CFC1-4E27-A1BD-24931C36162E}" dt="2026-01-30T16:04:35.382" v="355" actId="478"/>
-          <ac:spMkLst>
-            <pc:docMk/>
-            <pc:sldMk cId="2855367001" sldId="259"/>
-            <ac:spMk id="7" creationId="{A9EFFD95-0F39-141A-3187-2C843AF41B16}"/>
-          </ac:spMkLst>
-        </pc:spChg>
-        <pc:spChg chg="del">
-          <ac:chgData name="Or Forshmit" userId="7c842d5c4cf4431e" providerId="LiveId" clId="{3E18CC7B-CFC1-4E27-A1BD-24931C36162E}" dt="2026-01-30T16:04:35.382" v="355" actId="478"/>
-          <ac:spMkLst>
-            <pc:docMk/>
-            <pc:sldMk cId="2855367001" sldId="259"/>
-            <ac:spMk id="8" creationId="{FDBA7B0C-65A5-4B32-A544-530845AE3652}"/>
-          </ac:spMkLst>
-        </pc:spChg>
-        <pc:spChg chg="del">
-          <ac:chgData name="Or Forshmit" userId="7c842d5c4cf4431e" providerId="LiveId" clId="{3E18CC7B-CFC1-4E27-A1BD-24931C36162E}" dt="2026-01-30T16:04:35.382" v="355" actId="478"/>
-          <ac:spMkLst>
-            <pc:docMk/>
-            <pc:sldMk cId="2855367001" sldId="259"/>
-            <ac:spMk id="9" creationId="{19BE8C64-788D-3389-6BB3-FCD3233CB737}"/>
-          </ac:spMkLst>
-        </pc:spChg>
-        <pc:spChg chg="del">
-          <ac:chgData name="Or Forshmit" userId="7c842d5c4cf4431e" providerId="LiveId" clId="{3E18CC7B-CFC1-4E27-A1BD-24931C36162E}" dt="2026-01-30T16:04:32.670" v="354" actId="478"/>
-          <ac:spMkLst>
-            <pc:docMk/>
-            <pc:sldMk cId="2855367001" sldId="259"/>
-            <ac:spMk id="12" creationId="{4404E2DE-A10A-946B-BC52-7D6AB06F5082}"/>
-          </ac:spMkLst>
-        </pc:spChg>
-        <pc:spChg chg="del">
-          <ac:chgData name="Or Forshmit" userId="7c842d5c4cf4431e" providerId="LiveId" clId="{3E18CC7B-CFC1-4E27-A1BD-24931C36162E}" dt="2026-01-30T16:04:32.670" v="354" actId="478"/>
-          <ac:spMkLst>
-            <pc:docMk/>
-            <pc:sldMk cId="2855367001" sldId="259"/>
-            <ac:spMk id="13" creationId="{6C274233-58FA-DF71-2DEA-8133DB7C9C9C}"/>
-          </ac:spMkLst>
-        </pc:spChg>
-        <pc:spChg chg="del">
-          <ac:chgData name="Or Forshmit" userId="7c842d5c4cf4431e" providerId="LiveId" clId="{3E18CC7B-CFC1-4E27-A1BD-24931C36162E}" dt="2026-01-30T16:04:32.670" v="354" actId="478"/>
-          <ac:spMkLst>
-            <pc:docMk/>
-            <pc:sldMk cId="2855367001" sldId="259"/>
-            <ac:spMk id="14" creationId="{F2FF2FCC-1A4F-0D2A-5F21-30CB3B3E6BFD}"/>
-          </ac:spMkLst>
-        </pc:spChg>
-        <pc:spChg chg="del">
-          <ac:chgData name="Or Forshmit" userId="7c842d5c4cf4431e" providerId="LiveId" clId="{3E18CC7B-CFC1-4E27-A1BD-24931C36162E}" dt="2026-01-30T16:04:32.670" v="354" actId="478"/>
-          <ac:spMkLst>
-            <pc:docMk/>
-            <pc:sldMk cId="2855367001" sldId="259"/>
-            <ac:spMk id="18" creationId="{C74EB911-9DDF-E462-9593-983F96C49541}"/>
-          </ac:spMkLst>
-        </pc:spChg>
-        <pc:spChg chg="del">
-          <ac:chgData name="Or Forshmit" userId="7c842d5c4cf4431e" providerId="LiveId" clId="{3E18CC7B-CFC1-4E27-A1BD-24931C36162E}" dt="2026-01-30T16:04:32.670" v="354" actId="478"/>
-          <ac:spMkLst>
-            <pc:docMk/>
-            <pc:sldMk cId="2855367001" sldId="259"/>
-            <ac:spMk id="19" creationId="{2BCAD77A-2765-B524-1FAE-FDA27A5644A9}"/>
-          </ac:spMkLst>
-        </pc:spChg>
-        <pc:spChg chg="del">
-          <ac:chgData name="Or Forshmit" userId="7c842d5c4cf4431e" providerId="LiveId" clId="{3E18CC7B-CFC1-4E27-A1BD-24931C36162E}" dt="2026-01-30T16:04:32.670" v="354" actId="478"/>
-          <ac:spMkLst>
-            <pc:docMk/>
-            <pc:sldMk cId="2855367001" sldId="259"/>
-            <ac:spMk id="20" creationId="{9DC5FC40-9E48-CD5E-1B63-ED69A4281E1E}"/>
-          </ac:spMkLst>
-        </pc:spChg>
         <pc:spChg chg="add mod">
           <ac:chgData name="Or Forshmit" userId="7c842d5c4cf4431e" providerId="LiveId" clId="{3E18CC7B-CFC1-4E27-A1BD-24931C36162E}" dt="2026-01-30T16:09:18.989" v="554" actId="1038"/>
           <ac:spMkLst>
@@ -779,60 +685,12 @@
             <ac:spMk id="27" creationId="{CB2624AE-4601-F9FF-6BD4-6022A4885553}"/>
           </ac:spMkLst>
         </pc:spChg>
-        <pc:cxnChg chg="del">
-          <ac:chgData name="Or Forshmit" userId="7c842d5c4cf4431e" providerId="LiveId" clId="{3E18CC7B-CFC1-4E27-A1BD-24931C36162E}" dt="2026-01-30T16:04:32.670" v="354" actId="478"/>
-          <ac:cxnSpMkLst>
-            <pc:docMk/>
-            <pc:sldMk cId="2855367001" sldId="259"/>
-            <ac:cxnSpMk id="10" creationId="{FE071629-74ED-BEA2-D35C-7D9A16A7C8B6}"/>
-          </ac:cxnSpMkLst>
-        </pc:cxnChg>
-        <pc:cxnChg chg="del">
-          <ac:chgData name="Or Forshmit" userId="7c842d5c4cf4431e" providerId="LiveId" clId="{3E18CC7B-CFC1-4E27-A1BD-24931C36162E}" dt="2026-01-30T16:04:32.670" v="354" actId="478"/>
-          <ac:cxnSpMkLst>
-            <pc:docMk/>
-            <pc:sldMk cId="2855367001" sldId="259"/>
-            <ac:cxnSpMk id="11" creationId="{04699B80-3A0A-199A-5D1A-C4AE8B120FE2}"/>
-          </ac:cxnSpMkLst>
-        </pc:cxnChg>
         <pc:cxnChg chg="add mod">
           <ac:chgData name="Or Forshmit" userId="7c842d5c4cf4431e" providerId="LiveId" clId="{3E18CC7B-CFC1-4E27-A1BD-24931C36162E}" dt="2026-01-30T16:08:50.569" v="509" actId="1076"/>
           <ac:cxnSpMkLst>
             <pc:docMk/>
             <pc:sldMk cId="2855367001" sldId="259"/>
             <ac:cxnSpMk id="16" creationId="{66F98465-231D-7B9E-6F08-4EAF9DB46A8D}"/>
-          </ac:cxnSpMkLst>
-        </pc:cxnChg>
-        <pc:cxnChg chg="add mod">
-          <ac:chgData name="Or Forshmit" userId="7c842d5c4cf4431e" providerId="LiveId" clId="{3E18CC7B-CFC1-4E27-A1BD-24931C36162E}" dt="2026-01-30T16:05:13.758" v="366"/>
-          <ac:cxnSpMkLst>
-            <pc:docMk/>
-            <pc:sldMk cId="2855367001" sldId="259"/>
-            <ac:cxnSpMk id="17" creationId="{2EC11EF7-F071-DF71-B17A-224D86064477}"/>
-          </ac:cxnSpMkLst>
-        </pc:cxnChg>
-        <pc:cxnChg chg="add mod">
-          <ac:chgData name="Or Forshmit" userId="7c842d5c4cf4431e" providerId="LiveId" clId="{3E18CC7B-CFC1-4E27-A1BD-24931C36162E}" dt="2026-01-30T16:05:12.410" v="364"/>
-          <ac:cxnSpMkLst>
-            <pc:docMk/>
-            <pc:sldMk cId="2855367001" sldId="259"/>
-            <ac:cxnSpMk id="21" creationId="{BFDAF42F-914F-9D6C-9753-810B3628659F}"/>
-          </ac:cxnSpMkLst>
-        </pc:cxnChg>
-        <pc:cxnChg chg="add del mod">
-          <ac:chgData name="Or Forshmit" userId="7c842d5c4cf4431e" providerId="LiveId" clId="{3E18CC7B-CFC1-4E27-A1BD-24931C36162E}" dt="2026-01-30T16:05:32.082" v="433" actId="478"/>
-          <ac:cxnSpMkLst>
-            <pc:docMk/>
-            <pc:sldMk cId="2855367001" sldId="259"/>
-            <ac:cxnSpMk id="22" creationId="{1C90ADFB-B48C-95CB-7F7B-39DD760930DA}"/>
-          </ac:cxnSpMkLst>
-        </pc:cxnChg>
-        <pc:cxnChg chg="add del mod">
-          <ac:chgData name="Or Forshmit" userId="7c842d5c4cf4431e" providerId="LiveId" clId="{3E18CC7B-CFC1-4E27-A1BD-24931C36162E}" dt="2026-01-30T16:05:34.863" v="434" actId="478"/>
-          <ac:cxnSpMkLst>
-            <pc:docMk/>
-            <pc:sldMk cId="2855367001" sldId="259"/>
-            <ac:cxnSpMk id="23" creationId="{54E0BB9A-4375-9920-3AD4-FDF7801CCA7E}"/>
           </ac:cxnSpMkLst>
         </pc:cxnChg>
         <pc:cxnChg chg="add mod">
@@ -944,6 +802,213 @@
             <pc:docMk/>
             <pc:sldMk cId="1068988793" sldId="260"/>
             <ac:cxnSpMk id="27" creationId="{5F632C4C-55A9-EB56-55AC-AF11608DE7FE}"/>
+          </ac:cxnSpMkLst>
+        </pc:cxnChg>
+      </pc:sldChg>
+      <pc:sldChg chg="addSp delSp modSp add mod modNotesTx">
+        <pc:chgData name="Or Forshmit" userId="7c842d5c4cf4431e" providerId="LiveId" clId="{3E18CC7B-CFC1-4E27-A1BD-24931C36162E}" dt="2026-02-01T08:39:31.945" v="781" actId="1076"/>
+        <pc:sldMkLst>
+          <pc:docMk/>
+          <pc:sldMk cId="4249282133" sldId="261"/>
+        </pc:sldMkLst>
+        <pc:spChg chg="add del">
+          <ac:chgData name="Or Forshmit" userId="7c842d5c4cf4431e" providerId="LiveId" clId="{3E18CC7B-CFC1-4E27-A1BD-24931C36162E}" dt="2026-02-01T08:35:11.032" v="609" actId="11529"/>
+          <ac:spMkLst>
+            <pc:docMk/>
+            <pc:sldMk cId="4249282133" sldId="261"/>
+            <ac:spMk id="2" creationId="{CBFBD247-8D19-80B9-9E57-26C4F6C72A23}"/>
+          </ac:spMkLst>
+        </pc:spChg>
+        <pc:spChg chg="add mod">
+          <ac:chgData name="Or Forshmit" userId="7c842d5c4cf4431e" providerId="LiveId" clId="{3E18CC7B-CFC1-4E27-A1BD-24931C36162E}" dt="2026-02-01T08:35:27.956" v="613" actId="1076"/>
+          <ac:spMkLst>
+            <pc:docMk/>
+            <pc:sldMk cId="4249282133" sldId="261"/>
+            <ac:spMk id="3" creationId="{052DFC8D-32F6-A5C1-A454-C8B6860161DF}"/>
+          </ac:spMkLst>
+        </pc:spChg>
+        <pc:spChg chg="add del mod">
+          <ac:chgData name="Or Forshmit" userId="7c842d5c4cf4431e" providerId="LiveId" clId="{3E18CC7B-CFC1-4E27-A1BD-24931C36162E}" dt="2026-02-01T08:36:04.378" v="631" actId="1076"/>
+          <ac:spMkLst>
+            <pc:docMk/>
+            <pc:sldMk cId="4249282133" sldId="261"/>
+            <ac:spMk id="4" creationId="{3154E2B7-F23E-C180-30D3-70869CB77FFB}"/>
+          </ac:spMkLst>
+        </pc:spChg>
+        <pc:spChg chg="add mod">
+          <ac:chgData name="Or Forshmit" userId="7c842d5c4cf4431e" providerId="LiveId" clId="{3E18CC7B-CFC1-4E27-A1BD-24931C36162E}" dt="2026-02-01T08:36:12.097" v="633" actId="1076"/>
+          <ac:spMkLst>
+            <pc:docMk/>
+            <pc:sldMk cId="4249282133" sldId="261"/>
+            <ac:spMk id="5" creationId="{EC822FD2-F493-8A34-F8AF-F0FF9D7F09F4}"/>
+          </ac:spMkLst>
+        </pc:spChg>
+        <pc:spChg chg="add mod">
+          <ac:chgData name="Or Forshmit" userId="7c842d5c4cf4431e" providerId="LiveId" clId="{3E18CC7B-CFC1-4E27-A1BD-24931C36162E}" dt="2026-02-01T08:36:12.097" v="633" actId="1076"/>
+          <ac:spMkLst>
+            <pc:docMk/>
+            <pc:sldMk cId="4249282133" sldId="261"/>
+            <ac:spMk id="8" creationId="{352C131C-22DA-F665-9F95-91F76FAD1C45}"/>
+          </ac:spMkLst>
+        </pc:spChg>
+        <pc:spChg chg="add mod">
+          <ac:chgData name="Or Forshmit" userId="7c842d5c4cf4431e" providerId="LiveId" clId="{3E18CC7B-CFC1-4E27-A1BD-24931C36162E}" dt="2026-02-01T08:36:36.672" v="672" actId="1038"/>
+          <ac:spMkLst>
+            <pc:docMk/>
+            <pc:sldMk cId="4249282133" sldId="261"/>
+            <ac:spMk id="9" creationId="{E3426335-B74B-87DD-88FC-0A1FBEA774FD}"/>
+          </ac:spMkLst>
+        </pc:spChg>
+        <pc:spChg chg="add del mod">
+          <ac:chgData name="Or Forshmit" userId="7c842d5c4cf4431e" providerId="LiveId" clId="{3E18CC7B-CFC1-4E27-A1BD-24931C36162E}" dt="2026-02-01T08:36:41.244" v="676"/>
+          <ac:spMkLst>
+            <pc:docMk/>
+            <pc:sldMk cId="4249282133" sldId="261"/>
+            <ac:spMk id="10" creationId="{2476DA24-9F5E-D280-0CF8-B662579E9049}"/>
+          </ac:spMkLst>
+        </pc:spChg>
+        <pc:spChg chg="del">
+          <ac:chgData name="Or Forshmit" userId="7c842d5c4cf4431e" providerId="LiveId" clId="{3E18CC7B-CFC1-4E27-A1BD-24931C36162E}" dt="2026-02-01T08:35:02.915" v="607" actId="478"/>
+          <ac:spMkLst>
+            <pc:docMk/>
+            <pc:sldMk cId="4249282133" sldId="261"/>
+            <ac:spMk id="11" creationId="{59FA3D77-9C19-2DE4-AEE8-D20FB166F331}"/>
+          </ac:spMkLst>
+        </pc:spChg>
+        <pc:spChg chg="del">
+          <ac:chgData name="Or Forshmit" userId="7c842d5c4cf4431e" providerId="LiveId" clId="{3E18CC7B-CFC1-4E27-A1BD-24931C36162E}" dt="2026-02-01T08:35:02.915" v="607" actId="478"/>
+          <ac:spMkLst>
+            <pc:docMk/>
+            <pc:sldMk cId="4249282133" sldId="261"/>
+            <ac:spMk id="12" creationId="{E95EB174-DA33-1B9C-001A-5C35AC2A465C}"/>
+          </ac:spMkLst>
+        </pc:spChg>
+        <pc:spChg chg="add mod">
+          <ac:chgData name="Or Forshmit" userId="7c842d5c4cf4431e" providerId="LiveId" clId="{3E18CC7B-CFC1-4E27-A1BD-24931C36162E}" dt="2026-02-01T08:37:36.369" v="695" actId="20577"/>
+          <ac:spMkLst>
+            <pc:docMk/>
+            <pc:sldMk cId="4249282133" sldId="261"/>
+            <ac:spMk id="15" creationId="{E205881D-DE3B-51AD-746A-6E578C0F95C0}"/>
+          </ac:spMkLst>
+        </pc:spChg>
+        <pc:spChg chg="add mod">
+          <ac:chgData name="Or Forshmit" userId="7c842d5c4cf4431e" providerId="LiveId" clId="{3E18CC7B-CFC1-4E27-A1BD-24931C36162E}" dt="2026-02-01T08:38:07.048" v="704" actId="1076"/>
+          <ac:spMkLst>
+            <pc:docMk/>
+            <pc:sldMk cId="4249282133" sldId="261"/>
+            <ac:spMk id="18" creationId="{8DF991D4-6276-89D7-3945-8E81BF187875}"/>
+          </ac:spMkLst>
+        </pc:spChg>
+        <pc:spChg chg="add mod">
+          <ac:chgData name="Or Forshmit" userId="7c842d5c4cf4431e" providerId="LiveId" clId="{3E18CC7B-CFC1-4E27-A1BD-24931C36162E}" dt="2026-02-01T08:38:37.233" v="714" actId="1076"/>
+          <ac:spMkLst>
+            <pc:docMk/>
+            <pc:sldMk cId="4249282133" sldId="261"/>
+            <ac:spMk id="23" creationId="{8E12DF7E-B187-FBE5-30E0-DB655534FBEE}"/>
+          </ac:spMkLst>
+        </pc:spChg>
+        <pc:spChg chg="add mod">
+          <ac:chgData name="Or Forshmit" userId="7c842d5c4cf4431e" providerId="LiveId" clId="{3E18CC7B-CFC1-4E27-A1BD-24931C36162E}" dt="2026-02-01T08:38:51.549" v="720" actId="1076"/>
+          <ac:spMkLst>
+            <pc:docMk/>
+            <pc:sldMk cId="4249282133" sldId="261"/>
+            <ac:spMk id="29" creationId="{3C9239DF-B83D-5DCF-6DBF-7DF6C2C374DB}"/>
+          </ac:spMkLst>
+        </pc:spChg>
+        <pc:spChg chg="add mod">
+          <ac:chgData name="Or Forshmit" userId="7c842d5c4cf4431e" providerId="LiveId" clId="{3E18CC7B-CFC1-4E27-A1BD-24931C36162E}" dt="2026-02-01T08:39:09.512" v="774" actId="20577"/>
+          <ac:spMkLst>
+            <pc:docMk/>
+            <pc:sldMk cId="4249282133" sldId="261"/>
+            <ac:spMk id="30" creationId="{C6FA9253-7898-4CF8-D144-7215B044B1BD}"/>
+          </ac:spMkLst>
+        </pc:spChg>
+        <pc:spChg chg="add mod">
+          <ac:chgData name="Or Forshmit" userId="7c842d5c4cf4431e" providerId="LiveId" clId="{3E18CC7B-CFC1-4E27-A1BD-24931C36162E}" dt="2026-02-01T08:39:31.945" v="781" actId="1076"/>
+          <ac:spMkLst>
+            <pc:docMk/>
+            <pc:sldMk cId="4249282133" sldId="261"/>
+            <ac:spMk id="33" creationId="{A6DB8C2B-09E7-BEEA-4C23-78A752B67DBB}"/>
+          </ac:spMkLst>
+        </pc:spChg>
+        <pc:cxnChg chg="del">
+          <ac:chgData name="Or Forshmit" userId="7c842d5c4cf4431e" providerId="LiveId" clId="{3E18CC7B-CFC1-4E27-A1BD-24931C36162E}" dt="2026-02-01T08:35:02.915" v="607" actId="478"/>
+          <ac:cxnSpMkLst>
+            <pc:docMk/>
+            <pc:sldMk cId="4249282133" sldId="261"/>
+            <ac:cxnSpMk id="6" creationId="{46B83CE0-4C86-D0BD-CB9C-9195B5BCA774}"/>
+          </ac:cxnSpMkLst>
+        </pc:cxnChg>
+        <pc:cxnChg chg="del">
+          <ac:chgData name="Or Forshmit" userId="7c842d5c4cf4431e" providerId="LiveId" clId="{3E18CC7B-CFC1-4E27-A1BD-24931C36162E}" dt="2026-02-01T08:35:02.915" v="607" actId="478"/>
+          <ac:cxnSpMkLst>
+            <pc:docMk/>
+            <pc:sldMk cId="4249282133" sldId="261"/>
+            <ac:cxnSpMk id="7" creationId="{C96BDF07-5DD2-08C1-BA46-0569430F7CBB}"/>
+          </ac:cxnSpMkLst>
+        </pc:cxnChg>
+        <pc:cxnChg chg="add mod">
+          <ac:chgData name="Or Forshmit" userId="7c842d5c4cf4431e" providerId="LiveId" clId="{3E18CC7B-CFC1-4E27-A1BD-24931C36162E}" dt="2026-02-01T08:37:30.690" v="693" actId="1076"/>
+          <ac:cxnSpMkLst>
+            <pc:docMk/>
+            <pc:sldMk cId="4249282133" sldId="261"/>
+            <ac:cxnSpMk id="14" creationId="{50FA29AF-A157-1973-A6F5-AE7EA3CEB96A}"/>
+          </ac:cxnSpMkLst>
+        </pc:cxnChg>
+        <pc:cxnChg chg="del mod">
+          <ac:chgData name="Or Forshmit" userId="7c842d5c4cf4431e" providerId="LiveId" clId="{3E18CC7B-CFC1-4E27-A1BD-24931C36162E}" dt="2026-02-01T08:35:02.915" v="607" actId="478"/>
+          <ac:cxnSpMkLst>
+            <pc:docMk/>
+            <pc:sldMk cId="4249282133" sldId="261"/>
+            <ac:cxnSpMk id="20" creationId="{0906EA06-9483-E49A-A952-416A5BC013CB}"/>
+          </ac:cxnSpMkLst>
+        </pc:cxnChg>
+        <pc:cxnChg chg="del">
+          <ac:chgData name="Or Forshmit" userId="7c842d5c4cf4431e" providerId="LiveId" clId="{3E18CC7B-CFC1-4E27-A1BD-24931C36162E}" dt="2026-02-01T08:35:02.915" v="607" actId="478"/>
+          <ac:cxnSpMkLst>
+            <pc:docMk/>
+            <pc:sldMk cId="4249282133" sldId="261"/>
+            <ac:cxnSpMk id="21" creationId="{FF69AC9D-7508-4093-FECB-25A981808719}"/>
+          </ac:cxnSpMkLst>
+        </pc:cxnChg>
+        <pc:cxnChg chg="add mod">
+          <ac:chgData name="Or Forshmit" userId="7c842d5c4cf4431e" providerId="LiveId" clId="{3E18CC7B-CFC1-4E27-A1BD-24931C36162E}" dt="2026-02-01T08:38:10.060" v="705" actId="208"/>
+          <ac:cxnSpMkLst>
+            <pc:docMk/>
+            <pc:sldMk cId="4249282133" sldId="261"/>
+            <ac:cxnSpMk id="22" creationId="{DA64482E-326B-B813-5F63-D484C440D891}"/>
+          </ac:cxnSpMkLst>
+        </pc:cxnChg>
+        <pc:cxnChg chg="del">
+          <ac:chgData name="Or Forshmit" userId="7c842d5c4cf4431e" providerId="LiveId" clId="{3E18CC7B-CFC1-4E27-A1BD-24931C36162E}" dt="2026-02-01T08:35:02.915" v="607" actId="478"/>
+          <ac:cxnSpMkLst>
+            <pc:docMk/>
+            <pc:sldMk cId="4249282133" sldId="261"/>
+            <ac:cxnSpMk id="24" creationId="{97A877FE-CAFF-8CA6-6D0C-9C6895F5AB4D}"/>
+          </ac:cxnSpMkLst>
+        </pc:cxnChg>
+        <pc:cxnChg chg="add mod">
+          <ac:chgData name="Or Forshmit" userId="7c842d5c4cf4431e" providerId="LiveId" clId="{3E18CC7B-CFC1-4E27-A1BD-24931C36162E}" dt="2026-02-01T08:38:24.676" v="709" actId="14100"/>
+          <ac:cxnSpMkLst>
+            <pc:docMk/>
+            <pc:sldMk cId="4249282133" sldId="261"/>
+            <ac:cxnSpMk id="25" creationId="{1DE5EB95-354B-58C8-AD5E-33328AF78807}"/>
+          </ac:cxnSpMkLst>
+        </pc:cxnChg>
+        <pc:cxnChg chg="del">
+          <ac:chgData name="Or Forshmit" userId="7c842d5c4cf4431e" providerId="LiveId" clId="{3E18CC7B-CFC1-4E27-A1BD-24931C36162E}" dt="2026-02-01T08:35:02.915" v="607" actId="478"/>
+          <ac:cxnSpMkLst>
+            <pc:docMk/>
+            <pc:sldMk cId="4249282133" sldId="261"/>
+            <ac:cxnSpMk id="27" creationId="{6450017D-9F2B-D372-0DEF-B6E46591C5C6}"/>
+          </ac:cxnSpMkLst>
+        </pc:cxnChg>
+        <pc:cxnChg chg="add mod">
+          <ac:chgData name="Or Forshmit" userId="7c842d5c4cf4431e" providerId="LiveId" clId="{3E18CC7B-CFC1-4E27-A1BD-24931C36162E}" dt="2026-02-01T08:39:29.198" v="780" actId="14100"/>
+          <ac:cxnSpMkLst>
+            <pc:docMk/>
+            <pc:sldMk cId="4249282133" sldId="261"/>
+            <ac:cxnSpMk id="32" creationId="{084FCE03-AD2C-8375-FF2B-1E57983A0D91}"/>
           </ac:cxnSpMkLst>
         </pc:cxnChg>
       </pc:sldChg>
@@ -1034,7 +1099,7 @@
           <a:p>
             <a:fld id="{45E6FCBF-32B6-47D0-9AE4-AC041F07E2DD}" type="datetimeFigureOut">
               <a:rPr lang="en-GB" smtClean="0"/>
-              <a:t>31/01/2026</a:t>
+              <a:t>01/02/2026</a:t>
             </a:fld>
             <a:endParaRPr lang="en-GB"/>
           </a:p>
@@ -1790,6 +1855,118 @@
 </p:notes>
 </file>
 
+<file path=ppt/notesSlides/notesSlide6.xml><?xml version="1.0" encoding="utf-8"?>
+<p:notes xmlns:a="http://schemas.openxmlformats.org/drawingml/2006/main" xmlns:r="http://schemas.openxmlformats.org/officeDocument/2006/relationships" xmlns:p="http://schemas.openxmlformats.org/presentationml/2006/main">
+  <p:cSld>
+    <p:spTree>
+      <p:nvGrpSpPr>
+        <p:cNvPr id="1" name="">
+          <a:extLst>
+            <a:ext uri="{FF2B5EF4-FFF2-40B4-BE49-F238E27FC236}">
+              <a16:creationId xmlns:a16="http://schemas.microsoft.com/office/drawing/2014/main" id="{30DBD3B6-10FD-E7FB-0B81-2F17CCC55766}"/>
+            </a:ext>
+          </a:extLst>
+        </p:cNvPr>
+        <p:cNvGrpSpPr/>
+        <p:nvPr/>
+      </p:nvGrpSpPr>
+      <p:grpSpPr>
+        <a:xfrm>
+          <a:off x="0" y="0"/>
+          <a:ext cx="0" cy="0"/>
+          <a:chOff x="0" y="0"/>
+          <a:chExt cx="0" cy="0"/>
+        </a:xfrm>
+      </p:grpSpPr>
+      <p:sp>
+        <p:nvSpPr>
+          <p:cNvPr id="2" name="Slide Image Placeholder 1">
+            <a:extLst>
+              <a:ext uri="{FF2B5EF4-FFF2-40B4-BE49-F238E27FC236}">
+                <a16:creationId xmlns:a16="http://schemas.microsoft.com/office/drawing/2014/main" id="{F378CFE1-6D22-20E4-F0CD-06CA47769981}"/>
+              </a:ext>
+            </a:extLst>
+          </p:cNvPr>
+          <p:cNvSpPr>
+            <a:spLocks noGrp="1" noRot="1" noChangeAspect="1"/>
+          </p:cNvSpPr>
+          <p:nvPr>
+            <p:ph type="sldImg"/>
+          </p:nvPr>
+        </p:nvSpPr>
+        <p:spPr/>
+      </p:sp>
+      <p:sp>
+        <p:nvSpPr>
+          <p:cNvPr id="3" name="Notes Placeholder 2">
+            <a:extLst>
+              <a:ext uri="{FF2B5EF4-FFF2-40B4-BE49-F238E27FC236}">
+                <a16:creationId xmlns:a16="http://schemas.microsoft.com/office/drawing/2014/main" id="{6B05C30C-E738-FD40-1D3F-EE136329D04A}"/>
+              </a:ext>
+            </a:extLst>
+          </p:cNvPr>
+          <p:cNvSpPr>
+            <a:spLocks noGrp="1"/>
+          </p:cNvSpPr>
+          <p:nvPr>
+            <p:ph type="body" idx="1"/>
+          </p:nvPr>
+        </p:nvSpPr>
+        <p:spPr/>
+        <p:txBody>
+          <a:bodyPr/>
+          <a:lstStyle/>
+          <a:p>
+            <a:r>
+              <a:rPr lang="he-IL" dirty="0"/>
+              <a:t>תרגול 7 – שקף 13 – 00:41</a:t>
+            </a:r>
+            <a:endParaRPr lang="en-IL" dirty="0"/>
+          </a:p>
+        </p:txBody>
+      </p:sp>
+      <p:sp>
+        <p:nvSpPr>
+          <p:cNvPr id="4" name="Slide Number Placeholder 3">
+            <a:extLst>
+              <a:ext uri="{FF2B5EF4-FFF2-40B4-BE49-F238E27FC236}">
+                <a16:creationId xmlns:a16="http://schemas.microsoft.com/office/drawing/2014/main" id="{2004B7D2-D8D6-4A24-4555-F82B413100C4}"/>
+              </a:ext>
+            </a:extLst>
+          </p:cNvPr>
+          <p:cNvSpPr>
+            <a:spLocks noGrp="1"/>
+          </p:cNvSpPr>
+          <p:nvPr>
+            <p:ph type="sldNum" sz="quarter" idx="5"/>
+          </p:nvPr>
+        </p:nvSpPr>
+        <p:spPr/>
+        <p:txBody>
+          <a:bodyPr/>
+          <a:lstStyle/>
+          <a:p>
+            <a:fld id="{DD82491D-C4AE-4DEA-AA61-27B830F6AD43}" type="slidenum">
+              <a:rPr lang="en-GB" smtClean="0"/>
+              <a:t>6</a:t>
+            </a:fld>
+            <a:endParaRPr lang="en-GB"/>
+          </a:p>
+        </p:txBody>
+      </p:sp>
+    </p:spTree>
+    <p:extLst>
+      <p:ext uri="{BB962C8B-B14F-4D97-AF65-F5344CB8AC3E}">
+        <p14:creationId xmlns:p14="http://schemas.microsoft.com/office/powerpoint/2010/main" val="2168389257"/>
+      </p:ext>
+    </p:extLst>
+  </p:cSld>
+  <p:clrMapOvr>
+    <a:masterClrMapping/>
+  </p:clrMapOvr>
+</p:notes>
+</file>
+
 <file path=ppt/slideLayouts/slideLayout1.xml><?xml version="1.0" encoding="utf-8"?>
 <p:sldLayout xmlns:a="http://schemas.openxmlformats.org/drawingml/2006/main" xmlns:r="http://schemas.openxmlformats.org/officeDocument/2006/relationships" xmlns:p="http://schemas.openxmlformats.org/presentationml/2006/main" type="title" preserve="1">
   <p:cSld name="Title Slide">
@@ -1939,7 +2116,7 @@
           <a:p>
             <a:fld id="{94F658A5-19D4-4454-889E-14DA804222B5}" type="datetimeFigureOut">
               <a:rPr lang="en-GB" smtClean="0"/>
-              <a:t>31/01/2026</a:t>
+              <a:t>01/02/2026</a:t>
             </a:fld>
             <a:endParaRPr lang="en-GB"/>
           </a:p>
@@ -2139,7 +2316,7 @@
           <a:p>
             <a:fld id="{94F658A5-19D4-4454-889E-14DA804222B5}" type="datetimeFigureOut">
               <a:rPr lang="en-GB" smtClean="0"/>
-              <a:t>31/01/2026</a:t>
+              <a:t>01/02/2026</a:t>
             </a:fld>
             <a:endParaRPr lang="en-GB"/>
           </a:p>
@@ -2349,7 +2526,7 @@
           <a:p>
             <a:fld id="{94F658A5-19D4-4454-889E-14DA804222B5}" type="datetimeFigureOut">
               <a:rPr lang="en-GB" smtClean="0"/>
-              <a:t>31/01/2026</a:t>
+              <a:t>01/02/2026</a:t>
             </a:fld>
             <a:endParaRPr lang="en-GB"/>
           </a:p>
@@ -2549,7 +2726,7 @@
           <a:p>
             <a:fld id="{94F658A5-19D4-4454-889E-14DA804222B5}" type="datetimeFigureOut">
               <a:rPr lang="en-GB" smtClean="0"/>
-              <a:t>31/01/2026</a:t>
+              <a:t>01/02/2026</a:t>
             </a:fld>
             <a:endParaRPr lang="en-GB"/>
           </a:p>
@@ -2825,7 +3002,7 @@
           <a:p>
             <a:fld id="{94F658A5-19D4-4454-889E-14DA804222B5}" type="datetimeFigureOut">
               <a:rPr lang="en-GB" smtClean="0"/>
-              <a:t>31/01/2026</a:t>
+              <a:t>01/02/2026</a:t>
             </a:fld>
             <a:endParaRPr lang="en-GB"/>
           </a:p>
@@ -3093,7 +3270,7 @@
           <a:p>
             <a:fld id="{94F658A5-19D4-4454-889E-14DA804222B5}" type="datetimeFigureOut">
               <a:rPr lang="en-GB" smtClean="0"/>
-              <a:t>31/01/2026</a:t>
+              <a:t>01/02/2026</a:t>
             </a:fld>
             <a:endParaRPr lang="en-GB"/>
           </a:p>
@@ -3508,7 +3685,7 @@
           <a:p>
             <a:fld id="{94F658A5-19D4-4454-889E-14DA804222B5}" type="datetimeFigureOut">
               <a:rPr lang="en-GB" smtClean="0"/>
-              <a:t>31/01/2026</a:t>
+              <a:t>01/02/2026</a:t>
             </a:fld>
             <a:endParaRPr lang="en-GB"/>
           </a:p>
@@ -3650,7 +3827,7 @@
           <a:p>
             <a:fld id="{94F658A5-19D4-4454-889E-14DA804222B5}" type="datetimeFigureOut">
               <a:rPr lang="en-GB" smtClean="0"/>
-              <a:t>31/01/2026</a:t>
+              <a:t>01/02/2026</a:t>
             </a:fld>
             <a:endParaRPr lang="en-GB"/>
           </a:p>
@@ -3763,7 +3940,7 @@
           <a:p>
             <a:fld id="{94F658A5-19D4-4454-889E-14DA804222B5}" type="datetimeFigureOut">
               <a:rPr lang="en-GB" smtClean="0"/>
-              <a:t>31/01/2026</a:t>
+              <a:t>01/02/2026</a:t>
             </a:fld>
             <a:endParaRPr lang="en-GB"/>
           </a:p>
@@ -4076,7 +4253,7 @@
           <a:p>
             <a:fld id="{94F658A5-19D4-4454-889E-14DA804222B5}" type="datetimeFigureOut">
               <a:rPr lang="en-GB" smtClean="0"/>
-              <a:t>31/01/2026</a:t>
+              <a:t>01/02/2026</a:t>
             </a:fld>
             <a:endParaRPr lang="en-GB"/>
           </a:p>
@@ -4365,7 +4542,7 @@
           <a:p>
             <a:fld id="{94F658A5-19D4-4454-889E-14DA804222B5}" type="datetimeFigureOut">
               <a:rPr lang="en-GB" smtClean="0"/>
-              <a:t>31/01/2026</a:t>
+              <a:t>01/02/2026</a:t>
             </a:fld>
             <a:endParaRPr lang="en-GB"/>
           </a:p>
@@ -4608,7 +4785,7 @@
           <a:p>
             <a:fld id="{94F658A5-19D4-4454-889E-14DA804222B5}" type="datetimeFigureOut">
               <a:rPr lang="en-GB" smtClean="0"/>
-              <a:t>31/01/2026</a:t>
+              <a:t>01/02/2026</a:t>
             </a:fld>
             <a:endParaRPr lang="en-GB"/>
           </a:p>
@@ -8047,6 +8224,837 @@
     <p:extLst>
       <p:ext uri="{BB962C8B-B14F-4D97-AF65-F5344CB8AC3E}">
         <p14:creationId xmlns:p14="http://schemas.microsoft.com/office/powerpoint/2010/main" val="1068988793"/>
+      </p:ext>
+    </p:extLst>
+  </p:cSld>
+  <p:clrMapOvr>
+    <a:masterClrMapping/>
+  </p:clrMapOvr>
+</p:sld>
+</file>
+
+<file path=ppt/slides/slide6.xml><?xml version="1.0" encoding="utf-8"?>
+<p:sld xmlns:a="http://schemas.openxmlformats.org/drawingml/2006/main" xmlns:r="http://schemas.openxmlformats.org/officeDocument/2006/relationships" xmlns:p="http://schemas.openxmlformats.org/presentationml/2006/main">
+  <p:cSld>
+    <p:spTree>
+      <p:nvGrpSpPr>
+        <p:cNvPr id="1" name="">
+          <a:extLst>
+            <a:ext uri="{FF2B5EF4-FFF2-40B4-BE49-F238E27FC236}">
+              <a16:creationId xmlns:a16="http://schemas.microsoft.com/office/drawing/2014/main" id="{DB78043F-3613-D5C5-9457-1111BB69DED5}"/>
+            </a:ext>
+          </a:extLst>
+        </p:cNvPr>
+        <p:cNvGrpSpPr/>
+        <p:nvPr/>
+      </p:nvGrpSpPr>
+      <p:grpSpPr>
+        <a:xfrm>
+          <a:off x="0" y="0"/>
+          <a:ext cx="0" cy="0"/>
+          <a:chOff x="0" y="0"/>
+          <a:chExt cx="0" cy="0"/>
+        </a:xfrm>
+      </p:grpSpPr>
+      <p:sp>
+        <p:nvSpPr>
+          <p:cNvPr id="3" name="Oval 2">
+            <a:extLst>
+              <a:ext uri="{FF2B5EF4-FFF2-40B4-BE49-F238E27FC236}">
+                <a16:creationId xmlns:a16="http://schemas.microsoft.com/office/drawing/2014/main" id="{052DFC8D-32F6-A5C1-A454-C8B6860161DF}"/>
+              </a:ext>
+            </a:extLst>
+          </p:cNvPr>
+          <p:cNvSpPr/>
+          <p:nvPr/>
+        </p:nvSpPr>
+        <p:spPr>
+          <a:xfrm>
+            <a:off x="1132114" y="1121228"/>
+            <a:ext cx="979714" cy="957944"/>
+          </a:xfrm>
+          <a:prstGeom prst="ellipse">
+            <a:avLst/>
+          </a:prstGeom>
+          <a:noFill/>
+          <a:ln>
+            <a:solidFill>
+              <a:schemeClr val="tx1"/>
+            </a:solidFill>
+          </a:ln>
+        </p:spPr>
+        <p:style>
+          <a:lnRef idx="2">
+            <a:schemeClr val="accent1">
+              <a:shade val="15000"/>
+            </a:schemeClr>
+          </a:lnRef>
+          <a:fillRef idx="1">
+            <a:schemeClr val="accent1"/>
+          </a:fillRef>
+          <a:effectRef idx="0">
+            <a:schemeClr val="accent1"/>
+          </a:effectRef>
+          <a:fontRef idx="minor">
+            <a:schemeClr val="lt1"/>
+          </a:fontRef>
+        </p:style>
+        <p:txBody>
+          <a:bodyPr rtlCol="0" anchor="ctr"/>
+          <a:lstStyle/>
+          <a:p>
+            <a:pPr algn="ctr"/>
+            <a:endParaRPr lang="en-GB"/>
+          </a:p>
+        </p:txBody>
+      </p:sp>
+      <mc:AlternateContent xmlns:mc="http://schemas.openxmlformats.org/markup-compatibility/2006">
+        <mc:Choice xmlns:a14="http://schemas.microsoft.com/office/drawing/2010/main" Requires="a14">
+          <p:sp>
+            <p:nvSpPr>
+              <p:cNvPr id="4" name="TextBox 3">
+                <a:extLst>
+                  <a:ext uri="{FF2B5EF4-FFF2-40B4-BE49-F238E27FC236}">
+                    <a16:creationId xmlns:a16="http://schemas.microsoft.com/office/drawing/2014/main" id="{3154E2B7-F23E-C180-30D3-70869CB77FFB}"/>
+                  </a:ext>
+                </a:extLst>
+              </p:cNvPr>
+              <p:cNvSpPr txBox="1"/>
+              <p:nvPr/>
+            </p:nvSpPr>
+            <p:spPr>
+              <a:xfrm>
+                <a:off x="1230085" y="1121228"/>
+                <a:ext cx="783771" cy="769441"/>
+              </a:xfrm>
+              <a:prstGeom prst="rect">
+                <a:avLst/>
+              </a:prstGeom>
+              <a:noFill/>
+            </p:spPr>
+            <p:txBody>
+              <a:bodyPr wrap="square" rtlCol="0">
+                <a:spAutoFit/>
+              </a:bodyPr>
+              <a:lstStyle/>
+              <a:p>
+                <a14:m>
+                  <m:oMathPara xmlns:m="http://schemas.openxmlformats.org/officeDocument/2006/math">
+                    <m:oMathParaPr>
+                      <m:jc m:val="centerGroup"/>
+                    </m:oMathParaPr>
+                    <m:oMath xmlns:m="http://schemas.openxmlformats.org/officeDocument/2006/math">
+                      <m:r>
+                        <a:rPr lang="en-GB" sz="4400" b="0" i="1" smtClean="0">
+                          <a:latin typeface="Cambria Math" panose="02040503050406030204" pitchFamily="18" charset="0"/>
+                        </a:rPr>
+                        <m:t>𝑥</m:t>
+                      </m:r>
+                    </m:oMath>
+                  </m:oMathPara>
+                </a14:m>
+                <a:endParaRPr lang="en-GB" sz="4400" dirty="0"/>
+              </a:p>
+            </p:txBody>
+          </p:sp>
+        </mc:Choice>
+        <mc:Fallback>
+          <p:sp>
+            <p:nvSpPr>
+              <p:cNvPr id="4" name="TextBox 3">
+                <a:extLst>
+                  <a:ext uri="{FF2B5EF4-FFF2-40B4-BE49-F238E27FC236}">
+                    <a16:creationId xmlns:a16="http://schemas.microsoft.com/office/drawing/2014/main" id="{3154E2B7-F23E-C180-30D3-70869CB77FFB}"/>
+                  </a:ext>
+                </a:extLst>
+              </p:cNvPr>
+              <p:cNvSpPr txBox="1">
+                <a:spLocks noRot="1" noChangeAspect="1" noMove="1" noResize="1" noEditPoints="1" noAdjustHandles="1" noChangeArrowheads="1" noChangeShapeType="1" noTextEdit="1"/>
+              </p:cNvSpPr>
+              <p:nvPr/>
+            </p:nvSpPr>
+            <p:spPr>
+              <a:xfrm>
+                <a:off x="1230085" y="1121228"/>
+                <a:ext cx="783771" cy="769441"/>
+              </a:xfrm>
+              <a:prstGeom prst="rect">
+                <a:avLst/>
+              </a:prstGeom>
+              <a:blipFill>
+                <a:blip r:embed="rId3"/>
+                <a:stretch>
+                  <a:fillRect/>
+                </a:stretch>
+              </a:blipFill>
+            </p:spPr>
+            <p:txBody>
+              <a:bodyPr/>
+              <a:lstStyle/>
+              <a:p>
+                <a:r>
+                  <a:rPr lang="en-GB">
+                    <a:noFill/>
+                  </a:rPr>
+                  <a:t> </a:t>
+                </a:r>
+              </a:p>
+            </p:txBody>
+          </p:sp>
+        </mc:Fallback>
+      </mc:AlternateContent>
+      <p:sp>
+        <p:nvSpPr>
+          <p:cNvPr id="5" name="Oval 4">
+            <a:extLst>
+              <a:ext uri="{FF2B5EF4-FFF2-40B4-BE49-F238E27FC236}">
+                <a16:creationId xmlns:a16="http://schemas.microsoft.com/office/drawing/2014/main" id="{EC822FD2-F493-8A34-F8AF-F0FF9D7F09F4}"/>
+              </a:ext>
+            </a:extLst>
+          </p:cNvPr>
+          <p:cNvSpPr/>
+          <p:nvPr/>
+        </p:nvSpPr>
+        <p:spPr>
+          <a:xfrm>
+            <a:off x="1132114" y="2841171"/>
+            <a:ext cx="979714" cy="957944"/>
+          </a:xfrm>
+          <a:prstGeom prst="ellipse">
+            <a:avLst/>
+          </a:prstGeom>
+          <a:noFill/>
+          <a:ln>
+            <a:solidFill>
+              <a:schemeClr val="tx1"/>
+            </a:solidFill>
+          </a:ln>
+        </p:spPr>
+        <p:style>
+          <a:lnRef idx="2">
+            <a:schemeClr val="accent1">
+              <a:shade val="15000"/>
+            </a:schemeClr>
+          </a:lnRef>
+          <a:fillRef idx="1">
+            <a:schemeClr val="accent1"/>
+          </a:fillRef>
+          <a:effectRef idx="0">
+            <a:schemeClr val="accent1"/>
+          </a:effectRef>
+          <a:fontRef idx="minor">
+            <a:schemeClr val="lt1"/>
+          </a:fontRef>
+        </p:style>
+        <p:txBody>
+          <a:bodyPr rtlCol="0" anchor="ctr"/>
+          <a:lstStyle/>
+          <a:p>
+            <a:pPr algn="ctr"/>
+            <a:endParaRPr lang="en-GB"/>
+          </a:p>
+        </p:txBody>
+      </p:sp>
+      <mc:AlternateContent xmlns:mc="http://schemas.openxmlformats.org/markup-compatibility/2006">
+        <mc:Choice xmlns:a14="http://schemas.microsoft.com/office/drawing/2010/main" Requires="a14">
+          <p:sp>
+            <p:nvSpPr>
+              <p:cNvPr id="8" name="TextBox 7">
+                <a:extLst>
+                  <a:ext uri="{FF2B5EF4-FFF2-40B4-BE49-F238E27FC236}">
+                    <a16:creationId xmlns:a16="http://schemas.microsoft.com/office/drawing/2014/main" id="{352C131C-22DA-F665-9F95-91F76FAD1C45}"/>
+                  </a:ext>
+                </a:extLst>
+              </p:cNvPr>
+              <p:cNvSpPr txBox="1"/>
+              <p:nvPr/>
+            </p:nvSpPr>
+            <p:spPr>
+              <a:xfrm>
+                <a:off x="1230085" y="2841171"/>
+                <a:ext cx="783771" cy="769441"/>
+              </a:xfrm>
+              <a:prstGeom prst="rect">
+                <a:avLst/>
+              </a:prstGeom>
+              <a:noFill/>
+            </p:spPr>
+            <p:txBody>
+              <a:bodyPr wrap="square" rtlCol="0">
+                <a:spAutoFit/>
+              </a:bodyPr>
+              <a:lstStyle/>
+              <a:p>
+                <a14:m>
+                  <m:oMathPara xmlns:m="http://schemas.openxmlformats.org/officeDocument/2006/math">
+                    <m:oMathParaPr>
+                      <m:jc m:val="centerGroup"/>
+                    </m:oMathParaPr>
+                    <m:oMath xmlns:m="http://schemas.openxmlformats.org/officeDocument/2006/math">
+                      <m:r>
+                        <a:rPr lang="en-GB" sz="4400" b="0" i="1" smtClean="0">
+                          <a:latin typeface="Cambria Math" panose="02040503050406030204" pitchFamily="18" charset="0"/>
+                        </a:rPr>
+                        <m:t>𝑥</m:t>
+                      </m:r>
+                    </m:oMath>
+                  </m:oMathPara>
+                </a14:m>
+                <a:endParaRPr lang="en-GB" sz="4400" dirty="0"/>
+              </a:p>
+            </p:txBody>
+          </p:sp>
+        </mc:Choice>
+        <mc:Fallback>
+          <p:sp>
+            <p:nvSpPr>
+              <p:cNvPr id="8" name="TextBox 7">
+                <a:extLst>
+                  <a:ext uri="{FF2B5EF4-FFF2-40B4-BE49-F238E27FC236}">
+                    <a16:creationId xmlns:a16="http://schemas.microsoft.com/office/drawing/2014/main" id="{352C131C-22DA-F665-9F95-91F76FAD1C45}"/>
+                  </a:ext>
+                </a:extLst>
+              </p:cNvPr>
+              <p:cNvSpPr txBox="1">
+                <a:spLocks noRot="1" noChangeAspect="1" noMove="1" noResize="1" noEditPoints="1" noAdjustHandles="1" noChangeArrowheads="1" noChangeShapeType="1" noTextEdit="1"/>
+              </p:cNvSpPr>
+              <p:nvPr/>
+            </p:nvSpPr>
+            <p:spPr>
+              <a:xfrm>
+                <a:off x="1230085" y="2841171"/>
+                <a:ext cx="783771" cy="769441"/>
+              </a:xfrm>
+              <a:prstGeom prst="rect">
+                <a:avLst/>
+              </a:prstGeom>
+              <a:blipFill>
+                <a:blip r:embed="rId4"/>
+                <a:stretch>
+                  <a:fillRect/>
+                </a:stretch>
+              </a:blipFill>
+            </p:spPr>
+            <p:txBody>
+              <a:bodyPr/>
+              <a:lstStyle/>
+              <a:p>
+                <a:r>
+                  <a:rPr lang="en-GB">
+                    <a:noFill/>
+                  </a:rPr>
+                  <a:t> </a:t>
+                </a:r>
+              </a:p>
+            </p:txBody>
+          </p:sp>
+        </mc:Fallback>
+      </mc:AlternateContent>
+      <p:sp>
+        <p:nvSpPr>
+          <p:cNvPr id="9" name="Oval 8">
+            <a:extLst>
+              <a:ext uri="{FF2B5EF4-FFF2-40B4-BE49-F238E27FC236}">
+                <a16:creationId xmlns:a16="http://schemas.microsoft.com/office/drawing/2014/main" id="{E3426335-B74B-87DD-88FC-0A1FBEA774FD}"/>
+              </a:ext>
+            </a:extLst>
+          </p:cNvPr>
+          <p:cNvSpPr/>
+          <p:nvPr/>
+        </p:nvSpPr>
+        <p:spPr>
+          <a:xfrm>
+            <a:off x="3385456" y="1981200"/>
+            <a:ext cx="979714" cy="957944"/>
+          </a:xfrm>
+          <a:prstGeom prst="ellipse">
+            <a:avLst/>
+          </a:prstGeom>
+          <a:noFill/>
+          <a:ln>
+            <a:solidFill>
+              <a:schemeClr val="tx1"/>
+            </a:solidFill>
+          </a:ln>
+        </p:spPr>
+        <p:style>
+          <a:lnRef idx="2">
+            <a:schemeClr val="accent1">
+              <a:shade val="15000"/>
+            </a:schemeClr>
+          </a:lnRef>
+          <a:fillRef idx="1">
+            <a:schemeClr val="accent1"/>
+          </a:fillRef>
+          <a:effectRef idx="0">
+            <a:schemeClr val="accent1"/>
+          </a:effectRef>
+          <a:fontRef idx="minor">
+            <a:schemeClr val="lt1"/>
+          </a:fontRef>
+        </p:style>
+        <p:txBody>
+          <a:bodyPr rtlCol="0" anchor="ctr"/>
+          <a:lstStyle/>
+          <a:p>
+            <a:pPr algn="ctr"/>
+            <a:endParaRPr lang="en-GB"/>
+          </a:p>
+        </p:txBody>
+      </p:sp>
+      <p:cxnSp>
+        <p:nvCxnSpPr>
+          <p:cNvPr id="14" name="Straight Connector 13">
+            <a:extLst>
+              <a:ext uri="{FF2B5EF4-FFF2-40B4-BE49-F238E27FC236}">
+                <a16:creationId xmlns:a16="http://schemas.microsoft.com/office/drawing/2014/main" id="{50FA29AF-A157-1973-A6F5-AE7EA3CEB96A}"/>
+              </a:ext>
+            </a:extLst>
+          </p:cNvPr>
+          <p:cNvCxnSpPr>
+            <a:cxnSpLocks/>
+            <a:stCxn id="5" idx="4"/>
+            <a:endCxn id="15" idx="0"/>
+          </p:cNvCxnSpPr>
+          <p:nvPr/>
+        </p:nvCxnSpPr>
+        <p:spPr>
+          <a:xfrm flipH="1">
+            <a:off x="1230085" y="3799115"/>
+            <a:ext cx="391886" cy="342663"/>
+          </a:xfrm>
+          <a:prstGeom prst="line">
+            <a:avLst/>
+          </a:prstGeom>
+          <a:ln>
+            <a:solidFill>
+              <a:schemeClr val="tx1"/>
+            </a:solidFill>
+          </a:ln>
+        </p:spPr>
+        <p:style>
+          <a:lnRef idx="2">
+            <a:schemeClr val="accent1"/>
+          </a:lnRef>
+          <a:fillRef idx="0">
+            <a:schemeClr val="accent1"/>
+          </a:fillRef>
+          <a:effectRef idx="1">
+            <a:schemeClr val="accent1"/>
+          </a:effectRef>
+          <a:fontRef idx="minor">
+            <a:schemeClr val="tx1"/>
+          </a:fontRef>
+        </p:style>
+      </p:cxnSp>
+      <mc:AlternateContent xmlns:mc="http://schemas.openxmlformats.org/markup-compatibility/2006">
+        <mc:Choice xmlns:a14="http://schemas.microsoft.com/office/drawing/2010/main" Requires="a14">
+          <p:sp>
+            <p:nvSpPr>
+              <p:cNvPr id="15" name="TextBox 14">
+                <a:extLst>
+                  <a:ext uri="{FF2B5EF4-FFF2-40B4-BE49-F238E27FC236}">
+                    <a16:creationId xmlns:a16="http://schemas.microsoft.com/office/drawing/2014/main" id="{E205881D-DE3B-51AD-746A-6E578C0F95C0}"/>
+                  </a:ext>
+                </a:extLst>
+              </p:cNvPr>
+              <p:cNvSpPr txBox="1"/>
+              <p:nvPr/>
+            </p:nvSpPr>
+            <p:spPr>
+              <a:xfrm>
+                <a:off x="642256" y="4141778"/>
+                <a:ext cx="1175657" cy="461665"/>
+              </a:xfrm>
+              <a:prstGeom prst="rect">
+                <a:avLst/>
+              </a:prstGeom>
+              <a:noFill/>
+            </p:spPr>
+            <p:txBody>
+              <a:bodyPr wrap="square" rtlCol="0">
+                <a:spAutoFit/>
+              </a:bodyPr>
+              <a:lstStyle/>
+              <a:p>
+                <a14:m>
+                  <m:oMathPara xmlns:m="http://schemas.openxmlformats.org/officeDocument/2006/math">
+                    <m:oMathParaPr>
+                      <m:jc m:val="centerGroup"/>
+                    </m:oMathParaPr>
+                    <m:oMath xmlns:m="http://schemas.openxmlformats.org/officeDocument/2006/math">
+                      <m:r>
+                        <a:rPr lang="en-GB" sz="2400" b="0" i="1" smtClean="0">
+                          <a:latin typeface="Cambria Math" panose="02040503050406030204" pitchFamily="18" charset="0"/>
+                        </a:rPr>
+                        <m:t>0.5</m:t>
+                      </m:r>
+                    </m:oMath>
+                  </m:oMathPara>
+                </a14:m>
+                <a:endParaRPr lang="en-GB" sz="2400" dirty="0"/>
+              </a:p>
+            </p:txBody>
+          </p:sp>
+        </mc:Choice>
+        <mc:Fallback>
+          <p:sp>
+            <p:nvSpPr>
+              <p:cNvPr id="15" name="TextBox 14">
+                <a:extLst>
+                  <a:ext uri="{FF2B5EF4-FFF2-40B4-BE49-F238E27FC236}">
+                    <a16:creationId xmlns:a16="http://schemas.microsoft.com/office/drawing/2014/main" id="{E205881D-DE3B-51AD-746A-6E578C0F95C0}"/>
+                  </a:ext>
+                </a:extLst>
+              </p:cNvPr>
+              <p:cNvSpPr txBox="1">
+                <a:spLocks noRot="1" noChangeAspect="1" noMove="1" noResize="1" noEditPoints="1" noAdjustHandles="1" noChangeArrowheads="1" noChangeShapeType="1" noTextEdit="1"/>
+              </p:cNvSpPr>
+              <p:nvPr/>
+            </p:nvSpPr>
+            <p:spPr>
+              <a:xfrm>
+                <a:off x="642256" y="4141778"/>
+                <a:ext cx="1175657" cy="461665"/>
+              </a:xfrm>
+              <a:prstGeom prst="rect">
+                <a:avLst/>
+              </a:prstGeom>
+              <a:blipFill>
+                <a:blip r:embed="rId5"/>
+                <a:stretch>
+                  <a:fillRect/>
+                </a:stretch>
+              </a:blipFill>
+            </p:spPr>
+            <p:txBody>
+              <a:bodyPr/>
+              <a:lstStyle/>
+              <a:p>
+                <a:r>
+                  <a:rPr lang="en-GB">
+                    <a:noFill/>
+                  </a:rPr>
+                  <a:t> </a:t>
+                </a:r>
+              </a:p>
+            </p:txBody>
+          </p:sp>
+        </mc:Fallback>
+      </mc:AlternateContent>
+      <p:sp>
+        <p:nvSpPr>
+          <p:cNvPr id="18" name="TextBox 17">
+            <a:extLst>
+              <a:ext uri="{FF2B5EF4-FFF2-40B4-BE49-F238E27FC236}">
+                <a16:creationId xmlns:a16="http://schemas.microsoft.com/office/drawing/2014/main" id="{8DF991D4-6276-89D7-3945-8E81BF187875}"/>
+              </a:ext>
+            </a:extLst>
+          </p:cNvPr>
+          <p:cNvSpPr txBox="1"/>
+          <p:nvPr/>
+        </p:nvSpPr>
+        <p:spPr>
+          <a:xfrm>
+            <a:off x="2040089" y="3252166"/>
+            <a:ext cx="783771" cy="369332"/>
+          </a:xfrm>
+          <a:prstGeom prst="rect">
+            <a:avLst/>
+          </a:prstGeom>
+          <a:noFill/>
+        </p:spPr>
+        <p:txBody>
+          <a:bodyPr wrap="square" rtlCol="0">
+            <a:spAutoFit/>
+          </a:bodyPr>
+          <a:lstStyle/>
+          <a:p>
+            <a:r>
+              <a:rPr lang="en-GB" dirty="0"/>
+              <a:t>ReLU</a:t>
+            </a:r>
+          </a:p>
+        </p:txBody>
+      </p:sp>
+      <p:cxnSp>
+        <p:nvCxnSpPr>
+          <p:cNvPr id="22" name="Straight Connector 21">
+            <a:extLst>
+              <a:ext uri="{FF2B5EF4-FFF2-40B4-BE49-F238E27FC236}">
+                <a16:creationId xmlns:a16="http://schemas.microsoft.com/office/drawing/2014/main" id="{DA64482E-326B-B813-5F63-D484C440D891}"/>
+              </a:ext>
+            </a:extLst>
+          </p:cNvPr>
+          <p:cNvCxnSpPr>
+            <a:stCxn id="5" idx="6"/>
+            <a:endCxn id="9" idx="3"/>
+          </p:cNvCxnSpPr>
+          <p:nvPr/>
+        </p:nvCxnSpPr>
+        <p:spPr>
+          <a:xfrm flipV="1">
+            <a:off x="2111828" y="2798856"/>
+            <a:ext cx="1417104" cy="521287"/>
+          </a:xfrm>
+          <a:prstGeom prst="line">
+            <a:avLst/>
+          </a:prstGeom>
+          <a:ln>
+            <a:solidFill>
+              <a:schemeClr val="tx1"/>
+            </a:solidFill>
+          </a:ln>
+        </p:spPr>
+        <p:style>
+          <a:lnRef idx="2">
+            <a:schemeClr val="accent1"/>
+          </a:lnRef>
+          <a:fillRef idx="0">
+            <a:schemeClr val="accent1"/>
+          </a:fillRef>
+          <a:effectRef idx="1">
+            <a:schemeClr val="accent1"/>
+          </a:effectRef>
+          <a:fontRef idx="minor">
+            <a:schemeClr val="tx1"/>
+          </a:fontRef>
+        </p:style>
+      </p:cxnSp>
+      <p:sp>
+        <p:nvSpPr>
+          <p:cNvPr id="23" name="TextBox 22">
+            <a:extLst>
+              <a:ext uri="{FF2B5EF4-FFF2-40B4-BE49-F238E27FC236}">
+                <a16:creationId xmlns:a16="http://schemas.microsoft.com/office/drawing/2014/main" id="{8E12DF7E-B187-FBE5-30E0-DB655534FBEE}"/>
+              </a:ext>
+            </a:extLst>
+          </p:cNvPr>
+          <p:cNvSpPr txBox="1"/>
+          <p:nvPr/>
+        </p:nvSpPr>
+        <p:spPr>
+          <a:xfrm>
+            <a:off x="1964870" y="1741276"/>
+            <a:ext cx="783771" cy="369332"/>
+          </a:xfrm>
+          <a:prstGeom prst="rect">
+            <a:avLst/>
+          </a:prstGeom>
+          <a:noFill/>
+        </p:spPr>
+        <p:txBody>
+          <a:bodyPr wrap="square" rtlCol="0">
+            <a:spAutoFit/>
+          </a:bodyPr>
+          <a:lstStyle/>
+          <a:p>
+            <a:r>
+              <a:rPr lang="en-GB" dirty="0"/>
+              <a:t>ReLU</a:t>
+            </a:r>
+          </a:p>
+        </p:txBody>
+      </p:sp>
+      <p:cxnSp>
+        <p:nvCxnSpPr>
+          <p:cNvPr id="25" name="Straight Connector 24">
+            <a:extLst>
+              <a:ext uri="{FF2B5EF4-FFF2-40B4-BE49-F238E27FC236}">
+                <a16:creationId xmlns:a16="http://schemas.microsoft.com/office/drawing/2014/main" id="{1DE5EB95-354B-58C8-AD5E-33328AF78807}"/>
+              </a:ext>
+            </a:extLst>
+          </p:cNvPr>
+          <p:cNvCxnSpPr>
+            <a:cxnSpLocks/>
+            <a:stCxn id="3" idx="6"/>
+            <a:endCxn id="9" idx="1"/>
+          </p:cNvCxnSpPr>
+          <p:nvPr/>
+        </p:nvCxnSpPr>
+        <p:spPr>
+          <a:xfrm>
+            <a:off x="2111828" y="1600200"/>
+            <a:ext cx="1417104" cy="521288"/>
+          </a:xfrm>
+          <a:prstGeom prst="line">
+            <a:avLst/>
+          </a:prstGeom>
+          <a:ln>
+            <a:solidFill>
+              <a:schemeClr val="tx1"/>
+            </a:solidFill>
+          </a:ln>
+        </p:spPr>
+        <p:style>
+          <a:lnRef idx="2">
+            <a:schemeClr val="accent1"/>
+          </a:lnRef>
+          <a:fillRef idx="0">
+            <a:schemeClr val="accent1"/>
+          </a:fillRef>
+          <a:effectRef idx="1">
+            <a:schemeClr val="accent1"/>
+          </a:effectRef>
+          <a:fontRef idx="minor">
+            <a:schemeClr val="tx1"/>
+          </a:fontRef>
+        </p:style>
+      </p:cxnSp>
+      <p:sp>
+        <p:nvSpPr>
+          <p:cNvPr id="29" name="TextBox 28">
+            <a:extLst>
+              <a:ext uri="{FF2B5EF4-FFF2-40B4-BE49-F238E27FC236}">
+                <a16:creationId xmlns:a16="http://schemas.microsoft.com/office/drawing/2014/main" id="{3C9239DF-B83D-5DCF-6DBF-7DF6C2C374DB}"/>
+              </a:ext>
+            </a:extLst>
+          </p:cNvPr>
+          <p:cNvSpPr txBox="1"/>
+          <p:nvPr/>
+        </p:nvSpPr>
+        <p:spPr>
+          <a:xfrm>
+            <a:off x="2675163" y="1399179"/>
+            <a:ext cx="783771" cy="461665"/>
+          </a:xfrm>
+          <a:prstGeom prst="rect">
+            <a:avLst/>
+          </a:prstGeom>
+          <a:noFill/>
+        </p:spPr>
+        <p:txBody>
+          <a:bodyPr wrap="square" rtlCol="0">
+            <a:spAutoFit/>
+          </a:bodyPr>
+          <a:lstStyle/>
+          <a:p>
+            <a:r>
+              <a:rPr lang="en-GB" sz="2400" dirty="0"/>
+              <a:t>2</a:t>
+            </a:r>
+          </a:p>
+        </p:txBody>
+      </p:sp>
+      <p:sp>
+        <p:nvSpPr>
+          <p:cNvPr id="30" name="TextBox 29">
+            <a:extLst>
+              <a:ext uri="{FF2B5EF4-FFF2-40B4-BE49-F238E27FC236}">
+                <a16:creationId xmlns:a16="http://schemas.microsoft.com/office/drawing/2014/main" id="{C6FA9253-7898-4CF8-D144-7215B044B1BD}"/>
+              </a:ext>
+            </a:extLst>
+          </p:cNvPr>
+          <p:cNvSpPr txBox="1"/>
+          <p:nvPr/>
+        </p:nvSpPr>
+        <p:spPr>
+          <a:xfrm>
+            <a:off x="2675163" y="2618243"/>
+            <a:ext cx="783771" cy="461665"/>
+          </a:xfrm>
+          <a:prstGeom prst="rect">
+            <a:avLst/>
+          </a:prstGeom>
+          <a:noFill/>
+        </p:spPr>
+        <p:txBody>
+          <a:bodyPr wrap="square" rtlCol="0">
+            <a:spAutoFit/>
+          </a:bodyPr>
+          <a:lstStyle/>
+          <a:p>
+            <a:r>
+              <a:rPr lang="en-GB" sz="2400" dirty="0"/>
+              <a:t>-4</a:t>
+            </a:r>
+          </a:p>
+        </p:txBody>
+      </p:sp>
+      <p:cxnSp>
+        <p:nvCxnSpPr>
+          <p:cNvPr id="32" name="Straight Arrow Connector 31">
+            <a:extLst>
+              <a:ext uri="{FF2B5EF4-FFF2-40B4-BE49-F238E27FC236}">
+                <a16:creationId xmlns:a16="http://schemas.microsoft.com/office/drawing/2014/main" id="{084FCE03-AD2C-8375-FF2B-1E57983A0D91}"/>
+              </a:ext>
+            </a:extLst>
+          </p:cNvPr>
+          <p:cNvCxnSpPr>
+            <a:cxnSpLocks/>
+            <a:stCxn id="9" idx="6"/>
+          </p:cNvCxnSpPr>
+          <p:nvPr/>
+        </p:nvCxnSpPr>
+        <p:spPr>
+          <a:xfrm>
+            <a:off x="4365170" y="2460172"/>
+            <a:ext cx="723140" cy="0"/>
+          </a:xfrm>
+          <a:prstGeom prst="straightConnector1">
+            <a:avLst/>
+          </a:prstGeom>
+          <a:ln>
+            <a:solidFill>
+              <a:schemeClr val="tx1"/>
+            </a:solidFill>
+            <a:tailEnd type="triangle"/>
+          </a:ln>
+        </p:spPr>
+        <p:style>
+          <a:lnRef idx="2">
+            <a:schemeClr val="accent1"/>
+          </a:lnRef>
+          <a:fillRef idx="0">
+            <a:schemeClr val="accent1"/>
+          </a:fillRef>
+          <a:effectRef idx="1">
+            <a:schemeClr val="accent1"/>
+          </a:effectRef>
+          <a:fontRef idx="minor">
+            <a:schemeClr val="tx1"/>
+          </a:fontRef>
+        </p:style>
+      </p:cxnSp>
+      <p:sp>
+        <p:nvSpPr>
+          <p:cNvPr id="33" name="TextBox 32">
+            <a:extLst>
+              <a:ext uri="{FF2B5EF4-FFF2-40B4-BE49-F238E27FC236}">
+                <a16:creationId xmlns:a16="http://schemas.microsoft.com/office/drawing/2014/main" id="{A6DB8C2B-09E7-BEEA-4C23-78A752B67DBB}"/>
+              </a:ext>
+            </a:extLst>
+          </p:cNvPr>
+          <p:cNvSpPr txBox="1"/>
+          <p:nvPr/>
+        </p:nvSpPr>
+        <p:spPr>
+          <a:xfrm>
+            <a:off x="4334855" y="2121488"/>
+            <a:ext cx="783771" cy="369332"/>
+          </a:xfrm>
+          <a:prstGeom prst="rect">
+            <a:avLst/>
+          </a:prstGeom>
+          <a:noFill/>
+        </p:spPr>
+        <p:txBody>
+          <a:bodyPr wrap="square" rtlCol="0">
+            <a:spAutoFit/>
+          </a:bodyPr>
+          <a:lstStyle/>
+          <a:p>
+            <a:r>
+              <a:rPr lang="en-GB" dirty="0"/>
+              <a:t>ReLU</a:t>
+            </a:r>
+          </a:p>
+        </p:txBody>
+      </p:sp>
+    </p:spTree>
+    <p:extLst>
+      <p:ext uri="{BB962C8B-B14F-4D97-AF65-F5344CB8AC3E}">
+        <p14:creationId xmlns:p14="http://schemas.microsoft.com/office/powerpoint/2010/main" val="4249282133"/>
       </p:ext>
     </p:extLst>
   </p:cSld>

--- a/Viz.pptx
+++ b/Viz.pptx
@@ -5,7 +5,7 @@
     <p:sldMasterId id="2147483648" r:id="rId1"/>
   </p:sldMasterIdLst>
   <p:notesMasterIdLst>
-    <p:notesMasterId r:id="rId8"/>
+    <p:notesMasterId r:id="rId11"/>
   </p:notesMasterIdLst>
   <p:sldIdLst>
     <p:sldId id="256" r:id="rId2"/>
@@ -14,6 +14,9 @@
     <p:sldId id="259" r:id="rId5"/>
     <p:sldId id="260" r:id="rId6"/>
     <p:sldId id="261" r:id="rId7"/>
+    <p:sldId id="262" r:id="rId8"/>
+    <p:sldId id="263" r:id="rId9"/>
+    <p:sldId id="264" r:id="rId10"/>
   </p:sldIdLst>
   <p:sldSz cx="12192000" cy="6858000"/>
   <p:notesSz cx="6858000" cy="9144000"/>
@@ -123,8 +126,7 @@
 <file path=ppt/revisionInfo.xml><?xml version="1.0" encoding="utf-8"?>
 <p1510:revInfo xmlns:a="http://schemas.openxmlformats.org/drawingml/2006/main" xmlns:r="http://schemas.openxmlformats.org/officeDocument/2006/relationships" xmlns:p1510="http://schemas.microsoft.com/office/powerpoint/2015/10/main">
   <p1510:revLst>
-    <p1510:client id="{5F315C37-A57A-4B13-A8EF-FA31EC78C459}" v="11" dt="2026-01-31T21:57:31.939"/>
-    <p1510:client id="{DC55FABE-5E4A-49A4-80C7-7195C027F1C1}" v="32" dt="2026-02-01T08:39:21.043"/>
+    <p1510:client id="{5F315C37-A57A-4B13-A8EF-FA31EC78C459}" v="70" dt="2026-02-04T19:04:48.552"/>
   </p1510:revLst>
 </p1510:revInfo>
 </file>
@@ -133,8 +135,8 @@
 <pc:chgInfo xmlns:a="http://schemas.openxmlformats.org/drawingml/2006/main" xmlns:r="http://schemas.openxmlformats.org/officeDocument/2006/relationships" xmlns:ac="http://schemas.microsoft.com/office/drawing/2013/main/command" xmlns:pc="http://schemas.microsoft.com/office/powerpoint/2013/main/command">
   <pc:docChgLst>
     <pc:chgData name="Or Forshmit" userId="7c842d5c4cf4431e" providerId="LiveId" clId="{E409A72B-5ED7-4D73-9396-E605A8B45686}"/>
-    <pc:docChg chg="undo custSel addSld modSld">
-      <pc:chgData name="Or Forshmit" userId="7c842d5c4cf4431e" providerId="LiveId" clId="{E409A72B-5ED7-4D73-9396-E605A8B45686}" dt="2026-01-31T21:57:38.280" v="126" actId="14100"/>
+    <pc:docChg chg="undo redo custSel addSld modSld">
+      <pc:chgData name="Or Forshmit" userId="7c842d5c4cf4431e" providerId="LiveId" clId="{E409A72B-5ED7-4D73-9396-E605A8B45686}" dt="2026-02-04T19:05:05.937" v="306" actId="14100"/>
       <pc:docMkLst>
         <pc:docMk/>
       </pc:docMkLst>
@@ -144,38 +146,6 @@
           <pc:docMk/>
           <pc:sldMk cId="1068988793" sldId="260"/>
         </pc:sldMkLst>
-        <pc:spChg chg="del">
-          <ac:chgData name="Or Forshmit" userId="7c842d5c4cf4431e" providerId="LiveId" clId="{E409A72B-5ED7-4D73-9396-E605A8B45686}" dt="2026-01-31T21:51:47.930" v="28" actId="478"/>
-          <ac:spMkLst>
-            <pc:docMk/>
-            <pc:sldMk cId="1068988793" sldId="260"/>
-            <ac:spMk id="2" creationId="{E24E1EE2-3589-24AA-F20A-24E13FCDEE18}"/>
-          </ac:spMkLst>
-        </pc:spChg>
-        <pc:spChg chg="del">
-          <ac:chgData name="Or Forshmit" userId="7c842d5c4cf4431e" providerId="LiveId" clId="{E409A72B-5ED7-4D73-9396-E605A8B45686}" dt="2026-01-31T21:51:46.450" v="27" actId="478"/>
-          <ac:spMkLst>
-            <pc:docMk/>
-            <pc:sldMk cId="1068988793" sldId="260"/>
-            <ac:spMk id="3" creationId="{FC361BAC-1C47-71EC-C593-EB52F31A3E6B}"/>
-          </ac:spMkLst>
-        </pc:spChg>
-        <pc:spChg chg="add del">
-          <ac:chgData name="Or Forshmit" userId="7c842d5c4cf4431e" providerId="LiveId" clId="{E409A72B-5ED7-4D73-9396-E605A8B45686}" dt="2026-01-31T21:51:54.227" v="30" actId="22"/>
-          <ac:spMkLst>
-            <pc:docMk/>
-            <pc:sldMk cId="1068988793" sldId="260"/>
-            <ac:spMk id="5" creationId="{83ACB9A2-3131-6615-E48C-998BF8EBDC59}"/>
-          </ac:spMkLst>
-        </pc:spChg>
-        <pc:spChg chg="add del">
-          <ac:chgData name="Or Forshmit" userId="7c842d5c4cf4431e" providerId="LiveId" clId="{E409A72B-5ED7-4D73-9396-E605A8B45686}" dt="2026-01-31T21:52:50.265" v="35" actId="478"/>
-          <ac:spMkLst>
-            <pc:docMk/>
-            <pc:sldMk cId="1068988793" sldId="260"/>
-            <ac:spMk id="10" creationId="{8132D86D-38F8-04F0-E1F7-F1B77E99125F}"/>
-          </ac:spMkLst>
-        </pc:spChg>
         <pc:spChg chg="add">
           <ac:chgData name="Or Forshmit" userId="7c842d5c4cf4431e" providerId="LiveId" clId="{E409A72B-5ED7-4D73-9396-E605A8B45686}" dt="2026-01-31T21:53:08.555" v="36" actId="11529"/>
           <ac:spMkLst>
@@ -192,54 +162,6 @@
             <ac:spMk id="12" creationId="{700E1494-AA88-80F6-C717-A84171B33D7B}"/>
           </ac:spMkLst>
         </pc:spChg>
-        <pc:spChg chg="add del mod">
-          <ac:chgData name="Or Forshmit" userId="7c842d5c4cf4431e" providerId="LiveId" clId="{E409A72B-5ED7-4D73-9396-E605A8B45686}" dt="2026-01-31T21:55:22.274" v="73" actId="478"/>
-          <ac:spMkLst>
-            <pc:docMk/>
-            <pc:sldMk cId="1068988793" sldId="260"/>
-            <ac:spMk id="13" creationId="{8C4AF863-7CCA-7E08-40BF-B5A1A673A3EB}"/>
-          </ac:spMkLst>
-        </pc:spChg>
-        <pc:spChg chg="add mod">
-          <ac:chgData name="Or Forshmit" userId="7c842d5c4cf4431e" providerId="LiveId" clId="{E409A72B-5ED7-4D73-9396-E605A8B45686}" dt="2026-01-31T21:54:24.862" v="55"/>
-          <ac:spMkLst>
-            <pc:docMk/>
-            <pc:sldMk cId="1068988793" sldId="260"/>
-            <ac:spMk id="14" creationId="{46DA66D7-BE07-56D9-E6F9-41DE04FEA553}"/>
-          </ac:spMkLst>
-        </pc:spChg>
-        <pc:spChg chg="add del mod">
-          <ac:chgData name="Or Forshmit" userId="7c842d5c4cf4431e" providerId="LiveId" clId="{E409A72B-5ED7-4D73-9396-E605A8B45686}" dt="2026-01-31T21:55:22.622" v="74" actId="478"/>
-          <ac:spMkLst>
-            <pc:docMk/>
-            <pc:sldMk cId="1068988793" sldId="260"/>
-            <ac:spMk id="15" creationId="{44BF8855-DAC5-E784-F6ED-75BDD807CD80}"/>
-          </ac:spMkLst>
-        </pc:spChg>
-        <pc:spChg chg="add mod">
-          <ac:chgData name="Or Forshmit" userId="7c842d5c4cf4431e" providerId="LiveId" clId="{E409A72B-5ED7-4D73-9396-E605A8B45686}" dt="2026-01-31T21:55:28.388" v="76"/>
-          <ac:spMkLst>
-            <pc:docMk/>
-            <pc:sldMk cId="1068988793" sldId="260"/>
-            <ac:spMk id="16" creationId="{F2C1C075-AF49-0653-1955-7606558A6055}"/>
-          </ac:spMkLst>
-        </pc:spChg>
-        <pc:spChg chg="add mod">
-          <ac:chgData name="Or Forshmit" userId="7c842d5c4cf4431e" providerId="LiveId" clId="{E409A72B-5ED7-4D73-9396-E605A8B45686}" dt="2026-01-31T21:56:16.714" v="104" actId="1037"/>
-          <ac:spMkLst>
-            <pc:docMk/>
-            <pc:sldMk cId="1068988793" sldId="260"/>
-            <ac:spMk id="17" creationId="{2CD65E07-AF44-10DA-6376-CBB35493F80D}"/>
-          </ac:spMkLst>
-        </pc:spChg>
-        <pc:spChg chg="add mod">
-          <ac:chgData name="Or Forshmit" userId="7c842d5c4cf4431e" providerId="LiveId" clId="{E409A72B-5ED7-4D73-9396-E605A8B45686}" dt="2026-01-31T21:56:57.034" v="115" actId="1076"/>
-          <ac:spMkLst>
-            <pc:docMk/>
-            <pc:sldMk cId="1068988793" sldId="260"/>
-            <ac:spMk id="18" creationId="{D721D6C3-2CB5-57D0-1600-D6A26867B519}"/>
-          </ac:spMkLst>
-        </pc:spChg>
         <pc:cxnChg chg="add mod">
           <ac:chgData name="Or Forshmit" userId="7c842d5c4cf4431e" providerId="LiveId" clId="{E409A72B-5ED7-4D73-9396-E605A8B45686}" dt="2026-01-31T21:52:07.942" v="32" actId="14100"/>
           <ac:cxnSpMkLst>
@@ -286,6 +208,379 @@
             <pc:docMk/>
             <pc:sldMk cId="1068988793" sldId="260"/>
             <ac:cxnSpMk id="27" creationId="{5F632C4C-55A9-EB56-55AC-AF11608DE7FE}"/>
+          </ac:cxnSpMkLst>
+        </pc:cxnChg>
+      </pc:sldChg>
+      <pc:sldChg chg="addSp delSp modSp add mod modNotesTx">
+        <pc:chgData name="Or Forshmit" userId="7c842d5c4cf4431e" providerId="LiveId" clId="{E409A72B-5ED7-4D73-9396-E605A8B45686}" dt="2026-02-04T18:59:15.160" v="220" actId="20577"/>
+        <pc:sldMkLst>
+          <pc:docMk/>
+          <pc:sldMk cId="2866057738" sldId="262"/>
+        </pc:sldMkLst>
+        <pc:spChg chg="del">
+          <ac:chgData name="Or Forshmit" userId="7c842d5c4cf4431e" providerId="LiveId" clId="{E409A72B-5ED7-4D73-9396-E605A8B45686}" dt="2026-02-04T18:49:04.788" v="128" actId="478"/>
+          <ac:spMkLst>
+            <pc:docMk/>
+            <pc:sldMk cId="2866057738" sldId="262"/>
+            <ac:spMk id="3" creationId="{896588A9-70B3-D0BA-E282-41ED434BC8A7}"/>
+          </ac:spMkLst>
+        </pc:spChg>
+        <pc:spChg chg="del">
+          <ac:chgData name="Or Forshmit" userId="7c842d5c4cf4431e" providerId="LiveId" clId="{E409A72B-5ED7-4D73-9396-E605A8B45686}" dt="2026-02-04T18:49:04.788" v="128" actId="478"/>
+          <ac:spMkLst>
+            <pc:docMk/>
+            <pc:sldMk cId="2866057738" sldId="262"/>
+            <ac:spMk id="4" creationId="{607A3D69-8794-D8F0-95C1-CCC9DE15DBFE}"/>
+          </ac:spMkLst>
+        </pc:spChg>
+        <pc:spChg chg="del">
+          <ac:chgData name="Or Forshmit" userId="7c842d5c4cf4431e" providerId="LiveId" clId="{E409A72B-5ED7-4D73-9396-E605A8B45686}" dt="2026-02-04T18:49:04.788" v="128" actId="478"/>
+          <ac:spMkLst>
+            <pc:docMk/>
+            <pc:sldMk cId="2866057738" sldId="262"/>
+            <ac:spMk id="5" creationId="{0DF3653D-D416-0A04-4B7E-0435635E82AE}"/>
+          </ac:spMkLst>
+        </pc:spChg>
+        <pc:spChg chg="add del mod">
+          <ac:chgData name="Or Forshmit" userId="7c842d5c4cf4431e" providerId="LiveId" clId="{E409A72B-5ED7-4D73-9396-E605A8B45686}" dt="2026-02-04T18:49:39.050" v="144" actId="478"/>
+          <ac:spMkLst>
+            <pc:docMk/>
+            <pc:sldMk cId="2866057738" sldId="262"/>
+            <ac:spMk id="7" creationId="{90445DA0-C97E-8795-949B-5AF22BCE1635}"/>
+          </ac:spMkLst>
+        </pc:spChg>
+        <pc:spChg chg="del">
+          <ac:chgData name="Or Forshmit" userId="7c842d5c4cf4431e" providerId="LiveId" clId="{E409A72B-5ED7-4D73-9396-E605A8B45686}" dt="2026-02-04T18:49:04.788" v="128" actId="478"/>
+          <ac:spMkLst>
+            <pc:docMk/>
+            <pc:sldMk cId="2866057738" sldId="262"/>
+            <ac:spMk id="8" creationId="{09E9814C-E591-0B7C-C0AB-10C576AF6A20}"/>
+          </ac:spMkLst>
+        </pc:spChg>
+        <pc:spChg chg="del">
+          <ac:chgData name="Or Forshmit" userId="7c842d5c4cf4431e" providerId="LiveId" clId="{E409A72B-5ED7-4D73-9396-E605A8B45686}" dt="2026-02-04T18:49:04.788" v="128" actId="478"/>
+          <ac:spMkLst>
+            <pc:docMk/>
+            <pc:sldMk cId="2866057738" sldId="262"/>
+            <ac:spMk id="9" creationId="{7F17755E-5943-6C6A-86BF-9D5ED1C220F3}"/>
+          </ac:spMkLst>
+        </pc:spChg>
+        <pc:spChg chg="add del mod">
+          <ac:chgData name="Or Forshmit" userId="7c842d5c4cf4431e" providerId="LiveId" clId="{E409A72B-5ED7-4D73-9396-E605A8B45686}" dt="2026-02-04T18:49:39.050" v="144" actId="478"/>
+          <ac:spMkLst>
+            <pc:docMk/>
+            <pc:sldMk cId="2866057738" sldId="262"/>
+            <ac:spMk id="10" creationId="{6AAF8F17-F583-6300-A6FB-45B39D60D193}"/>
+          </ac:spMkLst>
+        </pc:spChg>
+        <pc:spChg chg="add del mod">
+          <ac:chgData name="Or Forshmit" userId="7c842d5c4cf4431e" providerId="LiveId" clId="{E409A72B-5ED7-4D73-9396-E605A8B45686}" dt="2026-02-04T18:49:39.050" v="144" actId="478"/>
+          <ac:spMkLst>
+            <pc:docMk/>
+            <pc:sldMk cId="2866057738" sldId="262"/>
+            <ac:spMk id="11" creationId="{2AD7C24B-1DDA-A421-8894-4BD4125D6462}"/>
+          </ac:spMkLst>
+        </pc:spChg>
+        <pc:spChg chg="add del mod">
+          <ac:chgData name="Or Forshmit" userId="7c842d5c4cf4431e" providerId="LiveId" clId="{E409A72B-5ED7-4D73-9396-E605A8B45686}" dt="2026-02-04T18:49:39.050" v="144" actId="478"/>
+          <ac:spMkLst>
+            <pc:docMk/>
+            <pc:sldMk cId="2866057738" sldId="262"/>
+            <ac:spMk id="12" creationId="{6E1885A2-1F28-8D6B-EFF0-4FA764B41E85}"/>
+          </ac:spMkLst>
+        </pc:spChg>
+        <pc:spChg chg="add del mod">
+          <ac:chgData name="Or Forshmit" userId="7c842d5c4cf4431e" providerId="LiveId" clId="{E409A72B-5ED7-4D73-9396-E605A8B45686}" dt="2026-02-04T18:49:39.050" v="144" actId="478"/>
+          <ac:spMkLst>
+            <pc:docMk/>
+            <pc:sldMk cId="2866057738" sldId="262"/>
+            <ac:spMk id="13" creationId="{529F42D1-2329-8E25-777A-880CD9D3F956}"/>
+          </ac:spMkLst>
+        </pc:spChg>
+        <pc:spChg chg="del">
+          <ac:chgData name="Or Forshmit" userId="7c842d5c4cf4431e" providerId="LiveId" clId="{E409A72B-5ED7-4D73-9396-E605A8B45686}" dt="2026-02-04T18:49:08.075" v="129" actId="478"/>
+          <ac:spMkLst>
+            <pc:docMk/>
+            <pc:sldMk cId="2866057738" sldId="262"/>
+            <ac:spMk id="15" creationId="{6B8602B9-5021-E30B-8118-772FB600D115}"/>
+          </ac:spMkLst>
+        </pc:spChg>
+        <pc:spChg chg="add del mod">
+          <ac:chgData name="Or Forshmit" userId="7c842d5c4cf4431e" providerId="LiveId" clId="{E409A72B-5ED7-4D73-9396-E605A8B45686}" dt="2026-02-04T18:49:39.050" v="144" actId="478"/>
+          <ac:spMkLst>
+            <pc:docMk/>
+            <pc:sldMk cId="2866057738" sldId="262"/>
+            <ac:spMk id="16" creationId="{E43B91DC-E418-792D-569B-94A3DE61151A}"/>
+          </ac:spMkLst>
+        </pc:spChg>
+        <pc:spChg chg="del">
+          <ac:chgData name="Or Forshmit" userId="7c842d5c4cf4431e" providerId="LiveId" clId="{E409A72B-5ED7-4D73-9396-E605A8B45686}" dt="2026-02-04T18:49:04.788" v="128" actId="478"/>
+          <ac:spMkLst>
+            <pc:docMk/>
+            <pc:sldMk cId="2866057738" sldId="262"/>
+            <ac:spMk id="18" creationId="{B328A18F-E947-4591-FC10-3480011FF5C1}"/>
+          </ac:spMkLst>
+        </pc:spChg>
+        <pc:spChg chg="del">
+          <ac:chgData name="Or Forshmit" userId="7c842d5c4cf4431e" providerId="LiveId" clId="{E409A72B-5ED7-4D73-9396-E605A8B45686}" dt="2026-02-04T18:49:04.788" v="128" actId="478"/>
+          <ac:spMkLst>
+            <pc:docMk/>
+            <pc:sldMk cId="2866057738" sldId="262"/>
+            <ac:spMk id="23" creationId="{2E556A73-BB6C-98AE-B92F-11CCF3F2245B}"/>
+          </ac:spMkLst>
+        </pc:spChg>
+        <pc:spChg chg="add mod">
+          <ac:chgData name="Or Forshmit" userId="7c842d5c4cf4431e" providerId="LiveId" clId="{E409A72B-5ED7-4D73-9396-E605A8B45686}" dt="2026-02-04T18:59:09.943" v="217" actId="14100"/>
+          <ac:spMkLst>
+            <pc:docMk/>
+            <pc:sldMk cId="2866057738" sldId="262"/>
+            <ac:spMk id="24" creationId="{359C785A-146B-F2D8-6944-6F24D307FC5C}"/>
+          </ac:spMkLst>
+        </pc:spChg>
+        <pc:spChg chg="add mod">
+          <ac:chgData name="Or Forshmit" userId="7c842d5c4cf4431e" providerId="LiveId" clId="{E409A72B-5ED7-4D73-9396-E605A8B45686}" dt="2026-02-04T18:59:09.943" v="217" actId="14100"/>
+          <ac:spMkLst>
+            <pc:docMk/>
+            <pc:sldMk cId="2866057738" sldId="262"/>
+            <ac:spMk id="26" creationId="{E2A1E7B8-67ED-8B83-40F3-834ABC717B57}"/>
+          </ac:spMkLst>
+        </pc:spChg>
+        <pc:spChg chg="add del mod">
+          <ac:chgData name="Or Forshmit" userId="7c842d5c4cf4431e" providerId="LiveId" clId="{E409A72B-5ED7-4D73-9396-E605A8B45686}" dt="2026-02-04T18:53:22.932" v="215" actId="478"/>
+          <ac:spMkLst>
+            <pc:docMk/>
+            <pc:sldMk cId="2866057738" sldId="262"/>
+            <ac:spMk id="27" creationId="{A14E940F-7893-6C71-C084-1452BC0B213A}"/>
+          </ac:spMkLst>
+        </pc:spChg>
+        <pc:spChg chg="add mod">
+          <ac:chgData name="Or Forshmit" userId="7c842d5c4cf4431e" providerId="LiveId" clId="{E409A72B-5ED7-4D73-9396-E605A8B45686}" dt="2026-02-04T18:59:09.943" v="217" actId="14100"/>
+          <ac:spMkLst>
+            <pc:docMk/>
+            <pc:sldMk cId="2866057738" sldId="262"/>
+            <ac:spMk id="28" creationId="{57829EF2-56C5-F429-C668-4C10760A55FC}"/>
+          </ac:spMkLst>
+        </pc:spChg>
+        <pc:spChg chg="del">
+          <ac:chgData name="Or Forshmit" userId="7c842d5c4cf4431e" providerId="LiveId" clId="{E409A72B-5ED7-4D73-9396-E605A8B45686}" dt="2026-02-04T18:49:04.788" v="128" actId="478"/>
+          <ac:spMkLst>
+            <pc:docMk/>
+            <pc:sldMk cId="2866057738" sldId="262"/>
+            <ac:spMk id="29" creationId="{5F1A2166-5872-6925-F9FF-41172CDB3A32}"/>
+          </ac:spMkLst>
+        </pc:spChg>
+        <pc:spChg chg="del">
+          <ac:chgData name="Or Forshmit" userId="7c842d5c4cf4431e" providerId="LiveId" clId="{E409A72B-5ED7-4D73-9396-E605A8B45686}" dt="2026-02-04T18:49:04.788" v="128" actId="478"/>
+          <ac:spMkLst>
+            <pc:docMk/>
+            <pc:sldMk cId="2866057738" sldId="262"/>
+            <ac:spMk id="30" creationId="{2CF7B4FE-774F-16A0-78DD-57831127B1DF}"/>
+          </ac:spMkLst>
+        </pc:spChg>
+        <pc:spChg chg="del">
+          <ac:chgData name="Or Forshmit" userId="7c842d5c4cf4431e" providerId="LiveId" clId="{E409A72B-5ED7-4D73-9396-E605A8B45686}" dt="2026-02-04T18:49:04.788" v="128" actId="478"/>
+          <ac:spMkLst>
+            <pc:docMk/>
+            <pc:sldMk cId="2866057738" sldId="262"/>
+            <ac:spMk id="33" creationId="{8A9BE464-B3D0-0D59-DB63-E17CF18BF3D9}"/>
+          </ac:spMkLst>
+        </pc:spChg>
+        <pc:cxnChg chg="add mod">
+          <ac:chgData name="Or Forshmit" userId="7c842d5c4cf4431e" providerId="LiveId" clId="{E409A72B-5ED7-4D73-9396-E605A8B45686}" dt="2026-02-04T18:59:09.943" v="217" actId="14100"/>
+          <ac:cxnSpMkLst>
+            <pc:docMk/>
+            <pc:sldMk cId="2866057738" sldId="262"/>
+            <ac:cxnSpMk id="2" creationId="{60E71488-14B8-D904-19DC-6F026631F389}"/>
+          </ac:cxnSpMkLst>
+        </pc:cxnChg>
+        <pc:cxnChg chg="add del mod">
+          <ac:chgData name="Or Forshmit" userId="7c842d5c4cf4431e" providerId="LiveId" clId="{E409A72B-5ED7-4D73-9396-E605A8B45686}" dt="2026-02-04T18:49:54.343" v="146" actId="478"/>
+          <ac:cxnSpMkLst>
+            <pc:docMk/>
+            <pc:sldMk cId="2866057738" sldId="262"/>
+            <ac:cxnSpMk id="6" creationId="{E5211606-ECC2-1546-F166-0D20673408D7}"/>
+          </ac:cxnSpMkLst>
+        </pc:cxnChg>
+        <pc:cxnChg chg="add mod">
+          <ac:chgData name="Or Forshmit" userId="7c842d5c4cf4431e" providerId="LiveId" clId="{E409A72B-5ED7-4D73-9396-E605A8B45686}" dt="2026-02-04T18:59:09.943" v="217" actId="14100"/>
+          <ac:cxnSpMkLst>
+            <pc:docMk/>
+            <pc:sldMk cId="2866057738" sldId="262"/>
+            <ac:cxnSpMk id="19" creationId="{82AFC56A-656C-9E0A-2B9E-8DC58DE7EF4C}"/>
+          </ac:cxnSpMkLst>
+        </pc:cxnChg>
+      </pc:sldChg>
+      <pc:sldChg chg="addSp delSp modSp add mod modNotesTx">
+        <pc:chgData name="Or Forshmit" userId="7c842d5c4cf4431e" providerId="LiveId" clId="{E409A72B-5ED7-4D73-9396-E605A8B45686}" dt="2026-02-04T19:01:43.581" v="261" actId="1076"/>
+        <pc:sldMkLst>
+          <pc:docMk/>
+          <pc:sldMk cId="2647498626" sldId="263"/>
+        </pc:sldMkLst>
+        <pc:spChg chg="add mod">
+          <ac:chgData name="Or Forshmit" userId="7c842d5c4cf4431e" providerId="LiveId" clId="{E409A72B-5ED7-4D73-9396-E605A8B45686}" dt="2026-02-04T18:59:30.526" v="226"/>
+          <ac:spMkLst>
+            <pc:docMk/>
+            <pc:sldMk cId="2647498626" sldId="263"/>
+            <ac:spMk id="3" creationId="{FCF66A8E-0C4F-A0AA-A75B-0BF82FE2C890}"/>
+          </ac:spMkLst>
+        </pc:spChg>
+        <pc:spChg chg="add mod">
+          <ac:chgData name="Or Forshmit" userId="7c842d5c4cf4431e" providerId="LiveId" clId="{E409A72B-5ED7-4D73-9396-E605A8B45686}" dt="2026-02-04T19:01:43.581" v="261" actId="1076"/>
+          <ac:spMkLst>
+            <pc:docMk/>
+            <pc:sldMk cId="2647498626" sldId="263"/>
+            <ac:spMk id="4" creationId="{159B4455-5B3D-08A8-A3BC-D83070B5B0CD}"/>
+          </ac:spMkLst>
+        </pc:spChg>
+        <pc:cxnChg chg="add mod">
+          <ac:chgData name="Or Forshmit" userId="7c842d5c4cf4431e" providerId="LiveId" clId="{E409A72B-5ED7-4D73-9396-E605A8B45686}" dt="2026-02-04T19:01:40.844" v="260" actId="14100"/>
+          <ac:cxnSpMkLst>
+            <pc:docMk/>
+            <pc:sldMk cId="2647498626" sldId="263"/>
+            <ac:cxnSpMk id="6" creationId="{32CF10AD-C3DF-C46A-A01C-652967C2376C}"/>
+          </ac:cxnSpMkLst>
+        </pc:cxnChg>
+        <pc:cxnChg chg="add del mod">
+          <ac:chgData name="Or Forshmit" userId="7c842d5c4cf4431e" providerId="LiveId" clId="{E409A72B-5ED7-4D73-9396-E605A8B45686}" dt="2026-02-04T19:00:58.434" v="247" actId="478"/>
+          <ac:cxnSpMkLst>
+            <pc:docMk/>
+            <pc:sldMk cId="2647498626" sldId="263"/>
+            <ac:cxnSpMk id="7" creationId="{57FAA548-F7A9-D9FC-4315-4DCDCD50FEE2}"/>
+          </ac:cxnSpMkLst>
+        </pc:cxnChg>
+        <pc:cxnChg chg="add del mod">
+          <ac:chgData name="Or Forshmit" userId="7c842d5c4cf4431e" providerId="LiveId" clId="{E409A72B-5ED7-4D73-9396-E605A8B45686}" dt="2026-02-04T19:00:57.731" v="246" actId="478"/>
+          <ac:cxnSpMkLst>
+            <pc:docMk/>
+            <pc:sldMk cId="2647498626" sldId="263"/>
+            <ac:cxnSpMk id="9" creationId="{AB840EC1-90CE-66D8-AB63-CE1A799F1FCB}"/>
+          </ac:cxnSpMkLst>
+        </pc:cxnChg>
+        <pc:cxnChg chg="add mod">
+          <ac:chgData name="Or Forshmit" userId="7c842d5c4cf4431e" providerId="LiveId" clId="{E409A72B-5ED7-4D73-9396-E605A8B45686}" dt="2026-02-04T19:01:06.501" v="250" actId="14100"/>
+          <ac:cxnSpMkLst>
+            <pc:docMk/>
+            <pc:sldMk cId="2647498626" sldId="263"/>
+            <ac:cxnSpMk id="11" creationId="{04624488-374A-6FFA-3B14-E7B87D4E552A}"/>
+          </ac:cxnSpMkLst>
+        </pc:cxnChg>
+        <pc:cxnChg chg="add mod">
+          <ac:chgData name="Or Forshmit" userId="7c842d5c4cf4431e" providerId="LiveId" clId="{E409A72B-5ED7-4D73-9396-E605A8B45686}" dt="2026-02-04T19:01:18.793" v="253" actId="14100"/>
+          <ac:cxnSpMkLst>
+            <pc:docMk/>
+            <pc:sldMk cId="2647498626" sldId="263"/>
+            <ac:cxnSpMk id="14" creationId="{5FE9BDF8-C77B-8C74-6AB2-7E99EB69B7A0}"/>
+          </ac:cxnSpMkLst>
+        </pc:cxnChg>
+        <pc:cxnChg chg="add mod">
+          <ac:chgData name="Or Forshmit" userId="7c842d5c4cf4431e" providerId="LiveId" clId="{E409A72B-5ED7-4D73-9396-E605A8B45686}" dt="2026-02-04T19:01:31.582" v="258" actId="14100"/>
+          <ac:cxnSpMkLst>
+            <pc:docMk/>
+            <pc:sldMk cId="2647498626" sldId="263"/>
+            <ac:cxnSpMk id="16" creationId="{8F168DA0-140A-8ECC-3EB8-B046513A869D}"/>
+          </ac:cxnSpMkLst>
+        </pc:cxnChg>
+      </pc:sldChg>
+      <pc:sldChg chg="addSp delSp modSp add mod">
+        <pc:chgData name="Or Forshmit" userId="7c842d5c4cf4431e" providerId="LiveId" clId="{E409A72B-5ED7-4D73-9396-E605A8B45686}" dt="2026-02-04T19:05:05.937" v="306" actId="14100"/>
+        <pc:sldMkLst>
+          <pc:docMk/>
+          <pc:sldMk cId="1612604750" sldId="264"/>
+        </pc:sldMkLst>
+        <pc:cxnChg chg="add mod">
+          <ac:chgData name="Or Forshmit" userId="7c842d5c4cf4431e" providerId="LiveId" clId="{E409A72B-5ED7-4D73-9396-E605A8B45686}" dt="2026-02-04T19:03:42.525" v="270" actId="14100"/>
+          <ac:cxnSpMkLst>
+            <pc:docMk/>
+            <pc:sldMk cId="1612604750" sldId="264"/>
+            <ac:cxnSpMk id="5" creationId="{BFF24D84-A20F-D55A-8D1D-E4545B1E1C9F}"/>
+          </ac:cxnSpMkLst>
+        </pc:cxnChg>
+        <pc:cxnChg chg="mod">
+          <ac:chgData name="Or Forshmit" userId="7c842d5c4cf4431e" providerId="LiveId" clId="{E409A72B-5ED7-4D73-9396-E605A8B45686}" dt="2026-02-04T19:03:35.811" v="268" actId="14100"/>
+          <ac:cxnSpMkLst>
+            <pc:docMk/>
+            <pc:sldMk cId="1612604750" sldId="264"/>
+            <ac:cxnSpMk id="6" creationId="{88DBA004-E2CA-7AAC-5466-3DC79AFC8E4C}"/>
+          </ac:cxnSpMkLst>
+        </pc:cxnChg>
+        <pc:cxnChg chg="add mod">
+          <ac:chgData name="Or Forshmit" userId="7c842d5c4cf4431e" providerId="LiveId" clId="{E409A72B-5ED7-4D73-9396-E605A8B45686}" dt="2026-02-04T19:03:55.751" v="274" actId="14100"/>
+          <ac:cxnSpMkLst>
+            <pc:docMk/>
+            <pc:sldMk cId="1612604750" sldId="264"/>
+            <ac:cxnSpMk id="10" creationId="{8529F9CE-055C-B789-C3A3-AD33F45EB17C}"/>
+          </ac:cxnSpMkLst>
+        </pc:cxnChg>
+        <pc:cxnChg chg="del">
+          <ac:chgData name="Or Forshmit" userId="7c842d5c4cf4431e" providerId="LiveId" clId="{E409A72B-5ED7-4D73-9396-E605A8B45686}" dt="2026-02-04T19:03:22.324" v="263" actId="478"/>
+          <ac:cxnSpMkLst>
+            <pc:docMk/>
+            <pc:sldMk cId="1612604750" sldId="264"/>
+            <ac:cxnSpMk id="11" creationId="{454C0E33-DCC0-2076-4A15-88802FFC58F4}"/>
+          </ac:cxnSpMkLst>
+        </pc:cxnChg>
+        <pc:cxnChg chg="del">
+          <ac:chgData name="Or Forshmit" userId="7c842d5c4cf4431e" providerId="LiveId" clId="{E409A72B-5ED7-4D73-9396-E605A8B45686}" dt="2026-02-04T19:03:22.324" v="263" actId="478"/>
+          <ac:cxnSpMkLst>
+            <pc:docMk/>
+            <pc:sldMk cId="1612604750" sldId="264"/>
+            <ac:cxnSpMk id="14" creationId="{D0C0309A-770E-40CA-A362-374B461F4262}"/>
+          </ac:cxnSpMkLst>
+        </pc:cxnChg>
+        <pc:cxnChg chg="add mod">
+          <ac:chgData name="Or Forshmit" userId="7c842d5c4cf4431e" providerId="LiveId" clId="{E409A72B-5ED7-4D73-9396-E605A8B45686}" dt="2026-02-04T19:04:09.059" v="280" actId="14100"/>
+          <ac:cxnSpMkLst>
+            <pc:docMk/>
+            <pc:sldMk cId="1612604750" sldId="264"/>
+            <ac:cxnSpMk id="15" creationId="{1B60A506-409E-D9D2-F4F1-734AAF93654C}"/>
+          </ac:cxnSpMkLst>
+        </pc:cxnChg>
+        <pc:cxnChg chg="del">
+          <ac:chgData name="Or Forshmit" userId="7c842d5c4cf4431e" providerId="LiveId" clId="{E409A72B-5ED7-4D73-9396-E605A8B45686}" dt="2026-02-04T19:03:22.324" v="263" actId="478"/>
+          <ac:cxnSpMkLst>
+            <pc:docMk/>
+            <pc:sldMk cId="1612604750" sldId="264"/>
+            <ac:cxnSpMk id="16" creationId="{FA2D304E-CE1B-5913-EB64-FEEEBE31281B}"/>
+          </ac:cxnSpMkLst>
+        </pc:cxnChg>
+        <pc:cxnChg chg="add mod">
+          <ac:chgData name="Or Forshmit" userId="7c842d5c4cf4431e" providerId="LiveId" clId="{E409A72B-5ED7-4D73-9396-E605A8B45686}" dt="2026-02-04T19:04:20.519" v="284" actId="14100"/>
+          <ac:cxnSpMkLst>
+            <pc:docMk/>
+            <pc:sldMk cId="1612604750" sldId="264"/>
+            <ac:cxnSpMk id="23" creationId="{D40929F1-34AB-7FAC-2531-5196C50D2E9F}"/>
+          </ac:cxnSpMkLst>
+        </pc:cxnChg>
+        <pc:cxnChg chg="add mod">
+          <ac:chgData name="Or Forshmit" userId="7c842d5c4cf4431e" providerId="LiveId" clId="{E409A72B-5ED7-4D73-9396-E605A8B45686}" dt="2026-02-04T19:04:26.549" v="287" actId="14100"/>
+          <ac:cxnSpMkLst>
+            <pc:docMk/>
+            <pc:sldMk cId="1612604750" sldId="264"/>
+            <ac:cxnSpMk id="29" creationId="{9C5EC2FB-1B0F-C4F5-7A59-0A2282907EEF}"/>
+          </ac:cxnSpMkLst>
+        </pc:cxnChg>
+        <pc:cxnChg chg="add mod">
+          <ac:chgData name="Or Forshmit" userId="7c842d5c4cf4431e" providerId="LiveId" clId="{E409A72B-5ED7-4D73-9396-E605A8B45686}" dt="2026-02-04T19:04:37.286" v="291" actId="14100"/>
+          <ac:cxnSpMkLst>
+            <pc:docMk/>
+            <pc:sldMk cId="1612604750" sldId="264"/>
+            <ac:cxnSpMk id="32" creationId="{070E651B-5A5F-0A77-9890-BD0C5A07005B}"/>
+          </ac:cxnSpMkLst>
+        </pc:cxnChg>
+        <pc:cxnChg chg="add mod">
+          <ac:chgData name="Or Forshmit" userId="7c842d5c4cf4431e" providerId="LiveId" clId="{E409A72B-5ED7-4D73-9396-E605A8B45686}" dt="2026-02-04T19:04:47.841" v="296" actId="14100"/>
+          <ac:cxnSpMkLst>
+            <pc:docMk/>
+            <pc:sldMk cId="1612604750" sldId="264"/>
+            <ac:cxnSpMk id="35" creationId="{B2074C27-772E-C977-9D48-8FCB09D5AD75}"/>
+          </ac:cxnSpMkLst>
+        </pc:cxnChg>
+        <pc:cxnChg chg="add mod">
+          <ac:chgData name="Or Forshmit" userId="7c842d5c4cf4431e" providerId="LiveId" clId="{E409A72B-5ED7-4D73-9396-E605A8B45686}" dt="2026-02-04T19:05:05.937" v="306" actId="14100"/>
+          <ac:cxnSpMkLst>
+            <pc:docMk/>
+            <pc:sldMk cId="1612604750" sldId="264"/>
+            <ac:cxnSpMk id="40" creationId="{DFCB2B7D-5553-21B0-7A45-9C58EB1CB736}"/>
           </ac:cxnSpMkLst>
         </pc:cxnChg>
       </pc:sldChg>
@@ -740,38 +1035,6 @@
             <ac:spMk id="12" creationId="{700E1494-AA88-80F6-C717-A84171B33D7B}"/>
           </ac:spMkLst>
         </pc:spChg>
-        <pc:spChg chg="del mod">
-          <ac:chgData name="Or Forshmit" userId="7c842d5c4cf4431e" providerId="LiveId" clId="{3E18CC7B-CFC1-4E27-A1BD-24931C36162E}" dt="2026-01-31T22:04:03.595" v="571" actId="478"/>
-          <ac:spMkLst>
-            <pc:docMk/>
-            <pc:sldMk cId="1068988793" sldId="260"/>
-            <ac:spMk id="13" creationId="{8C4AF863-7CCA-7E08-40BF-B5A1A673A3EB}"/>
-          </ac:spMkLst>
-        </pc:spChg>
-        <pc:spChg chg="del mod">
-          <ac:chgData name="Or Forshmit" userId="7c842d5c4cf4431e" providerId="LiveId" clId="{3E18CC7B-CFC1-4E27-A1BD-24931C36162E}" dt="2026-01-31T22:04:00.961" v="569" actId="478"/>
-          <ac:spMkLst>
-            <pc:docMk/>
-            <pc:sldMk cId="1068988793" sldId="260"/>
-            <ac:spMk id="15" creationId="{44BF8855-DAC5-E784-F6ED-75BDD807CD80}"/>
-          </ac:spMkLst>
-        </pc:spChg>
-        <pc:spChg chg="del mod">
-          <ac:chgData name="Or Forshmit" userId="7c842d5c4cf4431e" providerId="LiveId" clId="{3E18CC7B-CFC1-4E27-A1BD-24931C36162E}" dt="2026-01-31T22:04:02.950" v="570" actId="478"/>
-          <ac:spMkLst>
-            <pc:docMk/>
-            <pc:sldMk cId="1068988793" sldId="260"/>
-            <ac:spMk id="17" creationId="{2CD65E07-AF44-10DA-6376-CBB35493F80D}"/>
-          </ac:spMkLst>
-        </pc:spChg>
-        <pc:spChg chg="del mod">
-          <ac:chgData name="Or Forshmit" userId="7c842d5c4cf4431e" providerId="LiveId" clId="{3E18CC7B-CFC1-4E27-A1BD-24931C36162E}" dt="2026-01-31T22:04:04.714" v="572" actId="478"/>
-          <ac:spMkLst>
-            <pc:docMk/>
-            <pc:sldMk cId="1068988793" sldId="260"/>
-            <ac:spMk id="18" creationId="{D721D6C3-2CB5-57D0-1600-D6A26867B519}"/>
-          </ac:spMkLst>
-        </pc:spChg>
         <pc:cxnChg chg="mod">
           <ac:chgData name="Or Forshmit" userId="7c842d5c4cf4431e" providerId="LiveId" clId="{3E18CC7B-CFC1-4E27-A1BD-24931C36162E}" dt="2026-01-31T22:04:45.036" v="581" actId="14100"/>
           <ac:cxnSpMkLst>
@@ -811,14 +1074,6 @@
           <pc:docMk/>
           <pc:sldMk cId="4249282133" sldId="261"/>
         </pc:sldMkLst>
-        <pc:spChg chg="add del">
-          <ac:chgData name="Or Forshmit" userId="7c842d5c4cf4431e" providerId="LiveId" clId="{3E18CC7B-CFC1-4E27-A1BD-24931C36162E}" dt="2026-02-01T08:35:11.032" v="609" actId="11529"/>
-          <ac:spMkLst>
-            <pc:docMk/>
-            <pc:sldMk cId="4249282133" sldId="261"/>
-            <ac:spMk id="2" creationId="{CBFBD247-8D19-80B9-9E57-26C4F6C72A23}"/>
-          </ac:spMkLst>
-        </pc:spChg>
         <pc:spChg chg="add mod">
           <ac:chgData name="Or Forshmit" userId="7c842d5c4cf4431e" providerId="LiveId" clId="{3E18CC7B-CFC1-4E27-A1BD-24931C36162E}" dt="2026-02-01T08:35:27.956" v="613" actId="1076"/>
           <ac:spMkLst>
@@ -859,30 +1114,6 @@
             <ac:spMk id="9" creationId="{E3426335-B74B-87DD-88FC-0A1FBEA774FD}"/>
           </ac:spMkLst>
         </pc:spChg>
-        <pc:spChg chg="add del mod">
-          <ac:chgData name="Or Forshmit" userId="7c842d5c4cf4431e" providerId="LiveId" clId="{3E18CC7B-CFC1-4E27-A1BD-24931C36162E}" dt="2026-02-01T08:36:41.244" v="676"/>
-          <ac:spMkLst>
-            <pc:docMk/>
-            <pc:sldMk cId="4249282133" sldId="261"/>
-            <ac:spMk id="10" creationId="{2476DA24-9F5E-D280-0CF8-B662579E9049}"/>
-          </ac:spMkLst>
-        </pc:spChg>
-        <pc:spChg chg="del">
-          <ac:chgData name="Or Forshmit" userId="7c842d5c4cf4431e" providerId="LiveId" clId="{3E18CC7B-CFC1-4E27-A1BD-24931C36162E}" dt="2026-02-01T08:35:02.915" v="607" actId="478"/>
-          <ac:spMkLst>
-            <pc:docMk/>
-            <pc:sldMk cId="4249282133" sldId="261"/>
-            <ac:spMk id="11" creationId="{59FA3D77-9C19-2DE4-AEE8-D20FB166F331}"/>
-          </ac:spMkLst>
-        </pc:spChg>
-        <pc:spChg chg="del">
-          <ac:chgData name="Or Forshmit" userId="7c842d5c4cf4431e" providerId="LiveId" clId="{3E18CC7B-CFC1-4E27-A1BD-24931C36162E}" dt="2026-02-01T08:35:02.915" v="607" actId="478"/>
-          <ac:spMkLst>
-            <pc:docMk/>
-            <pc:sldMk cId="4249282133" sldId="261"/>
-            <ac:spMk id="12" creationId="{E95EB174-DA33-1B9C-001A-5C35AC2A465C}"/>
-          </ac:spMkLst>
-        </pc:spChg>
         <pc:spChg chg="add mod">
           <ac:chgData name="Or Forshmit" userId="7c842d5c4cf4431e" providerId="LiveId" clId="{3E18CC7B-CFC1-4E27-A1BD-24931C36162E}" dt="2026-02-01T08:37:36.369" v="695" actId="20577"/>
           <ac:spMkLst>
@@ -931,44 +1162,12 @@
             <ac:spMk id="33" creationId="{A6DB8C2B-09E7-BEEA-4C23-78A752B67DBB}"/>
           </ac:spMkLst>
         </pc:spChg>
-        <pc:cxnChg chg="del">
-          <ac:chgData name="Or Forshmit" userId="7c842d5c4cf4431e" providerId="LiveId" clId="{3E18CC7B-CFC1-4E27-A1BD-24931C36162E}" dt="2026-02-01T08:35:02.915" v="607" actId="478"/>
-          <ac:cxnSpMkLst>
-            <pc:docMk/>
-            <pc:sldMk cId="4249282133" sldId="261"/>
-            <ac:cxnSpMk id="6" creationId="{46B83CE0-4C86-D0BD-CB9C-9195B5BCA774}"/>
-          </ac:cxnSpMkLst>
-        </pc:cxnChg>
-        <pc:cxnChg chg="del">
-          <ac:chgData name="Or Forshmit" userId="7c842d5c4cf4431e" providerId="LiveId" clId="{3E18CC7B-CFC1-4E27-A1BD-24931C36162E}" dt="2026-02-01T08:35:02.915" v="607" actId="478"/>
-          <ac:cxnSpMkLst>
-            <pc:docMk/>
-            <pc:sldMk cId="4249282133" sldId="261"/>
-            <ac:cxnSpMk id="7" creationId="{C96BDF07-5DD2-08C1-BA46-0569430F7CBB}"/>
-          </ac:cxnSpMkLst>
-        </pc:cxnChg>
         <pc:cxnChg chg="add mod">
           <ac:chgData name="Or Forshmit" userId="7c842d5c4cf4431e" providerId="LiveId" clId="{3E18CC7B-CFC1-4E27-A1BD-24931C36162E}" dt="2026-02-01T08:37:30.690" v="693" actId="1076"/>
           <ac:cxnSpMkLst>
             <pc:docMk/>
             <pc:sldMk cId="4249282133" sldId="261"/>
             <ac:cxnSpMk id="14" creationId="{50FA29AF-A157-1973-A6F5-AE7EA3CEB96A}"/>
-          </ac:cxnSpMkLst>
-        </pc:cxnChg>
-        <pc:cxnChg chg="del mod">
-          <ac:chgData name="Or Forshmit" userId="7c842d5c4cf4431e" providerId="LiveId" clId="{3E18CC7B-CFC1-4E27-A1BD-24931C36162E}" dt="2026-02-01T08:35:02.915" v="607" actId="478"/>
-          <ac:cxnSpMkLst>
-            <pc:docMk/>
-            <pc:sldMk cId="4249282133" sldId="261"/>
-            <ac:cxnSpMk id="20" creationId="{0906EA06-9483-E49A-A952-416A5BC013CB}"/>
-          </ac:cxnSpMkLst>
-        </pc:cxnChg>
-        <pc:cxnChg chg="del">
-          <ac:chgData name="Or Forshmit" userId="7c842d5c4cf4431e" providerId="LiveId" clId="{3E18CC7B-CFC1-4E27-A1BD-24931C36162E}" dt="2026-02-01T08:35:02.915" v="607" actId="478"/>
-          <ac:cxnSpMkLst>
-            <pc:docMk/>
-            <pc:sldMk cId="4249282133" sldId="261"/>
-            <ac:cxnSpMk id="21" creationId="{FF69AC9D-7508-4093-FECB-25A981808719}"/>
           </ac:cxnSpMkLst>
         </pc:cxnChg>
         <pc:cxnChg chg="add mod">
@@ -979,28 +1178,12 @@
             <ac:cxnSpMk id="22" creationId="{DA64482E-326B-B813-5F63-D484C440D891}"/>
           </ac:cxnSpMkLst>
         </pc:cxnChg>
-        <pc:cxnChg chg="del">
-          <ac:chgData name="Or Forshmit" userId="7c842d5c4cf4431e" providerId="LiveId" clId="{3E18CC7B-CFC1-4E27-A1BD-24931C36162E}" dt="2026-02-01T08:35:02.915" v="607" actId="478"/>
-          <ac:cxnSpMkLst>
-            <pc:docMk/>
-            <pc:sldMk cId="4249282133" sldId="261"/>
-            <ac:cxnSpMk id="24" creationId="{97A877FE-CAFF-8CA6-6D0C-9C6895F5AB4D}"/>
-          </ac:cxnSpMkLst>
-        </pc:cxnChg>
         <pc:cxnChg chg="add mod">
           <ac:chgData name="Or Forshmit" userId="7c842d5c4cf4431e" providerId="LiveId" clId="{3E18CC7B-CFC1-4E27-A1BD-24931C36162E}" dt="2026-02-01T08:38:24.676" v="709" actId="14100"/>
           <ac:cxnSpMkLst>
             <pc:docMk/>
             <pc:sldMk cId="4249282133" sldId="261"/>
             <ac:cxnSpMk id="25" creationId="{1DE5EB95-354B-58C8-AD5E-33328AF78807}"/>
-          </ac:cxnSpMkLst>
-        </pc:cxnChg>
-        <pc:cxnChg chg="del">
-          <ac:chgData name="Or Forshmit" userId="7c842d5c4cf4431e" providerId="LiveId" clId="{3E18CC7B-CFC1-4E27-A1BD-24931C36162E}" dt="2026-02-01T08:35:02.915" v="607" actId="478"/>
-          <ac:cxnSpMkLst>
-            <pc:docMk/>
-            <pc:sldMk cId="4249282133" sldId="261"/>
-            <ac:cxnSpMk id="27" creationId="{6450017D-9F2B-D372-0DEF-B6E46591C5C6}"/>
           </ac:cxnSpMkLst>
         </pc:cxnChg>
         <pc:cxnChg chg="add mod">
@@ -1099,7 +1282,7 @@
           <a:p>
             <a:fld id="{45E6FCBF-32B6-47D0-9AE4-AC041F07E2DD}" type="datetimeFigureOut">
               <a:rPr lang="en-GB" smtClean="0"/>
-              <a:t>01/02/2026</a:t>
+              <a:t>04/02/2026</a:t>
             </a:fld>
             <a:endParaRPr lang="en-GB"/>
           </a:p>
@@ -1967,6 +2150,342 @@
 </p:notes>
 </file>
 
+<file path=ppt/notesSlides/notesSlide7.xml><?xml version="1.0" encoding="utf-8"?>
+<p:notes xmlns:a="http://schemas.openxmlformats.org/drawingml/2006/main" xmlns:r="http://schemas.openxmlformats.org/officeDocument/2006/relationships" xmlns:p="http://schemas.openxmlformats.org/presentationml/2006/main">
+  <p:cSld>
+    <p:spTree>
+      <p:nvGrpSpPr>
+        <p:cNvPr id="1" name="">
+          <a:extLst>
+            <a:ext uri="{FF2B5EF4-FFF2-40B4-BE49-F238E27FC236}">
+              <a16:creationId xmlns:a16="http://schemas.microsoft.com/office/drawing/2014/main" id="{A91298A0-2C82-022F-0863-3CB21EF1231C}"/>
+            </a:ext>
+          </a:extLst>
+        </p:cNvPr>
+        <p:cNvGrpSpPr/>
+        <p:nvPr/>
+      </p:nvGrpSpPr>
+      <p:grpSpPr>
+        <a:xfrm>
+          <a:off x="0" y="0"/>
+          <a:ext cx="0" cy="0"/>
+          <a:chOff x="0" y="0"/>
+          <a:chExt cx="0" cy="0"/>
+        </a:xfrm>
+      </p:grpSpPr>
+      <p:sp>
+        <p:nvSpPr>
+          <p:cNvPr id="2" name="Slide Image Placeholder 1">
+            <a:extLst>
+              <a:ext uri="{FF2B5EF4-FFF2-40B4-BE49-F238E27FC236}">
+                <a16:creationId xmlns:a16="http://schemas.microsoft.com/office/drawing/2014/main" id="{D709D7DE-A630-DA7C-8943-AFFD6C2C30F0}"/>
+              </a:ext>
+            </a:extLst>
+          </p:cNvPr>
+          <p:cNvSpPr>
+            <a:spLocks noGrp="1" noRot="1" noChangeAspect="1"/>
+          </p:cNvSpPr>
+          <p:nvPr>
+            <p:ph type="sldImg"/>
+          </p:nvPr>
+        </p:nvSpPr>
+        <p:spPr/>
+      </p:sp>
+      <p:sp>
+        <p:nvSpPr>
+          <p:cNvPr id="3" name="Notes Placeholder 2">
+            <a:extLst>
+              <a:ext uri="{FF2B5EF4-FFF2-40B4-BE49-F238E27FC236}">
+                <a16:creationId xmlns:a16="http://schemas.microsoft.com/office/drawing/2014/main" id="{8B60792F-F872-C5C6-DFFE-0D8C80A89BF6}"/>
+              </a:ext>
+            </a:extLst>
+          </p:cNvPr>
+          <p:cNvSpPr>
+            <a:spLocks noGrp="1"/>
+          </p:cNvSpPr>
+          <p:nvPr>
+            <p:ph type="body" idx="1"/>
+          </p:nvPr>
+        </p:nvSpPr>
+        <p:spPr/>
+        <p:txBody>
+          <a:bodyPr/>
+          <a:lstStyle/>
+          <a:p>
+            <a:r>
+              <a:rPr lang="he-IL" dirty="0"/>
+              <a:t>הרצאה 9 – שקף 19 – 01:11</a:t>
+            </a:r>
+            <a:endParaRPr lang="en-IL" dirty="0"/>
+          </a:p>
+        </p:txBody>
+      </p:sp>
+      <p:sp>
+        <p:nvSpPr>
+          <p:cNvPr id="4" name="Slide Number Placeholder 3">
+            <a:extLst>
+              <a:ext uri="{FF2B5EF4-FFF2-40B4-BE49-F238E27FC236}">
+                <a16:creationId xmlns:a16="http://schemas.microsoft.com/office/drawing/2014/main" id="{9CC6365D-04DA-0447-AE16-A558915D8AC2}"/>
+              </a:ext>
+            </a:extLst>
+          </p:cNvPr>
+          <p:cNvSpPr>
+            <a:spLocks noGrp="1"/>
+          </p:cNvSpPr>
+          <p:nvPr>
+            <p:ph type="sldNum" sz="quarter" idx="5"/>
+          </p:nvPr>
+        </p:nvSpPr>
+        <p:spPr/>
+        <p:txBody>
+          <a:bodyPr/>
+          <a:lstStyle/>
+          <a:p>
+            <a:fld id="{DD82491D-C4AE-4DEA-AA61-27B830F6AD43}" type="slidenum">
+              <a:rPr lang="en-GB" smtClean="0"/>
+              <a:t>7</a:t>
+            </a:fld>
+            <a:endParaRPr lang="en-GB"/>
+          </a:p>
+        </p:txBody>
+      </p:sp>
+    </p:spTree>
+    <p:extLst>
+      <p:ext uri="{BB962C8B-B14F-4D97-AF65-F5344CB8AC3E}">
+        <p14:creationId xmlns:p14="http://schemas.microsoft.com/office/powerpoint/2010/main" val="1803748964"/>
+      </p:ext>
+    </p:extLst>
+  </p:cSld>
+  <p:clrMapOvr>
+    <a:masterClrMapping/>
+  </p:clrMapOvr>
+</p:notes>
+</file>
+
+<file path=ppt/notesSlides/notesSlide8.xml><?xml version="1.0" encoding="utf-8"?>
+<p:notes xmlns:a="http://schemas.openxmlformats.org/drawingml/2006/main" xmlns:r="http://schemas.openxmlformats.org/officeDocument/2006/relationships" xmlns:p="http://schemas.openxmlformats.org/presentationml/2006/main">
+  <p:cSld>
+    <p:spTree>
+      <p:nvGrpSpPr>
+        <p:cNvPr id="1" name="">
+          <a:extLst>
+            <a:ext uri="{FF2B5EF4-FFF2-40B4-BE49-F238E27FC236}">
+              <a16:creationId xmlns:a16="http://schemas.microsoft.com/office/drawing/2014/main" id="{1A657020-C022-B8D2-1360-CD772AF00D5A}"/>
+            </a:ext>
+          </a:extLst>
+        </p:cNvPr>
+        <p:cNvGrpSpPr/>
+        <p:nvPr/>
+      </p:nvGrpSpPr>
+      <p:grpSpPr>
+        <a:xfrm>
+          <a:off x="0" y="0"/>
+          <a:ext cx="0" cy="0"/>
+          <a:chOff x="0" y="0"/>
+          <a:chExt cx="0" cy="0"/>
+        </a:xfrm>
+      </p:grpSpPr>
+      <p:sp>
+        <p:nvSpPr>
+          <p:cNvPr id="2" name="Slide Image Placeholder 1">
+            <a:extLst>
+              <a:ext uri="{FF2B5EF4-FFF2-40B4-BE49-F238E27FC236}">
+                <a16:creationId xmlns:a16="http://schemas.microsoft.com/office/drawing/2014/main" id="{61A33BC3-4B07-396D-DD27-46AA49B46666}"/>
+              </a:ext>
+            </a:extLst>
+          </p:cNvPr>
+          <p:cNvSpPr>
+            <a:spLocks noGrp="1" noRot="1" noChangeAspect="1"/>
+          </p:cNvSpPr>
+          <p:nvPr>
+            <p:ph type="sldImg"/>
+          </p:nvPr>
+        </p:nvSpPr>
+        <p:spPr/>
+      </p:sp>
+      <p:sp>
+        <p:nvSpPr>
+          <p:cNvPr id="3" name="Notes Placeholder 2">
+            <a:extLst>
+              <a:ext uri="{FF2B5EF4-FFF2-40B4-BE49-F238E27FC236}">
+                <a16:creationId xmlns:a16="http://schemas.microsoft.com/office/drawing/2014/main" id="{821F425B-3B34-CE51-F95A-D95AC1EADB14}"/>
+              </a:ext>
+            </a:extLst>
+          </p:cNvPr>
+          <p:cNvSpPr>
+            <a:spLocks noGrp="1"/>
+          </p:cNvSpPr>
+          <p:nvPr>
+            <p:ph type="body" idx="1"/>
+          </p:nvPr>
+        </p:nvSpPr>
+        <p:spPr/>
+        <p:txBody>
+          <a:bodyPr/>
+          <a:lstStyle/>
+          <a:p>
+            <a:r>
+              <a:rPr lang="he-IL" dirty="0"/>
+              <a:t>הרצאה 9 – שקף 19 – 01:15</a:t>
+            </a:r>
+            <a:endParaRPr lang="en-IL" dirty="0"/>
+          </a:p>
+        </p:txBody>
+      </p:sp>
+      <p:sp>
+        <p:nvSpPr>
+          <p:cNvPr id="4" name="Slide Number Placeholder 3">
+            <a:extLst>
+              <a:ext uri="{FF2B5EF4-FFF2-40B4-BE49-F238E27FC236}">
+                <a16:creationId xmlns:a16="http://schemas.microsoft.com/office/drawing/2014/main" id="{DD668D36-E507-16E2-88EC-96DB79013709}"/>
+              </a:ext>
+            </a:extLst>
+          </p:cNvPr>
+          <p:cNvSpPr>
+            <a:spLocks noGrp="1"/>
+          </p:cNvSpPr>
+          <p:nvPr>
+            <p:ph type="sldNum" sz="quarter" idx="5"/>
+          </p:nvPr>
+        </p:nvSpPr>
+        <p:spPr/>
+        <p:txBody>
+          <a:bodyPr/>
+          <a:lstStyle/>
+          <a:p>
+            <a:fld id="{DD82491D-C4AE-4DEA-AA61-27B830F6AD43}" type="slidenum">
+              <a:rPr lang="en-GB" smtClean="0"/>
+              <a:t>8</a:t>
+            </a:fld>
+            <a:endParaRPr lang="en-GB"/>
+          </a:p>
+        </p:txBody>
+      </p:sp>
+    </p:spTree>
+    <p:extLst>
+      <p:ext uri="{BB962C8B-B14F-4D97-AF65-F5344CB8AC3E}">
+        <p14:creationId xmlns:p14="http://schemas.microsoft.com/office/powerpoint/2010/main" val="295362642"/>
+      </p:ext>
+    </p:extLst>
+  </p:cSld>
+  <p:clrMapOvr>
+    <a:masterClrMapping/>
+  </p:clrMapOvr>
+</p:notes>
+</file>
+
+<file path=ppt/notesSlides/notesSlide9.xml><?xml version="1.0" encoding="utf-8"?>
+<p:notes xmlns:a="http://schemas.openxmlformats.org/drawingml/2006/main" xmlns:r="http://schemas.openxmlformats.org/officeDocument/2006/relationships" xmlns:p="http://schemas.openxmlformats.org/presentationml/2006/main">
+  <p:cSld>
+    <p:spTree>
+      <p:nvGrpSpPr>
+        <p:cNvPr id="1" name="">
+          <a:extLst>
+            <a:ext uri="{FF2B5EF4-FFF2-40B4-BE49-F238E27FC236}">
+              <a16:creationId xmlns:a16="http://schemas.microsoft.com/office/drawing/2014/main" id="{413A0CD4-1DA4-F72F-AF5F-E3676ED50EC4}"/>
+            </a:ext>
+          </a:extLst>
+        </p:cNvPr>
+        <p:cNvGrpSpPr/>
+        <p:nvPr/>
+      </p:nvGrpSpPr>
+      <p:grpSpPr>
+        <a:xfrm>
+          <a:off x="0" y="0"/>
+          <a:ext cx="0" cy="0"/>
+          <a:chOff x="0" y="0"/>
+          <a:chExt cx="0" cy="0"/>
+        </a:xfrm>
+      </p:grpSpPr>
+      <p:sp>
+        <p:nvSpPr>
+          <p:cNvPr id="2" name="Slide Image Placeholder 1">
+            <a:extLst>
+              <a:ext uri="{FF2B5EF4-FFF2-40B4-BE49-F238E27FC236}">
+                <a16:creationId xmlns:a16="http://schemas.microsoft.com/office/drawing/2014/main" id="{F347076D-975C-C3E6-0AFD-ADC642F657CA}"/>
+              </a:ext>
+            </a:extLst>
+          </p:cNvPr>
+          <p:cNvSpPr>
+            <a:spLocks noGrp="1" noRot="1" noChangeAspect="1"/>
+          </p:cNvSpPr>
+          <p:nvPr>
+            <p:ph type="sldImg"/>
+          </p:nvPr>
+        </p:nvSpPr>
+        <p:spPr/>
+      </p:sp>
+      <p:sp>
+        <p:nvSpPr>
+          <p:cNvPr id="3" name="Notes Placeholder 2">
+            <a:extLst>
+              <a:ext uri="{FF2B5EF4-FFF2-40B4-BE49-F238E27FC236}">
+                <a16:creationId xmlns:a16="http://schemas.microsoft.com/office/drawing/2014/main" id="{2237B1D1-650B-8C98-6118-A301ADDD05CC}"/>
+              </a:ext>
+            </a:extLst>
+          </p:cNvPr>
+          <p:cNvSpPr>
+            <a:spLocks noGrp="1"/>
+          </p:cNvSpPr>
+          <p:nvPr>
+            <p:ph type="body" idx="1"/>
+          </p:nvPr>
+        </p:nvSpPr>
+        <p:spPr/>
+        <p:txBody>
+          <a:bodyPr/>
+          <a:lstStyle/>
+          <a:p>
+            <a:r>
+              <a:rPr lang="he-IL" dirty="0"/>
+              <a:t>הרצאה 9 – שקף 19 – 01:15</a:t>
+            </a:r>
+            <a:endParaRPr lang="en-IL" dirty="0"/>
+          </a:p>
+        </p:txBody>
+      </p:sp>
+      <p:sp>
+        <p:nvSpPr>
+          <p:cNvPr id="4" name="Slide Number Placeholder 3">
+            <a:extLst>
+              <a:ext uri="{FF2B5EF4-FFF2-40B4-BE49-F238E27FC236}">
+                <a16:creationId xmlns:a16="http://schemas.microsoft.com/office/drawing/2014/main" id="{CDC5E97C-35F5-3CF9-9F3C-423CEFFF3584}"/>
+              </a:ext>
+            </a:extLst>
+          </p:cNvPr>
+          <p:cNvSpPr>
+            <a:spLocks noGrp="1"/>
+          </p:cNvSpPr>
+          <p:nvPr>
+            <p:ph type="sldNum" sz="quarter" idx="5"/>
+          </p:nvPr>
+        </p:nvSpPr>
+        <p:spPr/>
+        <p:txBody>
+          <a:bodyPr/>
+          <a:lstStyle/>
+          <a:p>
+            <a:fld id="{DD82491D-C4AE-4DEA-AA61-27B830F6AD43}" type="slidenum">
+              <a:rPr lang="en-GB" smtClean="0"/>
+              <a:t>9</a:t>
+            </a:fld>
+            <a:endParaRPr lang="en-GB"/>
+          </a:p>
+        </p:txBody>
+      </p:sp>
+    </p:spTree>
+    <p:extLst>
+      <p:ext uri="{BB962C8B-B14F-4D97-AF65-F5344CB8AC3E}">
+        <p14:creationId xmlns:p14="http://schemas.microsoft.com/office/powerpoint/2010/main" val="398454507"/>
+      </p:ext>
+    </p:extLst>
+  </p:cSld>
+  <p:clrMapOvr>
+    <a:masterClrMapping/>
+  </p:clrMapOvr>
+</p:notes>
+</file>
+
 <file path=ppt/slideLayouts/slideLayout1.xml><?xml version="1.0" encoding="utf-8"?>
 <p:sldLayout xmlns:a="http://schemas.openxmlformats.org/drawingml/2006/main" xmlns:r="http://schemas.openxmlformats.org/officeDocument/2006/relationships" xmlns:p="http://schemas.openxmlformats.org/presentationml/2006/main" type="title" preserve="1">
   <p:cSld name="Title Slide">
@@ -2116,7 +2635,7 @@
           <a:p>
             <a:fld id="{94F658A5-19D4-4454-889E-14DA804222B5}" type="datetimeFigureOut">
               <a:rPr lang="en-GB" smtClean="0"/>
-              <a:t>01/02/2026</a:t>
+              <a:t>04/02/2026</a:t>
             </a:fld>
             <a:endParaRPr lang="en-GB"/>
           </a:p>
@@ -2316,7 +2835,7 @@
           <a:p>
             <a:fld id="{94F658A5-19D4-4454-889E-14DA804222B5}" type="datetimeFigureOut">
               <a:rPr lang="en-GB" smtClean="0"/>
-              <a:t>01/02/2026</a:t>
+              <a:t>04/02/2026</a:t>
             </a:fld>
             <a:endParaRPr lang="en-GB"/>
           </a:p>
@@ -2526,7 +3045,7 @@
           <a:p>
             <a:fld id="{94F658A5-19D4-4454-889E-14DA804222B5}" type="datetimeFigureOut">
               <a:rPr lang="en-GB" smtClean="0"/>
-              <a:t>01/02/2026</a:t>
+              <a:t>04/02/2026</a:t>
             </a:fld>
             <a:endParaRPr lang="en-GB"/>
           </a:p>
@@ -2726,7 +3245,7 @@
           <a:p>
             <a:fld id="{94F658A5-19D4-4454-889E-14DA804222B5}" type="datetimeFigureOut">
               <a:rPr lang="en-GB" smtClean="0"/>
-              <a:t>01/02/2026</a:t>
+              <a:t>04/02/2026</a:t>
             </a:fld>
             <a:endParaRPr lang="en-GB"/>
           </a:p>
@@ -3002,7 +3521,7 @@
           <a:p>
             <a:fld id="{94F658A5-19D4-4454-889E-14DA804222B5}" type="datetimeFigureOut">
               <a:rPr lang="en-GB" smtClean="0"/>
-              <a:t>01/02/2026</a:t>
+              <a:t>04/02/2026</a:t>
             </a:fld>
             <a:endParaRPr lang="en-GB"/>
           </a:p>
@@ -3270,7 +3789,7 @@
           <a:p>
             <a:fld id="{94F658A5-19D4-4454-889E-14DA804222B5}" type="datetimeFigureOut">
               <a:rPr lang="en-GB" smtClean="0"/>
-              <a:t>01/02/2026</a:t>
+              <a:t>04/02/2026</a:t>
             </a:fld>
             <a:endParaRPr lang="en-GB"/>
           </a:p>
@@ -3685,7 +4204,7 @@
           <a:p>
             <a:fld id="{94F658A5-19D4-4454-889E-14DA804222B5}" type="datetimeFigureOut">
               <a:rPr lang="en-GB" smtClean="0"/>
-              <a:t>01/02/2026</a:t>
+              <a:t>04/02/2026</a:t>
             </a:fld>
             <a:endParaRPr lang="en-GB"/>
           </a:p>
@@ -3827,7 +4346,7 @@
           <a:p>
             <a:fld id="{94F658A5-19D4-4454-889E-14DA804222B5}" type="datetimeFigureOut">
               <a:rPr lang="en-GB" smtClean="0"/>
-              <a:t>01/02/2026</a:t>
+              <a:t>04/02/2026</a:t>
             </a:fld>
             <a:endParaRPr lang="en-GB"/>
           </a:p>
@@ -3940,7 +4459,7 @@
           <a:p>
             <a:fld id="{94F658A5-19D4-4454-889E-14DA804222B5}" type="datetimeFigureOut">
               <a:rPr lang="en-GB" smtClean="0"/>
-              <a:t>01/02/2026</a:t>
+              <a:t>04/02/2026</a:t>
             </a:fld>
             <a:endParaRPr lang="en-GB"/>
           </a:p>
@@ -4253,7 +4772,7 @@
           <a:p>
             <a:fld id="{94F658A5-19D4-4454-889E-14DA804222B5}" type="datetimeFigureOut">
               <a:rPr lang="en-GB" smtClean="0"/>
-              <a:t>01/02/2026</a:t>
+              <a:t>04/02/2026</a:t>
             </a:fld>
             <a:endParaRPr lang="en-GB"/>
           </a:p>
@@ -4542,7 +5061,7 @@
           <a:p>
             <a:fld id="{94F658A5-19D4-4454-889E-14DA804222B5}" type="datetimeFigureOut">
               <a:rPr lang="en-GB" smtClean="0"/>
-              <a:t>01/02/2026</a:t>
+              <a:t>04/02/2026</a:t>
             </a:fld>
             <a:endParaRPr lang="en-GB"/>
           </a:p>
@@ -4785,7 +5304,7 @@
           <a:p>
             <a:fld id="{94F658A5-19D4-4454-889E-14DA804222B5}" type="datetimeFigureOut">
               <a:rPr lang="en-GB" smtClean="0"/>
-              <a:t>01/02/2026</a:t>
+              <a:t>04/02/2026</a:t>
             </a:fld>
             <a:endParaRPr lang="en-GB"/>
           </a:p>
@@ -8308,8 +8827,8 @@
           </a:p>
         </p:txBody>
       </p:sp>
-      <mc:AlternateContent xmlns:mc="http://schemas.openxmlformats.org/markup-compatibility/2006">
-        <mc:Choice xmlns:a14="http://schemas.microsoft.com/office/drawing/2010/main" Requires="a14">
+      <mc:AlternateContent xmlns:mc="http://schemas.openxmlformats.org/markup-compatibility/2006" xmlns:a14="http://schemas.microsoft.com/office/drawing/2010/main">
+        <mc:Choice Requires="a14">
           <p:sp>
             <p:nvSpPr>
               <p:cNvPr id="4" name="TextBox 3">
@@ -8338,6 +8857,7 @@
               </a:bodyPr>
               <a:lstStyle/>
               <a:p>
+                <a:pPr/>
                 <a14:m>
                   <m:oMathPara xmlns:m="http://schemas.openxmlformats.org/officeDocument/2006/math">
                     <m:oMathParaPr>
@@ -8358,7 +8878,7 @@
             </p:txBody>
           </p:sp>
         </mc:Choice>
-        <mc:Fallback>
+        <mc:Fallback xmlns="">
           <p:sp>
             <p:nvSpPr>
               <p:cNvPr id="4" name="TextBox 3">
@@ -8455,8 +8975,8 @@
           </a:p>
         </p:txBody>
       </p:sp>
-      <mc:AlternateContent xmlns:mc="http://schemas.openxmlformats.org/markup-compatibility/2006">
-        <mc:Choice xmlns:a14="http://schemas.microsoft.com/office/drawing/2010/main" Requires="a14">
+      <mc:AlternateContent xmlns:mc="http://schemas.openxmlformats.org/markup-compatibility/2006" xmlns:a14="http://schemas.microsoft.com/office/drawing/2010/main">
+        <mc:Choice Requires="a14">
           <p:sp>
             <p:nvSpPr>
               <p:cNvPr id="8" name="TextBox 7">
@@ -8485,6 +9005,7 @@
               </a:bodyPr>
               <a:lstStyle/>
               <a:p>
+                <a:pPr/>
                 <a14:m>
                   <m:oMathPara xmlns:m="http://schemas.openxmlformats.org/officeDocument/2006/math">
                     <m:oMathParaPr>
@@ -8505,7 +9026,7 @@
             </p:txBody>
           </p:sp>
         </mc:Choice>
-        <mc:Fallback>
+        <mc:Fallback xmlns="">
           <p:sp>
             <p:nvSpPr>
               <p:cNvPr id="8" name="TextBox 7">
@@ -8647,8 +9168,8 @@
           </a:fontRef>
         </p:style>
       </p:cxnSp>
-      <mc:AlternateContent xmlns:mc="http://schemas.openxmlformats.org/markup-compatibility/2006">
-        <mc:Choice xmlns:a14="http://schemas.microsoft.com/office/drawing/2010/main" Requires="a14">
+      <mc:AlternateContent xmlns:mc="http://schemas.openxmlformats.org/markup-compatibility/2006" xmlns:a14="http://schemas.microsoft.com/office/drawing/2010/main">
+        <mc:Choice Requires="a14">
           <p:sp>
             <p:nvSpPr>
               <p:cNvPr id="15" name="TextBox 14">
@@ -8677,6 +9198,7 @@
               </a:bodyPr>
               <a:lstStyle/>
               <a:p>
+                <a:pPr/>
                 <a14:m>
                   <m:oMathPara xmlns:m="http://schemas.openxmlformats.org/officeDocument/2006/math">
                     <m:oMathParaPr>
@@ -8687,7 +9209,19 @@
                         <a:rPr lang="en-GB" sz="2400" b="0" i="1" smtClean="0">
                           <a:latin typeface="Cambria Math" panose="02040503050406030204" pitchFamily="18" charset="0"/>
                         </a:rPr>
-                        <m:t>0.5</m:t>
+                        <m:t>0</m:t>
+                      </m:r>
+                      <m:r>
+                        <a:rPr lang="en-GB" sz="2400" b="0" i="1" smtClean="0">
+                          <a:latin typeface="Cambria Math" panose="02040503050406030204" pitchFamily="18" charset="0"/>
+                        </a:rPr>
+                        <m:t>.</m:t>
+                      </m:r>
+                      <m:r>
+                        <a:rPr lang="en-GB" sz="2400" b="0" i="1" smtClean="0">
+                          <a:latin typeface="Cambria Math" panose="02040503050406030204" pitchFamily="18" charset="0"/>
+                        </a:rPr>
+                        <m:t>5</m:t>
                       </m:r>
                     </m:oMath>
                   </m:oMathPara>
@@ -8697,7 +9231,7 @@
             </p:txBody>
           </p:sp>
         </mc:Choice>
-        <mc:Fallback>
+        <mc:Fallback xmlns="">
           <p:sp>
             <p:nvSpPr>
               <p:cNvPr id="15" name="TextBox 14">
@@ -9055,6 +9589,1827 @@
     <p:extLst>
       <p:ext uri="{BB962C8B-B14F-4D97-AF65-F5344CB8AC3E}">
         <p14:creationId xmlns:p14="http://schemas.microsoft.com/office/powerpoint/2010/main" val="4249282133"/>
+      </p:ext>
+    </p:extLst>
+  </p:cSld>
+  <p:clrMapOvr>
+    <a:masterClrMapping/>
+  </p:clrMapOvr>
+</p:sld>
+</file>
+
+<file path=ppt/slides/slide7.xml><?xml version="1.0" encoding="utf-8"?>
+<p:sld xmlns:a="http://schemas.openxmlformats.org/drawingml/2006/main" xmlns:r="http://schemas.openxmlformats.org/officeDocument/2006/relationships" xmlns:p="http://schemas.openxmlformats.org/presentationml/2006/main">
+  <p:cSld>
+    <p:spTree>
+      <p:nvGrpSpPr>
+        <p:cNvPr id="1" name="">
+          <a:extLst>
+            <a:ext uri="{FF2B5EF4-FFF2-40B4-BE49-F238E27FC236}">
+              <a16:creationId xmlns:a16="http://schemas.microsoft.com/office/drawing/2014/main" id="{B6F3DB27-0447-B8FA-EAB9-DFA932A472F8}"/>
+            </a:ext>
+          </a:extLst>
+        </p:cNvPr>
+        <p:cNvGrpSpPr/>
+        <p:nvPr/>
+      </p:nvGrpSpPr>
+      <p:grpSpPr>
+        <a:xfrm>
+          <a:off x="0" y="0"/>
+          <a:ext cx="0" cy="0"/>
+          <a:chOff x="0" y="0"/>
+          <a:chExt cx="0" cy="0"/>
+        </a:xfrm>
+      </p:grpSpPr>
+      <p:cxnSp>
+        <p:nvCxnSpPr>
+          <p:cNvPr id="2" name="Straight Arrow Connector 1">
+            <a:extLst>
+              <a:ext uri="{FF2B5EF4-FFF2-40B4-BE49-F238E27FC236}">
+                <a16:creationId xmlns:a16="http://schemas.microsoft.com/office/drawing/2014/main" id="{60E71488-14B8-D904-19DC-6F026631F389}"/>
+              </a:ext>
+            </a:extLst>
+          </p:cNvPr>
+          <p:cNvCxnSpPr>
+            <a:cxnSpLocks/>
+          </p:cNvCxnSpPr>
+          <p:nvPr/>
+        </p:nvCxnSpPr>
+        <p:spPr>
+          <a:xfrm flipV="1">
+            <a:off x="5584371" y="1338943"/>
+            <a:ext cx="0" cy="3989614"/>
+          </a:xfrm>
+          <a:prstGeom prst="straightConnector1">
+            <a:avLst/>
+          </a:prstGeom>
+          <a:ln w="38100">
+            <a:tailEnd type="triangle"/>
+          </a:ln>
+        </p:spPr>
+        <p:style>
+          <a:lnRef idx="2">
+            <a:schemeClr val="dk1"/>
+          </a:lnRef>
+          <a:fillRef idx="0">
+            <a:schemeClr val="dk1"/>
+          </a:fillRef>
+          <a:effectRef idx="1">
+            <a:schemeClr val="dk1"/>
+          </a:effectRef>
+          <a:fontRef idx="minor">
+            <a:schemeClr val="tx1"/>
+          </a:fontRef>
+        </p:style>
+      </p:cxnSp>
+      <p:cxnSp>
+        <p:nvCxnSpPr>
+          <p:cNvPr id="19" name="Straight Arrow Connector 18">
+            <a:extLst>
+              <a:ext uri="{FF2B5EF4-FFF2-40B4-BE49-F238E27FC236}">
+                <a16:creationId xmlns:a16="http://schemas.microsoft.com/office/drawing/2014/main" id="{82AFC56A-656C-9E0A-2B9E-8DC58DE7EF4C}"/>
+              </a:ext>
+            </a:extLst>
+          </p:cNvPr>
+          <p:cNvCxnSpPr>
+            <a:cxnSpLocks/>
+          </p:cNvCxnSpPr>
+          <p:nvPr/>
+        </p:nvCxnSpPr>
+        <p:spPr>
+          <a:xfrm>
+            <a:off x="2672443" y="3211286"/>
+            <a:ext cx="5992586" cy="0"/>
+          </a:xfrm>
+          <a:prstGeom prst="straightConnector1">
+            <a:avLst/>
+          </a:prstGeom>
+          <a:ln w="38100">
+            <a:tailEnd type="triangle"/>
+          </a:ln>
+        </p:spPr>
+        <p:style>
+          <a:lnRef idx="2">
+            <a:schemeClr val="dk1"/>
+          </a:lnRef>
+          <a:fillRef idx="0">
+            <a:schemeClr val="dk1"/>
+          </a:fillRef>
+          <a:effectRef idx="1">
+            <a:schemeClr val="dk1"/>
+          </a:effectRef>
+          <a:fontRef idx="minor">
+            <a:schemeClr val="tx1"/>
+          </a:fontRef>
+        </p:style>
+      </p:cxnSp>
+      <mc:AlternateContent xmlns:mc="http://schemas.openxmlformats.org/markup-compatibility/2006">
+        <mc:Choice xmlns:a14="http://schemas.microsoft.com/office/drawing/2010/main" Requires="a14">
+          <p:sp>
+            <p:nvSpPr>
+              <p:cNvPr id="24" name="TextBox 23">
+                <a:extLst>
+                  <a:ext uri="{FF2B5EF4-FFF2-40B4-BE49-F238E27FC236}">
+                    <a16:creationId xmlns:a16="http://schemas.microsoft.com/office/drawing/2014/main" id="{359C785A-146B-F2D8-6944-6F24D307FC5C}"/>
+                  </a:ext>
+                </a:extLst>
+              </p:cNvPr>
+              <p:cNvSpPr txBox="1"/>
+              <p:nvPr/>
+            </p:nvSpPr>
+            <p:spPr>
+              <a:xfrm>
+                <a:off x="5353049" y="985157"/>
+                <a:ext cx="462643" cy="369332"/>
+              </a:xfrm>
+              <a:prstGeom prst="rect">
+                <a:avLst/>
+              </a:prstGeom>
+              <a:noFill/>
+            </p:spPr>
+            <p:txBody>
+              <a:bodyPr wrap="square" rtlCol="0">
+                <a:spAutoFit/>
+              </a:bodyPr>
+              <a:lstStyle/>
+              <a:p>
+                <a14:m>
+                  <m:oMathPara xmlns:m="http://schemas.openxmlformats.org/officeDocument/2006/math">
+                    <m:oMathParaPr>
+                      <m:jc m:val="centerGroup"/>
+                    </m:oMathParaPr>
+                    <m:oMath xmlns:m="http://schemas.openxmlformats.org/officeDocument/2006/math">
+                      <m:r>
+                        <a:rPr lang="en-US" b="0" i="1" smtClean="0">
+                          <a:latin typeface="Cambria Math" panose="02040503050406030204" pitchFamily="18" charset="0"/>
+                        </a:rPr>
+                        <m:t>𝑤</m:t>
+                      </m:r>
+                    </m:oMath>
+                  </m:oMathPara>
+                </a14:m>
+                <a:endParaRPr lang="en-IL" dirty="0"/>
+              </a:p>
+            </p:txBody>
+          </p:sp>
+        </mc:Choice>
+        <mc:Fallback>
+          <p:sp>
+            <p:nvSpPr>
+              <p:cNvPr id="24" name="TextBox 23">
+                <a:extLst>
+                  <a:ext uri="{FF2B5EF4-FFF2-40B4-BE49-F238E27FC236}">
+                    <a16:creationId xmlns:a16="http://schemas.microsoft.com/office/drawing/2014/main" id="{359C785A-146B-F2D8-6944-6F24D307FC5C}"/>
+                  </a:ext>
+                </a:extLst>
+              </p:cNvPr>
+              <p:cNvSpPr txBox="1">
+                <a:spLocks noRot="1" noChangeAspect="1" noMove="1" noResize="1" noEditPoints="1" noAdjustHandles="1" noChangeArrowheads="1" noChangeShapeType="1" noTextEdit="1"/>
+              </p:cNvSpPr>
+              <p:nvPr/>
+            </p:nvSpPr>
+            <p:spPr>
+              <a:xfrm>
+                <a:off x="5353049" y="985157"/>
+                <a:ext cx="462643" cy="369332"/>
+              </a:xfrm>
+              <a:prstGeom prst="rect">
+                <a:avLst/>
+              </a:prstGeom>
+              <a:blipFill>
+                <a:blip r:embed="rId3"/>
+                <a:stretch>
+                  <a:fillRect/>
+                </a:stretch>
+              </a:blipFill>
+            </p:spPr>
+            <p:txBody>
+              <a:bodyPr/>
+              <a:lstStyle/>
+              <a:p>
+                <a:r>
+                  <a:rPr lang="en-IL">
+                    <a:noFill/>
+                  </a:rPr>
+                  <a:t> </a:t>
+                </a:r>
+              </a:p>
+            </p:txBody>
+          </p:sp>
+        </mc:Fallback>
+      </mc:AlternateContent>
+      <mc:AlternateContent xmlns:mc="http://schemas.openxmlformats.org/markup-compatibility/2006">
+        <mc:Choice xmlns:a14="http://schemas.microsoft.com/office/drawing/2010/main" Requires="a14">
+          <p:sp>
+            <p:nvSpPr>
+              <p:cNvPr id="26" name="TextBox 25">
+                <a:extLst>
+                  <a:ext uri="{FF2B5EF4-FFF2-40B4-BE49-F238E27FC236}">
+                    <a16:creationId xmlns:a16="http://schemas.microsoft.com/office/drawing/2014/main" id="{E2A1E7B8-67ED-8B83-40F3-834ABC717B57}"/>
+                  </a:ext>
+                </a:extLst>
+              </p:cNvPr>
+              <p:cNvSpPr txBox="1"/>
+              <p:nvPr/>
+            </p:nvSpPr>
+            <p:spPr>
+              <a:xfrm>
+                <a:off x="8618763" y="3026620"/>
+                <a:ext cx="462643" cy="369332"/>
+              </a:xfrm>
+              <a:prstGeom prst="rect">
+                <a:avLst/>
+              </a:prstGeom>
+              <a:noFill/>
+            </p:spPr>
+            <p:txBody>
+              <a:bodyPr wrap="square" rtlCol="0">
+                <a:spAutoFit/>
+              </a:bodyPr>
+              <a:lstStyle/>
+              <a:p>
+                <a14:m>
+                  <m:oMathPara xmlns:m="http://schemas.openxmlformats.org/officeDocument/2006/math">
+                    <m:oMathParaPr>
+                      <m:jc m:val="centerGroup"/>
+                    </m:oMathParaPr>
+                    <m:oMath xmlns:m="http://schemas.openxmlformats.org/officeDocument/2006/math">
+                      <m:sSup>
+                        <m:sSupPr>
+                          <m:ctrlPr>
+                            <a:rPr lang="en-US" b="0" i="1" smtClean="0">
+                              <a:latin typeface="Cambria Math" panose="02040503050406030204" pitchFamily="18" charset="0"/>
+                            </a:rPr>
+                          </m:ctrlPr>
+                        </m:sSupPr>
+                        <m:e>
+                          <m:r>
+                            <a:rPr lang="en-US" b="0" i="1" smtClean="0">
+                              <a:latin typeface="Cambria Math" panose="02040503050406030204" pitchFamily="18" charset="0"/>
+                            </a:rPr>
+                            <m:t>𝑤</m:t>
+                          </m:r>
+                        </m:e>
+                        <m:sup>
+                          <m:r>
+                            <a:rPr lang="en-US" b="0" i="1" smtClean="0">
+                              <a:latin typeface="Cambria Math" panose="02040503050406030204" pitchFamily="18" charset="0"/>
+                            </a:rPr>
+                            <m:t>′</m:t>
+                          </m:r>
+                        </m:sup>
+                      </m:sSup>
+                    </m:oMath>
+                  </m:oMathPara>
+                </a14:m>
+                <a:endParaRPr lang="en-IL" dirty="0"/>
+              </a:p>
+            </p:txBody>
+          </p:sp>
+        </mc:Choice>
+        <mc:Fallback>
+          <p:sp>
+            <p:nvSpPr>
+              <p:cNvPr id="26" name="TextBox 25">
+                <a:extLst>
+                  <a:ext uri="{FF2B5EF4-FFF2-40B4-BE49-F238E27FC236}">
+                    <a16:creationId xmlns:a16="http://schemas.microsoft.com/office/drawing/2014/main" id="{E2A1E7B8-67ED-8B83-40F3-834ABC717B57}"/>
+                  </a:ext>
+                </a:extLst>
+              </p:cNvPr>
+              <p:cNvSpPr txBox="1">
+                <a:spLocks noRot="1" noChangeAspect="1" noMove="1" noResize="1" noEditPoints="1" noAdjustHandles="1" noChangeArrowheads="1" noChangeShapeType="1" noTextEdit="1"/>
+              </p:cNvSpPr>
+              <p:nvPr/>
+            </p:nvSpPr>
+            <p:spPr>
+              <a:xfrm>
+                <a:off x="8618763" y="3026620"/>
+                <a:ext cx="462643" cy="369332"/>
+              </a:xfrm>
+              <a:prstGeom prst="rect">
+                <a:avLst/>
+              </a:prstGeom>
+              <a:blipFill>
+                <a:blip r:embed="rId4"/>
+                <a:stretch>
+                  <a:fillRect/>
+                </a:stretch>
+              </a:blipFill>
+            </p:spPr>
+            <p:txBody>
+              <a:bodyPr/>
+              <a:lstStyle/>
+              <a:p>
+                <a:r>
+                  <a:rPr lang="en-IL">
+                    <a:noFill/>
+                  </a:rPr>
+                  <a:t> </a:t>
+                </a:r>
+              </a:p>
+            </p:txBody>
+          </p:sp>
+        </mc:Fallback>
+      </mc:AlternateContent>
+      <p:sp>
+        <p:nvSpPr>
+          <p:cNvPr id="28" name="Oval 27">
+            <a:extLst>
+              <a:ext uri="{FF2B5EF4-FFF2-40B4-BE49-F238E27FC236}">
+                <a16:creationId xmlns:a16="http://schemas.microsoft.com/office/drawing/2014/main" id="{57829EF2-56C5-F429-C668-4C10760A55FC}"/>
+              </a:ext>
+            </a:extLst>
+          </p:cNvPr>
+          <p:cNvSpPr/>
+          <p:nvPr/>
+        </p:nvSpPr>
+        <p:spPr>
+          <a:xfrm>
+            <a:off x="3663039" y="2275114"/>
+            <a:ext cx="3886204" cy="2024740"/>
+          </a:xfrm>
+          <a:prstGeom prst="ellipse">
+            <a:avLst/>
+          </a:prstGeom>
+          <a:noFill/>
+          <a:ln>
+            <a:solidFill>
+              <a:schemeClr val="tx1"/>
+            </a:solidFill>
+          </a:ln>
+        </p:spPr>
+        <p:style>
+          <a:lnRef idx="2">
+            <a:schemeClr val="accent1">
+              <a:shade val="15000"/>
+            </a:schemeClr>
+          </a:lnRef>
+          <a:fillRef idx="1">
+            <a:schemeClr val="accent1"/>
+          </a:fillRef>
+          <a:effectRef idx="0">
+            <a:schemeClr val="accent1"/>
+          </a:effectRef>
+          <a:fontRef idx="minor">
+            <a:schemeClr val="lt1"/>
+          </a:fontRef>
+        </p:style>
+        <p:txBody>
+          <a:bodyPr rtlCol="0" anchor="ctr"/>
+          <a:lstStyle/>
+          <a:p>
+            <a:pPr algn="ctr"/>
+            <a:endParaRPr lang="en-IL"/>
+          </a:p>
+        </p:txBody>
+      </p:sp>
+    </p:spTree>
+    <p:extLst>
+      <p:ext uri="{BB962C8B-B14F-4D97-AF65-F5344CB8AC3E}">
+        <p14:creationId xmlns:p14="http://schemas.microsoft.com/office/powerpoint/2010/main" val="2866057738"/>
+      </p:ext>
+    </p:extLst>
+  </p:cSld>
+  <p:clrMapOvr>
+    <a:masterClrMapping/>
+  </p:clrMapOvr>
+</p:sld>
+</file>
+
+<file path=ppt/slides/slide8.xml><?xml version="1.0" encoding="utf-8"?>
+<p:sld xmlns:a="http://schemas.openxmlformats.org/drawingml/2006/main" xmlns:r="http://schemas.openxmlformats.org/officeDocument/2006/relationships" xmlns:p="http://schemas.openxmlformats.org/presentationml/2006/main">
+  <p:cSld>
+    <p:spTree>
+      <p:nvGrpSpPr>
+        <p:cNvPr id="1" name="">
+          <a:extLst>
+            <a:ext uri="{FF2B5EF4-FFF2-40B4-BE49-F238E27FC236}">
+              <a16:creationId xmlns:a16="http://schemas.microsoft.com/office/drawing/2014/main" id="{352EA93E-1CF0-1CC2-46B3-475458A8EC8B}"/>
+            </a:ext>
+          </a:extLst>
+        </p:cNvPr>
+        <p:cNvGrpSpPr/>
+        <p:nvPr/>
+      </p:nvGrpSpPr>
+      <p:grpSpPr>
+        <a:xfrm>
+          <a:off x="0" y="0"/>
+          <a:ext cx="0" cy="0"/>
+          <a:chOff x="0" y="0"/>
+          <a:chExt cx="0" cy="0"/>
+        </a:xfrm>
+      </p:grpSpPr>
+      <p:cxnSp>
+        <p:nvCxnSpPr>
+          <p:cNvPr id="2" name="Straight Arrow Connector 1">
+            <a:extLst>
+              <a:ext uri="{FF2B5EF4-FFF2-40B4-BE49-F238E27FC236}">
+                <a16:creationId xmlns:a16="http://schemas.microsoft.com/office/drawing/2014/main" id="{C87BA433-9C5A-E3D8-60A5-00F550D222CE}"/>
+              </a:ext>
+            </a:extLst>
+          </p:cNvPr>
+          <p:cNvCxnSpPr>
+            <a:cxnSpLocks/>
+          </p:cNvCxnSpPr>
+          <p:nvPr/>
+        </p:nvCxnSpPr>
+        <p:spPr>
+          <a:xfrm flipV="1">
+            <a:off x="5584371" y="1338943"/>
+            <a:ext cx="0" cy="3989614"/>
+          </a:xfrm>
+          <a:prstGeom prst="straightConnector1">
+            <a:avLst/>
+          </a:prstGeom>
+          <a:ln w="38100">
+            <a:tailEnd type="triangle"/>
+          </a:ln>
+        </p:spPr>
+        <p:style>
+          <a:lnRef idx="2">
+            <a:schemeClr val="dk1"/>
+          </a:lnRef>
+          <a:fillRef idx="0">
+            <a:schemeClr val="dk1"/>
+          </a:fillRef>
+          <a:effectRef idx="1">
+            <a:schemeClr val="dk1"/>
+          </a:effectRef>
+          <a:fontRef idx="minor">
+            <a:schemeClr val="tx1"/>
+          </a:fontRef>
+        </p:style>
+      </p:cxnSp>
+      <p:cxnSp>
+        <p:nvCxnSpPr>
+          <p:cNvPr id="19" name="Straight Arrow Connector 18">
+            <a:extLst>
+              <a:ext uri="{FF2B5EF4-FFF2-40B4-BE49-F238E27FC236}">
+                <a16:creationId xmlns:a16="http://schemas.microsoft.com/office/drawing/2014/main" id="{C02C6C08-5D7E-33DD-5282-6C4AC3E917B1}"/>
+              </a:ext>
+            </a:extLst>
+          </p:cNvPr>
+          <p:cNvCxnSpPr>
+            <a:cxnSpLocks/>
+          </p:cNvCxnSpPr>
+          <p:nvPr/>
+        </p:nvCxnSpPr>
+        <p:spPr>
+          <a:xfrm>
+            <a:off x="2672443" y="3211286"/>
+            <a:ext cx="5992586" cy="0"/>
+          </a:xfrm>
+          <a:prstGeom prst="straightConnector1">
+            <a:avLst/>
+          </a:prstGeom>
+          <a:ln w="38100">
+            <a:tailEnd type="triangle"/>
+          </a:ln>
+        </p:spPr>
+        <p:style>
+          <a:lnRef idx="2">
+            <a:schemeClr val="dk1"/>
+          </a:lnRef>
+          <a:fillRef idx="0">
+            <a:schemeClr val="dk1"/>
+          </a:fillRef>
+          <a:effectRef idx="1">
+            <a:schemeClr val="dk1"/>
+          </a:effectRef>
+          <a:fontRef idx="minor">
+            <a:schemeClr val="tx1"/>
+          </a:fontRef>
+        </p:style>
+      </p:cxnSp>
+      <mc:AlternateContent xmlns:mc="http://schemas.openxmlformats.org/markup-compatibility/2006">
+        <mc:Choice xmlns:a14="http://schemas.microsoft.com/office/drawing/2010/main" Requires="a14">
+          <p:sp>
+            <p:nvSpPr>
+              <p:cNvPr id="24" name="TextBox 23">
+                <a:extLst>
+                  <a:ext uri="{FF2B5EF4-FFF2-40B4-BE49-F238E27FC236}">
+                    <a16:creationId xmlns:a16="http://schemas.microsoft.com/office/drawing/2014/main" id="{6237359D-347B-1478-6EFB-907F50C8A7C0}"/>
+                  </a:ext>
+                </a:extLst>
+              </p:cNvPr>
+              <p:cNvSpPr txBox="1"/>
+              <p:nvPr/>
+            </p:nvSpPr>
+            <p:spPr>
+              <a:xfrm>
+                <a:off x="5353049" y="985157"/>
+                <a:ext cx="462643" cy="369332"/>
+              </a:xfrm>
+              <a:prstGeom prst="rect">
+                <a:avLst/>
+              </a:prstGeom>
+              <a:noFill/>
+            </p:spPr>
+            <p:txBody>
+              <a:bodyPr wrap="square" rtlCol="0">
+                <a:spAutoFit/>
+              </a:bodyPr>
+              <a:lstStyle/>
+              <a:p>
+                <a:pPr/>
+                <a14:m>
+                  <m:oMathPara xmlns:m="http://schemas.openxmlformats.org/officeDocument/2006/math">
+                    <m:oMathParaPr>
+                      <m:jc m:val="centerGroup"/>
+                    </m:oMathParaPr>
+                    <m:oMath xmlns:m="http://schemas.openxmlformats.org/officeDocument/2006/math">
+                      <m:r>
+                        <a:rPr lang="en-US" b="0" i="1" smtClean="0">
+                          <a:latin typeface="Cambria Math" panose="02040503050406030204" pitchFamily="18" charset="0"/>
+                        </a:rPr>
+                        <m:t>𝑤</m:t>
+                      </m:r>
+                    </m:oMath>
+                  </m:oMathPara>
+                </a14:m>
+                <a:endParaRPr lang="en-IL" dirty="0"/>
+              </a:p>
+            </p:txBody>
+          </p:sp>
+        </mc:Choice>
+        <mc:Fallback>
+          <p:sp>
+            <p:nvSpPr>
+              <p:cNvPr id="24" name="TextBox 23">
+                <a:extLst>
+                  <a:ext uri="{FF2B5EF4-FFF2-40B4-BE49-F238E27FC236}">
+                    <a16:creationId xmlns:a16="http://schemas.microsoft.com/office/drawing/2014/main" id="{6237359D-347B-1478-6EFB-907F50C8A7C0}"/>
+                  </a:ext>
+                </a:extLst>
+              </p:cNvPr>
+              <p:cNvSpPr txBox="1">
+                <a:spLocks noRot="1" noChangeAspect="1" noMove="1" noResize="1" noEditPoints="1" noAdjustHandles="1" noChangeArrowheads="1" noChangeShapeType="1" noTextEdit="1"/>
+              </p:cNvSpPr>
+              <p:nvPr/>
+            </p:nvSpPr>
+            <p:spPr>
+              <a:xfrm>
+                <a:off x="5353049" y="985157"/>
+                <a:ext cx="462643" cy="369332"/>
+              </a:xfrm>
+              <a:prstGeom prst="rect">
+                <a:avLst/>
+              </a:prstGeom>
+              <a:blipFill>
+                <a:blip r:embed="rId3"/>
+                <a:stretch>
+                  <a:fillRect/>
+                </a:stretch>
+              </a:blipFill>
+            </p:spPr>
+            <p:txBody>
+              <a:bodyPr/>
+              <a:lstStyle/>
+              <a:p>
+                <a:r>
+                  <a:rPr lang="en-IL">
+                    <a:noFill/>
+                  </a:rPr>
+                  <a:t> </a:t>
+                </a:r>
+              </a:p>
+            </p:txBody>
+          </p:sp>
+        </mc:Fallback>
+      </mc:AlternateContent>
+      <mc:AlternateContent xmlns:mc="http://schemas.openxmlformats.org/markup-compatibility/2006">
+        <mc:Choice xmlns:a14="http://schemas.microsoft.com/office/drawing/2010/main" Requires="a14">
+          <p:sp>
+            <p:nvSpPr>
+              <p:cNvPr id="26" name="TextBox 25">
+                <a:extLst>
+                  <a:ext uri="{FF2B5EF4-FFF2-40B4-BE49-F238E27FC236}">
+                    <a16:creationId xmlns:a16="http://schemas.microsoft.com/office/drawing/2014/main" id="{55861CE4-656A-F889-242B-94372F282DA3}"/>
+                  </a:ext>
+                </a:extLst>
+              </p:cNvPr>
+              <p:cNvSpPr txBox="1"/>
+              <p:nvPr/>
+            </p:nvSpPr>
+            <p:spPr>
+              <a:xfrm>
+                <a:off x="8618763" y="3026620"/>
+                <a:ext cx="462643" cy="369332"/>
+              </a:xfrm>
+              <a:prstGeom prst="rect">
+                <a:avLst/>
+              </a:prstGeom>
+              <a:noFill/>
+            </p:spPr>
+            <p:txBody>
+              <a:bodyPr wrap="square" rtlCol="0">
+                <a:spAutoFit/>
+              </a:bodyPr>
+              <a:lstStyle/>
+              <a:p>
+                <a:pPr/>
+                <a14:m>
+                  <m:oMathPara xmlns:m="http://schemas.openxmlformats.org/officeDocument/2006/math">
+                    <m:oMathParaPr>
+                      <m:jc m:val="centerGroup"/>
+                    </m:oMathParaPr>
+                    <m:oMath xmlns:m="http://schemas.openxmlformats.org/officeDocument/2006/math">
+                      <m:sSup>
+                        <m:sSupPr>
+                          <m:ctrlPr>
+                            <a:rPr lang="en-US" b="0" i="1" smtClean="0">
+                              <a:latin typeface="Cambria Math" panose="02040503050406030204" pitchFamily="18" charset="0"/>
+                            </a:rPr>
+                          </m:ctrlPr>
+                        </m:sSupPr>
+                        <m:e>
+                          <m:r>
+                            <a:rPr lang="en-US" b="0" i="1" smtClean="0">
+                              <a:latin typeface="Cambria Math" panose="02040503050406030204" pitchFamily="18" charset="0"/>
+                            </a:rPr>
+                            <m:t>𝑤</m:t>
+                          </m:r>
+                        </m:e>
+                        <m:sup>
+                          <m:r>
+                            <a:rPr lang="en-US" b="0" i="1" smtClean="0">
+                              <a:latin typeface="Cambria Math" panose="02040503050406030204" pitchFamily="18" charset="0"/>
+                            </a:rPr>
+                            <m:t>′</m:t>
+                          </m:r>
+                        </m:sup>
+                      </m:sSup>
+                    </m:oMath>
+                  </m:oMathPara>
+                </a14:m>
+                <a:endParaRPr lang="en-IL" dirty="0"/>
+              </a:p>
+            </p:txBody>
+          </p:sp>
+        </mc:Choice>
+        <mc:Fallback>
+          <p:sp>
+            <p:nvSpPr>
+              <p:cNvPr id="26" name="TextBox 25">
+                <a:extLst>
+                  <a:ext uri="{FF2B5EF4-FFF2-40B4-BE49-F238E27FC236}">
+                    <a16:creationId xmlns:a16="http://schemas.microsoft.com/office/drawing/2014/main" id="{55861CE4-656A-F889-242B-94372F282DA3}"/>
+                  </a:ext>
+                </a:extLst>
+              </p:cNvPr>
+              <p:cNvSpPr txBox="1">
+                <a:spLocks noRot="1" noChangeAspect="1" noMove="1" noResize="1" noEditPoints="1" noAdjustHandles="1" noChangeArrowheads="1" noChangeShapeType="1" noTextEdit="1"/>
+              </p:cNvSpPr>
+              <p:nvPr/>
+            </p:nvSpPr>
+            <p:spPr>
+              <a:xfrm>
+                <a:off x="8618763" y="3026620"/>
+                <a:ext cx="462643" cy="369332"/>
+              </a:xfrm>
+              <a:prstGeom prst="rect">
+                <a:avLst/>
+              </a:prstGeom>
+              <a:blipFill>
+                <a:blip r:embed="rId4"/>
+                <a:stretch>
+                  <a:fillRect/>
+                </a:stretch>
+              </a:blipFill>
+            </p:spPr>
+            <p:txBody>
+              <a:bodyPr/>
+              <a:lstStyle/>
+              <a:p>
+                <a:r>
+                  <a:rPr lang="en-IL">
+                    <a:noFill/>
+                  </a:rPr>
+                  <a:t> </a:t>
+                </a:r>
+              </a:p>
+            </p:txBody>
+          </p:sp>
+        </mc:Fallback>
+      </mc:AlternateContent>
+      <p:sp>
+        <p:nvSpPr>
+          <p:cNvPr id="28" name="Oval 27">
+            <a:extLst>
+              <a:ext uri="{FF2B5EF4-FFF2-40B4-BE49-F238E27FC236}">
+                <a16:creationId xmlns:a16="http://schemas.microsoft.com/office/drawing/2014/main" id="{72719EDD-BED4-0D18-1FE2-35A668E60A33}"/>
+              </a:ext>
+            </a:extLst>
+          </p:cNvPr>
+          <p:cNvSpPr/>
+          <p:nvPr/>
+        </p:nvSpPr>
+        <p:spPr>
+          <a:xfrm>
+            <a:off x="3663039" y="2275114"/>
+            <a:ext cx="3886204" cy="2024740"/>
+          </a:xfrm>
+          <a:prstGeom prst="ellipse">
+            <a:avLst/>
+          </a:prstGeom>
+          <a:noFill/>
+          <a:ln>
+            <a:solidFill>
+              <a:schemeClr val="tx1"/>
+            </a:solidFill>
+          </a:ln>
+        </p:spPr>
+        <p:style>
+          <a:lnRef idx="2">
+            <a:schemeClr val="accent1">
+              <a:shade val="15000"/>
+            </a:schemeClr>
+          </a:lnRef>
+          <a:fillRef idx="1">
+            <a:schemeClr val="accent1"/>
+          </a:fillRef>
+          <a:effectRef idx="0">
+            <a:schemeClr val="accent1"/>
+          </a:effectRef>
+          <a:fontRef idx="minor">
+            <a:schemeClr val="lt1"/>
+          </a:fontRef>
+        </p:style>
+        <p:txBody>
+          <a:bodyPr rtlCol="0" anchor="ctr"/>
+          <a:lstStyle/>
+          <a:p>
+            <a:pPr algn="ctr"/>
+            <a:endParaRPr lang="en-IL"/>
+          </a:p>
+        </p:txBody>
+      </p:sp>
+      <p:sp>
+        <p:nvSpPr>
+          <p:cNvPr id="4" name="Oval 3">
+            <a:extLst>
+              <a:ext uri="{FF2B5EF4-FFF2-40B4-BE49-F238E27FC236}">
+                <a16:creationId xmlns:a16="http://schemas.microsoft.com/office/drawing/2014/main" id="{159B4455-5B3D-08A8-A3BC-D83070B5B0CD}"/>
+              </a:ext>
+            </a:extLst>
+          </p:cNvPr>
+          <p:cNvSpPr/>
+          <p:nvPr/>
+        </p:nvSpPr>
+        <p:spPr>
+          <a:xfrm>
+            <a:off x="4593006" y="3812713"/>
+            <a:ext cx="106128" cy="114300"/>
+          </a:xfrm>
+          <a:prstGeom prst="ellipse">
+            <a:avLst/>
+          </a:prstGeom>
+          <a:solidFill>
+            <a:srgbClr val="C00000"/>
+          </a:solidFill>
+          <a:ln>
+            <a:solidFill>
+              <a:srgbClr val="C00000"/>
+            </a:solidFill>
+          </a:ln>
+        </p:spPr>
+        <p:style>
+          <a:lnRef idx="2">
+            <a:schemeClr val="accent1">
+              <a:shade val="15000"/>
+            </a:schemeClr>
+          </a:lnRef>
+          <a:fillRef idx="1">
+            <a:schemeClr val="accent1"/>
+          </a:fillRef>
+          <a:effectRef idx="0">
+            <a:schemeClr val="accent1"/>
+          </a:effectRef>
+          <a:fontRef idx="minor">
+            <a:schemeClr val="lt1"/>
+          </a:fontRef>
+        </p:style>
+        <p:txBody>
+          <a:bodyPr rtlCol="0" anchor="ctr"/>
+          <a:lstStyle/>
+          <a:p>
+            <a:pPr algn="ctr"/>
+            <a:endParaRPr lang="en-IL"/>
+          </a:p>
+        </p:txBody>
+      </p:sp>
+      <p:cxnSp>
+        <p:nvCxnSpPr>
+          <p:cNvPr id="6" name="Straight Arrow Connector 5">
+            <a:extLst>
+              <a:ext uri="{FF2B5EF4-FFF2-40B4-BE49-F238E27FC236}">
+                <a16:creationId xmlns:a16="http://schemas.microsoft.com/office/drawing/2014/main" id="{32CF10AD-C3DF-C46A-A01C-652967C2376C}"/>
+              </a:ext>
+            </a:extLst>
+          </p:cNvPr>
+          <p:cNvCxnSpPr>
+            <a:cxnSpLocks/>
+          </p:cNvCxnSpPr>
+          <p:nvPr/>
+        </p:nvCxnSpPr>
+        <p:spPr>
+          <a:xfrm flipV="1">
+            <a:off x="4699134" y="3630339"/>
+            <a:ext cx="276611" cy="204149"/>
+          </a:xfrm>
+          <a:prstGeom prst="straightConnector1">
+            <a:avLst/>
+          </a:prstGeom>
+          <a:ln>
+            <a:solidFill>
+              <a:srgbClr val="C00000"/>
+            </a:solidFill>
+            <a:tailEnd type="triangle"/>
+          </a:ln>
+        </p:spPr>
+        <p:style>
+          <a:lnRef idx="2">
+            <a:schemeClr val="accent1"/>
+          </a:lnRef>
+          <a:fillRef idx="0">
+            <a:schemeClr val="accent1"/>
+          </a:fillRef>
+          <a:effectRef idx="1">
+            <a:schemeClr val="accent1"/>
+          </a:effectRef>
+          <a:fontRef idx="minor">
+            <a:schemeClr val="tx1"/>
+          </a:fontRef>
+        </p:style>
+      </p:cxnSp>
+      <p:cxnSp>
+        <p:nvCxnSpPr>
+          <p:cNvPr id="11" name="Straight Arrow Connector 10">
+            <a:extLst>
+              <a:ext uri="{FF2B5EF4-FFF2-40B4-BE49-F238E27FC236}">
+                <a16:creationId xmlns:a16="http://schemas.microsoft.com/office/drawing/2014/main" id="{04624488-374A-6FFA-3B14-E7B87D4E552A}"/>
+              </a:ext>
+            </a:extLst>
+          </p:cNvPr>
+          <p:cNvCxnSpPr>
+            <a:cxnSpLocks/>
+          </p:cNvCxnSpPr>
+          <p:nvPr/>
+        </p:nvCxnSpPr>
+        <p:spPr>
+          <a:xfrm flipV="1">
+            <a:off x="5400086" y="3211286"/>
+            <a:ext cx="184284" cy="122464"/>
+          </a:xfrm>
+          <a:prstGeom prst="straightConnector1">
+            <a:avLst/>
+          </a:prstGeom>
+          <a:ln>
+            <a:solidFill>
+              <a:srgbClr val="C00000"/>
+            </a:solidFill>
+            <a:tailEnd type="triangle"/>
+          </a:ln>
+        </p:spPr>
+        <p:style>
+          <a:lnRef idx="2">
+            <a:schemeClr val="accent1"/>
+          </a:lnRef>
+          <a:fillRef idx="0">
+            <a:schemeClr val="accent1"/>
+          </a:fillRef>
+          <a:effectRef idx="1">
+            <a:schemeClr val="accent1"/>
+          </a:effectRef>
+          <a:fontRef idx="minor">
+            <a:schemeClr val="tx1"/>
+          </a:fontRef>
+        </p:style>
+      </p:cxnSp>
+      <p:cxnSp>
+        <p:nvCxnSpPr>
+          <p:cNvPr id="14" name="Straight Arrow Connector 13">
+            <a:extLst>
+              <a:ext uri="{FF2B5EF4-FFF2-40B4-BE49-F238E27FC236}">
+                <a16:creationId xmlns:a16="http://schemas.microsoft.com/office/drawing/2014/main" id="{5FE9BDF8-C77B-8C74-6AB2-7E99EB69B7A0}"/>
+              </a:ext>
+            </a:extLst>
+          </p:cNvPr>
+          <p:cNvCxnSpPr>
+            <a:cxnSpLocks/>
+          </p:cNvCxnSpPr>
+          <p:nvPr/>
+        </p:nvCxnSpPr>
+        <p:spPr>
+          <a:xfrm flipV="1">
+            <a:off x="5219700" y="3333701"/>
+            <a:ext cx="180386" cy="133399"/>
+          </a:xfrm>
+          <a:prstGeom prst="straightConnector1">
+            <a:avLst/>
+          </a:prstGeom>
+          <a:ln>
+            <a:solidFill>
+              <a:srgbClr val="C00000"/>
+            </a:solidFill>
+            <a:tailEnd type="triangle"/>
+          </a:ln>
+        </p:spPr>
+        <p:style>
+          <a:lnRef idx="2">
+            <a:schemeClr val="accent1"/>
+          </a:lnRef>
+          <a:fillRef idx="0">
+            <a:schemeClr val="accent1"/>
+          </a:fillRef>
+          <a:effectRef idx="1">
+            <a:schemeClr val="accent1"/>
+          </a:effectRef>
+          <a:fontRef idx="minor">
+            <a:schemeClr val="tx1"/>
+          </a:fontRef>
+        </p:style>
+      </p:cxnSp>
+      <p:cxnSp>
+        <p:nvCxnSpPr>
+          <p:cNvPr id="16" name="Straight Arrow Connector 15">
+            <a:extLst>
+              <a:ext uri="{FF2B5EF4-FFF2-40B4-BE49-F238E27FC236}">
+                <a16:creationId xmlns:a16="http://schemas.microsoft.com/office/drawing/2014/main" id="{8F168DA0-140A-8ECC-3EB8-B046513A869D}"/>
+              </a:ext>
+            </a:extLst>
+          </p:cNvPr>
+          <p:cNvCxnSpPr>
+            <a:cxnSpLocks/>
+          </p:cNvCxnSpPr>
+          <p:nvPr/>
+        </p:nvCxnSpPr>
+        <p:spPr>
+          <a:xfrm flipV="1">
+            <a:off x="4975745" y="3456116"/>
+            <a:ext cx="243955" cy="174223"/>
+          </a:xfrm>
+          <a:prstGeom prst="straightConnector1">
+            <a:avLst/>
+          </a:prstGeom>
+          <a:ln>
+            <a:solidFill>
+              <a:srgbClr val="C00000"/>
+            </a:solidFill>
+            <a:tailEnd type="triangle"/>
+          </a:ln>
+        </p:spPr>
+        <p:style>
+          <a:lnRef idx="2">
+            <a:schemeClr val="accent1"/>
+          </a:lnRef>
+          <a:fillRef idx="0">
+            <a:schemeClr val="accent1"/>
+          </a:fillRef>
+          <a:effectRef idx="1">
+            <a:schemeClr val="accent1"/>
+          </a:effectRef>
+          <a:fontRef idx="minor">
+            <a:schemeClr val="tx1"/>
+          </a:fontRef>
+        </p:style>
+      </p:cxnSp>
+    </p:spTree>
+    <p:extLst>
+      <p:ext uri="{BB962C8B-B14F-4D97-AF65-F5344CB8AC3E}">
+        <p14:creationId xmlns:p14="http://schemas.microsoft.com/office/powerpoint/2010/main" val="2647498626"/>
+      </p:ext>
+    </p:extLst>
+  </p:cSld>
+  <p:clrMapOvr>
+    <a:masterClrMapping/>
+  </p:clrMapOvr>
+</p:sld>
+</file>
+
+<file path=ppt/slides/slide9.xml><?xml version="1.0" encoding="utf-8"?>
+<p:sld xmlns:a="http://schemas.openxmlformats.org/drawingml/2006/main" xmlns:r="http://schemas.openxmlformats.org/officeDocument/2006/relationships" xmlns:p="http://schemas.openxmlformats.org/presentationml/2006/main">
+  <p:cSld>
+    <p:spTree>
+      <p:nvGrpSpPr>
+        <p:cNvPr id="1" name="">
+          <a:extLst>
+            <a:ext uri="{FF2B5EF4-FFF2-40B4-BE49-F238E27FC236}">
+              <a16:creationId xmlns:a16="http://schemas.microsoft.com/office/drawing/2014/main" id="{0557C220-68C2-2BBC-4AD4-B02EE5F8E3D0}"/>
+            </a:ext>
+          </a:extLst>
+        </p:cNvPr>
+        <p:cNvGrpSpPr/>
+        <p:nvPr/>
+      </p:nvGrpSpPr>
+      <p:grpSpPr>
+        <a:xfrm>
+          <a:off x="0" y="0"/>
+          <a:ext cx="0" cy="0"/>
+          <a:chOff x="0" y="0"/>
+          <a:chExt cx="0" cy="0"/>
+        </a:xfrm>
+      </p:grpSpPr>
+      <p:cxnSp>
+        <p:nvCxnSpPr>
+          <p:cNvPr id="2" name="Straight Arrow Connector 1">
+            <a:extLst>
+              <a:ext uri="{FF2B5EF4-FFF2-40B4-BE49-F238E27FC236}">
+                <a16:creationId xmlns:a16="http://schemas.microsoft.com/office/drawing/2014/main" id="{89BE8323-F959-7A50-18E1-9886D6CC0AFB}"/>
+              </a:ext>
+            </a:extLst>
+          </p:cNvPr>
+          <p:cNvCxnSpPr>
+            <a:cxnSpLocks/>
+          </p:cNvCxnSpPr>
+          <p:nvPr/>
+        </p:nvCxnSpPr>
+        <p:spPr>
+          <a:xfrm flipV="1">
+            <a:off x="5584371" y="1338943"/>
+            <a:ext cx="0" cy="3989614"/>
+          </a:xfrm>
+          <a:prstGeom prst="straightConnector1">
+            <a:avLst/>
+          </a:prstGeom>
+          <a:ln w="38100">
+            <a:tailEnd type="triangle"/>
+          </a:ln>
+        </p:spPr>
+        <p:style>
+          <a:lnRef idx="2">
+            <a:schemeClr val="dk1"/>
+          </a:lnRef>
+          <a:fillRef idx="0">
+            <a:schemeClr val="dk1"/>
+          </a:fillRef>
+          <a:effectRef idx="1">
+            <a:schemeClr val="dk1"/>
+          </a:effectRef>
+          <a:fontRef idx="minor">
+            <a:schemeClr val="tx1"/>
+          </a:fontRef>
+        </p:style>
+      </p:cxnSp>
+      <p:cxnSp>
+        <p:nvCxnSpPr>
+          <p:cNvPr id="19" name="Straight Arrow Connector 18">
+            <a:extLst>
+              <a:ext uri="{FF2B5EF4-FFF2-40B4-BE49-F238E27FC236}">
+                <a16:creationId xmlns:a16="http://schemas.microsoft.com/office/drawing/2014/main" id="{547129F6-6DDF-D77D-DF5B-18C8865DDFCB}"/>
+              </a:ext>
+            </a:extLst>
+          </p:cNvPr>
+          <p:cNvCxnSpPr>
+            <a:cxnSpLocks/>
+          </p:cNvCxnSpPr>
+          <p:nvPr/>
+        </p:nvCxnSpPr>
+        <p:spPr>
+          <a:xfrm>
+            <a:off x="2672443" y="3211286"/>
+            <a:ext cx="5992586" cy="0"/>
+          </a:xfrm>
+          <a:prstGeom prst="straightConnector1">
+            <a:avLst/>
+          </a:prstGeom>
+          <a:ln w="38100">
+            <a:tailEnd type="triangle"/>
+          </a:ln>
+        </p:spPr>
+        <p:style>
+          <a:lnRef idx="2">
+            <a:schemeClr val="dk1"/>
+          </a:lnRef>
+          <a:fillRef idx="0">
+            <a:schemeClr val="dk1"/>
+          </a:fillRef>
+          <a:effectRef idx="1">
+            <a:schemeClr val="dk1"/>
+          </a:effectRef>
+          <a:fontRef idx="minor">
+            <a:schemeClr val="tx1"/>
+          </a:fontRef>
+        </p:style>
+      </p:cxnSp>
+      <mc:AlternateContent xmlns:mc="http://schemas.openxmlformats.org/markup-compatibility/2006">
+        <mc:Choice xmlns:a14="http://schemas.microsoft.com/office/drawing/2010/main" Requires="a14">
+          <p:sp>
+            <p:nvSpPr>
+              <p:cNvPr id="24" name="TextBox 23">
+                <a:extLst>
+                  <a:ext uri="{FF2B5EF4-FFF2-40B4-BE49-F238E27FC236}">
+                    <a16:creationId xmlns:a16="http://schemas.microsoft.com/office/drawing/2014/main" id="{75BAA0D9-F5AE-1805-0FAF-1025987A1935}"/>
+                  </a:ext>
+                </a:extLst>
+              </p:cNvPr>
+              <p:cNvSpPr txBox="1"/>
+              <p:nvPr/>
+            </p:nvSpPr>
+            <p:spPr>
+              <a:xfrm>
+                <a:off x="5353049" y="985157"/>
+                <a:ext cx="462643" cy="369332"/>
+              </a:xfrm>
+              <a:prstGeom prst="rect">
+                <a:avLst/>
+              </a:prstGeom>
+              <a:noFill/>
+            </p:spPr>
+            <p:txBody>
+              <a:bodyPr wrap="square" rtlCol="0">
+                <a:spAutoFit/>
+              </a:bodyPr>
+              <a:lstStyle/>
+              <a:p>
+                <a:pPr/>
+                <a14:m>
+                  <m:oMathPara xmlns:m="http://schemas.openxmlformats.org/officeDocument/2006/math">
+                    <m:oMathParaPr>
+                      <m:jc m:val="centerGroup"/>
+                    </m:oMathParaPr>
+                    <m:oMath xmlns:m="http://schemas.openxmlformats.org/officeDocument/2006/math">
+                      <m:r>
+                        <a:rPr lang="en-US" b="0" i="1" smtClean="0">
+                          <a:latin typeface="Cambria Math" panose="02040503050406030204" pitchFamily="18" charset="0"/>
+                        </a:rPr>
+                        <m:t>𝑤</m:t>
+                      </m:r>
+                    </m:oMath>
+                  </m:oMathPara>
+                </a14:m>
+                <a:endParaRPr lang="en-IL" dirty="0"/>
+              </a:p>
+            </p:txBody>
+          </p:sp>
+        </mc:Choice>
+        <mc:Fallback>
+          <p:sp>
+            <p:nvSpPr>
+              <p:cNvPr id="24" name="TextBox 23">
+                <a:extLst>
+                  <a:ext uri="{FF2B5EF4-FFF2-40B4-BE49-F238E27FC236}">
+                    <a16:creationId xmlns:a16="http://schemas.microsoft.com/office/drawing/2014/main" id="{75BAA0D9-F5AE-1805-0FAF-1025987A1935}"/>
+                  </a:ext>
+                </a:extLst>
+              </p:cNvPr>
+              <p:cNvSpPr txBox="1">
+                <a:spLocks noRot="1" noChangeAspect="1" noMove="1" noResize="1" noEditPoints="1" noAdjustHandles="1" noChangeArrowheads="1" noChangeShapeType="1" noTextEdit="1"/>
+              </p:cNvSpPr>
+              <p:nvPr/>
+            </p:nvSpPr>
+            <p:spPr>
+              <a:xfrm>
+                <a:off x="5353049" y="985157"/>
+                <a:ext cx="462643" cy="369332"/>
+              </a:xfrm>
+              <a:prstGeom prst="rect">
+                <a:avLst/>
+              </a:prstGeom>
+              <a:blipFill>
+                <a:blip r:embed="rId3"/>
+                <a:stretch>
+                  <a:fillRect/>
+                </a:stretch>
+              </a:blipFill>
+            </p:spPr>
+            <p:txBody>
+              <a:bodyPr/>
+              <a:lstStyle/>
+              <a:p>
+                <a:r>
+                  <a:rPr lang="en-IL">
+                    <a:noFill/>
+                  </a:rPr>
+                  <a:t> </a:t>
+                </a:r>
+              </a:p>
+            </p:txBody>
+          </p:sp>
+        </mc:Fallback>
+      </mc:AlternateContent>
+      <mc:AlternateContent xmlns:mc="http://schemas.openxmlformats.org/markup-compatibility/2006">
+        <mc:Choice xmlns:a14="http://schemas.microsoft.com/office/drawing/2010/main" Requires="a14">
+          <p:sp>
+            <p:nvSpPr>
+              <p:cNvPr id="26" name="TextBox 25">
+                <a:extLst>
+                  <a:ext uri="{FF2B5EF4-FFF2-40B4-BE49-F238E27FC236}">
+                    <a16:creationId xmlns:a16="http://schemas.microsoft.com/office/drawing/2014/main" id="{E9CF0666-7B6F-8C08-85A5-8C33F102D981}"/>
+                  </a:ext>
+                </a:extLst>
+              </p:cNvPr>
+              <p:cNvSpPr txBox="1"/>
+              <p:nvPr/>
+            </p:nvSpPr>
+            <p:spPr>
+              <a:xfrm>
+                <a:off x="8618763" y="3026620"/>
+                <a:ext cx="462643" cy="369332"/>
+              </a:xfrm>
+              <a:prstGeom prst="rect">
+                <a:avLst/>
+              </a:prstGeom>
+              <a:noFill/>
+            </p:spPr>
+            <p:txBody>
+              <a:bodyPr wrap="square" rtlCol="0">
+                <a:spAutoFit/>
+              </a:bodyPr>
+              <a:lstStyle/>
+              <a:p>
+                <a:pPr/>
+                <a14:m>
+                  <m:oMathPara xmlns:m="http://schemas.openxmlformats.org/officeDocument/2006/math">
+                    <m:oMathParaPr>
+                      <m:jc m:val="centerGroup"/>
+                    </m:oMathParaPr>
+                    <m:oMath xmlns:m="http://schemas.openxmlformats.org/officeDocument/2006/math">
+                      <m:sSup>
+                        <m:sSupPr>
+                          <m:ctrlPr>
+                            <a:rPr lang="en-US" b="0" i="1" smtClean="0">
+                              <a:latin typeface="Cambria Math" panose="02040503050406030204" pitchFamily="18" charset="0"/>
+                            </a:rPr>
+                          </m:ctrlPr>
+                        </m:sSupPr>
+                        <m:e>
+                          <m:r>
+                            <a:rPr lang="en-US" b="0" i="1" smtClean="0">
+                              <a:latin typeface="Cambria Math" panose="02040503050406030204" pitchFamily="18" charset="0"/>
+                            </a:rPr>
+                            <m:t>𝑤</m:t>
+                          </m:r>
+                        </m:e>
+                        <m:sup>
+                          <m:r>
+                            <a:rPr lang="en-US" b="0" i="1" smtClean="0">
+                              <a:latin typeface="Cambria Math" panose="02040503050406030204" pitchFamily="18" charset="0"/>
+                            </a:rPr>
+                            <m:t>′</m:t>
+                          </m:r>
+                        </m:sup>
+                      </m:sSup>
+                    </m:oMath>
+                  </m:oMathPara>
+                </a14:m>
+                <a:endParaRPr lang="en-IL" dirty="0"/>
+              </a:p>
+            </p:txBody>
+          </p:sp>
+        </mc:Choice>
+        <mc:Fallback>
+          <p:sp>
+            <p:nvSpPr>
+              <p:cNvPr id="26" name="TextBox 25">
+                <a:extLst>
+                  <a:ext uri="{FF2B5EF4-FFF2-40B4-BE49-F238E27FC236}">
+                    <a16:creationId xmlns:a16="http://schemas.microsoft.com/office/drawing/2014/main" id="{E9CF0666-7B6F-8C08-85A5-8C33F102D981}"/>
+                  </a:ext>
+                </a:extLst>
+              </p:cNvPr>
+              <p:cNvSpPr txBox="1">
+                <a:spLocks noRot="1" noChangeAspect="1" noMove="1" noResize="1" noEditPoints="1" noAdjustHandles="1" noChangeArrowheads="1" noChangeShapeType="1" noTextEdit="1"/>
+              </p:cNvSpPr>
+              <p:nvPr/>
+            </p:nvSpPr>
+            <p:spPr>
+              <a:xfrm>
+                <a:off x="8618763" y="3026620"/>
+                <a:ext cx="462643" cy="369332"/>
+              </a:xfrm>
+              <a:prstGeom prst="rect">
+                <a:avLst/>
+              </a:prstGeom>
+              <a:blipFill>
+                <a:blip r:embed="rId4"/>
+                <a:stretch>
+                  <a:fillRect/>
+                </a:stretch>
+              </a:blipFill>
+            </p:spPr>
+            <p:txBody>
+              <a:bodyPr/>
+              <a:lstStyle/>
+              <a:p>
+                <a:r>
+                  <a:rPr lang="en-IL">
+                    <a:noFill/>
+                  </a:rPr>
+                  <a:t> </a:t>
+                </a:r>
+              </a:p>
+            </p:txBody>
+          </p:sp>
+        </mc:Fallback>
+      </mc:AlternateContent>
+      <p:sp>
+        <p:nvSpPr>
+          <p:cNvPr id="28" name="Oval 27">
+            <a:extLst>
+              <a:ext uri="{FF2B5EF4-FFF2-40B4-BE49-F238E27FC236}">
+                <a16:creationId xmlns:a16="http://schemas.microsoft.com/office/drawing/2014/main" id="{41657A5F-D447-CA1A-536E-2C1AF7AD687E}"/>
+              </a:ext>
+            </a:extLst>
+          </p:cNvPr>
+          <p:cNvSpPr/>
+          <p:nvPr/>
+        </p:nvSpPr>
+        <p:spPr>
+          <a:xfrm>
+            <a:off x="3663039" y="2275114"/>
+            <a:ext cx="3886204" cy="2024740"/>
+          </a:xfrm>
+          <a:prstGeom prst="ellipse">
+            <a:avLst/>
+          </a:prstGeom>
+          <a:noFill/>
+          <a:ln>
+            <a:solidFill>
+              <a:schemeClr val="tx1"/>
+            </a:solidFill>
+          </a:ln>
+        </p:spPr>
+        <p:style>
+          <a:lnRef idx="2">
+            <a:schemeClr val="accent1">
+              <a:shade val="15000"/>
+            </a:schemeClr>
+          </a:lnRef>
+          <a:fillRef idx="1">
+            <a:schemeClr val="accent1"/>
+          </a:fillRef>
+          <a:effectRef idx="0">
+            <a:schemeClr val="accent1"/>
+          </a:effectRef>
+          <a:fontRef idx="minor">
+            <a:schemeClr val="lt1"/>
+          </a:fontRef>
+        </p:style>
+        <p:txBody>
+          <a:bodyPr rtlCol="0" anchor="ctr"/>
+          <a:lstStyle/>
+          <a:p>
+            <a:pPr algn="ctr"/>
+            <a:endParaRPr lang="en-IL"/>
+          </a:p>
+        </p:txBody>
+      </p:sp>
+      <p:sp>
+        <p:nvSpPr>
+          <p:cNvPr id="4" name="Oval 3">
+            <a:extLst>
+              <a:ext uri="{FF2B5EF4-FFF2-40B4-BE49-F238E27FC236}">
+                <a16:creationId xmlns:a16="http://schemas.microsoft.com/office/drawing/2014/main" id="{E0F43EB0-2609-A2D1-8663-1BEE7F96F179}"/>
+              </a:ext>
+            </a:extLst>
+          </p:cNvPr>
+          <p:cNvSpPr/>
+          <p:nvPr/>
+        </p:nvSpPr>
+        <p:spPr>
+          <a:xfrm>
+            <a:off x="4593006" y="3812713"/>
+            <a:ext cx="106128" cy="114300"/>
+          </a:xfrm>
+          <a:prstGeom prst="ellipse">
+            <a:avLst/>
+          </a:prstGeom>
+          <a:solidFill>
+            <a:srgbClr val="C00000"/>
+          </a:solidFill>
+          <a:ln>
+            <a:solidFill>
+              <a:srgbClr val="C00000"/>
+            </a:solidFill>
+          </a:ln>
+        </p:spPr>
+        <p:style>
+          <a:lnRef idx="2">
+            <a:schemeClr val="accent1">
+              <a:shade val="15000"/>
+            </a:schemeClr>
+          </a:lnRef>
+          <a:fillRef idx="1">
+            <a:schemeClr val="accent1"/>
+          </a:fillRef>
+          <a:effectRef idx="0">
+            <a:schemeClr val="accent1"/>
+          </a:effectRef>
+          <a:fontRef idx="minor">
+            <a:schemeClr val="lt1"/>
+          </a:fontRef>
+        </p:style>
+        <p:txBody>
+          <a:bodyPr rtlCol="0" anchor="ctr"/>
+          <a:lstStyle/>
+          <a:p>
+            <a:pPr algn="ctr"/>
+            <a:endParaRPr lang="en-IL"/>
+          </a:p>
+        </p:txBody>
+      </p:sp>
+      <p:cxnSp>
+        <p:nvCxnSpPr>
+          <p:cNvPr id="6" name="Straight Arrow Connector 5">
+            <a:extLst>
+              <a:ext uri="{FF2B5EF4-FFF2-40B4-BE49-F238E27FC236}">
+                <a16:creationId xmlns:a16="http://schemas.microsoft.com/office/drawing/2014/main" id="{88DBA004-E2CA-7AAC-5466-3DC79AFC8E4C}"/>
+              </a:ext>
+            </a:extLst>
+          </p:cNvPr>
+          <p:cNvCxnSpPr>
+            <a:cxnSpLocks/>
+          </p:cNvCxnSpPr>
+          <p:nvPr/>
+        </p:nvCxnSpPr>
+        <p:spPr>
+          <a:xfrm flipV="1">
+            <a:off x="4699134" y="3488871"/>
+            <a:ext cx="64927" cy="345617"/>
+          </a:xfrm>
+          <a:prstGeom prst="straightConnector1">
+            <a:avLst/>
+          </a:prstGeom>
+          <a:ln>
+            <a:solidFill>
+              <a:srgbClr val="C00000"/>
+            </a:solidFill>
+            <a:tailEnd type="triangle"/>
+          </a:ln>
+        </p:spPr>
+        <p:style>
+          <a:lnRef idx="2">
+            <a:schemeClr val="accent1"/>
+          </a:lnRef>
+          <a:fillRef idx="0">
+            <a:schemeClr val="accent1"/>
+          </a:fillRef>
+          <a:effectRef idx="1">
+            <a:schemeClr val="accent1"/>
+          </a:effectRef>
+          <a:fontRef idx="minor">
+            <a:schemeClr val="tx1"/>
+          </a:fontRef>
+        </p:style>
+      </p:cxnSp>
+      <p:cxnSp>
+        <p:nvCxnSpPr>
+          <p:cNvPr id="5" name="Straight Arrow Connector 4">
+            <a:extLst>
+              <a:ext uri="{FF2B5EF4-FFF2-40B4-BE49-F238E27FC236}">
+                <a16:creationId xmlns:a16="http://schemas.microsoft.com/office/drawing/2014/main" id="{BFF24D84-A20F-D55A-8D1D-E4545B1E1C9F}"/>
+              </a:ext>
+            </a:extLst>
+          </p:cNvPr>
+          <p:cNvCxnSpPr>
+            <a:cxnSpLocks/>
+          </p:cNvCxnSpPr>
+          <p:nvPr/>
+        </p:nvCxnSpPr>
+        <p:spPr>
+          <a:xfrm>
+            <a:off x="4764061" y="3516479"/>
+            <a:ext cx="218295" cy="410534"/>
+          </a:xfrm>
+          <a:prstGeom prst="straightConnector1">
+            <a:avLst/>
+          </a:prstGeom>
+          <a:ln>
+            <a:solidFill>
+              <a:srgbClr val="C00000"/>
+            </a:solidFill>
+            <a:tailEnd type="triangle"/>
+          </a:ln>
+        </p:spPr>
+        <p:style>
+          <a:lnRef idx="2">
+            <a:schemeClr val="accent1"/>
+          </a:lnRef>
+          <a:fillRef idx="0">
+            <a:schemeClr val="accent1"/>
+          </a:fillRef>
+          <a:effectRef idx="1">
+            <a:schemeClr val="accent1"/>
+          </a:effectRef>
+          <a:fontRef idx="minor">
+            <a:schemeClr val="tx1"/>
+          </a:fontRef>
+        </p:style>
+      </p:cxnSp>
+      <p:cxnSp>
+        <p:nvCxnSpPr>
+          <p:cNvPr id="10" name="Straight Arrow Connector 9">
+            <a:extLst>
+              <a:ext uri="{FF2B5EF4-FFF2-40B4-BE49-F238E27FC236}">
+                <a16:creationId xmlns:a16="http://schemas.microsoft.com/office/drawing/2014/main" id="{8529F9CE-055C-B789-C3A3-AD33F45EB17C}"/>
+              </a:ext>
+            </a:extLst>
+          </p:cNvPr>
+          <p:cNvCxnSpPr>
+            <a:cxnSpLocks/>
+          </p:cNvCxnSpPr>
+          <p:nvPr/>
+        </p:nvCxnSpPr>
+        <p:spPr>
+          <a:xfrm flipH="1" flipV="1">
+            <a:off x="4833257" y="3322674"/>
+            <a:ext cx="149099" cy="604339"/>
+          </a:xfrm>
+          <a:prstGeom prst="straightConnector1">
+            <a:avLst/>
+          </a:prstGeom>
+          <a:ln>
+            <a:solidFill>
+              <a:srgbClr val="C00000"/>
+            </a:solidFill>
+            <a:tailEnd type="triangle"/>
+          </a:ln>
+        </p:spPr>
+        <p:style>
+          <a:lnRef idx="2">
+            <a:schemeClr val="accent1"/>
+          </a:lnRef>
+          <a:fillRef idx="0">
+            <a:schemeClr val="accent1"/>
+          </a:fillRef>
+          <a:effectRef idx="1">
+            <a:schemeClr val="accent1"/>
+          </a:effectRef>
+          <a:fontRef idx="minor">
+            <a:schemeClr val="tx1"/>
+          </a:fontRef>
+        </p:style>
+      </p:cxnSp>
+      <p:cxnSp>
+        <p:nvCxnSpPr>
+          <p:cNvPr id="15" name="Straight Arrow Connector 14">
+            <a:extLst>
+              <a:ext uri="{FF2B5EF4-FFF2-40B4-BE49-F238E27FC236}">
+                <a16:creationId xmlns:a16="http://schemas.microsoft.com/office/drawing/2014/main" id="{1B60A506-409E-D9D2-F4F1-734AAF93654C}"/>
+              </a:ext>
+            </a:extLst>
+          </p:cNvPr>
+          <p:cNvCxnSpPr>
+            <a:cxnSpLocks/>
+          </p:cNvCxnSpPr>
+          <p:nvPr/>
+        </p:nvCxnSpPr>
+        <p:spPr>
+          <a:xfrm>
+            <a:off x="4828988" y="3333750"/>
+            <a:ext cx="341726" cy="387996"/>
+          </a:xfrm>
+          <a:prstGeom prst="straightConnector1">
+            <a:avLst/>
+          </a:prstGeom>
+          <a:ln>
+            <a:solidFill>
+              <a:srgbClr val="C00000"/>
+            </a:solidFill>
+            <a:tailEnd type="triangle"/>
+          </a:ln>
+        </p:spPr>
+        <p:style>
+          <a:lnRef idx="2">
+            <a:schemeClr val="accent1"/>
+          </a:lnRef>
+          <a:fillRef idx="0">
+            <a:schemeClr val="accent1"/>
+          </a:fillRef>
+          <a:effectRef idx="1">
+            <a:schemeClr val="accent1"/>
+          </a:effectRef>
+          <a:fontRef idx="minor">
+            <a:schemeClr val="tx1"/>
+          </a:fontRef>
+        </p:style>
+      </p:cxnSp>
+      <p:cxnSp>
+        <p:nvCxnSpPr>
+          <p:cNvPr id="23" name="Straight Arrow Connector 22">
+            <a:extLst>
+              <a:ext uri="{FF2B5EF4-FFF2-40B4-BE49-F238E27FC236}">
+                <a16:creationId xmlns:a16="http://schemas.microsoft.com/office/drawing/2014/main" id="{D40929F1-34AB-7FAC-2531-5196C50D2E9F}"/>
+              </a:ext>
+            </a:extLst>
+          </p:cNvPr>
+          <p:cNvCxnSpPr>
+            <a:cxnSpLocks/>
+          </p:cNvCxnSpPr>
+          <p:nvPr/>
+        </p:nvCxnSpPr>
+        <p:spPr>
+          <a:xfrm flipH="1" flipV="1">
+            <a:off x="5105400" y="3331757"/>
+            <a:ext cx="65314" cy="389989"/>
+          </a:xfrm>
+          <a:prstGeom prst="straightConnector1">
+            <a:avLst/>
+          </a:prstGeom>
+          <a:ln>
+            <a:solidFill>
+              <a:srgbClr val="C00000"/>
+            </a:solidFill>
+            <a:tailEnd type="triangle"/>
+          </a:ln>
+        </p:spPr>
+        <p:style>
+          <a:lnRef idx="2">
+            <a:schemeClr val="accent1"/>
+          </a:lnRef>
+          <a:fillRef idx="0">
+            <a:schemeClr val="accent1"/>
+          </a:fillRef>
+          <a:effectRef idx="1">
+            <a:schemeClr val="accent1"/>
+          </a:effectRef>
+          <a:fontRef idx="minor">
+            <a:schemeClr val="tx1"/>
+          </a:fontRef>
+        </p:style>
+      </p:cxnSp>
+      <p:cxnSp>
+        <p:nvCxnSpPr>
+          <p:cNvPr id="29" name="Straight Arrow Connector 28">
+            <a:extLst>
+              <a:ext uri="{FF2B5EF4-FFF2-40B4-BE49-F238E27FC236}">
+                <a16:creationId xmlns:a16="http://schemas.microsoft.com/office/drawing/2014/main" id="{9C5EC2FB-1B0F-C4F5-7A59-0A2282907EEF}"/>
+              </a:ext>
+            </a:extLst>
+          </p:cNvPr>
+          <p:cNvCxnSpPr>
+            <a:cxnSpLocks/>
+          </p:cNvCxnSpPr>
+          <p:nvPr/>
+        </p:nvCxnSpPr>
+        <p:spPr>
+          <a:xfrm>
+            <a:off x="5138057" y="3395952"/>
+            <a:ext cx="263979" cy="416761"/>
+          </a:xfrm>
+          <a:prstGeom prst="straightConnector1">
+            <a:avLst/>
+          </a:prstGeom>
+          <a:ln>
+            <a:solidFill>
+              <a:srgbClr val="C00000"/>
+            </a:solidFill>
+            <a:tailEnd type="triangle"/>
+          </a:ln>
+        </p:spPr>
+        <p:style>
+          <a:lnRef idx="2">
+            <a:schemeClr val="accent1"/>
+          </a:lnRef>
+          <a:fillRef idx="0">
+            <a:schemeClr val="accent1"/>
+          </a:fillRef>
+          <a:effectRef idx="1">
+            <a:schemeClr val="accent1"/>
+          </a:effectRef>
+          <a:fontRef idx="minor">
+            <a:schemeClr val="tx1"/>
+          </a:fontRef>
+        </p:style>
+      </p:cxnSp>
+      <p:cxnSp>
+        <p:nvCxnSpPr>
+          <p:cNvPr id="32" name="Straight Arrow Connector 31">
+            <a:extLst>
+              <a:ext uri="{FF2B5EF4-FFF2-40B4-BE49-F238E27FC236}">
+                <a16:creationId xmlns:a16="http://schemas.microsoft.com/office/drawing/2014/main" id="{070E651B-5A5F-0A77-9890-BD0C5A07005B}"/>
+              </a:ext>
+            </a:extLst>
+          </p:cNvPr>
+          <p:cNvCxnSpPr>
+            <a:cxnSpLocks/>
+          </p:cNvCxnSpPr>
+          <p:nvPr/>
+        </p:nvCxnSpPr>
+        <p:spPr>
+          <a:xfrm flipH="1" flipV="1">
+            <a:off x="5270046" y="3254053"/>
+            <a:ext cx="125967" cy="517847"/>
+          </a:xfrm>
+          <a:prstGeom prst="straightConnector1">
+            <a:avLst/>
+          </a:prstGeom>
+          <a:ln>
+            <a:solidFill>
+              <a:srgbClr val="C00000"/>
+            </a:solidFill>
+            <a:tailEnd type="triangle"/>
+          </a:ln>
+        </p:spPr>
+        <p:style>
+          <a:lnRef idx="2">
+            <a:schemeClr val="accent1"/>
+          </a:lnRef>
+          <a:fillRef idx="0">
+            <a:schemeClr val="accent1"/>
+          </a:fillRef>
+          <a:effectRef idx="1">
+            <a:schemeClr val="accent1"/>
+          </a:effectRef>
+          <a:fontRef idx="minor">
+            <a:schemeClr val="tx1"/>
+          </a:fontRef>
+        </p:style>
+      </p:cxnSp>
+      <p:cxnSp>
+        <p:nvCxnSpPr>
+          <p:cNvPr id="35" name="Straight Arrow Connector 34">
+            <a:extLst>
+              <a:ext uri="{FF2B5EF4-FFF2-40B4-BE49-F238E27FC236}">
+                <a16:creationId xmlns:a16="http://schemas.microsoft.com/office/drawing/2014/main" id="{B2074C27-772E-C977-9D48-8FCB09D5AD75}"/>
+              </a:ext>
+            </a:extLst>
+          </p:cNvPr>
+          <p:cNvCxnSpPr>
+            <a:cxnSpLocks/>
+          </p:cNvCxnSpPr>
+          <p:nvPr/>
+        </p:nvCxnSpPr>
+        <p:spPr>
+          <a:xfrm>
+            <a:off x="5270872" y="3254053"/>
+            <a:ext cx="224473" cy="234818"/>
+          </a:xfrm>
+          <a:prstGeom prst="straightConnector1">
+            <a:avLst/>
+          </a:prstGeom>
+          <a:ln>
+            <a:solidFill>
+              <a:srgbClr val="C00000"/>
+            </a:solidFill>
+            <a:tailEnd type="triangle"/>
+          </a:ln>
+        </p:spPr>
+        <p:style>
+          <a:lnRef idx="2">
+            <a:schemeClr val="accent1"/>
+          </a:lnRef>
+          <a:fillRef idx="0">
+            <a:schemeClr val="accent1"/>
+          </a:fillRef>
+          <a:effectRef idx="1">
+            <a:schemeClr val="accent1"/>
+          </a:effectRef>
+          <a:fontRef idx="minor">
+            <a:schemeClr val="tx1"/>
+          </a:fontRef>
+        </p:style>
+      </p:cxnSp>
+      <p:cxnSp>
+        <p:nvCxnSpPr>
+          <p:cNvPr id="40" name="Straight Arrow Connector 39">
+            <a:extLst>
+              <a:ext uri="{FF2B5EF4-FFF2-40B4-BE49-F238E27FC236}">
+                <a16:creationId xmlns:a16="http://schemas.microsoft.com/office/drawing/2014/main" id="{DFCB2B7D-5553-21B0-7A45-9C58EB1CB736}"/>
+              </a:ext>
+            </a:extLst>
+          </p:cNvPr>
+          <p:cNvCxnSpPr>
+            <a:cxnSpLocks/>
+          </p:cNvCxnSpPr>
+          <p:nvPr/>
+        </p:nvCxnSpPr>
+        <p:spPr>
+          <a:xfrm flipV="1">
+            <a:off x="5479112" y="3211286"/>
+            <a:ext cx="105258" cy="266506"/>
+          </a:xfrm>
+          <a:prstGeom prst="straightConnector1">
+            <a:avLst/>
+          </a:prstGeom>
+          <a:ln>
+            <a:solidFill>
+              <a:srgbClr val="C00000"/>
+            </a:solidFill>
+            <a:tailEnd type="triangle"/>
+          </a:ln>
+        </p:spPr>
+        <p:style>
+          <a:lnRef idx="2">
+            <a:schemeClr val="accent1"/>
+          </a:lnRef>
+          <a:fillRef idx="0">
+            <a:schemeClr val="accent1"/>
+          </a:fillRef>
+          <a:effectRef idx="1">
+            <a:schemeClr val="accent1"/>
+          </a:effectRef>
+          <a:fontRef idx="minor">
+            <a:schemeClr val="tx1"/>
+          </a:fontRef>
+        </p:style>
+      </p:cxnSp>
+    </p:spTree>
+    <p:extLst>
+      <p:ext uri="{BB962C8B-B14F-4D97-AF65-F5344CB8AC3E}">
+        <p14:creationId xmlns:p14="http://schemas.microsoft.com/office/powerpoint/2010/main" val="1612604750"/>
       </p:ext>
     </p:extLst>
   </p:cSld>

--- a/Viz.pptx
+++ b/Viz.pptx
@@ -5,7 +5,7 @@
     <p:sldMasterId id="2147483648" r:id="rId1"/>
   </p:sldMasterIdLst>
   <p:notesMasterIdLst>
-    <p:notesMasterId r:id="rId11"/>
+    <p:notesMasterId r:id="rId12"/>
   </p:notesMasterIdLst>
   <p:sldIdLst>
     <p:sldId id="256" r:id="rId2"/>
@@ -17,6 +17,7 @@
     <p:sldId id="262" r:id="rId8"/>
     <p:sldId id="263" r:id="rId9"/>
     <p:sldId id="264" r:id="rId10"/>
+    <p:sldId id="265" r:id="rId11"/>
   </p:sldIdLst>
   <p:sldSz cx="12192000" cy="6858000"/>
   <p:notesSz cx="6858000" cy="9144000"/>
@@ -126,7 +127,7 @@
 <file path=ppt/revisionInfo.xml><?xml version="1.0" encoding="utf-8"?>
 <p1510:revInfo xmlns:a="http://schemas.openxmlformats.org/drawingml/2006/main" xmlns:r="http://schemas.openxmlformats.org/officeDocument/2006/relationships" xmlns:p1510="http://schemas.microsoft.com/office/powerpoint/2015/10/main">
   <p1510:revLst>
-    <p1510:client id="{5F315C37-A57A-4B13-A8EF-FA31EC78C459}" v="70" dt="2026-02-04T19:04:48.552"/>
+    <p1510:client id="{DC55FABE-5E4A-49A4-80C7-7195C027F1C1}" v="30" dt="2026-02-07T17:34:06.794"/>
   </p1510:revLst>
 </p1510:revInfo>
 </file>
@@ -217,118 +218,6 @@
           <pc:docMk/>
           <pc:sldMk cId="2866057738" sldId="262"/>
         </pc:sldMkLst>
-        <pc:spChg chg="del">
-          <ac:chgData name="Or Forshmit" userId="7c842d5c4cf4431e" providerId="LiveId" clId="{E409A72B-5ED7-4D73-9396-E605A8B45686}" dt="2026-02-04T18:49:04.788" v="128" actId="478"/>
-          <ac:spMkLst>
-            <pc:docMk/>
-            <pc:sldMk cId="2866057738" sldId="262"/>
-            <ac:spMk id="3" creationId="{896588A9-70B3-D0BA-E282-41ED434BC8A7}"/>
-          </ac:spMkLst>
-        </pc:spChg>
-        <pc:spChg chg="del">
-          <ac:chgData name="Or Forshmit" userId="7c842d5c4cf4431e" providerId="LiveId" clId="{E409A72B-5ED7-4D73-9396-E605A8B45686}" dt="2026-02-04T18:49:04.788" v="128" actId="478"/>
-          <ac:spMkLst>
-            <pc:docMk/>
-            <pc:sldMk cId="2866057738" sldId="262"/>
-            <ac:spMk id="4" creationId="{607A3D69-8794-D8F0-95C1-CCC9DE15DBFE}"/>
-          </ac:spMkLst>
-        </pc:spChg>
-        <pc:spChg chg="del">
-          <ac:chgData name="Or Forshmit" userId="7c842d5c4cf4431e" providerId="LiveId" clId="{E409A72B-5ED7-4D73-9396-E605A8B45686}" dt="2026-02-04T18:49:04.788" v="128" actId="478"/>
-          <ac:spMkLst>
-            <pc:docMk/>
-            <pc:sldMk cId="2866057738" sldId="262"/>
-            <ac:spMk id="5" creationId="{0DF3653D-D416-0A04-4B7E-0435635E82AE}"/>
-          </ac:spMkLst>
-        </pc:spChg>
-        <pc:spChg chg="add del mod">
-          <ac:chgData name="Or Forshmit" userId="7c842d5c4cf4431e" providerId="LiveId" clId="{E409A72B-5ED7-4D73-9396-E605A8B45686}" dt="2026-02-04T18:49:39.050" v="144" actId="478"/>
-          <ac:spMkLst>
-            <pc:docMk/>
-            <pc:sldMk cId="2866057738" sldId="262"/>
-            <ac:spMk id="7" creationId="{90445DA0-C97E-8795-949B-5AF22BCE1635}"/>
-          </ac:spMkLst>
-        </pc:spChg>
-        <pc:spChg chg="del">
-          <ac:chgData name="Or Forshmit" userId="7c842d5c4cf4431e" providerId="LiveId" clId="{E409A72B-5ED7-4D73-9396-E605A8B45686}" dt="2026-02-04T18:49:04.788" v="128" actId="478"/>
-          <ac:spMkLst>
-            <pc:docMk/>
-            <pc:sldMk cId="2866057738" sldId="262"/>
-            <ac:spMk id="8" creationId="{09E9814C-E591-0B7C-C0AB-10C576AF6A20}"/>
-          </ac:spMkLst>
-        </pc:spChg>
-        <pc:spChg chg="del">
-          <ac:chgData name="Or Forshmit" userId="7c842d5c4cf4431e" providerId="LiveId" clId="{E409A72B-5ED7-4D73-9396-E605A8B45686}" dt="2026-02-04T18:49:04.788" v="128" actId="478"/>
-          <ac:spMkLst>
-            <pc:docMk/>
-            <pc:sldMk cId="2866057738" sldId="262"/>
-            <ac:spMk id="9" creationId="{7F17755E-5943-6C6A-86BF-9D5ED1C220F3}"/>
-          </ac:spMkLst>
-        </pc:spChg>
-        <pc:spChg chg="add del mod">
-          <ac:chgData name="Or Forshmit" userId="7c842d5c4cf4431e" providerId="LiveId" clId="{E409A72B-5ED7-4D73-9396-E605A8B45686}" dt="2026-02-04T18:49:39.050" v="144" actId="478"/>
-          <ac:spMkLst>
-            <pc:docMk/>
-            <pc:sldMk cId="2866057738" sldId="262"/>
-            <ac:spMk id="10" creationId="{6AAF8F17-F583-6300-A6FB-45B39D60D193}"/>
-          </ac:spMkLst>
-        </pc:spChg>
-        <pc:spChg chg="add del mod">
-          <ac:chgData name="Or Forshmit" userId="7c842d5c4cf4431e" providerId="LiveId" clId="{E409A72B-5ED7-4D73-9396-E605A8B45686}" dt="2026-02-04T18:49:39.050" v="144" actId="478"/>
-          <ac:spMkLst>
-            <pc:docMk/>
-            <pc:sldMk cId="2866057738" sldId="262"/>
-            <ac:spMk id="11" creationId="{2AD7C24B-1DDA-A421-8894-4BD4125D6462}"/>
-          </ac:spMkLst>
-        </pc:spChg>
-        <pc:spChg chg="add del mod">
-          <ac:chgData name="Or Forshmit" userId="7c842d5c4cf4431e" providerId="LiveId" clId="{E409A72B-5ED7-4D73-9396-E605A8B45686}" dt="2026-02-04T18:49:39.050" v="144" actId="478"/>
-          <ac:spMkLst>
-            <pc:docMk/>
-            <pc:sldMk cId="2866057738" sldId="262"/>
-            <ac:spMk id="12" creationId="{6E1885A2-1F28-8D6B-EFF0-4FA764B41E85}"/>
-          </ac:spMkLst>
-        </pc:spChg>
-        <pc:spChg chg="add del mod">
-          <ac:chgData name="Or Forshmit" userId="7c842d5c4cf4431e" providerId="LiveId" clId="{E409A72B-5ED7-4D73-9396-E605A8B45686}" dt="2026-02-04T18:49:39.050" v="144" actId="478"/>
-          <ac:spMkLst>
-            <pc:docMk/>
-            <pc:sldMk cId="2866057738" sldId="262"/>
-            <ac:spMk id="13" creationId="{529F42D1-2329-8E25-777A-880CD9D3F956}"/>
-          </ac:spMkLst>
-        </pc:spChg>
-        <pc:spChg chg="del">
-          <ac:chgData name="Or Forshmit" userId="7c842d5c4cf4431e" providerId="LiveId" clId="{E409A72B-5ED7-4D73-9396-E605A8B45686}" dt="2026-02-04T18:49:08.075" v="129" actId="478"/>
-          <ac:spMkLst>
-            <pc:docMk/>
-            <pc:sldMk cId="2866057738" sldId="262"/>
-            <ac:spMk id="15" creationId="{6B8602B9-5021-E30B-8118-772FB600D115}"/>
-          </ac:spMkLst>
-        </pc:spChg>
-        <pc:spChg chg="add del mod">
-          <ac:chgData name="Or Forshmit" userId="7c842d5c4cf4431e" providerId="LiveId" clId="{E409A72B-5ED7-4D73-9396-E605A8B45686}" dt="2026-02-04T18:49:39.050" v="144" actId="478"/>
-          <ac:spMkLst>
-            <pc:docMk/>
-            <pc:sldMk cId="2866057738" sldId="262"/>
-            <ac:spMk id="16" creationId="{E43B91DC-E418-792D-569B-94A3DE61151A}"/>
-          </ac:spMkLst>
-        </pc:spChg>
-        <pc:spChg chg="del">
-          <ac:chgData name="Or Forshmit" userId="7c842d5c4cf4431e" providerId="LiveId" clId="{E409A72B-5ED7-4D73-9396-E605A8B45686}" dt="2026-02-04T18:49:04.788" v="128" actId="478"/>
-          <ac:spMkLst>
-            <pc:docMk/>
-            <pc:sldMk cId="2866057738" sldId="262"/>
-            <ac:spMk id="18" creationId="{B328A18F-E947-4591-FC10-3480011FF5C1}"/>
-          </ac:spMkLst>
-        </pc:spChg>
-        <pc:spChg chg="del">
-          <ac:chgData name="Or Forshmit" userId="7c842d5c4cf4431e" providerId="LiveId" clId="{E409A72B-5ED7-4D73-9396-E605A8B45686}" dt="2026-02-04T18:49:04.788" v="128" actId="478"/>
-          <ac:spMkLst>
-            <pc:docMk/>
-            <pc:sldMk cId="2866057738" sldId="262"/>
-            <ac:spMk id="23" creationId="{2E556A73-BB6C-98AE-B92F-11CCF3F2245B}"/>
-          </ac:spMkLst>
-        </pc:spChg>
         <pc:spChg chg="add mod">
           <ac:chgData name="Or Forshmit" userId="7c842d5c4cf4431e" providerId="LiveId" clId="{E409A72B-5ED7-4D73-9396-E605A8B45686}" dt="2026-02-04T18:59:09.943" v="217" actId="14100"/>
           <ac:spMkLst>
@@ -345,44 +234,12 @@
             <ac:spMk id="26" creationId="{E2A1E7B8-67ED-8B83-40F3-834ABC717B57}"/>
           </ac:spMkLst>
         </pc:spChg>
-        <pc:spChg chg="add del mod">
-          <ac:chgData name="Or Forshmit" userId="7c842d5c4cf4431e" providerId="LiveId" clId="{E409A72B-5ED7-4D73-9396-E605A8B45686}" dt="2026-02-04T18:53:22.932" v="215" actId="478"/>
-          <ac:spMkLst>
-            <pc:docMk/>
-            <pc:sldMk cId="2866057738" sldId="262"/>
-            <ac:spMk id="27" creationId="{A14E940F-7893-6C71-C084-1452BC0B213A}"/>
-          </ac:spMkLst>
-        </pc:spChg>
         <pc:spChg chg="add mod">
           <ac:chgData name="Or Forshmit" userId="7c842d5c4cf4431e" providerId="LiveId" clId="{E409A72B-5ED7-4D73-9396-E605A8B45686}" dt="2026-02-04T18:59:09.943" v="217" actId="14100"/>
           <ac:spMkLst>
             <pc:docMk/>
             <pc:sldMk cId="2866057738" sldId="262"/>
             <ac:spMk id="28" creationId="{57829EF2-56C5-F429-C668-4C10760A55FC}"/>
-          </ac:spMkLst>
-        </pc:spChg>
-        <pc:spChg chg="del">
-          <ac:chgData name="Or Forshmit" userId="7c842d5c4cf4431e" providerId="LiveId" clId="{E409A72B-5ED7-4D73-9396-E605A8B45686}" dt="2026-02-04T18:49:04.788" v="128" actId="478"/>
-          <ac:spMkLst>
-            <pc:docMk/>
-            <pc:sldMk cId="2866057738" sldId="262"/>
-            <ac:spMk id="29" creationId="{5F1A2166-5872-6925-F9FF-41172CDB3A32}"/>
-          </ac:spMkLst>
-        </pc:spChg>
-        <pc:spChg chg="del">
-          <ac:chgData name="Or Forshmit" userId="7c842d5c4cf4431e" providerId="LiveId" clId="{E409A72B-5ED7-4D73-9396-E605A8B45686}" dt="2026-02-04T18:49:04.788" v="128" actId="478"/>
-          <ac:spMkLst>
-            <pc:docMk/>
-            <pc:sldMk cId="2866057738" sldId="262"/>
-            <ac:spMk id="30" creationId="{2CF7B4FE-774F-16A0-78DD-57831127B1DF}"/>
-          </ac:spMkLst>
-        </pc:spChg>
-        <pc:spChg chg="del">
-          <ac:chgData name="Or Forshmit" userId="7c842d5c4cf4431e" providerId="LiveId" clId="{E409A72B-5ED7-4D73-9396-E605A8B45686}" dt="2026-02-04T18:49:04.788" v="128" actId="478"/>
-          <ac:spMkLst>
-            <pc:docMk/>
-            <pc:sldMk cId="2866057738" sldId="262"/>
-            <ac:spMk id="33" creationId="{8A9BE464-B3D0-0D59-DB63-E17CF18BF3D9}"/>
           </ac:spMkLst>
         </pc:spChg>
         <pc:cxnChg chg="add mod">
@@ -391,14 +248,6 @@
             <pc:docMk/>
             <pc:sldMk cId="2866057738" sldId="262"/>
             <ac:cxnSpMk id="2" creationId="{60E71488-14B8-D904-19DC-6F026631F389}"/>
-          </ac:cxnSpMkLst>
-        </pc:cxnChg>
-        <pc:cxnChg chg="add del mod">
-          <ac:chgData name="Or Forshmit" userId="7c842d5c4cf4431e" providerId="LiveId" clId="{E409A72B-5ED7-4D73-9396-E605A8B45686}" dt="2026-02-04T18:49:54.343" v="146" actId="478"/>
-          <ac:cxnSpMkLst>
-            <pc:docMk/>
-            <pc:sldMk cId="2866057738" sldId="262"/>
-            <ac:cxnSpMk id="6" creationId="{E5211606-ECC2-1546-F166-0D20673408D7}"/>
           </ac:cxnSpMkLst>
         </pc:cxnChg>
         <pc:cxnChg chg="add mod">
@@ -417,14 +266,6 @@
           <pc:sldMk cId="2647498626" sldId="263"/>
         </pc:sldMkLst>
         <pc:spChg chg="add mod">
-          <ac:chgData name="Or Forshmit" userId="7c842d5c4cf4431e" providerId="LiveId" clId="{E409A72B-5ED7-4D73-9396-E605A8B45686}" dt="2026-02-04T18:59:30.526" v="226"/>
-          <ac:spMkLst>
-            <pc:docMk/>
-            <pc:sldMk cId="2647498626" sldId="263"/>
-            <ac:spMk id="3" creationId="{FCF66A8E-0C4F-A0AA-A75B-0BF82FE2C890}"/>
-          </ac:spMkLst>
-        </pc:spChg>
-        <pc:spChg chg="add mod">
           <ac:chgData name="Or Forshmit" userId="7c842d5c4cf4431e" providerId="LiveId" clId="{E409A72B-5ED7-4D73-9396-E605A8B45686}" dt="2026-02-04T19:01:43.581" v="261" actId="1076"/>
           <ac:spMkLst>
             <pc:docMk/>
@@ -438,22 +279,6 @@
             <pc:docMk/>
             <pc:sldMk cId="2647498626" sldId="263"/>
             <ac:cxnSpMk id="6" creationId="{32CF10AD-C3DF-C46A-A01C-652967C2376C}"/>
-          </ac:cxnSpMkLst>
-        </pc:cxnChg>
-        <pc:cxnChg chg="add del mod">
-          <ac:chgData name="Or Forshmit" userId="7c842d5c4cf4431e" providerId="LiveId" clId="{E409A72B-5ED7-4D73-9396-E605A8B45686}" dt="2026-02-04T19:00:58.434" v="247" actId="478"/>
-          <ac:cxnSpMkLst>
-            <pc:docMk/>
-            <pc:sldMk cId="2647498626" sldId="263"/>
-            <ac:cxnSpMk id="7" creationId="{57FAA548-F7A9-D9FC-4315-4DCDCD50FEE2}"/>
-          </ac:cxnSpMkLst>
-        </pc:cxnChg>
-        <pc:cxnChg chg="add del mod">
-          <ac:chgData name="Or Forshmit" userId="7c842d5c4cf4431e" providerId="LiveId" clId="{E409A72B-5ED7-4D73-9396-E605A8B45686}" dt="2026-02-04T19:00:57.731" v="246" actId="478"/>
-          <ac:cxnSpMkLst>
-            <pc:docMk/>
-            <pc:sldMk cId="2647498626" sldId="263"/>
-            <ac:cxnSpMk id="9" creationId="{AB840EC1-90CE-66D8-AB63-CE1A799F1FCB}"/>
           </ac:cxnSpMkLst>
         </pc:cxnChg>
         <pc:cxnChg chg="add mod">
@@ -511,36 +336,12 @@
             <ac:cxnSpMk id="10" creationId="{8529F9CE-055C-B789-C3A3-AD33F45EB17C}"/>
           </ac:cxnSpMkLst>
         </pc:cxnChg>
-        <pc:cxnChg chg="del">
-          <ac:chgData name="Or Forshmit" userId="7c842d5c4cf4431e" providerId="LiveId" clId="{E409A72B-5ED7-4D73-9396-E605A8B45686}" dt="2026-02-04T19:03:22.324" v="263" actId="478"/>
-          <ac:cxnSpMkLst>
-            <pc:docMk/>
-            <pc:sldMk cId="1612604750" sldId="264"/>
-            <ac:cxnSpMk id="11" creationId="{454C0E33-DCC0-2076-4A15-88802FFC58F4}"/>
-          </ac:cxnSpMkLst>
-        </pc:cxnChg>
-        <pc:cxnChg chg="del">
-          <ac:chgData name="Or Forshmit" userId="7c842d5c4cf4431e" providerId="LiveId" clId="{E409A72B-5ED7-4D73-9396-E605A8B45686}" dt="2026-02-04T19:03:22.324" v="263" actId="478"/>
-          <ac:cxnSpMkLst>
-            <pc:docMk/>
-            <pc:sldMk cId="1612604750" sldId="264"/>
-            <ac:cxnSpMk id="14" creationId="{D0C0309A-770E-40CA-A362-374B461F4262}"/>
-          </ac:cxnSpMkLst>
-        </pc:cxnChg>
         <pc:cxnChg chg="add mod">
           <ac:chgData name="Or Forshmit" userId="7c842d5c4cf4431e" providerId="LiveId" clId="{E409A72B-5ED7-4D73-9396-E605A8B45686}" dt="2026-02-04T19:04:09.059" v="280" actId="14100"/>
           <ac:cxnSpMkLst>
             <pc:docMk/>
             <pc:sldMk cId="1612604750" sldId="264"/>
             <ac:cxnSpMk id="15" creationId="{1B60A506-409E-D9D2-F4F1-734AAF93654C}"/>
-          </ac:cxnSpMkLst>
-        </pc:cxnChg>
-        <pc:cxnChg chg="del">
-          <ac:chgData name="Or Forshmit" userId="7c842d5c4cf4431e" providerId="LiveId" clId="{E409A72B-5ED7-4D73-9396-E605A8B45686}" dt="2026-02-04T19:03:22.324" v="263" actId="478"/>
-          <ac:cxnSpMkLst>
-            <pc:docMk/>
-            <pc:sldMk cId="1612604750" sldId="264"/>
-            <ac:cxnSpMk id="16" creationId="{FA2D304E-CE1B-5913-EB64-FEEEBE31281B}"/>
           </ac:cxnSpMkLst>
         </pc:cxnChg>
         <pc:cxnChg chg="add mod">
@@ -589,7 +390,7 @@
   <pc:docChgLst>
     <pc:chgData name="Or Forshmit" userId="7c842d5c4cf4431e" providerId="LiveId" clId="{3E18CC7B-CFC1-4E27-A1BD-24931C36162E}"/>
     <pc:docChg chg="undo custSel addSld modSld">
-      <pc:chgData name="Or Forshmit" userId="7c842d5c4cf4431e" providerId="LiveId" clId="{3E18CC7B-CFC1-4E27-A1BD-24931C36162E}" dt="2026-02-01T08:39:31.945" v="781" actId="1076"/>
+      <pc:chgData name="Or Forshmit" userId="7c842d5c4cf4431e" providerId="LiveId" clId="{3E18CC7B-CFC1-4E27-A1BD-24931C36162E}" dt="2026-02-07T17:34:14.347" v="1416" actId="14100"/>
       <pc:docMkLst>
         <pc:docMk/>
       </pc:docMkLst>
@@ -1192,6 +993,501 @@
             <pc:docMk/>
             <pc:sldMk cId="4249282133" sldId="261"/>
             <ac:cxnSpMk id="32" creationId="{084FCE03-AD2C-8375-FF2B-1E57983A0D91}"/>
+          </ac:cxnSpMkLst>
+        </pc:cxnChg>
+      </pc:sldChg>
+      <pc:sldChg chg="addSp delSp modSp add mod modNotesTx">
+        <pc:chgData name="Or Forshmit" userId="7c842d5c4cf4431e" providerId="LiveId" clId="{3E18CC7B-CFC1-4E27-A1BD-24931C36162E}" dt="2026-02-07T17:34:14.347" v="1416" actId="14100"/>
+        <pc:sldMkLst>
+          <pc:docMk/>
+          <pc:sldMk cId="2324117658" sldId="265"/>
+        </pc:sldMkLst>
+        <pc:spChg chg="add del">
+          <ac:chgData name="Or Forshmit" userId="7c842d5c4cf4431e" providerId="LiveId" clId="{3E18CC7B-CFC1-4E27-A1BD-24931C36162E}" dt="2026-02-07T17:22:39.654" v="917" actId="11529"/>
+          <ac:spMkLst>
+            <pc:docMk/>
+            <pc:sldMk cId="2324117658" sldId="265"/>
+            <ac:spMk id="3" creationId="{E8E3FC35-E83D-ECEF-19F0-BD6DD3D82C92}"/>
+          </ac:spMkLst>
+        </pc:spChg>
+        <pc:spChg chg="add del">
+          <ac:chgData name="Or Forshmit" userId="7c842d5c4cf4431e" providerId="LiveId" clId="{3E18CC7B-CFC1-4E27-A1BD-24931C36162E}" dt="2026-02-07T17:21:51.972" v="800" actId="478"/>
+          <ac:spMkLst>
+            <pc:docMk/>
+            <pc:sldMk cId="2324117658" sldId="265"/>
+            <ac:spMk id="4" creationId="{BA616F40-A2FA-A60F-FCD2-35E166BE1E3C}"/>
+          </ac:spMkLst>
+        </pc:spChg>
+        <pc:spChg chg="add mod">
+          <ac:chgData name="Or Forshmit" userId="7c842d5c4cf4431e" providerId="LiveId" clId="{3E18CC7B-CFC1-4E27-A1BD-24931C36162E}" dt="2026-02-07T17:23:26.769" v="956" actId="208"/>
+          <ac:spMkLst>
+            <pc:docMk/>
+            <pc:sldMk cId="2324117658" sldId="265"/>
+            <ac:spMk id="16" creationId="{B91B2949-CE4A-8EAD-BE5F-766EE971BFFD}"/>
+          </ac:spMkLst>
+        </pc:spChg>
+        <pc:spChg chg="add mod">
+          <ac:chgData name="Or Forshmit" userId="7c842d5c4cf4431e" providerId="LiveId" clId="{3E18CC7B-CFC1-4E27-A1BD-24931C36162E}" dt="2026-02-07T17:23:31.642" v="958" actId="1076"/>
+          <ac:spMkLst>
+            <pc:docMk/>
+            <pc:sldMk cId="2324117658" sldId="265"/>
+            <ac:spMk id="17" creationId="{F4484A8F-00D0-64E7-4E07-B1780C08821E}"/>
+          </ac:spMkLst>
+        </pc:spChg>
+        <pc:spChg chg="add mod">
+          <ac:chgData name="Or Forshmit" userId="7c842d5c4cf4431e" providerId="LiveId" clId="{3E18CC7B-CFC1-4E27-A1BD-24931C36162E}" dt="2026-02-07T17:23:33.003" v="959"/>
+          <ac:spMkLst>
+            <pc:docMk/>
+            <pc:sldMk cId="2324117658" sldId="265"/>
+            <ac:spMk id="18" creationId="{8C181AC3-EE53-D5C7-5879-4FCF83514B22}"/>
+          </ac:spMkLst>
+        </pc:spChg>
+        <pc:spChg chg="add mod">
+          <ac:chgData name="Or Forshmit" userId="7c842d5c4cf4431e" providerId="LiveId" clId="{3E18CC7B-CFC1-4E27-A1BD-24931C36162E}" dt="2026-02-07T17:23:33.737" v="960"/>
+          <ac:spMkLst>
+            <pc:docMk/>
+            <pc:sldMk cId="2324117658" sldId="265"/>
+            <ac:spMk id="20" creationId="{7842DFF8-5AEC-967A-BAD4-8FEC433F3969}"/>
+          </ac:spMkLst>
+        </pc:spChg>
+        <pc:spChg chg="add mod">
+          <ac:chgData name="Or Forshmit" userId="7c842d5c4cf4431e" providerId="LiveId" clId="{3E18CC7B-CFC1-4E27-A1BD-24931C36162E}" dt="2026-02-07T17:23:34.140" v="961"/>
+          <ac:spMkLst>
+            <pc:docMk/>
+            <pc:sldMk cId="2324117658" sldId="265"/>
+            <ac:spMk id="21" creationId="{29F924CC-0909-870B-2973-E53CEEDAF3F1}"/>
+          </ac:spMkLst>
+        </pc:spChg>
+        <pc:spChg chg="add mod">
+          <ac:chgData name="Or Forshmit" userId="7c842d5c4cf4431e" providerId="LiveId" clId="{3E18CC7B-CFC1-4E27-A1BD-24931C36162E}" dt="2026-02-07T17:23:34.692" v="962"/>
+          <ac:spMkLst>
+            <pc:docMk/>
+            <pc:sldMk cId="2324117658" sldId="265"/>
+            <ac:spMk id="22" creationId="{31CA0E9E-C3F7-9DBF-FA23-6EF32E753F12}"/>
+          </ac:spMkLst>
+        </pc:spChg>
+        <pc:spChg chg="add del">
+          <ac:chgData name="Or Forshmit" userId="7c842d5c4cf4431e" providerId="LiveId" clId="{3E18CC7B-CFC1-4E27-A1BD-24931C36162E}" dt="2026-02-07T17:21:59.467" v="829" actId="478"/>
+          <ac:spMkLst>
+            <pc:docMk/>
+            <pc:sldMk cId="2324117658" sldId="265"/>
+            <ac:spMk id="24" creationId="{6A2D64BC-76DD-09AA-169B-1A9F78FCB2A5}"/>
+          </ac:spMkLst>
+        </pc:spChg>
+        <pc:spChg chg="add mod">
+          <ac:chgData name="Or Forshmit" userId="7c842d5c4cf4431e" providerId="LiveId" clId="{3E18CC7B-CFC1-4E27-A1BD-24931C36162E}" dt="2026-02-07T17:23:35.906" v="963"/>
+          <ac:spMkLst>
+            <pc:docMk/>
+            <pc:sldMk cId="2324117658" sldId="265"/>
+            <ac:spMk id="25" creationId="{D0AFA6EC-0123-CCBF-A0A7-A6621FDC37BF}"/>
+          </ac:spMkLst>
+        </pc:spChg>
+        <pc:spChg chg="add del">
+          <ac:chgData name="Or Forshmit" userId="7c842d5c4cf4431e" providerId="LiveId" clId="{3E18CC7B-CFC1-4E27-A1BD-24931C36162E}" dt="2026-02-07T17:22:01.920" v="830" actId="478"/>
+          <ac:spMkLst>
+            <pc:docMk/>
+            <pc:sldMk cId="2324117658" sldId="265"/>
+            <ac:spMk id="26" creationId="{90B932F1-545B-565E-5370-54F99A77CFA4}"/>
+          </ac:spMkLst>
+        </pc:spChg>
+        <pc:spChg chg="add del">
+          <ac:chgData name="Or Forshmit" userId="7c842d5c4cf4431e" providerId="LiveId" clId="{3E18CC7B-CFC1-4E27-A1BD-24931C36162E}" dt="2026-02-07T17:21:51.972" v="800" actId="478"/>
+          <ac:spMkLst>
+            <pc:docMk/>
+            <pc:sldMk cId="2324117658" sldId="265"/>
+            <ac:spMk id="28" creationId="{01D2F801-6038-B6AA-5813-FD404F2650AD}"/>
+          </ac:spMkLst>
+        </pc:spChg>
+        <pc:spChg chg="add del mod">
+          <ac:chgData name="Or Forshmit" userId="7c842d5c4cf4431e" providerId="LiveId" clId="{3E18CC7B-CFC1-4E27-A1BD-24931C36162E}" dt="2026-02-07T17:29:22.141" v="1276" actId="478"/>
+          <ac:spMkLst>
+            <pc:docMk/>
+            <pc:sldMk cId="2324117658" sldId="265"/>
+            <ac:spMk id="34" creationId="{F0402292-08F5-03F2-5BAC-171CD47D894B}"/>
+          </ac:spMkLst>
+        </pc:spChg>
+        <pc:spChg chg="add del mod">
+          <ac:chgData name="Or Forshmit" userId="7c842d5c4cf4431e" providerId="LiveId" clId="{3E18CC7B-CFC1-4E27-A1BD-24931C36162E}" dt="2026-02-07T17:29:22.141" v="1276" actId="478"/>
+          <ac:spMkLst>
+            <pc:docMk/>
+            <pc:sldMk cId="2324117658" sldId="265"/>
+            <ac:spMk id="36" creationId="{AD97CC81-0550-BBC4-D66F-7208AB63D7FB}"/>
+          </ac:spMkLst>
+        </pc:spChg>
+        <pc:spChg chg="add del mod">
+          <ac:chgData name="Or Forshmit" userId="7c842d5c4cf4431e" providerId="LiveId" clId="{3E18CC7B-CFC1-4E27-A1BD-24931C36162E}" dt="2026-02-07T17:29:22.141" v="1276" actId="478"/>
+          <ac:spMkLst>
+            <pc:docMk/>
+            <pc:sldMk cId="2324117658" sldId="265"/>
+            <ac:spMk id="37" creationId="{3260568A-22BD-5BF3-D9CF-A3446EE8C301}"/>
+          </ac:spMkLst>
+        </pc:spChg>
+        <pc:spChg chg="add del mod">
+          <ac:chgData name="Or Forshmit" userId="7c842d5c4cf4431e" providerId="LiveId" clId="{3E18CC7B-CFC1-4E27-A1BD-24931C36162E}" dt="2026-02-07T17:29:22.141" v="1276" actId="478"/>
+          <ac:spMkLst>
+            <pc:docMk/>
+            <pc:sldMk cId="2324117658" sldId="265"/>
+            <ac:spMk id="38" creationId="{E95079D5-92BE-F50C-13DA-466BBABAFE90}"/>
+          </ac:spMkLst>
+        </pc:spChg>
+        <pc:spChg chg="add del mod">
+          <ac:chgData name="Or Forshmit" userId="7c842d5c4cf4431e" providerId="LiveId" clId="{3E18CC7B-CFC1-4E27-A1BD-24931C36162E}" dt="2026-02-07T17:29:22.141" v="1276" actId="478"/>
+          <ac:spMkLst>
+            <pc:docMk/>
+            <pc:sldMk cId="2324117658" sldId="265"/>
+            <ac:spMk id="39" creationId="{C5A56A6A-38F5-CB0F-C7E0-1DA7C2931E67}"/>
+          </ac:spMkLst>
+        </pc:spChg>
+        <pc:spChg chg="add del mod">
+          <ac:chgData name="Or Forshmit" userId="7c842d5c4cf4431e" providerId="LiveId" clId="{3E18CC7B-CFC1-4E27-A1BD-24931C36162E}" dt="2026-02-07T17:29:22.141" v="1276" actId="478"/>
+          <ac:spMkLst>
+            <pc:docMk/>
+            <pc:sldMk cId="2324117658" sldId="265"/>
+            <ac:spMk id="41" creationId="{8F98D6C1-471F-C53B-7490-8456802A0C86}"/>
+          </ac:spMkLst>
+        </pc:spChg>
+        <pc:spChg chg="add del mod">
+          <ac:chgData name="Or Forshmit" userId="7c842d5c4cf4431e" providerId="LiveId" clId="{3E18CC7B-CFC1-4E27-A1BD-24931C36162E}" dt="2026-02-07T17:29:22.141" v="1276" actId="478"/>
+          <ac:spMkLst>
+            <pc:docMk/>
+            <pc:sldMk cId="2324117658" sldId="265"/>
+            <ac:spMk id="42" creationId="{4ED8CAC0-E280-2066-0594-814106847DB2}"/>
+          </ac:spMkLst>
+        </pc:spChg>
+        <pc:spChg chg="add mod">
+          <ac:chgData name="Or Forshmit" userId="7c842d5c4cf4431e" providerId="LiveId" clId="{3E18CC7B-CFC1-4E27-A1BD-24931C36162E}" dt="2026-02-07T17:29:52.497" v="1307" actId="1076"/>
+          <ac:spMkLst>
+            <pc:docMk/>
+            <pc:sldMk cId="2324117658" sldId="265"/>
+            <ac:spMk id="75" creationId="{D4E26AFE-9C31-1B3E-A44C-74846B7D70D1}"/>
+          </ac:spMkLst>
+        </pc:spChg>
+        <pc:spChg chg="add mod">
+          <ac:chgData name="Or Forshmit" userId="7c842d5c4cf4431e" providerId="LiveId" clId="{3E18CC7B-CFC1-4E27-A1BD-24931C36162E}" dt="2026-02-07T17:29:52.497" v="1307" actId="1076"/>
+          <ac:spMkLst>
+            <pc:docMk/>
+            <pc:sldMk cId="2324117658" sldId="265"/>
+            <ac:spMk id="76" creationId="{67B878B3-F1DC-AD21-95CA-77785A5581F6}"/>
+          </ac:spMkLst>
+        </pc:spChg>
+        <pc:spChg chg="add mod">
+          <ac:chgData name="Or Forshmit" userId="7c842d5c4cf4431e" providerId="LiveId" clId="{3E18CC7B-CFC1-4E27-A1BD-24931C36162E}" dt="2026-02-07T17:31:53.884" v="1374" actId="1035"/>
+          <ac:spMkLst>
+            <pc:docMk/>
+            <pc:sldMk cId="2324117658" sldId="265"/>
+            <ac:spMk id="77" creationId="{68F0B5FE-5F6E-31AE-B635-883429E66515}"/>
+          </ac:spMkLst>
+        </pc:spChg>
+        <pc:spChg chg="add mod">
+          <ac:chgData name="Or Forshmit" userId="7c842d5c4cf4431e" providerId="LiveId" clId="{3E18CC7B-CFC1-4E27-A1BD-24931C36162E}" dt="2026-02-07T17:33:03.199" v="1393" actId="1076"/>
+          <ac:spMkLst>
+            <pc:docMk/>
+            <pc:sldMk cId="2324117658" sldId="265"/>
+            <ac:spMk id="78" creationId="{724FB962-68B8-2A56-DAC4-8813AE63EE1A}"/>
+          </ac:spMkLst>
+        </pc:spChg>
+        <pc:spChg chg="add mod">
+          <ac:chgData name="Or Forshmit" userId="7c842d5c4cf4431e" providerId="LiveId" clId="{3E18CC7B-CFC1-4E27-A1BD-24931C36162E}" dt="2026-02-07T17:31:58.263" v="1378" actId="1035"/>
+          <ac:spMkLst>
+            <pc:docMk/>
+            <pc:sldMk cId="2324117658" sldId="265"/>
+            <ac:spMk id="79" creationId="{1CD748E4-70E6-4BBA-945F-900B75C78ADF}"/>
+          </ac:spMkLst>
+        </pc:spChg>
+        <pc:spChg chg="add mod">
+          <ac:chgData name="Or Forshmit" userId="7c842d5c4cf4431e" providerId="LiveId" clId="{3E18CC7B-CFC1-4E27-A1BD-24931C36162E}" dt="2026-02-07T17:32:00.486" v="1380" actId="1035"/>
+          <ac:spMkLst>
+            <pc:docMk/>
+            <pc:sldMk cId="2324117658" sldId="265"/>
+            <ac:spMk id="80" creationId="{4D0C05A6-C662-1E8D-1F44-BE928ECF11A9}"/>
+          </ac:spMkLst>
+        </pc:spChg>
+        <pc:spChg chg="add mod">
+          <ac:chgData name="Or Forshmit" userId="7c842d5c4cf4431e" providerId="LiveId" clId="{3E18CC7B-CFC1-4E27-A1BD-24931C36162E}" dt="2026-02-07T17:32:02.783" v="1382" actId="1035"/>
+          <ac:spMkLst>
+            <pc:docMk/>
+            <pc:sldMk cId="2324117658" sldId="265"/>
+            <ac:spMk id="81" creationId="{89534695-B330-C5D7-D273-FA6CC6D6F04D}"/>
+          </ac:spMkLst>
+        </pc:spChg>
+        <pc:cxnChg chg="mod">
+          <ac:chgData name="Or Forshmit" userId="7c842d5c4cf4431e" providerId="LiveId" clId="{3E18CC7B-CFC1-4E27-A1BD-24931C36162E}" dt="2026-02-07T17:23:05.285" v="952" actId="1037"/>
+          <ac:cxnSpMkLst>
+            <pc:docMk/>
+            <pc:sldMk cId="2324117658" sldId="265"/>
+            <ac:cxnSpMk id="2" creationId="{88A0F7D6-248C-0D9E-27DF-88580BEB44C0}"/>
+          </ac:cxnSpMkLst>
+        </pc:cxnChg>
+        <pc:cxnChg chg="del">
+          <ac:chgData name="Or Forshmit" userId="7c842d5c4cf4431e" providerId="LiveId" clId="{3E18CC7B-CFC1-4E27-A1BD-24931C36162E}" dt="2026-02-07T17:21:51.972" v="800" actId="478"/>
+          <ac:cxnSpMkLst>
+            <pc:docMk/>
+            <pc:sldMk cId="2324117658" sldId="265"/>
+            <ac:cxnSpMk id="6" creationId="{A446FEE9-8DFC-131B-8E2F-72994B57AB86}"/>
+          </ac:cxnSpMkLst>
+        </pc:cxnChg>
+        <pc:cxnChg chg="add del">
+          <ac:chgData name="Or Forshmit" userId="7c842d5c4cf4431e" providerId="LiveId" clId="{3E18CC7B-CFC1-4E27-A1BD-24931C36162E}" dt="2026-02-07T17:21:51.972" v="800" actId="478"/>
+          <ac:cxnSpMkLst>
+            <pc:docMk/>
+            <pc:sldMk cId="2324117658" sldId="265"/>
+            <ac:cxnSpMk id="10" creationId="{1870926D-F822-0CA3-30BA-24D2F9718F6A}"/>
+          </ac:cxnSpMkLst>
+        </pc:cxnChg>
+        <pc:cxnChg chg="del">
+          <ac:chgData name="Or Forshmit" userId="7c842d5c4cf4431e" providerId="LiveId" clId="{3E18CC7B-CFC1-4E27-A1BD-24931C36162E}" dt="2026-02-07T17:21:51.972" v="800" actId="478"/>
+          <ac:cxnSpMkLst>
+            <pc:docMk/>
+            <pc:sldMk cId="2324117658" sldId="265"/>
+            <ac:cxnSpMk id="15" creationId="{45B223B0-7728-2DD1-8146-288E7ED5843C}"/>
+          </ac:cxnSpMkLst>
+        </pc:cxnChg>
+        <pc:cxnChg chg="add del mod">
+          <ac:chgData name="Or Forshmit" userId="7c842d5c4cf4431e" providerId="LiveId" clId="{3E18CC7B-CFC1-4E27-A1BD-24931C36162E}" dt="2026-02-07T17:23:05.285" v="952" actId="1037"/>
+          <ac:cxnSpMkLst>
+            <pc:docMk/>
+            <pc:sldMk cId="2324117658" sldId="265"/>
+            <ac:cxnSpMk id="19" creationId="{1FA847F1-B70E-120F-2BF0-EC45ED98EADE}"/>
+          </ac:cxnSpMkLst>
+        </pc:cxnChg>
+        <pc:cxnChg chg="add del">
+          <ac:chgData name="Or Forshmit" userId="7c842d5c4cf4431e" providerId="LiveId" clId="{3E18CC7B-CFC1-4E27-A1BD-24931C36162E}" dt="2026-02-07T17:21:51.972" v="800" actId="478"/>
+          <ac:cxnSpMkLst>
+            <pc:docMk/>
+            <pc:sldMk cId="2324117658" sldId="265"/>
+            <ac:cxnSpMk id="23" creationId="{48D710C3-6D70-3C6B-6F70-0AA3B0512690}"/>
+          </ac:cxnSpMkLst>
+        </pc:cxnChg>
+        <pc:cxnChg chg="add del">
+          <ac:chgData name="Or Forshmit" userId="7c842d5c4cf4431e" providerId="LiveId" clId="{3E18CC7B-CFC1-4E27-A1BD-24931C36162E}" dt="2026-02-07T17:21:51.972" v="800" actId="478"/>
+          <ac:cxnSpMkLst>
+            <pc:docMk/>
+            <pc:sldMk cId="2324117658" sldId="265"/>
+            <ac:cxnSpMk id="29" creationId="{2C1E3CDF-99D6-1726-C6E5-08011A551D64}"/>
+          </ac:cxnSpMkLst>
+        </pc:cxnChg>
+        <pc:cxnChg chg="add mod">
+          <ac:chgData name="Or Forshmit" userId="7c842d5c4cf4431e" providerId="LiveId" clId="{3E18CC7B-CFC1-4E27-A1BD-24931C36162E}" dt="2026-02-07T17:24:15.743" v="978" actId="692"/>
+          <ac:cxnSpMkLst>
+            <pc:docMk/>
+            <pc:sldMk cId="2324117658" sldId="265"/>
+            <ac:cxnSpMk id="30" creationId="{EF5BA9AD-69E3-30C6-454B-0E3CFFF2C056}"/>
+          </ac:cxnSpMkLst>
+        </pc:cxnChg>
+        <pc:cxnChg chg="add mod">
+          <ac:chgData name="Or Forshmit" userId="7c842d5c4cf4431e" providerId="LiveId" clId="{3E18CC7B-CFC1-4E27-A1BD-24931C36162E}" dt="2026-02-07T17:31:07.308" v="1342" actId="1037"/>
+          <ac:cxnSpMkLst>
+            <pc:docMk/>
+            <pc:sldMk cId="2324117658" sldId="265"/>
+            <ac:cxnSpMk id="31" creationId="{7C700307-E07B-E3E1-BA21-35E26D7ADCFD}"/>
+          </ac:cxnSpMkLst>
+        </pc:cxnChg>
+        <pc:cxnChg chg="add del">
+          <ac:chgData name="Or Forshmit" userId="7c842d5c4cf4431e" providerId="LiveId" clId="{3E18CC7B-CFC1-4E27-A1BD-24931C36162E}" dt="2026-02-07T17:21:51.972" v="800" actId="478"/>
+          <ac:cxnSpMkLst>
+            <pc:docMk/>
+            <pc:sldMk cId="2324117658" sldId="265"/>
+            <ac:cxnSpMk id="32" creationId="{453F85D6-C558-7938-8C42-61BB88FB6C9F}"/>
+          </ac:cxnSpMkLst>
+        </pc:cxnChg>
+        <pc:cxnChg chg="add mod">
+          <ac:chgData name="Or Forshmit" userId="7c842d5c4cf4431e" providerId="LiveId" clId="{3E18CC7B-CFC1-4E27-A1BD-24931C36162E}" dt="2026-02-07T17:31:50.027" v="1372" actId="14100"/>
+          <ac:cxnSpMkLst>
+            <pc:docMk/>
+            <pc:sldMk cId="2324117658" sldId="265"/>
+            <ac:cxnSpMk id="33" creationId="{AF75C312-3271-2277-A675-CF392705561B}"/>
+          </ac:cxnSpMkLst>
+        </pc:cxnChg>
+        <pc:cxnChg chg="del">
+          <ac:chgData name="Or Forshmit" userId="7c842d5c4cf4431e" providerId="LiveId" clId="{3E18CC7B-CFC1-4E27-A1BD-24931C36162E}" dt="2026-02-07T17:21:51.972" v="800" actId="478"/>
+          <ac:cxnSpMkLst>
+            <pc:docMk/>
+            <pc:sldMk cId="2324117658" sldId="265"/>
+            <ac:cxnSpMk id="35" creationId="{9A1DB54F-1AFB-4442-EEBB-802328168074}"/>
+          </ac:cxnSpMkLst>
+        </pc:cxnChg>
+        <pc:cxnChg chg="add del">
+          <ac:chgData name="Or Forshmit" userId="7c842d5c4cf4431e" providerId="LiveId" clId="{3E18CC7B-CFC1-4E27-A1BD-24931C36162E}" dt="2026-02-07T17:21:51.972" v="800" actId="478"/>
+          <ac:cxnSpMkLst>
+            <pc:docMk/>
+            <pc:sldMk cId="2324117658" sldId="265"/>
+            <ac:cxnSpMk id="40" creationId="{65A67638-5788-8C46-03F3-43BEADF8ACE8}"/>
+          </ac:cxnSpMkLst>
+        </pc:cxnChg>
+        <pc:cxnChg chg="add mod">
+          <ac:chgData name="Or Forshmit" userId="7c842d5c4cf4431e" providerId="LiveId" clId="{3E18CC7B-CFC1-4E27-A1BD-24931C36162E}" dt="2026-02-07T17:25:50.669" v="1109" actId="1582"/>
+          <ac:cxnSpMkLst>
+            <pc:docMk/>
+            <pc:sldMk cId="2324117658" sldId="265"/>
+            <ac:cxnSpMk id="44" creationId="{5A175133-F3AC-67CA-5211-F92160658458}"/>
+          </ac:cxnSpMkLst>
+        </pc:cxnChg>
+        <pc:cxnChg chg="add del mod">
+          <ac:chgData name="Or Forshmit" userId="7c842d5c4cf4431e" providerId="LiveId" clId="{3E18CC7B-CFC1-4E27-A1BD-24931C36162E}" dt="2026-02-07T17:25:27.812" v="1105" actId="478"/>
+          <ac:cxnSpMkLst>
+            <pc:docMk/>
+            <pc:sldMk cId="2324117658" sldId="265"/>
+            <ac:cxnSpMk id="45" creationId="{352378A9-5508-8013-651A-CE0B04EA62CB}"/>
+          </ac:cxnSpMkLst>
+        </pc:cxnChg>
+        <pc:cxnChg chg="add del mod">
+          <ac:chgData name="Or Forshmit" userId="7c842d5c4cf4431e" providerId="LiveId" clId="{3E18CC7B-CFC1-4E27-A1BD-24931C36162E}" dt="2026-02-07T17:25:26.632" v="1104" actId="478"/>
+          <ac:cxnSpMkLst>
+            <pc:docMk/>
+            <pc:sldMk cId="2324117658" sldId="265"/>
+            <ac:cxnSpMk id="49" creationId="{4911C97B-DA68-1AB8-6F13-E41D2CA26703}"/>
+          </ac:cxnSpMkLst>
+        </pc:cxnChg>
+        <pc:cxnChg chg="add del mod">
+          <ac:chgData name="Or Forshmit" userId="7c842d5c4cf4431e" providerId="LiveId" clId="{3E18CC7B-CFC1-4E27-A1BD-24931C36162E}" dt="2026-02-07T17:25:25.737" v="1103" actId="478"/>
+          <ac:cxnSpMkLst>
+            <pc:docMk/>
+            <pc:sldMk cId="2324117658" sldId="265"/>
+            <ac:cxnSpMk id="51" creationId="{8A5D2FB9-EE09-42BB-090D-B3076210F6C3}"/>
+          </ac:cxnSpMkLst>
+        </pc:cxnChg>
+        <pc:cxnChg chg="add mod">
+          <ac:chgData name="Or Forshmit" userId="7c842d5c4cf4431e" providerId="LiveId" clId="{3E18CC7B-CFC1-4E27-A1BD-24931C36162E}" dt="2026-02-07T17:26:06.981" v="1114" actId="14100"/>
+          <ac:cxnSpMkLst>
+            <pc:docMk/>
+            <pc:sldMk cId="2324117658" sldId="265"/>
+            <ac:cxnSpMk id="54" creationId="{A364B66C-438C-80C4-CA8D-6039E2F33217}"/>
+          </ac:cxnSpMkLst>
+        </pc:cxnChg>
+        <pc:cxnChg chg="add mod">
+          <ac:chgData name="Or Forshmit" userId="7c842d5c4cf4431e" providerId="LiveId" clId="{3E18CC7B-CFC1-4E27-A1BD-24931C36162E}" dt="2026-02-07T17:26:10.463" v="1115" actId="14100"/>
+          <ac:cxnSpMkLst>
+            <pc:docMk/>
+            <pc:sldMk cId="2324117658" sldId="265"/>
+            <ac:cxnSpMk id="57" creationId="{C704FEE2-59DB-7FB6-A5E8-4891042693D0}"/>
+          </ac:cxnSpMkLst>
+        </pc:cxnChg>
+        <pc:cxnChg chg="add mod">
+          <ac:chgData name="Or Forshmit" userId="7c842d5c4cf4431e" providerId="LiveId" clId="{3E18CC7B-CFC1-4E27-A1BD-24931C36162E}" dt="2026-02-07T17:26:22.162" v="1121" actId="14100"/>
+          <ac:cxnSpMkLst>
+            <pc:docMk/>
+            <pc:sldMk cId="2324117658" sldId="265"/>
+            <ac:cxnSpMk id="60" creationId="{6C760492-6117-1962-DE3F-FA1E91EA8806}"/>
+          </ac:cxnSpMkLst>
+        </pc:cxnChg>
+        <pc:cxnChg chg="add mod">
+          <ac:chgData name="Or Forshmit" userId="7c842d5c4cf4431e" providerId="LiveId" clId="{3E18CC7B-CFC1-4E27-A1BD-24931C36162E}" dt="2026-02-07T17:26:25.630" v="1122" actId="14100"/>
+          <ac:cxnSpMkLst>
+            <pc:docMk/>
+            <pc:sldMk cId="2324117658" sldId="265"/>
+            <ac:cxnSpMk id="63" creationId="{6EAAD70F-B93D-7DE9-CB4D-1F76E7F2671B}"/>
+          </ac:cxnSpMkLst>
+        </pc:cxnChg>
+        <pc:cxnChg chg="add mod">
+          <ac:chgData name="Or Forshmit" userId="7c842d5c4cf4431e" providerId="LiveId" clId="{3E18CC7B-CFC1-4E27-A1BD-24931C36162E}" dt="2026-02-07T17:26:35.748" v="1127" actId="14100"/>
+          <ac:cxnSpMkLst>
+            <pc:docMk/>
+            <pc:sldMk cId="2324117658" sldId="265"/>
+            <ac:cxnSpMk id="66" creationId="{6DF51045-35B6-935A-3FAD-4D8399592698}"/>
+          </ac:cxnSpMkLst>
+        </pc:cxnChg>
+        <pc:cxnChg chg="add mod">
+          <ac:chgData name="Or Forshmit" userId="7c842d5c4cf4431e" providerId="LiveId" clId="{3E18CC7B-CFC1-4E27-A1BD-24931C36162E}" dt="2026-02-07T17:26:49.252" v="1131" actId="14100"/>
+          <ac:cxnSpMkLst>
+            <pc:docMk/>
+            <pc:sldMk cId="2324117658" sldId="265"/>
+            <ac:cxnSpMk id="70" creationId="{8803989A-153D-6A2F-F328-E55EB49B798F}"/>
+          </ac:cxnSpMkLst>
+        </pc:cxnChg>
+        <pc:cxnChg chg="add mod">
+          <ac:chgData name="Or Forshmit" userId="7c842d5c4cf4431e" providerId="LiveId" clId="{3E18CC7B-CFC1-4E27-A1BD-24931C36162E}" dt="2026-02-07T17:31:19.890" v="1347" actId="14100"/>
+          <ac:cxnSpMkLst>
+            <pc:docMk/>
+            <pc:sldMk cId="2324117658" sldId="265"/>
+            <ac:cxnSpMk id="84" creationId="{0D620BAD-75B6-5056-EFA4-DE8C0DB6B4C1}"/>
+          </ac:cxnSpMkLst>
+        </pc:cxnChg>
+        <pc:cxnChg chg="add mod">
+          <ac:chgData name="Or Forshmit" userId="7c842d5c4cf4431e" providerId="LiveId" clId="{3E18CC7B-CFC1-4E27-A1BD-24931C36162E}" dt="2026-02-07T17:31:32.757" v="1363" actId="14100"/>
+          <ac:cxnSpMkLst>
+            <pc:docMk/>
+            <pc:sldMk cId="2324117658" sldId="265"/>
+            <ac:cxnSpMk id="88" creationId="{643BCDEC-FCEC-23B4-E211-0C5B5B5FA82B}"/>
+          </ac:cxnSpMkLst>
+        </pc:cxnChg>
+        <pc:cxnChg chg="add mod">
+          <ac:chgData name="Or Forshmit" userId="7c842d5c4cf4431e" providerId="LiveId" clId="{3E18CC7B-CFC1-4E27-A1BD-24931C36162E}" dt="2026-02-07T17:33:30.851" v="1397" actId="14100"/>
+          <ac:cxnSpMkLst>
+            <pc:docMk/>
+            <pc:sldMk cId="2324117658" sldId="265"/>
+            <ac:cxnSpMk id="92" creationId="{7D67A23A-8153-DCC5-112D-DECCF28D7185}"/>
+          </ac:cxnSpMkLst>
+        </pc:cxnChg>
+        <pc:cxnChg chg="add del mod">
+          <ac:chgData name="Or Forshmit" userId="7c842d5c4cf4431e" providerId="LiveId" clId="{3E18CC7B-CFC1-4E27-A1BD-24931C36162E}" dt="2026-02-07T17:33:06.505" v="1395" actId="478"/>
+          <ac:cxnSpMkLst>
+            <pc:docMk/>
+            <pc:sldMk cId="2324117658" sldId="265"/>
+            <ac:cxnSpMk id="93" creationId="{9E6D5C52-CDCD-4ADC-0485-AA06DDDCA0C5}"/>
+          </ac:cxnSpMkLst>
+        </pc:cxnChg>
+        <pc:cxnChg chg="add del mod">
+          <ac:chgData name="Or Forshmit" userId="7c842d5c4cf4431e" providerId="LiveId" clId="{3E18CC7B-CFC1-4E27-A1BD-24931C36162E}" dt="2026-02-07T17:32:57.617" v="1390" actId="478"/>
+          <ac:cxnSpMkLst>
+            <pc:docMk/>
+            <pc:sldMk cId="2324117658" sldId="265"/>
+            <ac:cxnSpMk id="94" creationId="{22D550E4-38C2-6E44-7922-D071AEBDF3CA}"/>
+          </ac:cxnSpMkLst>
+        </pc:cxnChg>
+        <pc:cxnChg chg="add del mod">
+          <ac:chgData name="Or Forshmit" userId="7c842d5c4cf4431e" providerId="LiveId" clId="{3E18CC7B-CFC1-4E27-A1BD-24931C36162E}" dt="2026-02-07T17:32:57.617" v="1390" actId="478"/>
+          <ac:cxnSpMkLst>
+            <pc:docMk/>
+            <pc:sldMk cId="2324117658" sldId="265"/>
+            <ac:cxnSpMk id="95" creationId="{B7653DD8-587B-964E-0294-C0892D0C4F45}"/>
+          </ac:cxnSpMkLst>
+        </pc:cxnChg>
+        <pc:cxnChg chg="add del mod">
+          <ac:chgData name="Or Forshmit" userId="7c842d5c4cf4431e" providerId="LiveId" clId="{3E18CC7B-CFC1-4E27-A1BD-24931C36162E}" dt="2026-02-07T17:32:57.617" v="1390" actId="478"/>
+          <ac:cxnSpMkLst>
+            <pc:docMk/>
+            <pc:sldMk cId="2324117658" sldId="265"/>
+            <ac:cxnSpMk id="96" creationId="{899568BD-B288-B350-1E70-52A73D9AC412}"/>
+          </ac:cxnSpMkLst>
+        </pc:cxnChg>
+        <pc:cxnChg chg="add mod">
+          <ac:chgData name="Or Forshmit" userId="7c842d5c4cf4431e" providerId="LiveId" clId="{3E18CC7B-CFC1-4E27-A1BD-24931C36162E}" dt="2026-02-07T17:33:03.773" v="1394"/>
+          <ac:cxnSpMkLst>
+            <pc:docMk/>
+            <pc:sldMk cId="2324117658" sldId="265"/>
+            <ac:cxnSpMk id="106" creationId="{393D2C4D-C33D-DD50-ED4A-C17E10207351}"/>
+          </ac:cxnSpMkLst>
+        </pc:cxnChg>
+        <pc:cxnChg chg="add mod">
+          <ac:chgData name="Or Forshmit" userId="7c842d5c4cf4431e" providerId="LiveId" clId="{3E18CC7B-CFC1-4E27-A1BD-24931C36162E}" dt="2026-02-07T17:33:41.756" v="1402" actId="14100"/>
+          <ac:cxnSpMkLst>
+            <pc:docMk/>
+            <pc:sldMk cId="2324117658" sldId="265"/>
+            <ac:cxnSpMk id="109" creationId="{15DA7AF0-AEAF-2084-E767-FA66813A4A28}"/>
+          </ac:cxnSpMkLst>
+        </pc:cxnChg>
+        <pc:cxnChg chg="add mod">
+          <ac:chgData name="Or Forshmit" userId="7c842d5c4cf4431e" providerId="LiveId" clId="{3E18CC7B-CFC1-4E27-A1BD-24931C36162E}" dt="2026-02-07T17:33:59.829" v="1408" actId="14100"/>
+          <ac:cxnSpMkLst>
+            <pc:docMk/>
+            <pc:sldMk cId="2324117658" sldId="265"/>
+            <ac:cxnSpMk id="113" creationId="{DC99AA7F-BA9E-F065-6C85-7F1D6D31170F}"/>
+          </ac:cxnSpMkLst>
+        </pc:cxnChg>
+        <pc:cxnChg chg="add mod">
+          <ac:chgData name="Or Forshmit" userId="7c842d5c4cf4431e" providerId="LiveId" clId="{3E18CC7B-CFC1-4E27-A1BD-24931C36162E}" dt="2026-02-07T17:34:05.743" v="1411" actId="14100"/>
+          <ac:cxnSpMkLst>
+            <pc:docMk/>
+            <pc:sldMk cId="2324117658" sldId="265"/>
+            <ac:cxnSpMk id="117" creationId="{8713838C-D6F8-BD56-1B2E-0F7440BD2143}"/>
+          </ac:cxnSpMkLst>
+        </pc:cxnChg>
+        <pc:cxnChg chg="add mod">
+          <ac:chgData name="Or Forshmit" userId="7c842d5c4cf4431e" providerId="LiveId" clId="{3E18CC7B-CFC1-4E27-A1BD-24931C36162E}" dt="2026-02-07T17:34:14.347" v="1416" actId="14100"/>
+          <ac:cxnSpMkLst>
+            <pc:docMk/>
+            <pc:sldMk cId="2324117658" sldId="265"/>
+            <ac:cxnSpMk id="122" creationId="{A950FCC1-2B43-75F1-0411-FE631167A130}"/>
           </ac:cxnSpMkLst>
         </pc:cxnChg>
       </pc:sldChg>
@@ -1282,7 +1578,7 @@
           <a:p>
             <a:fld id="{45E6FCBF-32B6-47D0-9AE4-AC041F07E2DD}" type="datetimeFigureOut">
               <a:rPr lang="en-GB" smtClean="0"/>
-              <a:t>04/02/2026</a:t>
+              <a:t>07/02/2026</a:t>
             </a:fld>
             <a:endParaRPr lang="en-GB"/>
           </a:p>
@@ -1638,6 +1934,118 @@
 </p:notes>
 </file>
 
+<file path=ppt/notesSlides/notesSlide10.xml><?xml version="1.0" encoding="utf-8"?>
+<p:notes xmlns:a="http://schemas.openxmlformats.org/drawingml/2006/main" xmlns:r="http://schemas.openxmlformats.org/officeDocument/2006/relationships" xmlns:p="http://schemas.openxmlformats.org/presentationml/2006/main">
+  <p:cSld>
+    <p:spTree>
+      <p:nvGrpSpPr>
+        <p:cNvPr id="1" name="">
+          <a:extLst>
+            <a:ext uri="{FF2B5EF4-FFF2-40B4-BE49-F238E27FC236}">
+              <a16:creationId xmlns:a16="http://schemas.microsoft.com/office/drawing/2014/main" id="{5509F8FF-CA98-E2CB-3023-F3666BEBB709}"/>
+            </a:ext>
+          </a:extLst>
+        </p:cNvPr>
+        <p:cNvGrpSpPr/>
+        <p:nvPr/>
+      </p:nvGrpSpPr>
+      <p:grpSpPr>
+        <a:xfrm>
+          <a:off x="0" y="0"/>
+          <a:ext cx="0" cy="0"/>
+          <a:chOff x="0" y="0"/>
+          <a:chExt cx="0" cy="0"/>
+        </a:xfrm>
+      </p:grpSpPr>
+      <p:sp>
+        <p:nvSpPr>
+          <p:cNvPr id="2" name="Slide Image Placeholder 1">
+            <a:extLst>
+              <a:ext uri="{FF2B5EF4-FFF2-40B4-BE49-F238E27FC236}">
+                <a16:creationId xmlns:a16="http://schemas.microsoft.com/office/drawing/2014/main" id="{8C0E8BC6-C921-C4AC-C305-EE6E1B222AC3}"/>
+              </a:ext>
+            </a:extLst>
+          </p:cNvPr>
+          <p:cNvSpPr>
+            <a:spLocks noGrp="1" noRot="1" noChangeAspect="1"/>
+          </p:cNvSpPr>
+          <p:nvPr>
+            <p:ph type="sldImg"/>
+          </p:nvPr>
+        </p:nvSpPr>
+        <p:spPr/>
+      </p:sp>
+      <p:sp>
+        <p:nvSpPr>
+          <p:cNvPr id="3" name="Notes Placeholder 2">
+            <a:extLst>
+              <a:ext uri="{FF2B5EF4-FFF2-40B4-BE49-F238E27FC236}">
+                <a16:creationId xmlns:a16="http://schemas.microsoft.com/office/drawing/2014/main" id="{76880915-4990-B25A-AC67-E3A80730DFEC}"/>
+              </a:ext>
+            </a:extLst>
+          </p:cNvPr>
+          <p:cNvSpPr>
+            <a:spLocks noGrp="1"/>
+          </p:cNvSpPr>
+          <p:nvPr>
+            <p:ph type="body" idx="1"/>
+          </p:nvPr>
+        </p:nvSpPr>
+        <p:spPr/>
+        <p:txBody>
+          <a:bodyPr/>
+          <a:lstStyle/>
+          <a:p>
+            <a:r>
+              <a:rPr lang="he-IL" dirty="0"/>
+              <a:t>הרצאה 12 – שקף 24 – 01:09</a:t>
+            </a:r>
+            <a:endParaRPr lang="en-IL" dirty="0"/>
+          </a:p>
+        </p:txBody>
+      </p:sp>
+      <p:sp>
+        <p:nvSpPr>
+          <p:cNvPr id="4" name="Slide Number Placeholder 3">
+            <a:extLst>
+              <a:ext uri="{FF2B5EF4-FFF2-40B4-BE49-F238E27FC236}">
+                <a16:creationId xmlns:a16="http://schemas.microsoft.com/office/drawing/2014/main" id="{576A0237-DA57-62CC-C8D9-96E787FF9D8F}"/>
+              </a:ext>
+            </a:extLst>
+          </p:cNvPr>
+          <p:cNvSpPr>
+            <a:spLocks noGrp="1"/>
+          </p:cNvSpPr>
+          <p:nvPr>
+            <p:ph type="sldNum" sz="quarter" idx="5"/>
+          </p:nvPr>
+        </p:nvSpPr>
+        <p:spPr/>
+        <p:txBody>
+          <a:bodyPr/>
+          <a:lstStyle/>
+          <a:p>
+            <a:fld id="{DD82491D-C4AE-4DEA-AA61-27B830F6AD43}" type="slidenum">
+              <a:rPr lang="en-GB" smtClean="0"/>
+              <a:t>10</a:t>
+            </a:fld>
+            <a:endParaRPr lang="en-GB"/>
+          </a:p>
+        </p:txBody>
+      </p:sp>
+    </p:spTree>
+    <p:extLst>
+      <p:ext uri="{BB962C8B-B14F-4D97-AF65-F5344CB8AC3E}">
+        <p14:creationId xmlns:p14="http://schemas.microsoft.com/office/powerpoint/2010/main" val="1244251353"/>
+      </p:ext>
+    </p:extLst>
+  </p:cSld>
+  <p:clrMapOvr>
+    <a:masterClrMapping/>
+  </p:clrMapOvr>
+</p:notes>
+</file>
+
 <file path=ppt/notesSlides/notesSlide2.xml><?xml version="1.0" encoding="utf-8"?>
 <p:notes xmlns:a="http://schemas.openxmlformats.org/drawingml/2006/main" xmlns:r="http://schemas.openxmlformats.org/officeDocument/2006/relationships" xmlns:p="http://schemas.openxmlformats.org/presentationml/2006/main">
   <p:cSld>
@@ -2635,7 +3043,7 @@
           <a:p>
             <a:fld id="{94F658A5-19D4-4454-889E-14DA804222B5}" type="datetimeFigureOut">
               <a:rPr lang="en-GB" smtClean="0"/>
-              <a:t>04/02/2026</a:t>
+              <a:t>07/02/2026</a:t>
             </a:fld>
             <a:endParaRPr lang="en-GB"/>
           </a:p>
@@ -2835,7 +3243,7 @@
           <a:p>
             <a:fld id="{94F658A5-19D4-4454-889E-14DA804222B5}" type="datetimeFigureOut">
               <a:rPr lang="en-GB" smtClean="0"/>
-              <a:t>04/02/2026</a:t>
+              <a:t>07/02/2026</a:t>
             </a:fld>
             <a:endParaRPr lang="en-GB"/>
           </a:p>
@@ -3045,7 +3453,7 @@
           <a:p>
             <a:fld id="{94F658A5-19D4-4454-889E-14DA804222B5}" type="datetimeFigureOut">
               <a:rPr lang="en-GB" smtClean="0"/>
-              <a:t>04/02/2026</a:t>
+              <a:t>07/02/2026</a:t>
             </a:fld>
             <a:endParaRPr lang="en-GB"/>
           </a:p>
@@ -3245,7 +3653,7 @@
           <a:p>
             <a:fld id="{94F658A5-19D4-4454-889E-14DA804222B5}" type="datetimeFigureOut">
               <a:rPr lang="en-GB" smtClean="0"/>
-              <a:t>04/02/2026</a:t>
+              <a:t>07/02/2026</a:t>
             </a:fld>
             <a:endParaRPr lang="en-GB"/>
           </a:p>
@@ -3521,7 +3929,7 @@
           <a:p>
             <a:fld id="{94F658A5-19D4-4454-889E-14DA804222B5}" type="datetimeFigureOut">
               <a:rPr lang="en-GB" smtClean="0"/>
-              <a:t>04/02/2026</a:t>
+              <a:t>07/02/2026</a:t>
             </a:fld>
             <a:endParaRPr lang="en-GB"/>
           </a:p>
@@ -3789,7 +4197,7 @@
           <a:p>
             <a:fld id="{94F658A5-19D4-4454-889E-14DA804222B5}" type="datetimeFigureOut">
               <a:rPr lang="en-GB" smtClean="0"/>
-              <a:t>04/02/2026</a:t>
+              <a:t>07/02/2026</a:t>
             </a:fld>
             <a:endParaRPr lang="en-GB"/>
           </a:p>
@@ -4204,7 +4612,7 @@
           <a:p>
             <a:fld id="{94F658A5-19D4-4454-889E-14DA804222B5}" type="datetimeFigureOut">
               <a:rPr lang="en-GB" smtClean="0"/>
-              <a:t>04/02/2026</a:t>
+              <a:t>07/02/2026</a:t>
             </a:fld>
             <a:endParaRPr lang="en-GB"/>
           </a:p>
@@ -4346,7 +4754,7 @@
           <a:p>
             <a:fld id="{94F658A5-19D4-4454-889E-14DA804222B5}" type="datetimeFigureOut">
               <a:rPr lang="en-GB" smtClean="0"/>
-              <a:t>04/02/2026</a:t>
+              <a:t>07/02/2026</a:t>
             </a:fld>
             <a:endParaRPr lang="en-GB"/>
           </a:p>
@@ -4459,7 +4867,7 @@
           <a:p>
             <a:fld id="{94F658A5-19D4-4454-889E-14DA804222B5}" type="datetimeFigureOut">
               <a:rPr lang="en-GB" smtClean="0"/>
-              <a:t>04/02/2026</a:t>
+              <a:t>07/02/2026</a:t>
             </a:fld>
             <a:endParaRPr lang="en-GB"/>
           </a:p>
@@ -4772,7 +5180,7 @@
           <a:p>
             <a:fld id="{94F658A5-19D4-4454-889E-14DA804222B5}" type="datetimeFigureOut">
               <a:rPr lang="en-GB" smtClean="0"/>
-              <a:t>04/02/2026</a:t>
+              <a:t>07/02/2026</a:t>
             </a:fld>
             <a:endParaRPr lang="en-GB"/>
           </a:p>
@@ -5061,7 +5469,7 @@
           <a:p>
             <a:fld id="{94F658A5-19D4-4454-889E-14DA804222B5}" type="datetimeFigureOut">
               <a:rPr lang="en-GB" smtClean="0"/>
-              <a:t>04/02/2026</a:t>
+              <a:t>07/02/2026</a:t>
             </a:fld>
             <a:endParaRPr lang="en-GB"/>
           </a:p>
@@ -5304,7 +5712,7 @@
           <a:p>
             <a:fld id="{94F658A5-19D4-4454-889E-14DA804222B5}" type="datetimeFigureOut">
               <a:rPr lang="en-GB" smtClean="0"/>
-              <a:t>04/02/2026</a:t>
+              <a:t>07/02/2026</a:t>
             </a:fld>
             <a:endParaRPr lang="en-GB"/>
           </a:p>
@@ -6008,6 +6416,1632 @@
 </p:sld>
 </file>
 
+<file path=ppt/slides/slide10.xml><?xml version="1.0" encoding="utf-8"?>
+<p:sld xmlns:a="http://schemas.openxmlformats.org/drawingml/2006/main" xmlns:r="http://schemas.openxmlformats.org/officeDocument/2006/relationships" xmlns:p="http://schemas.openxmlformats.org/presentationml/2006/main">
+  <p:cSld>
+    <p:spTree>
+      <p:nvGrpSpPr>
+        <p:cNvPr id="1" name="">
+          <a:extLst>
+            <a:ext uri="{FF2B5EF4-FFF2-40B4-BE49-F238E27FC236}">
+              <a16:creationId xmlns:a16="http://schemas.microsoft.com/office/drawing/2014/main" id="{8FACBC04-4BB6-FD12-772F-011CAD677A62}"/>
+            </a:ext>
+          </a:extLst>
+        </p:cNvPr>
+        <p:cNvGrpSpPr/>
+        <p:nvPr/>
+      </p:nvGrpSpPr>
+      <p:grpSpPr>
+        <a:xfrm>
+          <a:off x="0" y="0"/>
+          <a:ext cx="0" cy="0"/>
+          <a:chOff x="0" y="0"/>
+          <a:chExt cx="0" cy="0"/>
+        </a:xfrm>
+      </p:grpSpPr>
+      <p:cxnSp>
+        <p:nvCxnSpPr>
+          <p:cNvPr id="2" name="Straight Arrow Connector 1">
+            <a:extLst>
+              <a:ext uri="{FF2B5EF4-FFF2-40B4-BE49-F238E27FC236}">
+                <a16:creationId xmlns:a16="http://schemas.microsoft.com/office/drawing/2014/main" id="{88A0F7D6-248C-0D9E-27DF-88580BEB44C0}"/>
+              </a:ext>
+            </a:extLst>
+          </p:cNvPr>
+          <p:cNvCxnSpPr>
+            <a:cxnSpLocks/>
+          </p:cNvCxnSpPr>
+          <p:nvPr/>
+        </p:nvCxnSpPr>
+        <p:spPr>
+          <a:xfrm flipV="1">
+            <a:off x="1001482" y="2220686"/>
+            <a:ext cx="0" cy="2509157"/>
+          </a:xfrm>
+          <a:prstGeom prst="straightConnector1">
+            <a:avLst/>
+          </a:prstGeom>
+          <a:ln w="38100">
+            <a:tailEnd type="triangle"/>
+          </a:ln>
+        </p:spPr>
+        <p:style>
+          <a:lnRef idx="2">
+            <a:schemeClr val="dk1"/>
+          </a:lnRef>
+          <a:fillRef idx="0">
+            <a:schemeClr val="dk1"/>
+          </a:fillRef>
+          <a:effectRef idx="1">
+            <a:schemeClr val="dk1"/>
+          </a:effectRef>
+          <a:fontRef idx="minor">
+            <a:schemeClr val="tx1"/>
+          </a:fontRef>
+        </p:style>
+      </p:cxnSp>
+      <p:cxnSp>
+        <p:nvCxnSpPr>
+          <p:cNvPr id="19" name="Straight Arrow Connector 18">
+            <a:extLst>
+              <a:ext uri="{FF2B5EF4-FFF2-40B4-BE49-F238E27FC236}">
+                <a16:creationId xmlns:a16="http://schemas.microsoft.com/office/drawing/2014/main" id="{1FA847F1-B70E-120F-2BF0-EC45ED98EADE}"/>
+              </a:ext>
+            </a:extLst>
+          </p:cNvPr>
+          <p:cNvCxnSpPr>
+            <a:cxnSpLocks/>
+          </p:cNvCxnSpPr>
+          <p:nvPr/>
+        </p:nvCxnSpPr>
+        <p:spPr>
+          <a:xfrm>
+            <a:off x="996044" y="4713515"/>
+            <a:ext cx="3314699" cy="0"/>
+          </a:xfrm>
+          <a:prstGeom prst="straightConnector1">
+            <a:avLst/>
+          </a:prstGeom>
+          <a:ln w="38100">
+            <a:tailEnd type="triangle"/>
+          </a:ln>
+        </p:spPr>
+        <p:style>
+          <a:lnRef idx="2">
+            <a:schemeClr val="dk1"/>
+          </a:lnRef>
+          <a:fillRef idx="0">
+            <a:schemeClr val="dk1"/>
+          </a:fillRef>
+          <a:effectRef idx="1">
+            <a:schemeClr val="dk1"/>
+          </a:effectRef>
+          <a:fontRef idx="minor">
+            <a:schemeClr val="tx1"/>
+          </a:fontRef>
+        </p:style>
+      </p:cxnSp>
+      <p:sp>
+        <p:nvSpPr>
+          <p:cNvPr id="16" name="Oval 15">
+            <a:extLst>
+              <a:ext uri="{FF2B5EF4-FFF2-40B4-BE49-F238E27FC236}">
+                <a16:creationId xmlns:a16="http://schemas.microsoft.com/office/drawing/2014/main" id="{B91B2949-CE4A-8EAD-BE5F-766EE971BFFD}"/>
+              </a:ext>
+            </a:extLst>
+          </p:cNvPr>
+          <p:cNvSpPr/>
+          <p:nvPr/>
+        </p:nvSpPr>
+        <p:spPr>
+          <a:xfrm>
+            <a:off x="1219202" y="4354286"/>
+            <a:ext cx="195940" cy="174170"/>
+          </a:xfrm>
+          <a:prstGeom prst="ellipse">
+            <a:avLst/>
+          </a:prstGeom>
+          <a:solidFill>
+            <a:schemeClr val="accent4"/>
+          </a:solidFill>
+          <a:ln>
+            <a:solidFill>
+              <a:schemeClr val="accent4"/>
+            </a:solidFill>
+          </a:ln>
+        </p:spPr>
+        <p:style>
+          <a:lnRef idx="2">
+            <a:schemeClr val="accent1">
+              <a:shade val="15000"/>
+            </a:schemeClr>
+          </a:lnRef>
+          <a:fillRef idx="1">
+            <a:schemeClr val="accent1"/>
+          </a:fillRef>
+          <a:effectRef idx="0">
+            <a:schemeClr val="accent1"/>
+          </a:effectRef>
+          <a:fontRef idx="minor">
+            <a:schemeClr val="lt1"/>
+          </a:fontRef>
+        </p:style>
+        <p:txBody>
+          <a:bodyPr rtlCol="0" anchor="ctr"/>
+          <a:lstStyle/>
+          <a:p>
+            <a:pPr algn="ctr"/>
+            <a:endParaRPr lang="en-GB"/>
+          </a:p>
+        </p:txBody>
+      </p:sp>
+      <p:sp>
+        <p:nvSpPr>
+          <p:cNvPr id="17" name="Oval 16">
+            <a:extLst>
+              <a:ext uri="{FF2B5EF4-FFF2-40B4-BE49-F238E27FC236}">
+                <a16:creationId xmlns:a16="http://schemas.microsoft.com/office/drawing/2014/main" id="{F4484A8F-00D0-64E7-4E07-B1780C08821E}"/>
+              </a:ext>
+            </a:extLst>
+          </p:cNvPr>
+          <p:cNvSpPr/>
+          <p:nvPr/>
+        </p:nvSpPr>
+        <p:spPr>
+          <a:xfrm>
+            <a:off x="1632861" y="4071257"/>
+            <a:ext cx="195940" cy="174170"/>
+          </a:xfrm>
+          <a:prstGeom prst="ellipse">
+            <a:avLst/>
+          </a:prstGeom>
+          <a:solidFill>
+            <a:schemeClr val="accent4"/>
+          </a:solidFill>
+          <a:ln>
+            <a:solidFill>
+              <a:schemeClr val="accent4"/>
+            </a:solidFill>
+          </a:ln>
+        </p:spPr>
+        <p:style>
+          <a:lnRef idx="2">
+            <a:schemeClr val="accent1">
+              <a:shade val="15000"/>
+            </a:schemeClr>
+          </a:lnRef>
+          <a:fillRef idx="1">
+            <a:schemeClr val="accent1"/>
+          </a:fillRef>
+          <a:effectRef idx="0">
+            <a:schemeClr val="accent1"/>
+          </a:effectRef>
+          <a:fontRef idx="minor">
+            <a:schemeClr val="lt1"/>
+          </a:fontRef>
+        </p:style>
+        <p:txBody>
+          <a:bodyPr rtlCol="0" anchor="ctr"/>
+          <a:lstStyle/>
+          <a:p>
+            <a:pPr algn="ctr"/>
+            <a:endParaRPr lang="en-GB"/>
+          </a:p>
+        </p:txBody>
+      </p:sp>
+      <p:sp>
+        <p:nvSpPr>
+          <p:cNvPr id="18" name="Oval 17">
+            <a:extLst>
+              <a:ext uri="{FF2B5EF4-FFF2-40B4-BE49-F238E27FC236}">
+                <a16:creationId xmlns:a16="http://schemas.microsoft.com/office/drawing/2014/main" id="{8C181AC3-EE53-D5C7-5879-4FCF83514B22}"/>
+              </a:ext>
+            </a:extLst>
+          </p:cNvPr>
+          <p:cNvSpPr/>
+          <p:nvPr/>
+        </p:nvSpPr>
+        <p:spPr>
+          <a:xfrm>
+            <a:off x="2046520" y="3788228"/>
+            <a:ext cx="195940" cy="174170"/>
+          </a:xfrm>
+          <a:prstGeom prst="ellipse">
+            <a:avLst/>
+          </a:prstGeom>
+          <a:solidFill>
+            <a:schemeClr val="accent4"/>
+          </a:solidFill>
+          <a:ln>
+            <a:solidFill>
+              <a:schemeClr val="accent4"/>
+            </a:solidFill>
+          </a:ln>
+        </p:spPr>
+        <p:style>
+          <a:lnRef idx="2">
+            <a:schemeClr val="accent1">
+              <a:shade val="15000"/>
+            </a:schemeClr>
+          </a:lnRef>
+          <a:fillRef idx="1">
+            <a:schemeClr val="accent1"/>
+          </a:fillRef>
+          <a:effectRef idx="0">
+            <a:schemeClr val="accent1"/>
+          </a:effectRef>
+          <a:fontRef idx="minor">
+            <a:schemeClr val="lt1"/>
+          </a:fontRef>
+        </p:style>
+        <p:txBody>
+          <a:bodyPr rtlCol="0" anchor="ctr"/>
+          <a:lstStyle/>
+          <a:p>
+            <a:pPr algn="ctr"/>
+            <a:endParaRPr lang="en-GB"/>
+          </a:p>
+        </p:txBody>
+      </p:sp>
+      <p:sp>
+        <p:nvSpPr>
+          <p:cNvPr id="20" name="Oval 19">
+            <a:extLst>
+              <a:ext uri="{FF2B5EF4-FFF2-40B4-BE49-F238E27FC236}">
+                <a16:creationId xmlns:a16="http://schemas.microsoft.com/office/drawing/2014/main" id="{7842DFF8-5AEC-967A-BAD4-8FEC433F3969}"/>
+              </a:ext>
+            </a:extLst>
+          </p:cNvPr>
+          <p:cNvSpPr/>
+          <p:nvPr/>
+        </p:nvSpPr>
+        <p:spPr>
+          <a:xfrm>
+            <a:off x="2460179" y="3505199"/>
+            <a:ext cx="195940" cy="174170"/>
+          </a:xfrm>
+          <a:prstGeom prst="ellipse">
+            <a:avLst/>
+          </a:prstGeom>
+          <a:solidFill>
+            <a:schemeClr val="accent4"/>
+          </a:solidFill>
+          <a:ln>
+            <a:solidFill>
+              <a:schemeClr val="accent4"/>
+            </a:solidFill>
+          </a:ln>
+        </p:spPr>
+        <p:style>
+          <a:lnRef idx="2">
+            <a:schemeClr val="accent1">
+              <a:shade val="15000"/>
+            </a:schemeClr>
+          </a:lnRef>
+          <a:fillRef idx="1">
+            <a:schemeClr val="accent1"/>
+          </a:fillRef>
+          <a:effectRef idx="0">
+            <a:schemeClr val="accent1"/>
+          </a:effectRef>
+          <a:fontRef idx="minor">
+            <a:schemeClr val="lt1"/>
+          </a:fontRef>
+        </p:style>
+        <p:txBody>
+          <a:bodyPr rtlCol="0" anchor="ctr"/>
+          <a:lstStyle/>
+          <a:p>
+            <a:pPr algn="ctr"/>
+            <a:endParaRPr lang="en-GB"/>
+          </a:p>
+        </p:txBody>
+      </p:sp>
+      <p:sp>
+        <p:nvSpPr>
+          <p:cNvPr id="21" name="Oval 20">
+            <a:extLst>
+              <a:ext uri="{FF2B5EF4-FFF2-40B4-BE49-F238E27FC236}">
+                <a16:creationId xmlns:a16="http://schemas.microsoft.com/office/drawing/2014/main" id="{29F924CC-0909-870B-2973-E53CEEDAF3F1}"/>
+              </a:ext>
+            </a:extLst>
+          </p:cNvPr>
+          <p:cNvSpPr/>
+          <p:nvPr/>
+        </p:nvSpPr>
+        <p:spPr>
+          <a:xfrm>
+            <a:off x="2873838" y="3222170"/>
+            <a:ext cx="195940" cy="174170"/>
+          </a:xfrm>
+          <a:prstGeom prst="ellipse">
+            <a:avLst/>
+          </a:prstGeom>
+          <a:solidFill>
+            <a:schemeClr val="accent4"/>
+          </a:solidFill>
+          <a:ln>
+            <a:solidFill>
+              <a:schemeClr val="accent4"/>
+            </a:solidFill>
+          </a:ln>
+        </p:spPr>
+        <p:style>
+          <a:lnRef idx="2">
+            <a:schemeClr val="accent1">
+              <a:shade val="15000"/>
+            </a:schemeClr>
+          </a:lnRef>
+          <a:fillRef idx="1">
+            <a:schemeClr val="accent1"/>
+          </a:fillRef>
+          <a:effectRef idx="0">
+            <a:schemeClr val="accent1"/>
+          </a:effectRef>
+          <a:fontRef idx="minor">
+            <a:schemeClr val="lt1"/>
+          </a:fontRef>
+        </p:style>
+        <p:txBody>
+          <a:bodyPr rtlCol="0" anchor="ctr"/>
+          <a:lstStyle/>
+          <a:p>
+            <a:pPr algn="ctr"/>
+            <a:endParaRPr lang="en-GB"/>
+          </a:p>
+        </p:txBody>
+      </p:sp>
+      <p:sp>
+        <p:nvSpPr>
+          <p:cNvPr id="22" name="Oval 21">
+            <a:extLst>
+              <a:ext uri="{FF2B5EF4-FFF2-40B4-BE49-F238E27FC236}">
+                <a16:creationId xmlns:a16="http://schemas.microsoft.com/office/drawing/2014/main" id="{31CA0E9E-C3F7-9DBF-FA23-6EF32E753F12}"/>
+              </a:ext>
+            </a:extLst>
+          </p:cNvPr>
+          <p:cNvSpPr/>
+          <p:nvPr/>
+        </p:nvSpPr>
+        <p:spPr>
+          <a:xfrm>
+            <a:off x="3287497" y="2939141"/>
+            <a:ext cx="195940" cy="174170"/>
+          </a:xfrm>
+          <a:prstGeom prst="ellipse">
+            <a:avLst/>
+          </a:prstGeom>
+          <a:solidFill>
+            <a:schemeClr val="accent4"/>
+          </a:solidFill>
+          <a:ln>
+            <a:solidFill>
+              <a:schemeClr val="accent4"/>
+            </a:solidFill>
+          </a:ln>
+        </p:spPr>
+        <p:style>
+          <a:lnRef idx="2">
+            <a:schemeClr val="accent1">
+              <a:shade val="15000"/>
+            </a:schemeClr>
+          </a:lnRef>
+          <a:fillRef idx="1">
+            <a:schemeClr val="accent1"/>
+          </a:fillRef>
+          <a:effectRef idx="0">
+            <a:schemeClr val="accent1"/>
+          </a:effectRef>
+          <a:fontRef idx="minor">
+            <a:schemeClr val="lt1"/>
+          </a:fontRef>
+        </p:style>
+        <p:txBody>
+          <a:bodyPr rtlCol="0" anchor="ctr"/>
+          <a:lstStyle/>
+          <a:p>
+            <a:pPr algn="ctr"/>
+            <a:endParaRPr lang="en-GB"/>
+          </a:p>
+        </p:txBody>
+      </p:sp>
+      <p:sp>
+        <p:nvSpPr>
+          <p:cNvPr id="25" name="Oval 24">
+            <a:extLst>
+              <a:ext uri="{FF2B5EF4-FFF2-40B4-BE49-F238E27FC236}">
+                <a16:creationId xmlns:a16="http://schemas.microsoft.com/office/drawing/2014/main" id="{D0AFA6EC-0123-CCBF-A0A7-A6621FDC37BF}"/>
+              </a:ext>
+            </a:extLst>
+          </p:cNvPr>
+          <p:cNvSpPr/>
+          <p:nvPr/>
+        </p:nvSpPr>
+        <p:spPr>
+          <a:xfrm>
+            <a:off x="3701156" y="2656112"/>
+            <a:ext cx="195940" cy="174170"/>
+          </a:xfrm>
+          <a:prstGeom prst="ellipse">
+            <a:avLst/>
+          </a:prstGeom>
+          <a:solidFill>
+            <a:schemeClr val="accent4"/>
+          </a:solidFill>
+          <a:ln>
+            <a:solidFill>
+              <a:schemeClr val="accent4"/>
+            </a:solidFill>
+          </a:ln>
+        </p:spPr>
+        <p:style>
+          <a:lnRef idx="2">
+            <a:schemeClr val="accent1">
+              <a:shade val="15000"/>
+            </a:schemeClr>
+          </a:lnRef>
+          <a:fillRef idx="1">
+            <a:schemeClr val="accent1"/>
+          </a:fillRef>
+          <a:effectRef idx="0">
+            <a:schemeClr val="accent1"/>
+          </a:effectRef>
+          <a:fontRef idx="minor">
+            <a:schemeClr val="lt1"/>
+          </a:fontRef>
+        </p:style>
+        <p:txBody>
+          <a:bodyPr rtlCol="0" anchor="ctr"/>
+          <a:lstStyle/>
+          <a:p>
+            <a:pPr algn="ctr"/>
+            <a:endParaRPr lang="en-GB"/>
+          </a:p>
+        </p:txBody>
+      </p:sp>
+      <p:cxnSp>
+        <p:nvCxnSpPr>
+          <p:cNvPr id="30" name="Straight Arrow Connector 29">
+            <a:extLst>
+              <a:ext uri="{FF2B5EF4-FFF2-40B4-BE49-F238E27FC236}">
+                <a16:creationId xmlns:a16="http://schemas.microsoft.com/office/drawing/2014/main" id="{EF5BA9AD-69E3-30C6-454B-0E3CFFF2C056}"/>
+              </a:ext>
+            </a:extLst>
+          </p:cNvPr>
+          <p:cNvCxnSpPr/>
+          <p:nvPr/>
+        </p:nvCxnSpPr>
+        <p:spPr>
+          <a:xfrm>
+            <a:off x="4767943" y="3058886"/>
+            <a:ext cx="1328057" cy="0"/>
+          </a:xfrm>
+          <a:prstGeom prst="straightConnector1">
+            <a:avLst/>
+          </a:prstGeom>
+          <a:ln w="76200">
+            <a:solidFill>
+              <a:schemeClr val="tx1"/>
+            </a:solidFill>
+            <a:tailEnd type="triangle"/>
+          </a:ln>
+        </p:spPr>
+        <p:style>
+          <a:lnRef idx="2">
+            <a:schemeClr val="accent1"/>
+          </a:lnRef>
+          <a:fillRef idx="0">
+            <a:schemeClr val="accent1"/>
+          </a:fillRef>
+          <a:effectRef idx="1">
+            <a:schemeClr val="accent1"/>
+          </a:effectRef>
+          <a:fontRef idx="minor">
+            <a:schemeClr val="tx1"/>
+          </a:fontRef>
+        </p:style>
+      </p:cxnSp>
+      <p:cxnSp>
+        <p:nvCxnSpPr>
+          <p:cNvPr id="31" name="Straight Arrow Connector 30">
+            <a:extLst>
+              <a:ext uri="{FF2B5EF4-FFF2-40B4-BE49-F238E27FC236}">
+                <a16:creationId xmlns:a16="http://schemas.microsoft.com/office/drawing/2014/main" id="{7C700307-E07B-E3E1-BA21-35E26D7ADCFD}"/>
+              </a:ext>
+            </a:extLst>
+          </p:cNvPr>
+          <p:cNvCxnSpPr>
+            <a:cxnSpLocks/>
+          </p:cNvCxnSpPr>
+          <p:nvPr/>
+        </p:nvCxnSpPr>
+        <p:spPr>
+          <a:xfrm rot="120000" flipH="1" flipV="1">
+            <a:off x="6227930" y="2688770"/>
+            <a:ext cx="1795720" cy="2204755"/>
+          </a:xfrm>
+          <a:prstGeom prst="straightConnector1">
+            <a:avLst/>
+          </a:prstGeom>
+          <a:ln w="38100">
+            <a:tailEnd type="triangle"/>
+          </a:ln>
+        </p:spPr>
+        <p:style>
+          <a:lnRef idx="2">
+            <a:schemeClr val="dk1"/>
+          </a:lnRef>
+          <a:fillRef idx="0">
+            <a:schemeClr val="dk1"/>
+          </a:fillRef>
+          <a:effectRef idx="1">
+            <a:schemeClr val="dk1"/>
+          </a:effectRef>
+          <a:fontRef idx="minor">
+            <a:schemeClr val="tx1"/>
+          </a:fontRef>
+        </p:style>
+      </p:cxnSp>
+      <p:cxnSp>
+        <p:nvCxnSpPr>
+          <p:cNvPr id="33" name="Straight Arrow Connector 32">
+            <a:extLst>
+              <a:ext uri="{FF2B5EF4-FFF2-40B4-BE49-F238E27FC236}">
+                <a16:creationId xmlns:a16="http://schemas.microsoft.com/office/drawing/2014/main" id="{AF75C312-3271-2277-A675-CF392705561B}"/>
+              </a:ext>
+            </a:extLst>
+          </p:cNvPr>
+          <p:cNvCxnSpPr>
+            <a:cxnSpLocks/>
+          </p:cNvCxnSpPr>
+          <p:nvPr/>
+        </p:nvCxnSpPr>
+        <p:spPr>
+          <a:xfrm flipV="1">
+            <a:off x="7977950" y="2775855"/>
+            <a:ext cx="3049278" cy="2171114"/>
+          </a:xfrm>
+          <a:prstGeom prst="straightConnector1">
+            <a:avLst/>
+          </a:prstGeom>
+          <a:ln w="38100">
+            <a:tailEnd type="triangle"/>
+          </a:ln>
+        </p:spPr>
+        <p:style>
+          <a:lnRef idx="2">
+            <a:schemeClr val="dk1"/>
+          </a:lnRef>
+          <a:fillRef idx="0">
+            <a:schemeClr val="dk1"/>
+          </a:fillRef>
+          <a:effectRef idx="1">
+            <a:schemeClr val="dk1"/>
+          </a:effectRef>
+          <a:fontRef idx="minor">
+            <a:schemeClr val="tx1"/>
+          </a:fontRef>
+        </p:style>
+      </p:cxnSp>
+      <p:cxnSp>
+        <p:nvCxnSpPr>
+          <p:cNvPr id="44" name="Straight Connector 43">
+            <a:extLst>
+              <a:ext uri="{FF2B5EF4-FFF2-40B4-BE49-F238E27FC236}">
+                <a16:creationId xmlns:a16="http://schemas.microsoft.com/office/drawing/2014/main" id="{5A175133-F3AC-67CA-5211-F92160658458}"/>
+              </a:ext>
+            </a:extLst>
+          </p:cNvPr>
+          <p:cNvCxnSpPr>
+            <a:cxnSpLocks/>
+            <a:stCxn id="16" idx="4"/>
+          </p:cNvCxnSpPr>
+          <p:nvPr/>
+        </p:nvCxnSpPr>
+        <p:spPr>
+          <a:xfrm>
+            <a:off x="1317172" y="4528456"/>
+            <a:ext cx="0" cy="185059"/>
+          </a:xfrm>
+          <a:prstGeom prst="line">
+            <a:avLst/>
+          </a:prstGeom>
+          <a:ln w="28575">
+            <a:solidFill>
+              <a:schemeClr val="tx1"/>
+            </a:solidFill>
+            <a:prstDash val="sysDash"/>
+          </a:ln>
+        </p:spPr>
+        <p:style>
+          <a:lnRef idx="2">
+            <a:schemeClr val="accent1"/>
+          </a:lnRef>
+          <a:fillRef idx="0">
+            <a:schemeClr val="accent1"/>
+          </a:fillRef>
+          <a:effectRef idx="1">
+            <a:schemeClr val="accent1"/>
+          </a:effectRef>
+          <a:fontRef idx="minor">
+            <a:schemeClr val="tx1"/>
+          </a:fontRef>
+        </p:style>
+      </p:cxnSp>
+      <p:cxnSp>
+        <p:nvCxnSpPr>
+          <p:cNvPr id="54" name="Straight Connector 53">
+            <a:extLst>
+              <a:ext uri="{FF2B5EF4-FFF2-40B4-BE49-F238E27FC236}">
+                <a16:creationId xmlns:a16="http://schemas.microsoft.com/office/drawing/2014/main" id="{A364B66C-438C-80C4-CA8D-6039E2F33217}"/>
+              </a:ext>
+            </a:extLst>
+          </p:cNvPr>
+          <p:cNvCxnSpPr>
+            <a:cxnSpLocks/>
+            <a:stCxn id="17" idx="4"/>
+          </p:cNvCxnSpPr>
+          <p:nvPr/>
+        </p:nvCxnSpPr>
+        <p:spPr>
+          <a:xfrm>
+            <a:off x="1730831" y="4245427"/>
+            <a:ext cx="0" cy="468088"/>
+          </a:xfrm>
+          <a:prstGeom prst="line">
+            <a:avLst/>
+          </a:prstGeom>
+          <a:ln w="28575">
+            <a:solidFill>
+              <a:schemeClr val="tx1"/>
+            </a:solidFill>
+            <a:prstDash val="sysDash"/>
+          </a:ln>
+        </p:spPr>
+        <p:style>
+          <a:lnRef idx="2">
+            <a:schemeClr val="accent1"/>
+          </a:lnRef>
+          <a:fillRef idx="0">
+            <a:schemeClr val="accent1"/>
+          </a:fillRef>
+          <a:effectRef idx="1">
+            <a:schemeClr val="accent1"/>
+          </a:effectRef>
+          <a:fontRef idx="minor">
+            <a:schemeClr val="tx1"/>
+          </a:fontRef>
+        </p:style>
+      </p:cxnSp>
+      <p:cxnSp>
+        <p:nvCxnSpPr>
+          <p:cNvPr id="57" name="Straight Connector 56">
+            <a:extLst>
+              <a:ext uri="{FF2B5EF4-FFF2-40B4-BE49-F238E27FC236}">
+                <a16:creationId xmlns:a16="http://schemas.microsoft.com/office/drawing/2014/main" id="{C704FEE2-59DB-7FB6-A5E8-4891042693D0}"/>
+              </a:ext>
+            </a:extLst>
+          </p:cNvPr>
+          <p:cNvCxnSpPr>
+            <a:cxnSpLocks/>
+          </p:cNvCxnSpPr>
+          <p:nvPr/>
+        </p:nvCxnSpPr>
+        <p:spPr>
+          <a:xfrm>
+            <a:off x="2144490" y="3962398"/>
+            <a:ext cx="0" cy="751117"/>
+          </a:xfrm>
+          <a:prstGeom prst="line">
+            <a:avLst/>
+          </a:prstGeom>
+          <a:ln w="28575">
+            <a:solidFill>
+              <a:schemeClr val="tx1"/>
+            </a:solidFill>
+            <a:prstDash val="sysDash"/>
+          </a:ln>
+        </p:spPr>
+        <p:style>
+          <a:lnRef idx="2">
+            <a:schemeClr val="accent1"/>
+          </a:lnRef>
+          <a:fillRef idx="0">
+            <a:schemeClr val="accent1"/>
+          </a:fillRef>
+          <a:effectRef idx="1">
+            <a:schemeClr val="accent1"/>
+          </a:effectRef>
+          <a:fontRef idx="minor">
+            <a:schemeClr val="tx1"/>
+          </a:fontRef>
+        </p:style>
+      </p:cxnSp>
+      <p:cxnSp>
+        <p:nvCxnSpPr>
+          <p:cNvPr id="60" name="Straight Connector 59">
+            <a:extLst>
+              <a:ext uri="{FF2B5EF4-FFF2-40B4-BE49-F238E27FC236}">
+                <a16:creationId xmlns:a16="http://schemas.microsoft.com/office/drawing/2014/main" id="{6C760492-6117-1962-DE3F-FA1E91EA8806}"/>
+              </a:ext>
+            </a:extLst>
+          </p:cNvPr>
+          <p:cNvCxnSpPr>
+            <a:cxnSpLocks/>
+            <a:stCxn id="20" idx="4"/>
+          </p:cNvCxnSpPr>
+          <p:nvPr/>
+        </p:nvCxnSpPr>
+        <p:spPr>
+          <a:xfrm>
+            <a:off x="2558149" y="3679369"/>
+            <a:ext cx="0" cy="1034146"/>
+          </a:xfrm>
+          <a:prstGeom prst="line">
+            <a:avLst/>
+          </a:prstGeom>
+          <a:ln w="28575">
+            <a:solidFill>
+              <a:schemeClr val="tx1"/>
+            </a:solidFill>
+            <a:prstDash val="sysDash"/>
+          </a:ln>
+        </p:spPr>
+        <p:style>
+          <a:lnRef idx="2">
+            <a:schemeClr val="accent1"/>
+          </a:lnRef>
+          <a:fillRef idx="0">
+            <a:schemeClr val="accent1"/>
+          </a:fillRef>
+          <a:effectRef idx="1">
+            <a:schemeClr val="accent1"/>
+          </a:effectRef>
+          <a:fontRef idx="minor">
+            <a:schemeClr val="tx1"/>
+          </a:fontRef>
+        </p:style>
+      </p:cxnSp>
+      <p:cxnSp>
+        <p:nvCxnSpPr>
+          <p:cNvPr id="63" name="Straight Connector 62">
+            <a:extLst>
+              <a:ext uri="{FF2B5EF4-FFF2-40B4-BE49-F238E27FC236}">
+                <a16:creationId xmlns:a16="http://schemas.microsoft.com/office/drawing/2014/main" id="{6EAAD70F-B93D-7DE9-CB4D-1F76E7F2671B}"/>
+              </a:ext>
+            </a:extLst>
+          </p:cNvPr>
+          <p:cNvCxnSpPr>
+            <a:cxnSpLocks/>
+          </p:cNvCxnSpPr>
+          <p:nvPr/>
+        </p:nvCxnSpPr>
+        <p:spPr>
+          <a:xfrm>
+            <a:off x="2971808" y="3396340"/>
+            <a:ext cx="0" cy="1317175"/>
+          </a:xfrm>
+          <a:prstGeom prst="line">
+            <a:avLst/>
+          </a:prstGeom>
+          <a:ln w="28575">
+            <a:solidFill>
+              <a:schemeClr val="tx1"/>
+            </a:solidFill>
+            <a:prstDash val="sysDash"/>
+          </a:ln>
+        </p:spPr>
+        <p:style>
+          <a:lnRef idx="2">
+            <a:schemeClr val="accent1"/>
+          </a:lnRef>
+          <a:fillRef idx="0">
+            <a:schemeClr val="accent1"/>
+          </a:fillRef>
+          <a:effectRef idx="1">
+            <a:schemeClr val="accent1"/>
+          </a:effectRef>
+          <a:fontRef idx="minor">
+            <a:schemeClr val="tx1"/>
+          </a:fontRef>
+        </p:style>
+      </p:cxnSp>
+      <p:cxnSp>
+        <p:nvCxnSpPr>
+          <p:cNvPr id="66" name="Straight Connector 65">
+            <a:extLst>
+              <a:ext uri="{FF2B5EF4-FFF2-40B4-BE49-F238E27FC236}">
+                <a16:creationId xmlns:a16="http://schemas.microsoft.com/office/drawing/2014/main" id="{6DF51045-35B6-935A-3FAD-4D8399592698}"/>
+              </a:ext>
+            </a:extLst>
+          </p:cNvPr>
+          <p:cNvCxnSpPr>
+            <a:cxnSpLocks/>
+            <a:stCxn id="22" idx="4"/>
+          </p:cNvCxnSpPr>
+          <p:nvPr/>
+        </p:nvCxnSpPr>
+        <p:spPr>
+          <a:xfrm>
+            <a:off x="3385467" y="3113311"/>
+            <a:ext cx="0" cy="1600204"/>
+          </a:xfrm>
+          <a:prstGeom prst="line">
+            <a:avLst/>
+          </a:prstGeom>
+          <a:ln w="28575">
+            <a:solidFill>
+              <a:schemeClr val="tx1"/>
+            </a:solidFill>
+            <a:prstDash val="sysDash"/>
+          </a:ln>
+        </p:spPr>
+        <p:style>
+          <a:lnRef idx="2">
+            <a:schemeClr val="accent1"/>
+          </a:lnRef>
+          <a:fillRef idx="0">
+            <a:schemeClr val="accent1"/>
+          </a:fillRef>
+          <a:effectRef idx="1">
+            <a:schemeClr val="accent1"/>
+          </a:effectRef>
+          <a:fontRef idx="minor">
+            <a:schemeClr val="tx1"/>
+          </a:fontRef>
+        </p:style>
+      </p:cxnSp>
+      <p:cxnSp>
+        <p:nvCxnSpPr>
+          <p:cNvPr id="70" name="Straight Connector 69">
+            <a:extLst>
+              <a:ext uri="{FF2B5EF4-FFF2-40B4-BE49-F238E27FC236}">
+                <a16:creationId xmlns:a16="http://schemas.microsoft.com/office/drawing/2014/main" id="{8803989A-153D-6A2F-F328-E55EB49B798F}"/>
+              </a:ext>
+            </a:extLst>
+          </p:cNvPr>
+          <p:cNvCxnSpPr>
+            <a:cxnSpLocks/>
+            <a:stCxn id="25" idx="4"/>
+          </p:cNvCxnSpPr>
+          <p:nvPr/>
+        </p:nvCxnSpPr>
+        <p:spPr>
+          <a:xfrm>
+            <a:off x="3799126" y="2830282"/>
+            <a:ext cx="0" cy="1883233"/>
+          </a:xfrm>
+          <a:prstGeom prst="line">
+            <a:avLst/>
+          </a:prstGeom>
+          <a:ln w="28575">
+            <a:solidFill>
+              <a:schemeClr val="tx1"/>
+            </a:solidFill>
+            <a:prstDash val="sysDash"/>
+          </a:ln>
+        </p:spPr>
+        <p:style>
+          <a:lnRef idx="2">
+            <a:schemeClr val="accent1"/>
+          </a:lnRef>
+          <a:fillRef idx="0">
+            <a:schemeClr val="accent1"/>
+          </a:fillRef>
+          <a:effectRef idx="1">
+            <a:schemeClr val="accent1"/>
+          </a:effectRef>
+          <a:fontRef idx="minor">
+            <a:schemeClr val="tx1"/>
+          </a:fontRef>
+        </p:style>
+      </p:cxnSp>
+      <p:sp>
+        <p:nvSpPr>
+          <p:cNvPr id="75" name="Oval 74">
+            <a:extLst>
+              <a:ext uri="{FF2B5EF4-FFF2-40B4-BE49-F238E27FC236}">
+                <a16:creationId xmlns:a16="http://schemas.microsoft.com/office/drawing/2014/main" id="{D4E26AFE-9C31-1B3E-A44C-74846B7D70D1}"/>
+              </a:ext>
+            </a:extLst>
+          </p:cNvPr>
+          <p:cNvSpPr/>
+          <p:nvPr/>
+        </p:nvSpPr>
+        <p:spPr>
+          <a:xfrm>
+            <a:off x="7958757" y="4441371"/>
+            <a:ext cx="195940" cy="174170"/>
+          </a:xfrm>
+          <a:prstGeom prst="ellipse">
+            <a:avLst/>
+          </a:prstGeom>
+          <a:solidFill>
+            <a:schemeClr val="accent4"/>
+          </a:solidFill>
+          <a:ln>
+            <a:solidFill>
+              <a:schemeClr val="accent4"/>
+            </a:solidFill>
+          </a:ln>
+        </p:spPr>
+        <p:style>
+          <a:lnRef idx="2">
+            <a:schemeClr val="accent1">
+              <a:shade val="15000"/>
+            </a:schemeClr>
+          </a:lnRef>
+          <a:fillRef idx="1">
+            <a:schemeClr val="accent1"/>
+          </a:fillRef>
+          <a:effectRef idx="0">
+            <a:schemeClr val="accent1"/>
+          </a:effectRef>
+          <a:fontRef idx="minor">
+            <a:schemeClr val="lt1"/>
+          </a:fontRef>
+        </p:style>
+        <p:txBody>
+          <a:bodyPr rtlCol="0" anchor="ctr"/>
+          <a:lstStyle/>
+          <a:p>
+            <a:pPr algn="ctr"/>
+            <a:endParaRPr lang="en-GB"/>
+          </a:p>
+        </p:txBody>
+      </p:sp>
+      <p:sp>
+        <p:nvSpPr>
+          <p:cNvPr id="76" name="Oval 75">
+            <a:extLst>
+              <a:ext uri="{FF2B5EF4-FFF2-40B4-BE49-F238E27FC236}">
+                <a16:creationId xmlns:a16="http://schemas.microsoft.com/office/drawing/2014/main" id="{67B878B3-F1DC-AD21-95CA-77785A5581F6}"/>
+              </a:ext>
+            </a:extLst>
+          </p:cNvPr>
+          <p:cNvSpPr/>
+          <p:nvPr/>
+        </p:nvSpPr>
+        <p:spPr>
+          <a:xfrm>
+            <a:off x="8372416" y="4158342"/>
+            <a:ext cx="195940" cy="174170"/>
+          </a:xfrm>
+          <a:prstGeom prst="ellipse">
+            <a:avLst/>
+          </a:prstGeom>
+          <a:solidFill>
+            <a:schemeClr val="accent4"/>
+          </a:solidFill>
+          <a:ln>
+            <a:solidFill>
+              <a:schemeClr val="accent4"/>
+            </a:solidFill>
+          </a:ln>
+        </p:spPr>
+        <p:style>
+          <a:lnRef idx="2">
+            <a:schemeClr val="accent1">
+              <a:shade val="15000"/>
+            </a:schemeClr>
+          </a:lnRef>
+          <a:fillRef idx="1">
+            <a:schemeClr val="accent1"/>
+          </a:fillRef>
+          <a:effectRef idx="0">
+            <a:schemeClr val="accent1"/>
+          </a:effectRef>
+          <a:fontRef idx="minor">
+            <a:schemeClr val="lt1"/>
+          </a:fontRef>
+        </p:style>
+        <p:txBody>
+          <a:bodyPr rtlCol="0" anchor="ctr"/>
+          <a:lstStyle/>
+          <a:p>
+            <a:pPr algn="ctr"/>
+            <a:endParaRPr lang="en-GB"/>
+          </a:p>
+        </p:txBody>
+      </p:sp>
+      <p:sp>
+        <p:nvSpPr>
+          <p:cNvPr id="77" name="Oval 76">
+            <a:extLst>
+              <a:ext uri="{FF2B5EF4-FFF2-40B4-BE49-F238E27FC236}">
+                <a16:creationId xmlns:a16="http://schemas.microsoft.com/office/drawing/2014/main" id="{68F0B5FE-5F6E-31AE-B635-883429E66515}"/>
+              </a:ext>
+            </a:extLst>
+          </p:cNvPr>
+          <p:cNvSpPr/>
+          <p:nvPr/>
+        </p:nvSpPr>
+        <p:spPr>
+          <a:xfrm>
+            <a:off x="8786075" y="3853541"/>
+            <a:ext cx="195940" cy="174170"/>
+          </a:xfrm>
+          <a:prstGeom prst="ellipse">
+            <a:avLst/>
+          </a:prstGeom>
+          <a:solidFill>
+            <a:schemeClr val="accent4"/>
+          </a:solidFill>
+          <a:ln>
+            <a:solidFill>
+              <a:schemeClr val="accent4"/>
+            </a:solidFill>
+          </a:ln>
+        </p:spPr>
+        <p:style>
+          <a:lnRef idx="2">
+            <a:schemeClr val="accent1">
+              <a:shade val="15000"/>
+            </a:schemeClr>
+          </a:lnRef>
+          <a:fillRef idx="1">
+            <a:schemeClr val="accent1"/>
+          </a:fillRef>
+          <a:effectRef idx="0">
+            <a:schemeClr val="accent1"/>
+          </a:effectRef>
+          <a:fontRef idx="minor">
+            <a:schemeClr val="lt1"/>
+          </a:fontRef>
+        </p:style>
+        <p:txBody>
+          <a:bodyPr rtlCol="0" anchor="ctr"/>
+          <a:lstStyle/>
+          <a:p>
+            <a:pPr algn="ctr"/>
+            <a:endParaRPr lang="en-GB"/>
+          </a:p>
+        </p:txBody>
+      </p:sp>
+      <p:sp>
+        <p:nvSpPr>
+          <p:cNvPr id="78" name="Oval 77">
+            <a:extLst>
+              <a:ext uri="{FF2B5EF4-FFF2-40B4-BE49-F238E27FC236}">
+                <a16:creationId xmlns:a16="http://schemas.microsoft.com/office/drawing/2014/main" id="{724FB962-68B8-2A56-DAC4-8813AE63EE1A}"/>
+              </a:ext>
+            </a:extLst>
+          </p:cNvPr>
+          <p:cNvSpPr/>
+          <p:nvPr/>
+        </p:nvSpPr>
+        <p:spPr>
+          <a:xfrm>
+            <a:off x="9199734" y="3570512"/>
+            <a:ext cx="195940" cy="174170"/>
+          </a:xfrm>
+          <a:prstGeom prst="ellipse">
+            <a:avLst/>
+          </a:prstGeom>
+          <a:solidFill>
+            <a:schemeClr val="accent4"/>
+          </a:solidFill>
+          <a:ln>
+            <a:solidFill>
+              <a:schemeClr val="accent4"/>
+            </a:solidFill>
+          </a:ln>
+        </p:spPr>
+        <p:style>
+          <a:lnRef idx="2">
+            <a:schemeClr val="accent1">
+              <a:shade val="15000"/>
+            </a:schemeClr>
+          </a:lnRef>
+          <a:fillRef idx="1">
+            <a:schemeClr val="accent1"/>
+          </a:fillRef>
+          <a:effectRef idx="0">
+            <a:schemeClr val="accent1"/>
+          </a:effectRef>
+          <a:fontRef idx="minor">
+            <a:schemeClr val="lt1"/>
+          </a:fontRef>
+        </p:style>
+        <p:txBody>
+          <a:bodyPr rtlCol="0" anchor="ctr"/>
+          <a:lstStyle/>
+          <a:p>
+            <a:pPr algn="ctr"/>
+            <a:endParaRPr lang="en-GB"/>
+          </a:p>
+        </p:txBody>
+      </p:sp>
+      <p:sp>
+        <p:nvSpPr>
+          <p:cNvPr id="79" name="Oval 78">
+            <a:extLst>
+              <a:ext uri="{FF2B5EF4-FFF2-40B4-BE49-F238E27FC236}">
+                <a16:creationId xmlns:a16="http://schemas.microsoft.com/office/drawing/2014/main" id="{1CD748E4-70E6-4BBA-945F-900B75C78ADF}"/>
+              </a:ext>
+            </a:extLst>
+          </p:cNvPr>
+          <p:cNvSpPr/>
+          <p:nvPr/>
+        </p:nvSpPr>
+        <p:spPr>
+          <a:xfrm>
+            <a:off x="9613393" y="3287483"/>
+            <a:ext cx="195940" cy="174170"/>
+          </a:xfrm>
+          <a:prstGeom prst="ellipse">
+            <a:avLst/>
+          </a:prstGeom>
+          <a:solidFill>
+            <a:schemeClr val="accent4"/>
+          </a:solidFill>
+          <a:ln>
+            <a:solidFill>
+              <a:schemeClr val="accent4"/>
+            </a:solidFill>
+          </a:ln>
+        </p:spPr>
+        <p:style>
+          <a:lnRef idx="2">
+            <a:schemeClr val="accent1">
+              <a:shade val="15000"/>
+            </a:schemeClr>
+          </a:lnRef>
+          <a:fillRef idx="1">
+            <a:schemeClr val="accent1"/>
+          </a:fillRef>
+          <a:effectRef idx="0">
+            <a:schemeClr val="accent1"/>
+          </a:effectRef>
+          <a:fontRef idx="minor">
+            <a:schemeClr val="lt1"/>
+          </a:fontRef>
+        </p:style>
+        <p:txBody>
+          <a:bodyPr rtlCol="0" anchor="ctr"/>
+          <a:lstStyle/>
+          <a:p>
+            <a:pPr algn="ctr"/>
+            <a:endParaRPr lang="en-GB"/>
+          </a:p>
+        </p:txBody>
+      </p:sp>
+      <p:sp>
+        <p:nvSpPr>
+          <p:cNvPr id="80" name="Oval 79">
+            <a:extLst>
+              <a:ext uri="{FF2B5EF4-FFF2-40B4-BE49-F238E27FC236}">
+                <a16:creationId xmlns:a16="http://schemas.microsoft.com/office/drawing/2014/main" id="{4D0C05A6-C662-1E8D-1F44-BE928ECF11A9}"/>
+              </a:ext>
+            </a:extLst>
+          </p:cNvPr>
+          <p:cNvSpPr/>
+          <p:nvPr/>
+        </p:nvSpPr>
+        <p:spPr>
+          <a:xfrm>
+            <a:off x="10027052" y="3004454"/>
+            <a:ext cx="195940" cy="174170"/>
+          </a:xfrm>
+          <a:prstGeom prst="ellipse">
+            <a:avLst/>
+          </a:prstGeom>
+          <a:solidFill>
+            <a:schemeClr val="accent4"/>
+          </a:solidFill>
+          <a:ln>
+            <a:solidFill>
+              <a:schemeClr val="accent4"/>
+            </a:solidFill>
+          </a:ln>
+        </p:spPr>
+        <p:style>
+          <a:lnRef idx="2">
+            <a:schemeClr val="accent1">
+              <a:shade val="15000"/>
+            </a:schemeClr>
+          </a:lnRef>
+          <a:fillRef idx="1">
+            <a:schemeClr val="accent1"/>
+          </a:fillRef>
+          <a:effectRef idx="0">
+            <a:schemeClr val="accent1"/>
+          </a:effectRef>
+          <a:fontRef idx="minor">
+            <a:schemeClr val="lt1"/>
+          </a:fontRef>
+        </p:style>
+        <p:txBody>
+          <a:bodyPr rtlCol="0" anchor="ctr"/>
+          <a:lstStyle/>
+          <a:p>
+            <a:pPr algn="ctr"/>
+            <a:endParaRPr lang="en-GB"/>
+          </a:p>
+        </p:txBody>
+      </p:sp>
+      <p:sp>
+        <p:nvSpPr>
+          <p:cNvPr id="81" name="Oval 80">
+            <a:extLst>
+              <a:ext uri="{FF2B5EF4-FFF2-40B4-BE49-F238E27FC236}">
+                <a16:creationId xmlns:a16="http://schemas.microsoft.com/office/drawing/2014/main" id="{89534695-B330-C5D7-D273-FA6CC6D6F04D}"/>
+              </a:ext>
+            </a:extLst>
+          </p:cNvPr>
+          <p:cNvSpPr/>
+          <p:nvPr/>
+        </p:nvSpPr>
+        <p:spPr>
+          <a:xfrm>
+            <a:off x="10440711" y="2721425"/>
+            <a:ext cx="195940" cy="174170"/>
+          </a:xfrm>
+          <a:prstGeom prst="ellipse">
+            <a:avLst/>
+          </a:prstGeom>
+          <a:solidFill>
+            <a:schemeClr val="accent4"/>
+          </a:solidFill>
+          <a:ln>
+            <a:solidFill>
+              <a:schemeClr val="accent4"/>
+            </a:solidFill>
+          </a:ln>
+        </p:spPr>
+        <p:style>
+          <a:lnRef idx="2">
+            <a:schemeClr val="accent1">
+              <a:shade val="15000"/>
+            </a:schemeClr>
+          </a:lnRef>
+          <a:fillRef idx="1">
+            <a:schemeClr val="accent1"/>
+          </a:fillRef>
+          <a:effectRef idx="0">
+            <a:schemeClr val="accent1"/>
+          </a:effectRef>
+          <a:fontRef idx="minor">
+            <a:schemeClr val="lt1"/>
+          </a:fontRef>
+        </p:style>
+        <p:txBody>
+          <a:bodyPr rtlCol="0" anchor="ctr"/>
+          <a:lstStyle/>
+          <a:p>
+            <a:pPr algn="ctr"/>
+            <a:endParaRPr lang="en-GB"/>
+          </a:p>
+        </p:txBody>
+      </p:sp>
+      <p:cxnSp>
+        <p:nvCxnSpPr>
+          <p:cNvPr id="84" name="Straight Connector 83">
+            <a:extLst>
+              <a:ext uri="{FF2B5EF4-FFF2-40B4-BE49-F238E27FC236}">
+                <a16:creationId xmlns:a16="http://schemas.microsoft.com/office/drawing/2014/main" id="{0D620BAD-75B6-5056-EFA4-DE8C0DB6B4C1}"/>
+              </a:ext>
+            </a:extLst>
+          </p:cNvPr>
+          <p:cNvCxnSpPr>
+            <a:cxnSpLocks/>
+            <a:stCxn id="75" idx="5"/>
+          </p:cNvCxnSpPr>
+          <p:nvPr/>
+        </p:nvCxnSpPr>
+        <p:spPr>
+          <a:xfrm>
+            <a:off x="8126002" y="4590034"/>
+            <a:ext cx="132297" cy="139809"/>
+          </a:xfrm>
+          <a:prstGeom prst="line">
+            <a:avLst/>
+          </a:prstGeom>
+          <a:ln w="28575">
+            <a:solidFill>
+              <a:schemeClr val="tx1"/>
+            </a:solidFill>
+            <a:prstDash val="sysDash"/>
+          </a:ln>
+        </p:spPr>
+        <p:style>
+          <a:lnRef idx="2">
+            <a:schemeClr val="accent1"/>
+          </a:lnRef>
+          <a:fillRef idx="0">
+            <a:schemeClr val="accent1"/>
+          </a:fillRef>
+          <a:effectRef idx="1">
+            <a:schemeClr val="accent1"/>
+          </a:effectRef>
+          <a:fontRef idx="minor">
+            <a:schemeClr val="tx1"/>
+          </a:fontRef>
+        </p:style>
+      </p:cxnSp>
+      <p:cxnSp>
+        <p:nvCxnSpPr>
+          <p:cNvPr id="88" name="Straight Connector 87">
+            <a:extLst>
+              <a:ext uri="{FF2B5EF4-FFF2-40B4-BE49-F238E27FC236}">
+                <a16:creationId xmlns:a16="http://schemas.microsoft.com/office/drawing/2014/main" id="{643BCDEC-FCEC-23B4-E211-0C5B5B5FA82B}"/>
+              </a:ext>
+            </a:extLst>
+          </p:cNvPr>
+          <p:cNvCxnSpPr>
+            <a:cxnSpLocks/>
+            <a:stCxn id="76" idx="5"/>
+          </p:cNvCxnSpPr>
+          <p:nvPr/>
+        </p:nvCxnSpPr>
+        <p:spPr>
+          <a:xfrm>
+            <a:off x="8539661" y="4307005"/>
+            <a:ext cx="132297" cy="143256"/>
+          </a:xfrm>
+          <a:prstGeom prst="line">
+            <a:avLst/>
+          </a:prstGeom>
+          <a:ln w="28575">
+            <a:solidFill>
+              <a:schemeClr val="tx1"/>
+            </a:solidFill>
+            <a:prstDash val="sysDash"/>
+          </a:ln>
+        </p:spPr>
+        <p:style>
+          <a:lnRef idx="2">
+            <a:schemeClr val="accent1"/>
+          </a:lnRef>
+          <a:fillRef idx="0">
+            <a:schemeClr val="accent1"/>
+          </a:fillRef>
+          <a:effectRef idx="1">
+            <a:schemeClr val="accent1"/>
+          </a:effectRef>
+          <a:fontRef idx="minor">
+            <a:schemeClr val="tx1"/>
+          </a:fontRef>
+        </p:style>
+      </p:cxnSp>
+      <p:cxnSp>
+        <p:nvCxnSpPr>
+          <p:cNvPr id="92" name="Straight Connector 91">
+            <a:extLst>
+              <a:ext uri="{FF2B5EF4-FFF2-40B4-BE49-F238E27FC236}">
+                <a16:creationId xmlns:a16="http://schemas.microsoft.com/office/drawing/2014/main" id="{7D67A23A-8153-DCC5-112D-DECCF28D7185}"/>
+              </a:ext>
+            </a:extLst>
+          </p:cNvPr>
+          <p:cNvCxnSpPr>
+            <a:cxnSpLocks/>
+            <a:stCxn id="77" idx="5"/>
+          </p:cNvCxnSpPr>
+          <p:nvPr/>
+        </p:nvCxnSpPr>
+        <p:spPr>
+          <a:xfrm>
+            <a:off x="8953320" y="4002204"/>
+            <a:ext cx="147137" cy="156138"/>
+          </a:xfrm>
+          <a:prstGeom prst="line">
+            <a:avLst/>
+          </a:prstGeom>
+          <a:ln w="28575">
+            <a:solidFill>
+              <a:schemeClr val="tx1"/>
+            </a:solidFill>
+            <a:prstDash val="sysDash"/>
+          </a:ln>
+        </p:spPr>
+        <p:style>
+          <a:lnRef idx="2">
+            <a:schemeClr val="accent1"/>
+          </a:lnRef>
+          <a:fillRef idx="0">
+            <a:schemeClr val="accent1"/>
+          </a:fillRef>
+          <a:effectRef idx="1">
+            <a:schemeClr val="accent1"/>
+          </a:effectRef>
+          <a:fontRef idx="minor">
+            <a:schemeClr val="tx1"/>
+          </a:fontRef>
+        </p:style>
+      </p:cxnSp>
+      <p:cxnSp>
+        <p:nvCxnSpPr>
+          <p:cNvPr id="109" name="Straight Connector 108">
+            <a:extLst>
+              <a:ext uri="{FF2B5EF4-FFF2-40B4-BE49-F238E27FC236}">
+                <a16:creationId xmlns:a16="http://schemas.microsoft.com/office/drawing/2014/main" id="{15DA7AF0-AEAF-2084-E767-FA66813A4A28}"/>
+              </a:ext>
+            </a:extLst>
+          </p:cNvPr>
+          <p:cNvCxnSpPr>
+            <a:cxnSpLocks/>
+            <a:stCxn id="78" idx="5"/>
+          </p:cNvCxnSpPr>
+          <p:nvPr/>
+        </p:nvCxnSpPr>
+        <p:spPr>
+          <a:xfrm>
+            <a:off x="9366979" y="3719175"/>
+            <a:ext cx="135610" cy="134366"/>
+          </a:xfrm>
+          <a:prstGeom prst="line">
+            <a:avLst/>
+          </a:prstGeom>
+          <a:ln w="28575">
+            <a:solidFill>
+              <a:schemeClr val="tx1"/>
+            </a:solidFill>
+            <a:prstDash val="sysDash"/>
+          </a:ln>
+        </p:spPr>
+        <p:style>
+          <a:lnRef idx="2">
+            <a:schemeClr val="accent1"/>
+          </a:lnRef>
+          <a:fillRef idx="0">
+            <a:schemeClr val="accent1"/>
+          </a:fillRef>
+          <a:effectRef idx="1">
+            <a:schemeClr val="accent1"/>
+          </a:effectRef>
+          <a:fontRef idx="minor">
+            <a:schemeClr val="tx1"/>
+          </a:fontRef>
+        </p:style>
+      </p:cxnSp>
+      <p:cxnSp>
+        <p:nvCxnSpPr>
+          <p:cNvPr id="113" name="Straight Connector 112">
+            <a:extLst>
+              <a:ext uri="{FF2B5EF4-FFF2-40B4-BE49-F238E27FC236}">
+                <a16:creationId xmlns:a16="http://schemas.microsoft.com/office/drawing/2014/main" id="{DC99AA7F-BA9E-F065-6C85-7F1D6D31170F}"/>
+              </a:ext>
+            </a:extLst>
+          </p:cNvPr>
+          <p:cNvCxnSpPr>
+            <a:cxnSpLocks/>
+            <a:stCxn id="79" idx="5"/>
+          </p:cNvCxnSpPr>
+          <p:nvPr/>
+        </p:nvCxnSpPr>
+        <p:spPr>
+          <a:xfrm>
+            <a:off x="9780638" y="3436146"/>
+            <a:ext cx="160199" cy="143256"/>
+          </a:xfrm>
+          <a:prstGeom prst="line">
+            <a:avLst/>
+          </a:prstGeom>
+          <a:ln w="28575">
+            <a:solidFill>
+              <a:schemeClr val="tx1"/>
+            </a:solidFill>
+            <a:prstDash val="sysDash"/>
+          </a:ln>
+        </p:spPr>
+        <p:style>
+          <a:lnRef idx="2">
+            <a:schemeClr val="accent1"/>
+          </a:lnRef>
+          <a:fillRef idx="0">
+            <a:schemeClr val="accent1"/>
+          </a:fillRef>
+          <a:effectRef idx="1">
+            <a:schemeClr val="accent1"/>
+          </a:effectRef>
+          <a:fontRef idx="minor">
+            <a:schemeClr val="tx1"/>
+          </a:fontRef>
+        </p:style>
+      </p:cxnSp>
+      <p:cxnSp>
+        <p:nvCxnSpPr>
+          <p:cNvPr id="117" name="Straight Connector 116">
+            <a:extLst>
+              <a:ext uri="{FF2B5EF4-FFF2-40B4-BE49-F238E27FC236}">
+                <a16:creationId xmlns:a16="http://schemas.microsoft.com/office/drawing/2014/main" id="{8713838C-D6F8-BD56-1B2E-0F7440BD2143}"/>
+              </a:ext>
+            </a:extLst>
+          </p:cNvPr>
+          <p:cNvCxnSpPr>
+            <a:cxnSpLocks/>
+            <a:stCxn id="80" idx="5"/>
+          </p:cNvCxnSpPr>
+          <p:nvPr/>
+        </p:nvCxnSpPr>
+        <p:spPr>
+          <a:xfrm>
+            <a:off x="10194297" y="3153117"/>
+            <a:ext cx="131504" cy="134366"/>
+          </a:xfrm>
+          <a:prstGeom prst="line">
+            <a:avLst/>
+          </a:prstGeom>
+          <a:ln w="28575">
+            <a:solidFill>
+              <a:schemeClr val="tx1"/>
+            </a:solidFill>
+            <a:prstDash val="sysDash"/>
+          </a:ln>
+        </p:spPr>
+        <p:style>
+          <a:lnRef idx="2">
+            <a:schemeClr val="accent1"/>
+          </a:lnRef>
+          <a:fillRef idx="0">
+            <a:schemeClr val="accent1"/>
+          </a:fillRef>
+          <a:effectRef idx="1">
+            <a:schemeClr val="accent1"/>
+          </a:effectRef>
+          <a:fontRef idx="minor">
+            <a:schemeClr val="tx1"/>
+          </a:fontRef>
+        </p:style>
+      </p:cxnSp>
+      <p:cxnSp>
+        <p:nvCxnSpPr>
+          <p:cNvPr id="122" name="Straight Connector 121">
+            <a:extLst>
+              <a:ext uri="{FF2B5EF4-FFF2-40B4-BE49-F238E27FC236}">
+                <a16:creationId xmlns:a16="http://schemas.microsoft.com/office/drawing/2014/main" id="{A950FCC1-2B43-75F1-0411-FE631167A130}"/>
+              </a:ext>
+            </a:extLst>
+          </p:cNvPr>
+          <p:cNvCxnSpPr>
+            <a:cxnSpLocks/>
+            <a:stCxn id="81" idx="5"/>
+          </p:cNvCxnSpPr>
+          <p:nvPr/>
+        </p:nvCxnSpPr>
+        <p:spPr>
+          <a:xfrm>
+            <a:off x="10607956" y="2870088"/>
+            <a:ext cx="100032" cy="134366"/>
+          </a:xfrm>
+          <a:prstGeom prst="line">
+            <a:avLst/>
+          </a:prstGeom>
+          <a:ln w="28575">
+            <a:solidFill>
+              <a:schemeClr val="tx1"/>
+            </a:solidFill>
+            <a:prstDash val="sysDash"/>
+          </a:ln>
+        </p:spPr>
+        <p:style>
+          <a:lnRef idx="2">
+            <a:schemeClr val="accent1"/>
+          </a:lnRef>
+          <a:fillRef idx="0">
+            <a:schemeClr val="accent1"/>
+          </a:fillRef>
+          <a:effectRef idx="1">
+            <a:schemeClr val="accent1"/>
+          </a:effectRef>
+          <a:fontRef idx="minor">
+            <a:schemeClr val="tx1"/>
+          </a:fontRef>
+        </p:style>
+      </p:cxnSp>
+    </p:spTree>
+    <p:extLst>
+      <p:ext uri="{BB962C8B-B14F-4D97-AF65-F5344CB8AC3E}">
+        <p14:creationId xmlns:p14="http://schemas.microsoft.com/office/powerpoint/2010/main" val="2324117658"/>
+      </p:ext>
+    </p:extLst>
+  </p:cSld>
+  <p:clrMapOvr>
+    <a:masterClrMapping/>
+  </p:clrMapOvr>
+</p:sld>
+</file>
+
 <file path=ppt/slides/slide2.xml><?xml version="1.0" encoding="utf-8"?>
 <p:sld xmlns:a="http://schemas.openxmlformats.org/drawingml/2006/main" xmlns:r="http://schemas.openxmlformats.org/officeDocument/2006/relationships" xmlns:p="http://schemas.openxmlformats.org/presentationml/2006/main">
   <p:cSld>
@@ -9703,8 +11737,8 @@
           </a:fontRef>
         </p:style>
       </p:cxnSp>
-      <mc:AlternateContent xmlns:mc="http://schemas.openxmlformats.org/markup-compatibility/2006">
-        <mc:Choice xmlns:a14="http://schemas.microsoft.com/office/drawing/2010/main" Requires="a14">
+      <mc:AlternateContent xmlns:mc="http://schemas.openxmlformats.org/markup-compatibility/2006" xmlns:a14="http://schemas.microsoft.com/office/drawing/2010/main">
+        <mc:Choice Requires="a14">
           <p:sp>
             <p:nvSpPr>
               <p:cNvPr id="24" name="TextBox 23">
@@ -9733,6 +11767,7 @@
               </a:bodyPr>
               <a:lstStyle/>
               <a:p>
+                <a:pPr/>
                 <a14:m>
                   <m:oMathPara xmlns:m="http://schemas.openxmlformats.org/officeDocument/2006/math">
                     <m:oMathParaPr>
@@ -9753,7 +11788,7 @@
             </p:txBody>
           </p:sp>
         </mc:Choice>
-        <mc:Fallback>
+        <mc:Fallback xmlns="">
           <p:sp>
             <p:nvSpPr>
               <p:cNvPr id="24" name="TextBox 23">
@@ -9798,8 +11833,8 @@
           </p:sp>
         </mc:Fallback>
       </mc:AlternateContent>
-      <mc:AlternateContent xmlns:mc="http://schemas.openxmlformats.org/markup-compatibility/2006">
-        <mc:Choice xmlns:a14="http://schemas.microsoft.com/office/drawing/2010/main" Requires="a14">
+      <mc:AlternateContent xmlns:mc="http://schemas.openxmlformats.org/markup-compatibility/2006" xmlns:a14="http://schemas.microsoft.com/office/drawing/2010/main">
+        <mc:Choice Requires="a14">
           <p:sp>
             <p:nvSpPr>
               <p:cNvPr id="26" name="TextBox 25">
@@ -9828,6 +11863,7 @@
               </a:bodyPr>
               <a:lstStyle/>
               <a:p>
+                <a:pPr/>
                 <a14:m>
                   <m:oMathPara xmlns:m="http://schemas.openxmlformats.org/officeDocument/2006/math">
                     <m:oMathParaPr>
@@ -9867,7 +11903,7 @@
             </p:txBody>
           </p:sp>
         </mc:Choice>
-        <mc:Fallback>
+        <mc:Fallback xmlns="">
           <p:sp>
             <p:nvSpPr>
               <p:cNvPr id="26" name="TextBox 25">
@@ -10082,8 +12118,8 @@
           </a:fontRef>
         </p:style>
       </p:cxnSp>
-      <mc:AlternateContent xmlns:mc="http://schemas.openxmlformats.org/markup-compatibility/2006">
-        <mc:Choice xmlns:a14="http://schemas.microsoft.com/office/drawing/2010/main" Requires="a14">
+      <mc:AlternateContent xmlns:mc="http://schemas.openxmlformats.org/markup-compatibility/2006" xmlns:a14="http://schemas.microsoft.com/office/drawing/2010/main">
+        <mc:Choice Requires="a14">
           <p:sp>
             <p:nvSpPr>
               <p:cNvPr id="24" name="TextBox 23">
@@ -10133,7 +12169,7 @@
             </p:txBody>
           </p:sp>
         </mc:Choice>
-        <mc:Fallback>
+        <mc:Fallback xmlns="">
           <p:sp>
             <p:nvSpPr>
               <p:cNvPr id="24" name="TextBox 23">
@@ -10178,8 +12214,8 @@
           </p:sp>
         </mc:Fallback>
       </mc:AlternateContent>
-      <mc:AlternateContent xmlns:mc="http://schemas.openxmlformats.org/markup-compatibility/2006">
-        <mc:Choice xmlns:a14="http://schemas.microsoft.com/office/drawing/2010/main" Requires="a14">
+      <mc:AlternateContent xmlns:mc="http://schemas.openxmlformats.org/markup-compatibility/2006" xmlns:a14="http://schemas.microsoft.com/office/drawing/2010/main">
+        <mc:Choice Requires="a14">
           <p:sp>
             <p:nvSpPr>
               <p:cNvPr id="26" name="TextBox 25">
@@ -10248,7 +12284,7 @@
             </p:txBody>
           </p:sp>
         </mc:Choice>
-        <mc:Fallback>
+        <mc:Fallback xmlns="">
           <p:sp>
             <p:nvSpPr>
               <p:cNvPr id="26" name="TextBox 25">
@@ -10693,8 +12729,8 @@
           </a:fontRef>
         </p:style>
       </p:cxnSp>
-      <mc:AlternateContent xmlns:mc="http://schemas.openxmlformats.org/markup-compatibility/2006">
-        <mc:Choice xmlns:a14="http://schemas.microsoft.com/office/drawing/2010/main" Requires="a14">
+      <mc:AlternateContent xmlns:mc="http://schemas.openxmlformats.org/markup-compatibility/2006" xmlns:a14="http://schemas.microsoft.com/office/drawing/2010/main">
+        <mc:Choice Requires="a14">
           <p:sp>
             <p:nvSpPr>
               <p:cNvPr id="24" name="TextBox 23">
@@ -10744,7 +12780,7 @@
             </p:txBody>
           </p:sp>
         </mc:Choice>
-        <mc:Fallback>
+        <mc:Fallback xmlns="">
           <p:sp>
             <p:nvSpPr>
               <p:cNvPr id="24" name="TextBox 23">
@@ -10789,8 +12825,8 @@
           </p:sp>
         </mc:Fallback>
       </mc:AlternateContent>
-      <mc:AlternateContent xmlns:mc="http://schemas.openxmlformats.org/markup-compatibility/2006">
-        <mc:Choice xmlns:a14="http://schemas.microsoft.com/office/drawing/2010/main" Requires="a14">
+      <mc:AlternateContent xmlns:mc="http://schemas.openxmlformats.org/markup-compatibility/2006" xmlns:a14="http://schemas.microsoft.com/office/drawing/2010/main">
+        <mc:Choice Requires="a14">
           <p:sp>
             <p:nvSpPr>
               <p:cNvPr id="26" name="TextBox 25">
@@ -10859,7 +12895,7 @@
             </p:txBody>
           </p:sp>
         </mc:Choice>
-        <mc:Fallback>
+        <mc:Fallback xmlns="">
           <p:sp>
             <p:nvSpPr>
               <p:cNvPr id="26" name="TextBox 25">
